--- a/EAGE24_Hackaton_NoCoalMiners.pptx
+++ b/EAGE24_Hackaton_NoCoalMiners.pptx
@@ -6,11 +6,14 @@
     <p:sldMasterId id="2147483684" r:id="rId6"/>
   </p:sldMasterIdLst>
   <p:notesMasterIdLst>
-    <p:notesMasterId r:id="rId9"/>
+    <p:notesMasterId r:id="rId12"/>
   </p:notesMasterIdLst>
   <p:sldIdLst>
     <p:sldId id="256" r:id="rId7"/>
     <p:sldId id="257" r:id="rId8"/>
+    <p:sldId id="260" r:id="rId9"/>
+    <p:sldId id="258" r:id="rId10"/>
+    <p:sldId id="262" r:id="rId11"/>
   </p:sldIdLst>
   <p:sldSz cx="12192000" cy="6858000"/>
   <p:notesSz cx="6858000" cy="9144000"/>
@@ -114,7 +117,7 @@
       <p15:sldGuideLst xmlns:p15="http://schemas.microsoft.com/office/powerpoint/2012/main"/>
     </p:ext>
     <p:ext uri="GoogleSlidesCustomDataVersion2">
-      <go:slidesCustomData xmlns:go="http://customooxmlschemas.google.com/" xmlns:ahyp="http://schemas.microsoft.com/office/drawing/2018/hyperlinkcolor" xmlns:p15="http://schemas.microsoft.com/office/powerpoint/2012/main" xmlns:p14="http://schemas.microsoft.com/office/powerpoint/2010/main" xmlns:com="http://schemas.openxmlformats.org/drawingml/2006/compatibility" xmlns:pvml="urn:schemas-microsoft-com:office:powerpoint" xmlns:v="urn:schemas-microsoft-com:vml" xmlns:o="urn:schemas-microsoft-com:office:office" xmlns:dgm="http://schemas.openxmlformats.org/drawingml/2006/diagram" xmlns:c="http://schemas.openxmlformats.org/drawingml/2006/chart" xmlns:mv="urn:schemas-microsoft-com:mac:vml" xmlns:mc="http://schemas.openxmlformats.org/markup-compatibility/2006" xmlns="" r:id="rId30" roundtripDataSignature="AMtx7mh72Tk8yFWbmlYJYJTG2uzTZsiODw=="/>
+      <go:slidesCustomData xmlns="" xmlns:mc="http://schemas.openxmlformats.org/markup-compatibility/2006" xmlns:mv="urn:schemas-microsoft-com:mac:vml" xmlns:c="http://schemas.openxmlformats.org/drawingml/2006/chart" xmlns:dgm="http://schemas.openxmlformats.org/drawingml/2006/diagram" xmlns:o="urn:schemas-microsoft-com:office:office" xmlns:v="urn:schemas-microsoft-com:vml" xmlns:pvml="urn:schemas-microsoft-com:office:powerpoint" xmlns:com="http://schemas.openxmlformats.org/drawingml/2006/compatibility" xmlns:p14="http://schemas.microsoft.com/office/powerpoint/2010/main" xmlns:p15="http://schemas.microsoft.com/office/powerpoint/2012/main" xmlns:ahyp="http://schemas.microsoft.com/office/drawing/2018/hyperlinkcolor" xmlns:go="http://customooxmlschemas.google.com/" r:id="rId30" roundtripDataSignature="AMtx7mh72Tk8yFWbmlYJYJTG2uzTZsiODw=="/>
     </p:ext>
   </p:extLst>
 </p:presentation>
@@ -125,6 +128,3134 @@
   <p188:author id="{A1369FA5-18F6-567F-45C4-79600706D512}" name="Line Kristin Borgerud" initials="LB" userId="S::LKB@equinor.com::577943d9-4c3f-4461-acb4-a20bc043e718" providerId="AD"/>
   <p188:author id="{729D5ABA-5AFB-9856-62A9-181B408E92C9}" name="Alejandro Bello Palacios" initials="AB" userId="S::GPB@equinor.com::c105b8ef-94fe-4388-8513-169c9b189163" providerId="AD"/>
 </p188:authorLst>
+</file>
+
+<file path=ppt/diagrams/colors1.xml><?xml version="1.0" encoding="utf-8"?>
+<dgm:colorsDef xmlns:dgm="http://schemas.openxmlformats.org/drawingml/2006/diagram" xmlns:a="http://schemas.openxmlformats.org/drawingml/2006/main" uniqueId="urn:microsoft.com/office/officeart/2005/8/colors/accent1_2">
+  <dgm:title val=""/>
+  <dgm:desc val=""/>
+  <dgm:catLst>
+    <dgm:cat type="accent1" pri="11200"/>
+  </dgm:catLst>
+  <dgm:styleLbl name="node0">
+    <dgm:fillClrLst meth="repeat">
+      <a:schemeClr val="accent1"/>
+    </dgm:fillClrLst>
+    <dgm:linClrLst meth="repeat">
+      <a:schemeClr val="lt1"/>
+    </dgm:linClrLst>
+    <dgm:effectClrLst/>
+    <dgm:txLinClrLst/>
+    <dgm:txFillClrLst/>
+    <dgm:txEffectClrLst/>
+  </dgm:styleLbl>
+  <dgm:styleLbl name="alignNode1">
+    <dgm:fillClrLst meth="repeat">
+      <a:schemeClr val="accent1"/>
+    </dgm:fillClrLst>
+    <dgm:linClrLst meth="repeat">
+      <a:schemeClr val="accent1"/>
+    </dgm:linClrLst>
+    <dgm:effectClrLst/>
+    <dgm:txLinClrLst/>
+    <dgm:txFillClrLst/>
+    <dgm:txEffectClrLst/>
+  </dgm:styleLbl>
+  <dgm:styleLbl name="node1">
+    <dgm:fillClrLst meth="repeat">
+      <a:schemeClr val="accent1"/>
+    </dgm:fillClrLst>
+    <dgm:linClrLst meth="repeat">
+      <a:schemeClr val="lt1"/>
+    </dgm:linClrLst>
+    <dgm:effectClrLst/>
+    <dgm:txLinClrLst/>
+    <dgm:txFillClrLst/>
+    <dgm:txEffectClrLst/>
+  </dgm:styleLbl>
+  <dgm:styleLbl name="lnNode1">
+    <dgm:fillClrLst meth="repeat">
+      <a:schemeClr val="accent1"/>
+    </dgm:fillClrLst>
+    <dgm:linClrLst meth="repeat">
+      <a:schemeClr val="lt1"/>
+    </dgm:linClrLst>
+    <dgm:effectClrLst/>
+    <dgm:txLinClrLst/>
+    <dgm:txFillClrLst/>
+    <dgm:txEffectClrLst/>
+  </dgm:styleLbl>
+  <dgm:styleLbl name="vennNode1">
+    <dgm:fillClrLst meth="repeat">
+      <a:schemeClr val="accent1">
+        <a:alpha val="50000"/>
+      </a:schemeClr>
+    </dgm:fillClrLst>
+    <dgm:linClrLst meth="repeat">
+      <a:schemeClr val="lt1"/>
+    </dgm:linClrLst>
+    <dgm:effectClrLst/>
+    <dgm:txLinClrLst/>
+    <dgm:txFillClrLst/>
+    <dgm:txEffectClrLst/>
+  </dgm:styleLbl>
+  <dgm:styleLbl name="node2">
+    <dgm:fillClrLst meth="repeat">
+      <a:schemeClr val="accent1"/>
+    </dgm:fillClrLst>
+    <dgm:linClrLst meth="repeat">
+      <a:schemeClr val="lt1"/>
+    </dgm:linClrLst>
+    <dgm:effectClrLst/>
+    <dgm:txLinClrLst/>
+    <dgm:txFillClrLst/>
+    <dgm:txEffectClrLst/>
+  </dgm:styleLbl>
+  <dgm:styleLbl name="node3">
+    <dgm:fillClrLst meth="repeat">
+      <a:schemeClr val="accent1"/>
+    </dgm:fillClrLst>
+    <dgm:linClrLst meth="repeat">
+      <a:schemeClr val="lt1"/>
+    </dgm:linClrLst>
+    <dgm:effectClrLst/>
+    <dgm:txLinClrLst/>
+    <dgm:txFillClrLst/>
+    <dgm:txEffectClrLst/>
+  </dgm:styleLbl>
+  <dgm:styleLbl name="node4">
+    <dgm:fillClrLst meth="repeat">
+      <a:schemeClr val="accent1"/>
+    </dgm:fillClrLst>
+    <dgm:linClrLst meth="repeat">
+      <a:schemeClr val="lt1"/>
+    </dgm:linClrLst>
+    <dgm:effectClrLst/>
+    <dgm:txLinClrLst/>
+    <dgm:txFillClrLst/>
+    <dgm:txEffectClrLst/>
+  </dgm:styleLbl>
+  <dgm:styleLbl name="fgImgPlace1">
+    <dgm:fillClrLst meth="repeat">
+      <a:schemeClr val="accent1">
+        <a:tint val="50000"/>
+      </a:schemeClr>
+    </dgm:fillClrLst>
+    <dgm:linClrLst meth="repeat">
+      <a:schemeClr val="lt1"/>
+    </dgm:linClrLst>
+    <dgm:effectClrLst/>
+    <dgm:txLinClrLst/>
+    <dgm:txFillClrLst meth="repeat">
+      <a:schemeClr val="lt1"/>
+    </dgm:txFillClrLst>
+    <dgm:txEffectClrLst/>
+  </dgm:styleLbl>
+  <dgm:styleLbl name="alignImgPlace1">
+    <dgm:fillClrLst meth="repeat">
+      <a:schemeClr val="accent1">
+        <a:tint val="50000"/>
+      </a:schemeClr>
+    </dgm:fillClrLst>
+    <dgm:linClrLst meth="repeat">
+      <a:schemeClr val="lt1"/>
+    </dgm:linClrLst>
+    <dgm:effectClrLst/>
+    <dgm:txLinClrLst/>
+    <dgm:txFillClrLst meth="repeat">
+      <a:schemeClr val="lt1"/>
+    </dgm:txFillClrLst>
+    <dgm:txEffectClrLst/>
+  </dgm:styleLbl>
+  <dgm:styleLbl name="bgImgPlace1">
+    <dgm:fillClrLst meth="repeat">
+      <a:schemeClr val="accent1">
+        <a:tint val="50000"/>
+      </a:schemeClr>
+    </dgm:fillClrLst>
+    <dgm:linClrLst meth="repeat">
+      <a:schemeClr val="lt1"/>
+    </dgm:linClrLst>
+    <dgm:effectClrLst/>
+    <dgm:txLinClrLst/>
+    <dgm:txFillClrLst meth="repeat">
+      <a:schemeClr val="lt1"/>
+    </dgm:txFillClrLst>
+    <dgm:txEffectClrLst/>
+  </dgm:styleLbl>
+  <dgm:styleLbl name="sibTrans2D1">
+    <dgm:fillClrLst meth="repeat">
+      <a:schemeClr val="accent1">
+        <a:tint val="60000"/>
+      </a:schemeClr>
+    </dgm:fillClrLst>
+    <dgm:linClrLst meth="repeat">
+      <a:schemeClr val="accent1">
+        <a:tint val="60000"/>
+      </a:schemeClr>
+    </dgm:linClrLst>
+    <dgm:effectClrLst/>
+    <dgm:txLinClrLst/>
+    <dgm:txFillClrLst/>
+    <dgm:txEffectClrLst/>
+  </dgm:styleLbl>
+  <dgm:styleLbl name="fgSibTrans2D1">
+    <dgm:fillClrLst meth="repeat">
+      <a:schemeClr val="accent1">
+        <a:tint val="60000"/>
+      </a:schemeClr>
+    </dgm:fillClrLst>
+    <dgm:linClrLst meth="repeat">
+      <a:schemeClr val="accent1">
+        <a:tint val="60000"/>
+      </a:schemeClr>
+    </dgm:linClrLst>
+    <dgm:effectClrLst/>
+    <dgm:txLinClrLst/>
+    <dgm:txFillClrLst/>
+    <dgm:txEffectClrLst/>
+  </dgm:styleLbl>
+  <dgm:styleLbl name="bgSibTrans2D1">
+    <dgm:fillClrLst meth="repeat">
+      <a:schemeClr val="accent1">
+        <a:tint val="60000"/>
+      </a:schemeClr>
+    </dgm:fillClrLst>
+    <dgm:linClrLst meth="repeat">
+      <a:schemeClr val="accent1">
+        <a:tint val="60000"/>
+      </a:schemeClr>
+    </dgm:linClrLst>
+    <dgm:effectClrLst/>
+    <dgm:txLinClrLst/>
+    <dgm:txFillClrLst/>
+    <dgm:txEffectClrLst/>
+  </dgm:styleLbl>
+  <dgm:styleLbl name="sibTrans1D1">
+    <dgm:fillClrLst meth="repeat">
+      <a:schemeClr val="accent1"/>
+    </dgm:fillClrLst>
+    <dgm:linClrLst meth="repeat">
+      <a:schemeClr val="accent1"/>
+    </dgm:linClrLst>
+    <dgm:effectClrLst/>
+    <dgm:txLinClrLst/>
+    <dgm:txFillClrLst meth="repeat">
+      <a:schemeClr val="tx1"/>
+    </dgm:txFillClrLst>
+    <dgm:txEffectClrLst/>
+  </dgm:styleLbl>
+  <dgm:styleLbl name="callout">
+    <dgm:fillClrLst meth="repeat">
+      <a:schemeClr val="accent1"/>
+    </dgm:fillClrLst>
+    <dgm:linClrLst meth="repeat">
+      <a:schemeClr val="accent1">
+        <a:tint val="50000"/>
+      </a:schemeClr>
+    </dgm:linClrLst>
+    <dgm:effectClrLst/>
+    <dgm:txLinClrLst/>
+    <dgm:txFillClrLst meth="repeat">
+      <a:schemeClr val="tx1"/>
+    </dgm:txFillClrLst>
+    <dgm:txEffectClrLst/>
+  </dgm:styleLbl>
+  <dgm:styleLbl name="asst0">
+    <dgm:fillClrLst meth="repeat">
+      <a:schemeClr val="accent1"/>
+    </dgm:fillClrLst>
+    <dgm:linClrLst meth="repeat">
+      <a:schemeClr val="lt1"/>
+    </dgm:linClrLst>
+    <dgm:effectClrLst/>
+    <dgm:txLinClrLst/>
+    <dgm:txFillClrLst/>
+    <dgm:txEffectClrLst/>
+  </dgm:styleLbl>
+  <dgm:styleLbl name="asst1">
+    <dgm:fillClrLst meth="repeat">
+      <a:schemeClr val="accent1"/>
+    </dgm:fillClrLst>
+    <dgm:linClrLst meth="repeat">
+      <a:schemeClr val="lt1"/>
+    </dgm:linClrLst>
+    <dgm:effectClrLst/>
+    <dgm:txLinClrLst/>
+    <dgm:txFillClrLst/>
+    <dgm:txEffectClrLst/>
+  </dgm:styleLbl>
+  <dgm:styleLbl name="asst2">
+    <dgm:fillClrLst meth="repeat">
+      <a:schemeClr val="accent1"/>
+    </dgm:fillClrLst>
+    <dgm:linClrLst meth="repeat">
+      <a:schemeClr val="lt1"/>
+    </dgm:linClrLst>
+    <dgm:effectClrLst/>
+    <dgm:txLinClrLst/>
+    <dgm:txFillClrLst/>
+    <dgm:txEffectClrLst/>
+  </dgm:styleLbl>
+  <dgm:styleLbl name="asst3">
+    <dgm:fillClrLst meth="repeat">
+      <a:schemeClr val="accent1"/>
+    </dgm:fillClrLst>
+    <dgm:linClrLst meth="repeat">
+      <a:schemeClr val="lt1"/>
+    </dgm:linClrLst>
+    <dgm:effectClrLst/>
+    <dgm:txLinClrLst/>
+    <dgm:txFillClrLst/>
+    <dgm:txEffectClrLst/>
+  </dgm:styleLbl>
+  <dgm:styleLbl name="asst4">
+    <dgm:fillClrLst meth="repeat">
+      <a:schemeClr val="accent1"/>
+    </dgm:fillClrLst>
+    <dgm:linClrLst meth="repeat">
+      <a:schemeClr val="lt1"/>
+    </dgm:linClrLst>
+    <dgm:effectClrLst/>
+    <dgm:txLinClrLst/>
+    <dgm:txFillClrLst/>
+    <dgm:txEffectClrLst/>
+  </dgm:styleLbl>
+  <dgm:styleLbl name="parChTrans2D1">
+    <dgm:fillClrLst meth="repeat">
+      <a:schemeClr val="accent1">
+        <a:tint val="60000"/>
+      </a:schemeClr>
+    </dgm:fillClrLst>
+    <dgm:linClrLst meth="repeat">
+      <a:schemeClr val="accent1">
+        <a:tint val="60000"/>
+      </a:schemeClr>
+    </dgm:linClrLst>
+    <dgm:effectClrLst/>
+    <dgm:txLinClrLst/>
+    <dgm:txFillClrLst meth="repeat">
+      <a:schemeClr val="lt1"/>
+    </dgm:txFillClrLst>
+    <dgm:txEffectClrLst/>
+  </dgm:styleLbl>
+  <dgm:styleLbl name="parChTrans2D2">
+    <dgm:fillClrLst meth="repeat">
+      <a:schemeClr val="accent1"/>
+    </dgm:fillClrLst>
+    <dgm:linClrLst meth="repeat">
+      <a:schemeClr val="accent1"/>
+    </dgm:linClrLst>
+    <dgm:effectClrLst/>
+    <dgm:txLinClrLst/>
+    <dgm:txFillClrLst meth="repeat">
+      <a:schemeClr val="lt1"/>
+    </dgm:txFillClrLst>
+    <dgm:txEffectClrLst/>
+  </dgm:styleLbl>
+  <dgm:styleLbl name="parChTrans2D3">
+    <dgm:fillClrLst meth="repeat">
+      <a:schemeClr val="accent1"/>
+    </dgm:fillClrLst>
+    <dgm:linClrLst meth="repeat">
+      <a:schemeClr val="accent1"/>
+    </dgm:linClrLst>
+    <dgm:effectClrLst/>
+    <dgm:txLinClrLst/>
+    <dgm:txFillClrLst meth="repeat">
+      <a:schemeClr val="lt1"/>
+    </dgm:txFillClrLst>
+    <dgm:txEffectClrLst/>
+  </dgm:styleLbl>
+  <dgm:styleLbl name="parChTrans2D4">
+    <dgm:fillClrLst meth="repeat">
+      <a:schemeClr val="accent1"/>
+    </dgm:fillClrLst>
+    <dgm:linClrLst meth="repeat">
+      <a:schemeClr val="accent1"/>
+    </dgm:linClrLst>
+    <dgm:effectClrLst/>
+    <dgm:txLinClrLst/>
+    <dgm:txFillClrLst meth="repeat">
+      <a:schemeClr val="lt1"/>
+    </dgm:txFillClrLst>
+    <dgm:txEffectClrLst/>
+  </dgm:styleLbl>
+  <dgm:styleLbl name="parChTrans1D1">
+    <dgm:fillClrLst meth="repeat">
+      <a:schemeClr val="accent1"/>
+    </dgm:fillClrLst>
+    <dgm:linClrLst meth="repeat">
+      <a:schemeClr val="accent1">
+        <a:shade val="60000"/>
+      </a:schemeClr>
+    </dgm:linClrLst>
+    <dgm:effectClrLst/>
+    <dgm:txLinClrLst/>
+    <dgm:txFillClrLst meth="repeat">
+      <a:schemeClr val="tx1"/>
+    </dgm:txFillClrLst>
+    <dgm:txEffectClrLst/>
+  </dgm:styleLbl>
+  <dgm:styleLbl name="parChTrans1D2">
+    <dgm:fillClrLst meth="repeat">
+      <a:schemeClr val="accent1"/>
+    </dgm:fillClrLst>
+    <dgm:linClrLst meth="repeat">
+      <a:schemeClr val="accent1">
+        <a:shade val="60000"/>
+      </a:schemeClr>
+    </dgm:linClrLst>
+    <dgm:effectClrLst/>
+    <dgm:txLinClrLst/>
+    <dgm:txFillClrLst meth="repeat">
+      <a:schemeClr val="tx1"/>
+    </dgm:txFillClrLst>
+    <dgm:txEffectClrLst/>
+  </dgm:styleLbl>
+  <dgm:styleLbl name="parChTrans1D3">
+    <dgm:fillClrLst meth="repeat">
+      <a:schemeClr val="accent1"/>
+    </dgm:fillClrLst>
+    <dgm:linClrLst meth="repeat">
+      <a:schemeClr val="accent1">
+        <a:shade val="80000"/>
+      </a:schemeClr>
+    </dgm:linClrLst>
+    <dgm:effectClrLst/>
+    <dgm:txLinClrLst/>
+    <dgm:txFillClrLst meth="repeat">
+      <a:schemeClr val="tx1"/>
+    </dgm:txFillClrLst>
+    <dgm:txEffectClrLst/>
+  </dgm:styleLbl>
+  <dgm:styleLbl name="parChTrans1D4">
+    <dgm:fillClrLst meth="repeat">
+      <a:schemeClr val="accent1"/>
+    </dgm:fillClrLst>
+    <dgm:linClrLst meth="repeat">
+      <a:schemeClr val="accent1">
+        <a:shade val="80000"/>
+      </a:schemeClr>
+    </dgm:linClrLst>
+    <dgm:effectClrLst/>
+    <dgm:txLinClrLst/>
+    <dgm:txFillClrLst meth="repeat">
+      <a:schemeClr val="tx1"/>
+    </dgm:txFillClrLst>
+    <dgm:txEffectClrLst/>
+  </dgm:styleLbl>
+  <dgm:styleLbl name="fgAcc1">
+    <dgm:fillClrLst meth="repeat">
+      <a:schemeClr val="lt1">
+        <a:alpha val="90000"/>
+      </a:schemeClr>
+    </dgm:fillClrLst>
+    <dgm:linClrLst meth="repeat">
+      <a:schemeClr val="accent1"/>
+    </dgm:linClrLst>
+    <dgm:effectClrLst/>
+    <dgm:txLinClrLst/>
+    <dgm:txFillClrLst meth="repeat">
+      <a:schemeClr val="dk1"/>
+    </dgm:txFillClrLst>
+    <dgm:txEffectClrLst/>
+  </dgm:styleLbl>
+  <dgm:styleLbl name="conFgAcc1">
+    <dgm:fillClrLst meth="repeat">
+      <a:schemeClr val="lt1">
+        <a:alpha val="90000"/>
+      </a:schemeClr>
+    </dgm:fillClrLst>
+    <dgm:linClrLst meth="repeat">
+      <a:schemeClr val="accent1"/>
+    </dgm:linClrLst>
+    <dgm:effectClrLst/>
+    <dgm:txLinClrLst/>
+    <dgm:txFillClrLst meth="repeat">
+      <a:schemeClr val="dk1"/>
+    </dgm:txFillClrLst>
+    <dgm:txEffectClrLst/>
+  </dgm:styleLbl>
+  <dgm:styleLbl name="alignAcc1">
+    <dgm:fillClrLst meth="repeat">
+      <a:schemeClr val="lt1">
+        <a:alpha val="90000"/>
+      </a:schemeClr>
+    </dgm:fillClrLst>
+    <dgm:linClrLst meth="repeat">
+      <a:schemeClr val="accent1"/>
+    </dgm:linClrLst>
+    <dgm:effectClrLst/>
+    <dgm:txLinClrLst/>
+    <dgm:txFillClrLst meth="repeat">
+      <a:schemeClr val="dk1"/>
+    </dgm:txFillClrLst>
+    <dgm:txEffectClrLst/>
+  </dgm:styleLbl>
+  <dgm:styleLbl name="trAlignAcc1">
+    <dgm:fillClrLst meth="repeat">
+      <a:schemeClr val="lt1">
+        <a:alpha val="40000"/>
+      </a:schemeClr>
+    </dgm:fillClrLst>
+    <dgm:linClrLst meth="repeat">
+      <a:schemeClr val="accent1"/>
+    </dgm:linClrLst>
+    <dgm:effectClrLst/>
+    <dgm:txLinClrLst/>
+    <dgm:txFillClrLst meth="repeat">
+      <a:schemeClr val="dk1"/>
+    </dgm:txFillClrLst>
+    <dgm:txEffectClrLst/>
+  </dgm:styleLbl>
+  <dgm:styleLbl name="bgAcc1">
+    <dgm:fillClrLst meth="repeat">
+      <a:schemeClr val="lt1">
+        <a:alpha val="90000"/>
+      </a:schemeClr>
+    </dgm:fillClrLst>
+    <dgm:linClrLst meth="repeat">
+      <a:schemeClr val="accent1"/>
+    </dgm:linClrLst>
+    <dgm:effectClrLst/>
+    <dgm:txLinClrLst/>
+    <dgm:txFillClrLst meth="repeat">
+      <a:schemeClr val="dk1"/>
+    </dgm:txFillClrLst>
+    <dgm:txEffectClrLst/>
+  </dgm:styleLbl>
+  <dgm:styleLbl name="solidFgAcc1">
+    <dgm:fillClrLst meth="repeat">
+      <a:schemeClr val="lt1"/>
+    </dgm:fillClrLst>
+    <dgm:linClrLst meth="repeat">
+      <a:schemeClr val="accent1"/>
+    </dgm:linClrLst>
+    <dgm:effectClrLst/>
+    <dgm:txLinClrLst/>
+    <dgm:txFillClrLst meth="repeat">
+      <a:schemeClr val="dk1"/>
+    </dgm:txFillClrLst>
+    <dgm:txEffectClrLst/>
+  </dgm:styleLbl>
+  <dgm:styleLbl name="solidAlignAcc1">
+    <dgm:fillClrLst meth="repeat">
+      <a:schemeClr val="lt1"/>
+    </dgm:fillClrLst>
+    <dgm:linClrLst meth="repeat">
+      <a:schemeClr val="accent1"/>
+    </dgm:linClrLst>
+    <dgm:effectClrLst/>
+    <dgm:txLinClrLst/>
+    <dgm:txFillClrLst meth="repeat">
+      <a:schemeClr val="dk1"/>
+    </dgm:txFillClrLst>
+    <dgm:txEffectClrLst/>
+  </dgm:styleLbl>
+  <dgm:styleLbl name="solidBgAcc1">
+    <dgm:fillClrLst meth="repeat">
+      <a:schemeClr val="lt1"/>
+    </dgm:fillClrLst>
+    <dgm:linClrLst meth="repeat">
+      <a:schemeClr val="accent1"/>
+    </dgm:linClrLst>
+    <dgm:effectClrLst/>
+    <dgm:txLinClrLst/>
+    <dgm:txFillClrLst meth="repeat">
+      <a:schemeClr val="dk1"/>
+    </dgm:txFillClrLst>
+    <dgm:txEffectClrLst/>
+  </dgm:styleLbl>
+  <dgm:styleLbl name="fgAccFollowNode1">
+    <dgm:fillClrLst meth="repeat">
+      <a:schemeClr val="accent1">
+        <a:alpha val="90000"/>
+        <a:tint val="40000"/>
+      </a:schemeClr>
+    </dgm:fillClrLst>
+    <dgm:linClrLst meth="repeat">
+      <a:schemeClr val="accent1">
+        <a:alpha val="90000"/>
+        <a:tint val="40000"/>
+      </a:schemeClr>
+    </dgm:linClrLst>
+    <dgm:effectClrLst/>
+    <dgm:txLinClrLst/>
+    <dgm:txFillClrLst meth="repeat">
+      <a:schemeClr val="dk1"/>
+    </dgm:txFillClrLst>
+    <dgm:txEffectClrLst/>
+  </dgm:styleLbl>
+  <dgm:styleLbl name="alignAccFollowNode1">
+    <dgm:fillClrLst meth="repeat">
+      <a:schemeClr val="accent1">
+        <a:alpha val="90000"/>
+        <a:tint val="40000"/>
+      </a:schemeClr>
+    </dgm:fillClrLst>
+    <dgm:linClrLst meth="repeat">
+      <a:schemeClr val="accent1">
+        <a:alpha val="90000"/>
+        <a:tint val="40000"/>
+      </a:schemeClr>
+    </dgm:linClrLst>
+    <dgm:effectClrLst/>
+    <dgm:txLinClrLst/>
+    <dgm:txFillClrLst meth="repeat">
+      <a:schemeClr val="dk1"/>
+    </dgm:txFillClrLst>
+    <dgm:txEffectClrLst/>
+  </dgm:styleLbl>
+  <dgm:styleLbl name="bgAccFollowNode1">
+    <dgm:fillClrLst meth="repeat">
+      <a:schemeClr val="accent1">
+        <a:alpha val="90000"/>
+        <a:tint val="40000"/>
+      </a:schemeClr>
+    </dgm:fillClrLst>
+    <dgm:linClrLst meth="repeat">
+      <a:schemeClr val="accent1">
+        <a:alpha val="90000"/>
+        <a:tint val="40000"/>
+      </a:schemeClr>
+    </dgm:linClrLst>
+    <dgm:effectClrLst/>
+    <dgm:txLinClrLst/>
+    <dgm:txFillClrLst meth="repeat">
+      <a:schemeClr val="dk1"/>
+    </dgm:txFillClrLst>
+    <dgm:txEffectClrLst/>
+  </dgm:styleLbl>
+  <dgm:styleLbl name="fgAcc0">
+    <dgm:fillClrLst meth="repeat">
+      <a:schemeClr val="lt1">
+        <a:alpha val="90000"/>
+      </a:schemeClr>
+    </dgm:fillClrLst>
+    <dgm:linClrLst meth="repeat">
+      <a:schemeClr val="accent1"/>
+    </dgm:linClrLst>
+    <dgm:effectClrLst/>
+    <dgm:txLinClrLst/>
+    <dgm:txFillClrLst meth="repeat">
+      <a:schemeClr val="dk1"/>
+    </dgm:txFillClrLst>
+    <dgm:txEffectClrLst/>
+  </dgm:styleLbl>
+  <dgm:styleLbl name="fgAcc2">
+    <dgm:fillClrLst meth="repeat">
+      <a:schemeClr val="lt1">
+        <a:alpha val="90000"/>
+      </a:schemeClr>
+    </dgm:fillClrLst>
+    <dgm:linClrLst meth="repeat">
+      <a:schemeClr val="accent1"/>
+    </dgm:linClrLst>
+    <dgm:effectClrLst/>
+    <dgm:txLinClrLst/>
+    <dgm:txFillClrLst meth="repeat">
+      <a:schemeClr val="dk1"/>
+    </dgm:txFillClrLst>
+    <dgm:txEffectClrLst/>
+  </dgm:styleLbl>
+  <dgm:styleLbl name="fgAcc3">
+    <dgm:fillClrLst meth="repeat">
+      <a:schemeClr val="lt1">
+        <a:alpha val="90000"/>
+      </a:schemeClr>
+    </dgm:fillClrLst>
+    <dgm:linClrLst meth="repeat">
+      <a:schemeClr val="accent1"/>
+    </dgm:linClrLst>
+    <dgm:effectClrLst/>
+    <dgm:txLinClrLst/>
+    <dgm:txFillClrLst meth="repeat">
+      <a:schemeClr val="dk1"/>
+    </dgm:txFillClrLst>
+    <dgm:txEffectClrLst/>
+  </dgm:styleLbl>
+  <dgm:styleLbl name="fgAcc4">
+    <dgm:fillClrLst meth="repeat">
+      <a:schemeClr val="lt1">
+        <a:alpha val="90000"/>
+      </a:schemeClr>
+    </dgm:fillClrLst>
+    <dgm:linClrLst meth="repeat">
+      <a:schemeClr val="accent1"/>
+    </dgm:linClrLst>
+    <dgm:effectClrLst/>
+    <dgm:txLinClrLst/>
+    <dgm:txFillClrLst meth="repeat">
+      <a:schemeClr val="dk1"/>
+    </dgm:txFillClrLst>
+    <dgm:txEffectClrLst/>
+  </dgm:styleLbl>
+  <dgm:styleLbl name="bgShp">
+    <dgm:fillClrLst meth="repeat">
+      <a:schemeClr val="accent1">
+        <a:tint val="40000"/>
+      </a:schemeClr>
+    </dgm:fillClrLst>
+    <dgm:linClrLst meth="repeat">
+      <a:schemeClr val="accent1"/>
+    </dgm:linClrLst>
+    <dgm:effectClrLst/>
+    <dgm:txLinClrLst/>
+    <dgm:txFillClrLst meth="repeat">
+      <a:schemeClr val="dk1"/>
+    </dgm:txFillClrLst>
+    <dgm:txEffectClrLst/>
+  </dgm:styleLbl>
+  <dgm:styleLbl name="dkBgShp">
+    <dgm:fillClrLst meth="repeat">
+      <a:schemeClr val="accent1">
+        <a:shade val="80000"/>
+      </a:schemeClr>
+    </dgm:fillClrLst>
+    <dgm:linClrLst meth="repeat">
+      <a:schemeClr val="accent1"/>
+    </dgm:linClrLst>
+    <dgm:effectClrLst/>
+    <dgm:txLinClrLst/>
+    <dgm:txFillClrLst meth="repeat">
+      <a:schemeClr val="lt1"/>
+    </dgm:txFillClrLst>
+    <dgm:txEffectClrLst/>
+  </dgm:styleLbl>
+  <dgm:styleLbl name="trBgShp">
+    <dgm:fillClrLst meth="repeat">
+      <a:schemeClr val="accent1">
+        <a:tint val="50000"/>
+        <a:alpha val="40000"/>
+      </a:schemeClr>
+    </dgm:fillClrLst>
+    <dgm:linClrLst meth="repeat">
+      <a:schemeClr val="accent1"/>
+    </dgm:linClrLst>
+    <dgm:effectClrLst/>
+    <dgm:txLinClrLst/>
+    <dgm:txFillClrLst meth="repeat">
+      <a:schemeClr val="lt1"/>
+    </dgm:txFillClrLst>
+    <dgm:txEffectClrLst/>
+  </dgm:styleLbl>
+  <dgm:styleLbl name="fgShp">
+    <dgm:fillClrLst meth="repeat">
+      <a:schemeClr val="accent1">
+        <a:tint val="60000"/>
+      </a:schemeClr>
+    </dgm:fillClrLst>
+    <dgm:linClrLst meth="repeat">
+      <a:schemeClr val="lt1"/>
+    </dgm:linClrLst>
+    <dgm:effectClrLst/>
+    <dgm:txLinClrLst/>
+    <dgm:txFillClrLst meth="repeat">
+      <a:schemeClr val="dk1"/>
+    </dgm:txFillClrLst>
+    <dgm:txEffectClrLst/>
+  </dgm:styleLbl>
+  <dgm:styleLbl name="revTx">
+    <dgm:fillClrLst meth="repeat">
+      <a:schemeClr val="lt1">
+        <a:alpha val="0"/>
+      </a:schemeClr>
+    </dgm:fillClrLst>
+    <dgm:linClrLst meth="repeat">
+      <a:schemeClr val="dk1">
+        <a:alpha val="0"/>
+      </a:schemeClr>
+    </dgm:linClrLst>
+    <dgm:effectClrLst/>
+    <dgm:txLinClrLst/>
+    <dgm:txFillClrLst meth="repeat">
+      <a:schemeClr val="tx1"/>
+    </dgm:txFillClrLst>
+    <dgm:txEffectClrLst/>
+  </dgm:styleLbl>
+</dgm:colorsDef>
+</file>
+
+<file path=ppt/diagrams/data1.xml><?xml version="1.0" encoding="utf-8"?>
+<dgm:dataModel xmlns:dgm="http://schemas.openxmlformats.org/drawingml/2006/diagram" xmlns:a="http://schemas.openxmlformats.org/drawingml/2006/main">
+  <dgm:ptLst>
+    <dgm:pt modelId="{03EADB82-619F-4CBD-8C0C-FD4A07FC44FF}" type="doc">
+      <dgm:prSet loTypeId="urn:microsoft.com/office/officeart/2005/8/layout/process5" loCatId="process" qsTypeId="urn:microsoft.com/office/officeart/2005/8/quickstyle/simple1" qsCatId="simple" csTypeId="urn:microsoft.com/office/officeart/2005/8/colors/accent1_2" csCatId="accent1" phldr="1"/>
+      <dgm:spPr/>
+      <dgm:t>
+        <a:bodyPr/>
+        <a:lstStyle/>
+        <a:p>
+          <a:endParaRPr lang="en-US"/>
+        </a:p>
+      </dgm:t>
+    </dgm:pt>
+    <dgm:pt modelId="{62ED2FD8-1CB2-4546-8EC8-18C0F01ADA03}">
+      <dgm:prSet phldrT="[Text]"/>
+      <dgm:spPr/>
+      <dgm:t>
+        <a:bodyPr/>
+        <a:lstStyle/>
+        <a:p>
+          <a:r>
+            <a:rPr lang="nb-NO" dirty="0"/>
+            <a:t>EDA / Pandas </a:t>
+          </a:r>
+          <a:r>
+            <a:rPr lang="nb-NO" dirty="0" err="1"/>
+            <a:t>processing</a:t>
+          </a:r>
+          <a:endParaRPr lang="en-US" dirty="0"/>
+        </a:p>
+      </dgm:t>
+    </dgm:pt>
+    <dgm:pt modelId="{4E72218F-4F53-43BC-A3DA-59EDBEB99E1F}" type="parTrans" cxnId="{63FC3552-2B6D-46FC-862D-CDD4F921E726}">
+      <dgm:prSet/>
+      <dgm:spPr/>
+      <dgm:t>
+        <a:bodyPr/>
+        <a:lstStyle/>
+        <a:p>
+          <a:endParaRPr lang="en-US"/>
+        </a:p>
+      </dgm:t>
+    </dgm:pt>
+    <dgm:pt modelId="{0C118D9E-1D19-4F6F-9A50-5016220754D8}" type="sibTrans" cxnId="{63FC3552-2B6D-46FC-862D-CDD4F921E726}">
+      <dgm:prSet/>
+      <dgm:spPr/>
+      <dgm:t>
+        <a:bodyPr/>
+        <a:lstStyle/>
+        <a:p>
+          <a:endParaRPr lang="en-US"/>
+        </a:p>
+      </dgm:t>
+    </dgm:pt>
+    <dgm:pt modelId="{C79C6B75-E75E-49F4-8FA7-55803740EFF1}">
+      <dgm:prSet phldrT="[Text]"/>
+      <dgm:spPr/>
+      <dgm:t>
+        <a:bodyPr/>
+        <a:lstStyle/>
+        <a:p>
+          <a:r>
+            <a:rPr lang="nb-NO" dirty="0" err="1"/>
+            <a:t>Process</a:t>
+          </a:r>
+          <a:r>
+            <a:rPr lang="nb-NO" dirty="0"/>
+            <a:t> data</a:t>
+          </a:r>
+          <a:endParaRPr lang="en-US" dirty="0"/>
+        </a:p>
+      </dgm:t>
+    </dgm:pt>
+    <dgm:pt modelId="{3E3D7C1B-4CB4-4125-94ED-616EE20C3893}" type="parTrans" cxnId="{ACA06BBC-0D97-4B50-B855-D92BBEC5AD32}">
+      <dgm:prSet/>
+      <dgm:spPr/>
+      <dgm:t>
+        <a:bodyPr/>
+        <a:lstStyle/>
+        <a:p>
+          <a:endParaRPr lang="en-US"/>
+        </a:p>
+      </dgm:t>
+    </dgm:pt>
+    <dgm:pt modelId="{5A45A331-A0BA-4CD9-AA54-A0A91F875688}" type="sibTrans" cxnId="{ACA06BBC-0D97-4B50-B855-D92BBEC5AD32}">
+      <dgm:prSet/>
+      <dgm:spPr/>
+      <dgm:t>
+        <a:bodyPr/>
+        <a:lstStyle/>
+        <a:p>
+          <a:endParaRPr lang="en-US"/>
+        </a:p>
+      </dgm:t>
+    </dgm:pt>
+    <dgm:pt modelId="{CFF3DF00-AE12-43BE-9CC2-59CA080CD64C}">
+      <dgm:prSet phldrT="[Text]"/>
+      <dgm:spPr/>
+      <dgm:t>
+        <a:bodyPr/>
+        <a:lstStyle/>
+        <a:p>
+          <a:r>
+            <a:rPr lang="nb-NO" dirty="0" err="1"/>
+            <a:t>Export</a:t>
+          </a:r>
+          <a:r>
+            <a:rPr lang="nb-NO" dirty="0"/>
+            <a:t> JSONL files</a:t>
+          </a:r>
+          <a:endParaRPr lang="en-US" dirty="0"/>
+        </a:p>
+      </dgm:t>
+    </dgm:pt>
+    <dgm:pt modelId="{BE108021-45D7-49E4-8B67-D3EE5644CD47}" type="parTrans" cxnId="{CD57964D-5052-4146-B527-8A13CD62F2E1}">
+      <dgm:prSet/>
+      <dgm:spPr/>
+      <dgm:t>
+        <a:bodyPr/>
+        <a:lstStyle/>
+        <a:p>
+          <a:endParaRPr lang="en-US"/>
+        </a:p>
+      </dgm:t>
+    </dgm:pt>
+    <dgm:pt modelId="{7BA4BD2B-91C4-4678-81C7-D55B5B325433}" type="sibTrans" cxnId="{CD57964D-5052-4146-B527-8A13CD62F2E1}">
+      <dgm:prSet/>
+      <dgm:spPr/>
+      <dgm:t>
+        <a:bodyPr/>
+        <a:lstStyle/>
+        <a:p>
+          <a:endParaRPr lang="en-US"/>
+        </a:p>
+      </dgm:t>
+    </dgm:pt>
+    <dgm:pt modelId="{E79C06A0-8DFB-4500-BD0A-F2093FBFBA31}">
+      <dgm:prSet phldrT="[Text]"/>
+      <dgm:spPr/>
+      <dgm:t>
+        <a:bodyPr/>
+        <a:lstStyle/>
+        <a:p>
+          <a:r>
+            <a:rPr lang="nb-NO" dirty="0"/>
+            <a:t>Nemo </a:t>
+          </a:r>
+          <a:r>
+            <a:rPr lang="nb-NO" dirty="0" err="1"/>
+            <a:t>Curator</a:t>
+          </a:r>
+          <a:endParaRPr lang="en-US" dirty="0"/>
+        </a:p>
+      </dgm:t>
+    </dgm:pt>
+    <dgm:pt modelId="{B958C0A2-E848-4BEC-8D52-377518D098B7}" type="parTrans" cxnId="{8F17CF3D-CF35-4ACD-9CF1-67EDC3D4FF80}">
+      <dgm:prSet/>
+      <dgm:spPr/>
+      <dgm:t>
+        <a:bodyPr/>
+        <a:lstStyle/>
+        <a:p>
+          <a:endParaRPr lang="en-US"/>
+        </a:p>
+      </dgm:t>
+    </dgm:pt>
+    <dgm:pt modelId="{E0B08F4D-4A22-4345-A613-FB893A8EA649}" type="sibTrans" cxnId="{8F17CF3D-CF35-4ACD-9CF1-67EDC3D4FF80}">
+      <dgm:prSet/>
+      <dgm:spPr/>
+      <dgm:t>
+        <a:bodyPr/>
+        <a:lstStyle/>
+        <a:p>
+          <a:endParaRPr lang="en-US"/>
+        </a:p>
+      </dgm:t>
+    </dgm:pt>
+    <dgm:pt modelId="{D7111048-4D0E-4B26-9F6D-ECAB225E8BB5}">
+      <dgm:prSet phldrT="[Text]"/>
+      <dgm:spPr/>
+      <dgm:t>
+        <a:bodyPr/>
+        <a:lstStyle/>
+        <a:p>
+          <a:r>
+            <a:rPr lang="nb-NO" dirty="0" err="1"/>
+            <a:t>Cleanup</a:t>
+          </a:r>
+          <a:endParaRPr lang="en-US" dirty="0"/>
+        </a:p>
+      </dgm:t>
+    </dgm:pt>
+    <dgm:pt modelId="{EB67399A-3ED7-445E-A815-5D4EA1742344}" type="parTrans" cxnId="{B7F6BD14-B236-445D-8DBA-3BC8454F8195}">
+      <dgm:prSet/>
+      <dgm:spPr/>
+      <dgm:t>
+        <a:bodyPr/>
+        <a:lstStyle/>
+        <a:p>
+          <a:endParaRPr lang="en-US"/>
+        </a:p>
+      </dgm:t>
+    </dgm:pt>
+    <dgm:pt modelId="{D312A94B-27E8-470D-A18F-54EF8BE625A3}" type="sibTrans" cxnId="{B7F6BD14-B236-445D-8DBA-3BC8454F8195}">
+      <dgm:prSet/>
+      <dgm:spPr/>
+      <dgm:t>
+        <a:bodyPr/>
+        <a:lstStyle/>
+        <a:p>
+          <a:endParaRPr lang="en-US"/>
+        </a:p>
+      </dgm:t>
+    </dgm:pt>
+    <dgm:pt modelId="{15B7273B-983E-4224-ACAD-BDD31925CC1F}">
+      <dgm:prSet phldrT="[Text]"/>
+      <dgm:spPr>
+        <a:solidFill>
+          <a:srgbClr val="243746">
+            <a:alpha val="40000"/>
+          </a:srgbClr>
+        </a:solidFill>
+      </dgm:spPr>
+      <dgm:t>
+        <a:bodyPr/>
+        <a:lstStyle/>
+        <a:p>
+          <a:r>
+            <a:rPr lang="nb-NO" dirty="0"/>
+            <a:t>LLM training</a:t>
+          </a:r>
+          <a:endParaRPr lang="en-US" dirty="0"/>
+        </a:p>
+      </dgm:t>
+    </dgm:pt>
+    <dgm:pt modelId="{354A2570-8E6B-4F6A-B5B3-36E8002CCF70}" type="parTrans" cxnId="{5C09CBE7-8937-4BBB-B4F2-36ADED22E8D9}">
+      <dgm:prSet/>
+      <dgm:spPr/>
+      <dgm:t>
+        <a:bodyPr/>
+        <a:lstStyle/>
+        <a:p>
+          <a:endParaRPr lang="en-US"/>
+        </a:p>
+      </dgm:t>
+    </dgm:pt>
+    <dgm:pt modelId="{0BEB9295-A002-4717-ACAE-1E77E11047D8}" type="sibTrans" cxnId="{5C09CBE7-8937-4BBB-B4F2-36ADED22E8D9}">
+      <dgm:prSet/>
+      <dgm:spPr/>
+      <dgm:t>
+        <a:bodyPr/>
+        <a:lstStyle/>
+        <a:p>
+          <a:endParaRPr lang="en-US"/>
+        </a:p>
+      </dgm:t>
+    </dgm:pt>
+    <dgm:pt modelId="{C2517187-A412-493B-9B10-AB5BD906D428}">
+      <dgm:prSet phldrT="[Text]"/>
+      <dgm:spPr>
+        <a:solidFill>
+          <a:srgbClr val="243746">
+            <a:alpha val="40000"/>
+          </a:srgbClr>
+        </a:solidFill>
+      </dgm:spPr>
+      <dgm:t>
+        <a:bodyPr/>
+        <a:lstStyle/>
+        <a:p>
+          <a:r>
+            <a:rPr lang="nb-NO" dirty="0"/>
+            <a:t>Questions</a:t>
+          </a:r>
+          <a:endParaRPr lang="en-US" dirty="0"/>
+        </a:p>
+      </dgm:t>
+    </dgm:pt>
+    <dgm:pt modelId="{9EE91C27-1F7E-4F02-B1E8-DE7A481872E2}" type="parTrans" cxnId="{0AFDBCB4-5EB1-45E6-9B48-7FB33D13A765}">
+      <dgm:prSet/>
+      <dgm:spPr/>
+      <dgm:t>
+        <a:bodyPr/>
+        <a:lstStyle/>
+        <a:p>
+          <a:endParaRPr lang="en-US"/>
+        </a:p>
+      </dgm:t>
+    </dgm:pt>
+    <dgm:pt modelId="{724482E5-AF10-4892-AD46-39B5226B2093}" type="sibTrans" cxnId="{0AFDBCB4-5EB1-45E6-9B48-7FB33D13A765}">
+      <dgm:prSet/>
+      <dgm:spPr/>
+      <dgm:t>
+        <a:bodyPr/>
+        <a:lstStyle/>
+        <a:p>
+          <a:endParaRPr lang="en-US"/>
+        </a:p>
+      </dgm:t>
+    </dgm:pt>
+    <dgm:pt modelId="{D00FBC7A-C010-4FE8-8388-1DB64855D9FF}" type="pres">
+      <dgm:prSet presAssocID="{03EADB82-619F-4CBD-8C0C-FD4A07FC44FF}" presName="diagram" presStyleCnt="0">
+        <dgm:presLayoutVars>
+          <dgm:dir/>
+          <dgm:resizeHandles val="exact"/>
+        </dgm:presLayoutVars>
+      </dgm:prSet>
+      <dgm:spPr/>
+    </dgm:pt>
+    <dgm:pt modelId="{E1161712-53F1-4C72-844A-A0830668252A}" type="pres">
+      <dgm:prSet presAssocID="{62ED2FD8-1CB2-4546-8EC8-18C0F01ADA03}" presName="node" presStyleLbl="node1" presStyleIdx="0" presStyleCnt="5">
+        <dgm:presLayoutVars>
+          <dgm:bulletEnabled val="1"/>
+        </dgm:presLayoutVars>
+      </dgm:prSet>
+      <dgm:spPr/>
+    </dgm:pt>
+    <dgm:pt modelId="{DD8371A2-6559-43D9-98A4-6C0C66EA8802}" type="pres">
+      <dgm:prSet presAssocID="{0C118D9E-1D19-4F6F-9A50-5016220754D8}" presName="sibTrans" presStyleLbl="sibTrans2D1" presStyleIdx="0" presStyleCnt="4"/>
+      <dgm:spPr/>
+    </dgm:pt>
+    <dgm:pt modelId="{DC741948-71B5-410E-95BC-8EDB77B57E95}" type="pres">
+      <dgm:prSet presAssocID="{0C118D9E-1D19-4F6F-9A50-5016220754D8}" presName="connectorText" presStyleLbl="sibTrans2D1" presStyleIdx="0" presStyleCnt="4"/>
+      <dgm:spPr/>
+    </dgm:pt>
+    <dgm:pt modelId="{FFBD8F08-1CF5-4793-B0A8-BF5919BDE75F}" type="pres">
+      <dgm:prSet presAssocID="{CFF3DF00-AE12-43BE-9CC2-59CA080CD64C}" presName="node" presStyleLbl="node1" presStyleIdx="1" presStyleCnt="5">
+        <dgm:presLayoutVars>
+          <dgm:bulletEnabled val="1"/>
+        </dgm:presLayoutVars>
+      </dgm:prSet>
+      <dgm:spPr/>
+    </dgm:pt>
+    <dgm:pt modelId="{4F2A80C1-26DF-4540-9089-C912895BE4FC}" type="pres">
+      <dgm:prSet presAssocID="{7BA4BD2B-91C4-4678-81C7-D55B5B325433}" presName="sibTrans" presStyleLbl="sibTrans2D1" presStyleIdx="1" presStyleCnt="4"/>
+      <dgm:spPr/>
+    </dgm:pt>
+    <dgm:pt modelId="{3DE5CCE5-207A-4E23-B242-C3755C773353}" type="pres">
+      <dgm:prSet presAssocID="{7BA4BD2B-91C4-4678-81C7-D55B5B325433}" presName="connectorText" presStyleLbl="sibTrans2D1" presStyleIdx="1" presStyleCnt="4"/>
+      <dgm:spPr/>
+    </dgm:pt>
+    <dgm:pt modelId="{A51F8701-99F0-4DDC-9AB7-F00E586D7B8C}" type="pres">
+      <dgm:prSet presAssocID="{E79C06A0-8DFB-4500-BD0A-F2093FBFBA31}" presName="node" presStyleLbl="node1" presStyleIdx="2" presStyleCnt="5">
+        <dgm:presLayoutVars>
+          <dgm:bulletEnabled val="1"/>
+        </dgm:presLayoutVars>
+      </dgm:prSet>
+      <dgm:spPr/>
+    </dgm:pt>
+    <dgm:pt modelId="{9DE1445F-8F4A-4A2D-BAA6-9B836A9FE0DA}" type="pres">
+      <dgm:prSet presAssocID="{E0B08F4D-4A22-4345-A613-FB893A8EA649}" presName="sibTrans" presStyleLbl="sibTrans2D1" presStyleIdx="2" presStyleCnt="4"/>
+      <dgm:spPr/>
+    </dgm:pt>
+    <dgm:pt modelId="{3B4CFE44-8BFF-4CF5-A234-C5EDEEBDC597}" type="pres">
+      <dgm:prSet presAssocID="{E0B08F4D-4A22-4345-A613-FB893A8EA649}" presName="connectorText" presStyleLbl="sibTrans2D1" presStyleIdx="2" presStyleCnt="4"/>
+      <dgm:spPr/>
+    </dgm:pt>
+    <dgm:pt modelId="{DCCC8C2A-FF68-4838-8E94-C80249378D30}" type="pres">
+      <dgm:prSet presAssocID="{15B7273B-983E-4224-ACAD-BDD31925CC1F}" presName="node" presStyleLbl="node1" presStyleIdx="3" presStyleCnt="5">
+        <dgm:presLayoutVars>
+          <dgm:bulletEnabled val="1"/>
+        </dgm:presLayoutVars>
+      </dgm:prSet>
+      <dgm:spPr/>
+    </dgm:pt>
+    <dgm:pt modelId="{CF77D077-E988-4752-8E12-268E2432F269}" type="pres">
+      <dgm:prSet presAssocID="{0BEB9295-A002-4717-ACAE-1E77E11047D8}" presName="sibTrans" presStyleLbl="sibTrans2D1" presStyleIdx="3" presStyleCnt="4"/>
+      <dgm:spPr/>
+    </dgm:pt>
+    <dgm:pt modelId="{E0F5188C-3B3A-4179-8ED1-D5C1DF81DD1F}" type="pres">
+      <dgm:prSet presAssocID="{0BEB9295-A002-4717-ACAE-1E77E11047D8}" presName="connectorText" presStyleLbl="sibTrans2D1" presStyleIdx="3" presStyleCnt="4"/>
+      <dgm:spPr/>
+    </dgm:pt>
+    <dgm:pt modelId="{B1B2B6AB-0E1B-4F92-9301-CF898F82F3A2}" type="pres">
+      <dgm:prSet presAssocID="{C2517187-A412-493B-9B10-AB5BD906D428}" presName="node" presStyleLbl="node1" presStyleIdx="4" presStyleCnt="5">
+        <dgm:presLayoutVars>
+          <dgm:bulletEnabled val="1"/>
+        </dgm:presLayoutVars>
+      </dgm:prSet>
+      <dgm:spPr/>
+    </dgm:pt>
+  </dgm:ptLst>
+  <dgm:cxnLst>
+    <dgm:cxn modelId="{B7F6BD14-B236-445D-8DBA-3BC8454F8195}" srcId="{E79C06A0-8DFB-4500-BD0A-F2093FBFBA31}" destId="{D7111048-4D0E-4B26-9F6D-ECAB225E8BB5}" srcOrd="0" destOrd="0" parTransId="{EB67399A-3ED7-445E-A815-5D4EA1742344}" sibTransId="{D312A94B-27E8-470D-A18F-54EF8BE625A3}"/>
+    <dgm:cxn modelId="{159C3027-FA68-4C26-AFCB-B0D7536BA5C1}" type="presOf" srcId="{E0B08F4D-4A22-4345-A613-FB893A8EA649}" destId="{3B4CFE44-8BFF-4CF5-A234-C5EDEEBDC597}" srcOrd="1" destOrd="0" presId="urn:microsoft.com/office/officeart/2005/8/layout/process5"/>
+    <dgm:cxn modelId="{3A15CC30-58DF-444F-BA8E-445FFB665DFF}" type="presOf" srcId="{0C118D9E-1D19-4F6F-9A50-5016220754D8}" destId="{DD8371A2-6559-43D9-98A4-6C0C66EA8802}" srcOrd="0" destOrd="0" presId="urn:microsoft.com/office/officeart/2005/8/layout/process5"/>
+    <dgm:cxn modelId="{59521336-C8BC-40C0-B4CE-0C5EDC72B54B}" type="presOf" srcId="{0BEB9295-A002-4717-ACAE-1E77E11047D8}" destId="{E0F5188C-3B3A-4179-8ED1-D5C1DF81DD1F}" srcOrd="1" destOrd="0" presId="urn:microsoft.com/office/officeart/2005/8/layout/process5"/>
+    <dgm:cxn modelId="{8F17CF3D-CF35-4ACD-9CF1-67EDC3D4FF80}" srcId="{03EADB82-619F-4CBD-8C0C-FD4A07FC44FF}" destId="{E79C06A0-8DFB-4500-BD0A-F2093FBFBA31}" srcOrd="2" destOrd="0" parTransId="{B958C0A2-E848-4BEC-8D52-377518D098B7}" sibTransId="{E0B08F4D-4A22-4345-A613-FB893A8EA649}"/>
+    <dgm:cxn modelId="{2ACC323E-0403-4463-9BA9-E7DFA84F8663}" type="presOf" srcId="{15B7273B-983E-4224-ACAD-BDD31925CC1F}" destId="{DCCC8C2A-FF68-4838-8E94-C80249378D30}" srcOrd="0" destOrd="0" presId="urn:microsoft.com/office/officeart/2005/8/layout/process5"/>
+    <dgm:cxn modelId="{CAF62D40-31C8-44EF-AA87-66998767E157}" type="presOf" srcId="{CFF3DF00-AE12-43BE-9CC2-59CA080CD64C}" destId="{FFBD8F08-1CF5-4793-B0A8-BF5919BDE75F}" srcOrd="0" destOrd="0" presId="urn:microsoft.com/office/officeart/2005/8/layout/process5"/>
+    <dgm:cxn modelId="{7851D25B-9D66-4B64-8884-3DB143495DAF}" type="presOf" srcId="{03EADB82-619F-4CBD-8C0C-FD4A07FC44FF}" destId="{D00FBC7A-C010-4FE8-8388-1DB64855D9FF}" srcOrd="0" destOrd="0" presId="urn:microsoft.com/office/officeart/2005/8/layout/process5"/>
+    <dgm:cxn modelId="{CD57964D-5052-4146-B527-8A13CD62F2E1}" srcId="{03EADB82-619F-4CBD-8C0C-FD4A07FC44FF}" destId="{CFF3DF00-AE12-43BE-9CC2-59CA080CD64C}" srcOrd="1" destOrd="0" parTransId="{BE108021-45D7-49E4-8B67-D3EE5644CD47}" sibTransId="{7BA4BD2B-91C4-4678-81C7-D55B5B325433}"/>
+    <dgm:cxn modelId="{63FC3552-2B6D-46FC-862D-CDD4F921E726}" srcId="{03EADB82-619F-4CBD-8C0C-FD4A07FC44FF}" destId="{62ED2FD8-1CB2-4546-8EC8-18C0F01ADA03}" srcOrd="0" destOrd="0" parTransId="{4E72218F-4F53-43BC-A3DA-59EDBEB99E1F}" sibTransId="{0C118D9E-1D19-4F6F-9A50-5016220754D8}"/>
+    <dgm:cxn modelId="{8635FD72-42EE-4C53-9E38-71CAACAB325E}" type="presOf" srcId="{7BA4BD2B-91C4-4678-81C7-D55B5B325433}" destId="{3DE5CCE5-207A-4E23-B242-C3755C773353}" srcOrd="1" destOrd="0" presId="urn:microsoft.com/office/officeart/2005/8/layout/process5"/>
+    <dgm:cxn modelId="{FFB5CF5A-FF6B-40DE-B87B-D316ADFB2928}" type="presOf" srcId="{C2517187-A412-493B-9B10-AB5BD906D428}" destId="{B1B2B6AB-0E1B-4F92-9301-CF898F82F3A2}" srcOrd="0" destOrd="0" presId="urn:microsoft.com/office/officeart/2005/8/layout/process5"/>
+    <dgm:cxn modelId="{41BF5E86-CA9E-4A47-80D3-3B2272FFD9AE}" type="presOf" srcId="{E79C06A0-8DFB-4500-BD0A-F2093FBFBA31}" destId="{A51F8701-99F0-4DDC-9AB7-F00E586D7B8C}" srcOrd="0" destOrd="0" presId="urn:microsoft.com/office/officeart/2005/8/layout/process5"/>
+    <dgm:cxn modelId="{4F21D99C-1931-4ED9-A5A9-CF28C80DCB9F}" type="presOf" srcId="{0C118D9E-1D19-4F6F-9A50-5016220754D8}" destId="{DC741948-71B5-410E-95BC-8EDB77B57E95}" srcOrd="1" destOrd="0" presId="urn:microsoft.com/office/officeart/2005/8/layout/process5"/>
+    <dgm:cxn modelId="{0AFDBCB4-5EB1-45E6-9B48-7FB33D13A765}" srcId="{03EADB82-619F-4CBD-8C0C-FD4A07FC44FF}" destId="{C2517187-A412-493B-9B10-AB5BD906D428}" srcOrd="4" destOrd="0" parTransId="{9EE91C27-1F7E-4F02-B1E8-DE7A481872E2}" sibTransId="{724482E5-AF10-4892-AD46-39B5226B2093}"/>
+    <dgm:cxn modelId="{ACA06BBC-0D97-4B50-B855-D92BBEC5AD32}" srcId="{62ED2FD8-1CB2-4546-8EC8-18C0F01ADA03}" destId="{C79C6B75-E75E-49F4-8FA7-55803740EFF1}" srcOrd="0" destOrd="0" parTransId="{3E3D7C1B-4CB4-4125-94ED-616EE20C3893}" sibTransId="{5A45A331-A0BA-4CD9-AA54-A0A91F875688}"/>
+    <dgm:cxn modelId="{381876C6-E127-40AD-A19F-0155B46C4256}" type="presOf" srcId="{0BEB9295-A002-4717-ACAE-1E77E11047D8}" destId="{CF77D077-E988-4752-8E12-268E2432F269}" srcOrd="0" destOrd="0" presId="urn:microsoft.com/office/officeart/2005/8/layout/process5"/>
+    <dgm:cxn modelId="{FF5F73D2-0623-4B33-9683-8ABE786BE962}" type="presOf" srcId="{D7111048-4D0E-4B26-9F6D-ECAB225E8BB5}" destId="{A51F8701-99F0-4DDC-9AB7-F00E586D7B8C}" srcOrd="0" destOrd="1" presId="urn:microsoft.com/office/officeart/2005/8/layout/process5"/>
+    <dgm:cxn modelId="{567E11D9-1DB9-4DD2-BE14-BCDC13EFAB9D}" type="presOf" srcId="{E0B08F4D-4A22-4345-A613-FB893A8EA649}" destId="{9DE1445F-8F4A-4A2D-BAA6-9B836A9FE0DA}" srcOrd="0" destOrd="0" presId="urn:microsoft.com/office/officeart/2005/8/layout/process5"/>
+    <dgm:cxn modelId="{6075E4E0-EFCF-4A6B-B102-0185567AF1A2}" type="presOf" srcId="{C79C6B75-E75E-49F4-8FA7-55803740EFF1}" destId="{E1161712-53F1-4C72-844A-A0830668252A}" srcOrd="0" destOrd="1" presId="urn:microsoft.com/office/officeart/2005/8/layout/process5"/>
+    <dgm:cxn modelId="{5C09CBE7-8937-4BBB-B4F2-36ADED22E8D9}" srcId="{03EADB82-619F-4CBD-8C0C-FD4A07FC44FF}" destId="{15B7273B-983E-4224-ACAD-BDD31925CC1F}" srcOrd="3" destOrd="0" parTransId="{354A2570-8E6B-4F6A-B5B3-36E8002CCF70}" sibTransId="{0BEB9295-A002-4717-ACAE-1E77E11047D8}"/>
+    <dgm:cxn modelId="{730C17F2-CEDD-4B10-A914-876D5B99D12D}" type="presOf" srcId="{62ED2FD8-1CB2-4546-8EC8-18C0F01ADA03}" destId="{E1161712-53F1-4C72-844A-A0830668252A}" srcOrd="0" destOrd="0" presId="urn:microsoft.com/office/officeart/2005/8/layout/process5"/>
+    <dgm:cxn modelId="{CE52FAF5-664E-4A6E-AD65-471F16720FBE}" type="presOf" srcId="{7BA4BD2B-91C4-4678-81C7-D55B5B325433}" destId="{4F2A80C1-26DF-4540-9089-C912895BE4FC}" srcOrd="0" destOrd="0" presId="urn:microsoft.com/office/officeart/2005/8/layout/process5"/>
+    <dgm:cxn modelId="{DFDF33CE-F906-4AE8-B60A-CA7CAD0925B9}" type="presParOf" srcId="{D00FBC7A-C010-4FE8-8388-1DB64855D9FF}" destId="{E1161712-53F1-4C72-844A-A0830668252A}" srcOrd="0" destOrd="0" presId="urn:microsoft.com/office/officeart/2005/8/layout/process5"/>
+    <dgm:cxn modelId="{36B8E19A-D73B-452A-A225-C146937DFF3F}" type="presParOf" srcId="{D00FBC7A-C010-4FE8-8388-1DB64855D9FF}" destId="{DD8371A2-6559-43D9-98A4-6C0C66EA8802}" srcOrd="1" destOrd="0" presId="urn:microsoft.com/office/officeart/2005/8/layout/process5"/>
+    <dgm:cxn modelId="{9AF7851B-3EC2-4F98-B76B-8DF6BAE09F62}" type="presParOf" srcId="{DD8371A2-6559-43D9-98A4-6C0C66EA8802}" destId="{DC741948-71B5-410E-95BC-8EDB77B57E95}" srcOrd="0" destOrd="0" presId="urn:microsoft.com/office/officeart/2005/8/layout/process5"/>
+    <dgm:cxn modelId="{19F602B3-E93A-408C-8030-EE3080C13395}" type="presParOf" srcId="{D00FBC7A-C010-4FE8-8388-1DB64855D9FF}" destId="{FFBD8F08-1CF5-4793-B0A8-BF5919BDE75F}" srcOrd="2" destOrd="0" presId="urn:microsoft.com/office/officeart/2005/8/layout/process5"/>
+    <dgm:cxn modelId="{E148BDA4-110F-47E3-8D16-1AFE84E7E2CA}" type="presParOf" srcId="{D00FBC7A-C010-4FE8-8388-1DB64855D9FF}" destId="{4F2A80C1-26DF-4540-9089-C912895BE4FC}" srcOrd="3" destOrd="0" presId="urn:microsoft.com/office/officeart/2005/8/layout/process5"/>
+    <dgm:cxn modelId="{842ABB6A-8509-4F41-8289-A725257EA02D}" type="presParOf" srcId="{4F2A80C1-26DF-4540-9089-C912895BE4FC}" destId="{3DE5CCE5-207A-4E23-B242-C3755C773353}" srcOrd="0" destOrd="0" presId="urn:microsoft.com/office/officeart/2005/8/layout/process5"/>
+    <dgm:cxn modelId="{415B469E-2610-473B-8A5A-0E2FD514DA74}" type="presParOf" srcId="{D00FBC7A-C010-4FE8-8388-1DB64855D9FF}" destId="{A51F8701-99F0-4DDC-9AB7-F00E586D7B8C}" srcOrd="4" destOrd="0" presId="urn:microsoft.com/office/officeart/2005/8/layout/process5"/>
+    <dgm:cxn modelId="{4D1AFD41-4FF7-4345-A319-3323F98EFADB}" type="presParOf" srcId="{D00FBC7A-C010-4FE8-8388-1DB64855D9FF}" destId="{9DE1445F-8F4A-4A2D-BAA6-9B836A9FE0DA}" srcOrd="5" destOrd="0" presId="urn:microsoft.com/office/officeart/2005/8/layout/process5"/>
+    <dgm:cxn modelId="{303F03E7-7E3D-45DD-BE15-91ABBB853F6F}" type="presParOf" srcId="{9DE1445F-8F4A-4A2D-BAA6-9B836A9FE0DA}" destId="{3B4CFE44-8BFF-4CF5-A234-C5EDEEBDC597}" srcOrd="0" destOrd="0" presId="urn:microsoft.com/office/officeart/2005/8/layout/process5"/>
+    <dgm:cxn modelId="{9A5206E9-FDE5-43E8-BB7B-C52C8AE25146}" type="presParOf" srcId="{D00FBC7A-C010-4FE8-8388-1DB64855D9FF}" destId="{DCCC8C2A-FF68-4838-8E94-C80249378D30}" srcOrd="6" destOrd="0" presId="urn:microsoft.com/office/officeart/2005/8/layout/process5"/>
+    <dgm:cxn modelId="{E3C72252-5B11-4E86-9EE4-DAB874360A14}" type="presParOf" srcId="{D00FBC7A-C010-4FE8-8388-1DB64855D9FF}" destId="{CF77D077-E988-4752-8E12-268E2432F269}" srcOrd="7" destOrd="0" presId="urn:microsoft.com/office/officeart/2005/8/layout/process5"/>
+    <dgm:cxn modelId="{003AD20B-6166-40D3-B87F-86D55EE81BC6}" type="presParOf" srcId="{CF77D077-E988-4752-8E12-268E2432F269}" destId="{E0F5188C-3B3A-4179-8ED1-D5C1DF81DD1F}" srcOrd="0" destOrd="0" presId="urn:microsoft.com/office/officeart/2005/8/layout/process5"/>
+    <dgm:cxn modelId="{DA350465-DF6A-44F1-84DF-CCDEE5E7A975}" type="presParOf" srcId="{D00FBC7A-C010-4FE8-8388-1DB64855D9FF}" destId="{B1B2B6AB-0E1B-4F92-9301-CF898F82F3A2}" srcOrd="8" destOrd="0" presId="urn:microsoft.com/office/officeart/2005/8/layout/process5"/>
+  </dgm:cxnLst>
+  <dgm:bg/>
+  <dgm:whole/>
+  <dgm:extLst>
+    <a:ext uri="http://schemas.microsoft.com/office/drawing/2008/diagram">
+      <dsp:dataModelExt xmlns:dsp="http://schemas.microsoft.com/office/drawing/2008/diagram" relId="rId7" minVer="http://schemas.openxmlformats.org/drawingml/2006/diagram"/>
+    </a:ext>
+  </dgm:extLst>
+</dgm:dataModel>
+</file>
+
+<file path=ppt/diagrams/drawing1.xml><?xml version="1.0" encoding="utf-8"?>
+<dsp:drawing xmlns:dgm="http://schemas.openxmlformats.org/drawingml/2006/diagram" xmlns:dsp="http://schemas.microsoft.com/office/drawing/2008/diagram" xmlns:a="http://schemas.openxmlformats.org/drawingml/2006/main">
+  <dsp:spTree>
+    <dsp:nvGrpSpPr>
+      <dsp:cNvPr id="0" name=""/>
+      <dsp:cNvGrpSpPr/>
+    </dsp:nvGrpSpPr>
+    <dsp:grpSpPr/>
+    <dsp:sp modelId="{E1161712-53F1-4C72-844A-A0830668252A}">
+      <dsp:nvSpPr>
+        <dsp:cNvPr id="0" name=""/>
+        <dsp:cNvSpPr/>
+      </dsp:nvSpPr>
+      <dsp:spPr>
+        <a:xfrm>
+          <a:off x="229680" y="3462"/>
+          <a:ext cx="2718234" cy="1630940"/>
+        </a:xfrm>
+        <a:prstGeom prst="roundRect">
+          <a:avLst>
+            <a:gd name="adj" fmla="val 10000"/>
+          </a:avLst>
+        </a:prstGeom>
+        <a:solidFill>
+          <a:schemeClr val="accent1">
+            <a:hueOff val="0"/>
+            <a:satOff val="0"/>
+            <a:lumOff val="0"/>
+            <a:alphaOff val="0"/>
+          </a:schemeClr>
+        </a:solidFill>
+        <a:ln w="12700" cap="flat" cmpd="sng" algn="ctr">
+          <a:solidFill>
+            <a:schemeClr val="lt1">
+              <a:hueOff val="0"/>
+              <a:satOff val="0"/>
+              <a:lumOff val="0"/>
+              <a:alphaOff val="0"/>
+            </a:schemeClr>
+          </a:solidFill>
+          <a:prstDash val="solid"/>
+          <a:miter lim="800000"/>
+        </a:ln>
+        <a:effectLst/>
+      </dsp:spPr>
+      <dsp:style>
+        <a:lnRef idx="2">
+          <a:scrgbClr r="0" g="0" b="0"/>
+        </a:lnRef>
+        <a:fillRef idx="1">
+          <a:scrgbClr r="0" g="0" b="0"/>
+        </a:fillRef>
+        <a:effectRef idx="0">
+          <a:scrgbClr r="0" g="0" b="0"/>
+        </a:effectRef>
+        <a:fontRef idx="minor">
+          <a:schemeClr val="lt1"/>
+        </a:fontRef>
+      </dsp:style>
+      <dsp:txBody>
+        <a:bodyPr spcFirstLastPara="0" vert="horz" wrap="square" lIns="114300" tIns="114300" rIns="114300" bIns="114300" numCol="1" spcCol="1270" anchor="t" anchorCtr="0">
+          <a:noAutofit/>
+        </a:bodyPr>
+        <a:lstStyle/>
+        <a:p>
+          <a:pPr marL="0" lvl="0" indent="0" algn="l" defTabSz="1333500">
+            <a:lnSpc>
+              <a:spcPct val="90000"/>
+            </a:lnSpc>
+            <a:spcBef>
+              <a:spcPct val="0"/>
+            </a:spcBef>
+            <a:spcAft>
+              <a:spcPct val="35000"/>
+            </a:spcAft>
+            <a:buNone/>
+          </a:pPr>
+          <a:r>
+            <a:rPr lang="nb-NO" sz="3000" kern="1200" dirty="0"/>
+            <a:t>EDA / Pandas </a:t>
+          </a:r>
+          <a:r>
+            <a:rPr lang="nb-NO" sz="3000" kern="1200" dirty="0" err="1"/>
+            <a:t>processing</a:t>
+          </a:r>
+          <a:endParaRPr lang="en-US" sz="3000" kern="1200" dirty="0"/>
+        </a:p>
+        <a:p>
+          <a:pPr marL="228600" lvl="1" indent="-228600" algn="l" defTabSz="1022350">
+            <a:lnSpc>
+              <a:spcPct val="90000"/>
+            </a:lnSpc>
+            <a:spcBef>
+              <a:spcPct val="0"/>
+            </a:spcBef>
+            <a:spcAft>
+              <a:spcPct val="15000"/>
+            </a:spcAft>
+            <a:buChar char="•"/>
+          </a:pPr>
+          <a:r>
+            <a:rPr lang="nb-NO" sz="2300" kern="1200" dirty="0" err="1"/>
+            <a:t>Process</a:t>
+          </a:r>
+          <a:r>
+            <a:rPr lang="nb-NO" sz="2300" kern="1200" dirty="0"/>
+            <a:t> data</a:t>
+          </a:r>
+          <a:endParaRPr lang="en-US" sz="2300" kern="1200" dirty="0"/>
+        </a:p>
+      </dsp:txBody>
+      <dsp:txXfrm>
+        <a:off x="277449" y="51231"/>
+        <a:ext cx="2622696" cy="1535402"/>
+      </dsp:txXfrm>
+    </dsp:sp>
+    <dsp:sp modelId="{DD8371A2-6559-43D9-98A4-6C0C66EA8802}">
+      <dsp:nvSpPr>
+        <dsp:cNvPr id="0" name=""/>
+        <dsp:cNvSpPr/>
+      </dsp:nvSpPr>
+      <dsp:spPr>
+        <a:xfrm>
+          <a:off x="3187118" y="481871"/>
+          <a:ext cx="576265" cy="674122"/>
+        </a:xfrm>
+        <a:prstGeom prst="rightArrow">
+          <a:avLst>
+            <a:gd name="adj1" fmla="val 60000"/>
+            <a:gd name="adj2" fmla="val 50000"/>
+          </a:avLst>
+        </a:prstGeom>
+        <a:solidFill>
+          <a:schemeClr val="accent1">
+            <a:tint val="60000"/>
+            <a:hueOff val="0"/>
+            <a:satOff val="0"/>
+            <a:lumOff val="0"/>
+            <a:alphaOff val="0"/>
+          </a:schemeClr>
+        </a:solidFill>
+        <a:ln>
+          <a:noFill/>
+        </a:ln>
+        <a:effectLst/>
+      </dsp:spPr>
+      <dsp:style>
+        <a:lnRef idx="0">
+          <a:scrgbClr r="0" g="0" b="0"/>
+        </a:lnRef>
+        <a:fillRef idx="1">
+          <a:scrgbClr r="0" g="0" b="0"/>
+        </a:fillRef>
+        <a:effectRef idx="0">
+          <a:scrgbClr r="0" g="0" b="0"/>
+        </a:effectRef>
+        <a:fontRef idx="minor">
+          <a:schemeClr val="lt1"/>
+        </a:fontRef>
+      </dsp:style>
+      <dsp:txBody>
+        <a:bodyPr spcFirstLastPara="0" vert="horz" wrap="square" lIns="0" tIns="0" rIns="0" bIns="0" numCol="1" spcCol="1270" anchor="ctr" anchorCtr="0">
+          <a:noAutofit/>
+        </a:bodyPr>
+        <a:lstStyle/>
+        <a:p>
+          <a:pPr marL="0" lvl="0" indent="0" algn="ctr" defTabSz="1066800">
+            <a:lnSpc>
+              <a:spcPct val="90000"/>
+            </a:lnSpc>
+            <a:spcBef>
+              <a:spcPct val="0"/>
+            </a:spcBef>
+            <a:spcAft>
+              <a:spcPct val="35000"/>
+            </a:spcAft>
+            <a:buNone/>
+          </a:pPr>
+          <a:endParaRPr lang="en-US" sz="2400" kern="1200"/>
+        </a:p>
+      </dsp:txBody>
+      <dsp:txXfrm>
+        <a:off x="3187118" y="616695"/>
+        <a:ext cx="403386" cy="404474"/>
+      </dsp:txXfrm>
+    </dsp:sp>
+    <dsp:sp modelId="{FFBD8F08-1CF5-4793-B0A8-BF5919BDE75F}">
+      <dsp:nvSpPr>
+        <dsp:cNvPr id="0" name=""/>
+        <dsp:cNvSpPr/>
+      </dsp:nvSpPr>
+      <dsp:spPr>
+        <a:xfrm>
+          <a:off x="4035207" y="3462"/>
+          <a:ext cx="2718234" cy="1630940"/>
+        </a:xfrm>
+        <a:prstGeom prst="roundRect">
+          <a:avLst>
+            <a:gd name="adj" fmla="val 10000"/>
+          </a:avLst>
+        </a:prstGeom>
+        <a:solidFill>
+          <a:schemeClr val="accent1">
+            <a:hueOff val="0"/>
+            <a:satOff val="0"/>
+            <a:lumOff val="0"/>
+            <a:alphaOff val="0"/>
+          </a:schemeClr>
+        </a:solidFill>
+        <a:ln w="12700" cap="flat" cmpd="sng" algn="ctr">
+          <a:solidFill>
+            <a:schemeClr val="lt1">
+              <a:hueOff val="0"/>
+              <a:satOff val="0"/>
+              <a:lumOff val="0"/>
+              <a:alphaOff val="0"/>
+            </a:schemeClr>
+          </a:solidFill>
+          <a:prstDash val="solid"/>
+          <a:miter lim="800000"/>
+        </a:ln>
+        <a:effectLst/>
+      </dsp:spPr>
+      <dsp:style>
+        <a:lnRef idx="2">
+          <a:scrgbClr r="0" g="0" b="0"/>
+        </a:lnRef>
+        <a:fillRef idx="1">
+          <a:scrgbClr r="0" g="0" b="0"/>
+        </a:fillRef>
+        <a:effectRef idx="0">
+          <a:scrgbClr r="0" g="0" b="0"/>
+        </a:effectRef>
+        <a:fontRef idx="minor">
+          <a:schemeClr val="lt1"/>
+        </a:fontRef>
+      </dsp:style>
+      <dsp:txBody>
+        <a:bodyPr spcFirstLastPara="0" vert="horz" wrap="square" lIns="114300" tIns="114300" rIns="114300" bIns="114300" numCol="1" spcCol="1270" anchor="ctr" anchorCtr="0">
+          <a:noAutofit/>
+        </a:bodyPr>
+        <a:lstStyle/>
+        <a:p>
+          <a:pPr marL="0" lvl="0" indent="0" algn="ctr" defTabSz="1333500">
+            <a:lnSpc>
+              <a:spcPct val="90000"/>
+            </a:lnSpc>
+            <a:spcBef>
+              <a:spcPct val="0"/>
+            </a:spcBef>
+            <a:spcAft>
+              <a:spcPct val="35000"/>
+            </a:spcAft>
+            <a:buNone/>
+          </a:pPr>
+          <a:r>
+            <a:rPr lang="nb-NO" sz="3000" kern="1200" dirty="0" err="1"/>
+            <a:t>Export</a:t>
+          </a:r>
+          <a:r>
+            <a:rPr lang="nb-NO" sz="3000" kern="1200" dirty="0"/>
+            <a:t> JSONL files</a:t>
+          </a:r>
+          <a:endParaRPr lang="en-US" sz="3000" kern="1200" dirty="0"/>
+        </a:p>
+      </dsp:txBody>
+      <dsp:txXfrm>
+        <a:off x="4082976" y="51231"/>
+        <a:ext cx="2622696" cy="1535402"/>
+      </dsp:txXfrm>
+    </dsp:sp>
+    <dsp:sp modelId="{4F2A80C1-26DF-4540-9089-C912895BE4FC}">
+      <dsp:nvSpPr>
+        <dsp:cNvPr id="0" name=""/>
+        <dsp:cNvSpPr/>
+      </dsp:nvSpPr>
+      <dsp:spPr>
+        <a:xfrm>
+          <a:off x="6992646" y="481871"/>
+          <a:ext cx="576265" cy="674122"/>
+        </a:xfrm>
+        <a:prstGeom prst="rightArrow">
+          <a:avLst>
+            <a:gd name="adj1" fmla="val 60000"/>
+            <a:gd name="adj2" fmla="val 50000"/>
+          </a:avLst>
+        </a:prstGeom>
+        <a:solidFill>
+          <a:schemeClr val="accent1">
+            <a:tint val="60000"/>
+            <a:hueOff val="0"/>
+            <a:satOff val="0"/>
+            <a:lumOff val="0"/>
+            <a:alphaOff val="0"/>
+          </a:schemeClr>
+        </a:solidFill>
+        <a:ln>
+          <a:noFill/>
+        </a:ln>
+        <a:effectLst/>
+      </dsp:spPr>
+      <dsp:style>
+        <a:lnRef idx="0">
+          <a:scrgbClr r="0" g="0" b="0"/>
+        </a:lnRef>
+        <a:fillRef idx="1">
+          <a:scrgbClr r="0" g="0" b="0"/>
+        </a:fillRef>
+        <a:effectRef idx="0">
+          <a:scrgbClr r="0" g="0" b="0"/>
+        </a:effectRef>
+        <a:fontRef idx="minor">
+          <a:schemeClr val="lt1"/>
+        </a:fontRef>
+      </dsp:style>
+      <dsp:txBody>
+        <a:bodyPr spcFirstLastPara="0" vert="horz" wrap="square" lIns="0" tIns="0" rIns="0" bIns="0" numCol="1" spcCol="1270" anchor="ctr" anchorCtr="0">
+          <a:noAutofit/>
+        </a:bodyPr>
+        <a:lstStyle/>
+        <a:p>
+          <a:pPr marL="0" lvl="0" indent="0" algn="ctr" defTabSz="1066800">
+            <a:lnSpc>
+              <a:spcPct val="90000"/>
+            </a:lnSpc>
+            <a:spcBef>
+              <a:spcPct val="0"/>
+            </a:spcBef>
+            <a:spcAft>
+              <a:spcPct val="35000"/>
+            </a:spcAft>
+            <a:buNone/>
+          </a:pPr>
+          <a:endParaRPr lang="en-US" sz="2400" kern="1200"/>
+        </a:p>
+      </dsp:txBody>
+      <dsp:txXfrm>
+        <a:off x="6992646" y="616695"/>
+        <a:ext cx="403386" cy="404474"/>
+      </dsp:txXfrm>
+    </dsp:sp>
+    <dsp:sp modelId="{A51F8701-99F0-4DDC-9AB7-F00E586D7B8C}">
+      <dsp:nvSpPr>
+        <dsp:cNvPr id="0" name=""/>
+        <dsp:cNvSpPr/>
+      </dsp:nvSpPr>
+      <dsp:spPr>
+        <a:xfrm>
+          <a:off x="7840735" y="3462"/>
+          <a:ext cx="2718234" cy="1630940"/>
+        </a:xfrm>
+        <a:prstGeom prst="roundRect">
+          <a:avLst>
+            <a:gd name="adj" fmla="val 10000"/>
+          </a:avLst>
+        </a:prstGeom>
+        <a:solidFill>
+          <a:schemeClr val="accent1">
+            <a:hueOff val="0"/>
+            <a:satOff val="0"/>
+            <a:lumOff val="0"/>
+            <a:alphaOff val="0"/>
+          </a:schemeClr>
+        </a:solidFill>
+        <a:ln w="12700" cap="flat" cmpd="sng" algn="ctr">
+          <a:solidFill>
+            <a:schemeClr val="lt1">
+              <a:hueOff val="0"/>
+              <a:satOff val="0"/>
+              <a:lumOff val="0"/>
+              <a:alphaOff val="0"/>
+            </a:schemeClr>
+          </a:solidFill>
+          <a:prstDash val="solid"/>
+          <a:miter lim="800000"/>
+        </a:ln>
+        <a:effectLst/>
+      </dsp:spPr>
+      <dsp:style>
+        <a:lnRef idx="2">
+          <a:scrgbClr r="0" g="0" b="0"/>
+        </a:lnRef>
+        <a:fillRef idx="1">
+          <a:scrgbClr r="0" g="0" b="0"/>
+        </a:fillRef>
+        <a:effectRef idx="0">
+          <a:scrgbClr r="0" g="0" b="0"/>
+        </a:effectRef>
+        <a:fontRef idx="minor">
+          <a:schemeClr val="lt1"/>
+        </a:fontRef>
+      </dsp:style>
+      <dsp:txBody>
+        <a:bodyPr spcFirstLastPara="0" vert="horz" wrap="square" lIns="114300" tIns="114300" rIns="114300" bIns="114300" numCol="1" spcCol="1270" anchor="t" anchorCtr="0">
+          <a:noAutofit/>
+        </a:bodyPr>
+        <a:lstStyle/>
+        <a:p>
+          <a:pPr marL="0" lvl="0" indent="0" algn="l" defTabSz="1333500">
+            <a:lnSpc>
+              <a:spcPct val="90000"/>
+            </a:lnSpc>
+            <a:spcBef>
+              <a:spcPct val="0"/>
+            </a:spcBef>
+            <a:spcAft>
+              <a:spcPct val="35000"/>
+            </a:spcAft>
+            <a:buNone/>
+          </a:pPr>
+          <a:r>
+            <a:rPr lang="nb-NO" sz="3000" kern="1200" dirty="0"/>
+            <a:t>Nemo </a:t>
+          </a:r>
+          <a:r>
+            <a:rPr lang="nb-NO" sz="3000" kern="1200" dirty="0" err="1"/>
+            <a:t>Curator</a:t>
+          </a:r>
+          <a:endParaRPr lang="en-US" sz="3000" kern="1200" dirty="0"/>
+        </a:p>
+        <a:p>
+          <a:pPr marL="228600" lvl="1" indent="-228600" algn="l" defTabSz="1022350">
+            <a:lnSpc>
+              <a:spcPct val="90000"/>
+            </a:lnSpc>
+            <a:spcBef>
+              <a:spcPct val="0"/>
+            </a:spcBef>
+            <a:spcAft>
+              <a:spcPct val="15000"/>
+            </a:spcAft>
+            <a:buChar char="•"/>
+          </a:pPr>
+          <a:r>
+            <a:rPr lang="nb-NO" sz="2300" kern="1200" dirty="0" err="1"/>
+            <a:t>Cleanup</a:t>
+          </a:r>
+          <a:endParaRPr lang="en-US" sz="2300" kern="1200" dirty="0"/>
+        </a:p>
+      </dsp:txBody>
+      <dsp:txXfrm>
+        <a:off x="7888504" y="51231"/>
+        <a:ext cx="2622696" cy="1535402"/>
+      </dsp:txXfrm>
+    </dsp:sp>
+    <dsp:sp modelId="{9DE1445F-8F4A-4A2D-BAA6-9B836A9FE0DA}">
+      <dsp:nvSpPr>
+        <dsp:cNvPr id="0" name=""/>
+        <dsp:cNvSpPr/>
+      </dsp:nvSpPr>
+      <dsp:spPr>
+        <a:xfrm rot="5400000">
+          <a:off x="8911719" y="1824679"/>
+          <a:ext cx="576265" cy="674122"/>
+        </a:xfrm>
+        <a:prstGeom prst="rightArrow">
+          <a:avLst>
+            <a:gd name="adj1" fmla="val 60000"/>
+            <a:gd name="adj2" fmla="val 50000"/>
+          </a:avLst>
+        </a:prstGeom>
+        <a:solidFill>
+          <a:schemeClr val="accent1">
+            <a:tint val="60000"/>
+            <a:hueOff val="0"/>
+            <a:satOff val="0"/>
+            <a:lumOff val="0"/>
+            <a:alphaOff val="0"/>
+          </a:schemeClr>
+        </a:solidFill>
+        <a:ln>
+          <a:noFill/>
+        </a:ln>
+        <a:effectLst/>
+      </dsp:spPr>
+      <dsp:style>
+        <a:lnRef idx="0">
+          <a:scrgbClr r="0" g="0" b="0"/>
+        </a:lnRef>
+        <a:fillRef idx="1">
+          <a:scrgbClr r="0" g="0" b="0"/>
+        </a:fillRef>
+        <a:effectRef idx="0">
+          <a:scrgbClr r="0" g="0" b="0"/>
+        </a:effectRef>
+        <a:fontRef idx="minor">
+          <a:schemeClr val="lt1"/>
+        </a:fontRef>
+      </dsp:style>
+      <dsp:txBody>
+        <a:bodyPr spcFirstLastPara="0" vert="horz" wrap="square" lIns="0" tIns="0" rIns="0" bIns="0" numCol="1" spcCol="1270" anchor="ctr" anchorCtr="0">
+          <a:noAutofit/>
+        </a:bodyPr>
+        <a:lstStyle/>
+        <a:p>
+          <a:pPr marL="0" lvl="0" indent="0" algn="ctr" defTabSz="1066800">
+            <a:lnSpc>
+              <a:spcPct val="90000"/>
+            </a:lnSpc>
+            <a:spcBef>
+              <a:spcPct val="0"/>
+            </a:spcBef>
+            <a:spcAft>
+              <a:spcPct val="35000"/>
+            </a:spcAft>
+            <a:buNone/>
+          </a:pPr>
+          <a:endParaRPr lang="en-US" sz="2400" kern="1200"/>
+        </a:p>
+      </dsp:txBody>
+      <dsp:txXfrm rot="-5400000">
+        <a:off x="8997615" y="1873608"/>
+        <a:ext cx="404474" cy="403386"/>
+      </dsp:txXfrm>
+    </dsp:sp>
+    <dsp:sp modelId="{DCCC8C2A-FF68-4838-8E94-C80249378D30}">
+      <dsp:nvSpPr>
+        <dsp:cNvPr id="0" name=""/>
+        <dsp:cNvSpPr/>
+      </dsp:nvSpPr>
+      <dsp:spPr>
+        <a:xfrm>
+          <a:off x="7840735" y="2721696"/>
+          <a:ext cx="2718234" cy="1630940"/>
+        </a:xfrm>
+        <a:prstGeom prst="roundRect">
+          <a:avLst>
+            <a:gd name="adj" fmla="val 10000"/>
+          </a:avLst>
+        </a:prstGeom>
+        <a:solidFill>
+          <a:srgbClr val="243746">
+            <a:alpha val="40000"/>
+          </a:srgbClr>
+        </a:solidFill>
+        <a:ln w="12700" cap="flat" cmpd="sng" algn="ctr">
+          <a:solidFill>
+            <a:schemeClr val="lt1">
+              <a:hueOff val="0"/>
+              <a:satOff val="0"/>
+              <a:lumOff val="0"/>
+              <a:alphaOff val="0"/>
+            </a:schemeClr>
+          </a:solidFill>
+          <a:prstDash val="solid"/>
+          <a:miter lim="800000"/>
+        </a:ln>
+        <a:effectLst/>
+      </dsp:spPr>
+      <dsp:style>
+        <a:lnRef idx="2">
+          <a:scrgbClr r="0" g="0" b="0"/>
+        </a:lnRef>
+        <a:fillRef idx="1">
+          <a:scrgbClr r="0" g="0" b="0"/>
+        </a:fillRef>
+        <a:effectRef idx="0">
+          <a:scrgbClr r="0" g="0" b="0"/>
+        </a:effectRef>
+        <a:fontRef idx="minor">
+          <a:schemeClr val="lt1"/>
+        </a:fontRef>
+      </dsp:style>
+      <dsp:txBody>
+        <a:bodyPr spcFirstLastPara="0" vert="horz" wrap="square" lIns="114300" tIns="114300" rIns="114300" bIns="114300" numCol="1" spcCol="1270" anchor="ctr" anchorCtr="0">
+          <a:noAutofit/>
+        </a:bodyPr>
+        <a:lstStyle/>
+        <a:p>
+          <a:pPr marL="0" lvl="0" indent="0" algn="ctr" defTabSz="1333500">
+            <a:lnSpc>
+              <a:spcPct val="90000"/>
+            </a:lnSpc>
+            <a:spcBef>
+              <a:spcPct val="0"/>
+            </a:spcBef>
+            <a:spcAft>
+              <a:spcPct val="35000"/>
+            </a:spcAft>
+            <a:buNone/>
+          </a:pPr>
+          <a:r>
+            <a:rPr lang="nb-NO" sz="3000" kern="1200" dirty="0"/>
+            <a:t>LLM training</a:t>
+          </a:r>
+          <a:endParaRPr lang="en-US" sz="3000" kern="1200" dirty="0"/>
+        </a:p>
+      </dsp:txBody>
+      <dsp:txXfrm>
+        <a:off x="7888504" y="2769465"/>
+        <a:ext cx="2622696" cy="1535402"/>
+      </dsp:txXfrm>
+    </dsp:sp>
+    <dsp:sp modelId="{CF77D077-E988-4752-8E12-268E2432F269}">
+      <dsp:nvSpPr>
+        <dsp:cNvPr id="0" name=""/>
+        <dsp:cNvSpPr/>
+      </dsp:nvSpPr>
+      <dsp:spPr>
+        <a:xfrm rot="10800000">
+          <a:off x="7025265" y="3200106"/>
+          <a:ext cx="576265" cy="674122"/>
+        </a:xfrm>
+        <a:prstGeom prst="rightArrow">
+          <a:avLst>
+            <a:gd name="adj1" fmla="val 60000"/>
+            <a:gd name="adj2" fmla="val 50000"/>
+          </a:avLst>
+        </a:prstGeom>
+        <a:solidFill>
+          <a:schemeClr val="accent1">
+            <a:tint val="60000"/>
+            <a:hueOff val="0"/>
+            <a:satOff val="0"/>
+            <a:lumOff val="0"/>
+            <a:alphaOff val="0"/>
+          </a:schemeClr>
+        </a:solidFill>
+        <a:ln>
+          <a:noFill/>
+        </a:ln>
+        <a:effectLst/>
+      </dsp:spPr>
+      <dsp:style>
+        <a:lnRef idx="0">
+          <a:scrgbClr r="0" g="0" b="0"/>
+        </a:lnRef>
+        <a:fillRef idx="1">
+          <a:scrgbClr r="0" g="0" b="0"/>
+        </a:fillRef>
+        <a:effectRef idx="0">
+          <a:scrgbClr r="0" g="0" b="0"/>
+        </a:effectRef>
+        <a:fontRef idx="minor">
+          <a:schemeClr val="lt1"/>
+        </a:fontRef>
+      </dsp:style>
+      <dsp:txBody>
+        <a:bodyPr spcFirstLastPara="0" vert="horz" wrap="square" lIns="0" tIns="0" rIns="0" bIns="0" numCol="1" spcCol="1270" anchor="ctr" anchorCtr="0">
+          <a:noAutofit/>
+        </a:bodyPr>
+        <a:lstStyle/>
+        <a:p>
+          <a:pPr marL="0" lvl="0" indent="0" algn="ctr" defTabSz="1066800">
+            <a:lnSpc>
+              <a:spcPct val="90000"/>
+            </a:lnSpc>
+            <a:spcBef>
+              <a:spcPct val="0"/>
+            </a:spcBef>
+            <a:spcAft>
+              <a:spcPct val="35000"/>
+            </a:spcAft>
+            <a:buNone/>
+          </a:pPr>
+          <a:endParaRPr lang="en-US" sz="2400" kern="1200"/>
+        </a:p>
+      </dsp:txBody>
+      <dsp:txXfrm rot="10800000">
+        <a:off x="7198144" y="3334930"/>
+        <a:ext cx="403386" cy="404474"/>
+      </dsp:txXfrm>
+    </dsp:sp>
+    <dsp:sp modelId="{B1B2B6AB-0E1B-4F92-9301-CF898F82F3A2}">
+      <dsp:nvSpPr>
+        <dsp:cNvPr id="0" name=""/>
+        <dsp:cNvSpPr/>
+      </dsp:nvSpPr>
+      <dsp:spPr>
+        <a:xfrm>
+          <a:off x="4035207" y="2721696"/>
+          <a:ext cx="2718234" cy="1630940"/>
+        </a:xfrm>
+        <a:prstGeom prst="roundRect">
+          <a:avLst>
+            <a:gd name="adj" fmla="val 10000"/>
+          </a:avLst>
+        </a:prstGeom>
+        <a:solidFill>
+          <a:srgbClr val="243746">
+            <a:alpha val="40000"/>
+          </a:srgbClr>
+        </a:solidFill>
+        <a:ln w="12700" cap="flat" cmpd="sng" algn="ctr">
+          <a:solidFill>
+            <a:schemeClr val="lt1">
+              <a:hueOff val="0"/>
+              <a:satOff val="0"/>
+              <a:lumOff val="0"/>
+              <a:alphaOff val="0"/>
+            </a:schemeClr>
+          </a:solidFill>
+          <a:prstDash val="solid"/>
+          <a:miter lim="800000"/>
+        </a:ln>
+        <a:effectLst/>
+      </dsp:spPr>
+      <dsp:style>
+        <a:lnRef idx="2">
+          <a:scrgbClr r="0" g="0" b="0"/>
+        </a:lnRef>
+        <a:fillRef idx="1">
+          <a:scrgbClr r="0" g="0" b="0"/>
+        </a:fillRef>
+        <a:effectRef idx="0">
+          <a:scrgbClr r="0" g="0" b="0"/>
+        </a:effectRef>
+        <a:fontRef idx="minor">
+          <a:schemeClr val="lt1"/>
+        </a:fontRef>
+      </dsp:style>
+      <dsp:txBody>
+        <a:bodyPr spcFirstLastPara="0" vert="horz" wrap="square" lIns="114300" tIns="114300" rIns="114300" bIns="114300" numCol="1" spcCol="1270" anchor="ctr" anchorCtr="0">
+          <a:noAutofit/>
+        </a:bodyPr>
+        <a:lstStyle/>
+        <a:p>
+          <a:pPr marL="0" lvl="0" indent="0" algn="ctr" defTabSz="1333500">
+            <a:lnSpc>
+              <a:spcPct val="90000"/>
+            </a:lnSpc>
+            <a:spcBef>
+              <a:spcPct val="0"/>
+            </a:spcBef>
+            <a:spcAft>
+              <a:spcPct val="35000"/>
+            </a:spcAft>
+            <a:buNone/>
+          </a:pPr>
+          <a:r>
+            <a:rPr lang="nb-NO" sz="3000" kern="1200" dirty="0"/>
+            <a:t>Questions</a:t>
+          </a:r>
+          <a:endParaRPr lang="en-US" sz="3000" kern="1200" dirty="0"/>
+        </a:p>
+      </dsp:txBody>
+      <dsp:txXfrm>
+        <a:off x="4082976" y="2769465"/>
+        <a:ext cx="2622696" cy="1535402"/>
+      </dsp:txXfrm>
+    </dsp:sp>
+  </dsp:spTree>
+</dsp:drawing>
+</file>
+
+<file path=ppt/diagrams/layout1.xml><?xml version="1.0" encoding="utf-8"?>
+<dgm:layoutDef xmlns:dgm="http://schemas.openxmlformats.org/drawingml/2006/diagram" xmlns:a="http://schemas.openxmlformats.org/drawingml/2006/main" uniqueId="urn:microsoft.com/office/officeart/2005/8/layout/process5">
+  <dgm:title val=""/>
+  <dgm:desc val=""/>
+  <dgm:catLst>
+    <dgm:cat type="process" pri="17000"/>
+  </dgm:catLst>
+  <dgm:sampData>
+    <dgm:dataModel>
+      <dgm:ptLst>
+        <dgm:pt modelId="0" type="doc"/>
+        <dgm:pt modelId="1">
+          <dgm:prSet phldr="1"/>
+        </dgm:pt>
+        <dgm:pt modelId="2">
+          <dgm:prSet phldr="1"/>
+        </dgm:pt>
+        <dgm:pt modelId="3">
+          <dgm:prSet phldr="1"/>
+        </dgm:pt>
+        <dgm:pt modelId="4">
+          <dgm:prSet phldr="1"/>
+        </dgm:pt>
+        <dgm:pt modelId="5">
+          <dgm:prSet phldr="1"/>
+        </dgm:pt>
+      </dgm:ptLst>
+      <dgm:cxnLst>
+        <dgm:cxn modelId="7" srcId="0" destId="1" srcOrd="0" destOrd="0"/>
+        <dgm:cxn modelId="8" srcId="0" destId="2" srcOrd="1" destOrd="0"/>
+        <dgm:cxn modelId="9" srcId="0" destId="3" srcOrd="2" destOrd="0"/>
+        <dgm:cxn modelId="10" srcId="0" destId="4" srcOrd="3" destOrd="0"/>
+        <dgm:cxn modelId="11" srcId="0" destId="5" srcOrd="4" destOrd="0"/>
+      </dgm:cxnLst>
+      <dgm:bg/>
+      <dgm:whole/>
+    </dgm:dataModel>
+  </dgm:sampData>
+  <dgm:styleData>
+    <dgm:dataModel>
+      <dgm:ptLst>
+        <dgm:pt modelId="0" type="doc"/>
+        <dgm:pt modelId="1"/>
+        <dgm:pt modelId="2"/>
+      </dgm:ptLst>
+      <dgm:cxnLst>
+        <dgm:cxn modelId="3" srcId="0" destId="1" srcOrd="0" destOrd="0"/>
+        <dgm:cxn modelId="4" srcId="0" destId="2" srcOrd="1" destOrd="0"/>
+      </dgm:cxnLst>
+      <dgm:bg/>
+      <dgm:whole/>
+    </dgm:dataModel>
+  </dgm:styleData>
+  <dgm:clrData>
+    <dgm:dataModel>
+      <dgm:ptLst>
+        <dgm:pt modelId="0" type="doc"/>
+        <dgm:pt modelId="1"/>
+        <dgm:pt modelId="2"/>
+        <dgm:pt modelId="3"/>
+        <dgm:pt modelId="4"/>
+      </dgm:ptLst>
+      <dgm:cxnLst>
+        <dgm:cxn modelId="5" srcId="0" destId="1" srcOrd="0" destOrd="0"/>
+        <dgm:cxn modelId="6" srcId="0" destId="2" srcOrd="1" destOrd="0"/>
+        <dgm:cxn modelId="7" srcId="0" destId="3" srcOrd="2" destOrd="0"/>
+        <dgm:cxn modelId="8" srcId="0" destId="4" srcOrd="3" destOrd="0"/>
+      </dgm:cxnLst>
+      <dgm:bg/>
+      <dgm:whole/>
+    </dgm:dataModel>
+  </dgm:clrData>
+  <dgm:layoutNode name="diagram">
+    <dgm:varLst>
+      <dgm:dir/>
+      <dgm:resizeHandles val="exact"/>
+    </dgm:varLst>
+    <dgm:choose name="Name0">
+      <dgm:if name="Name1" axis="self" func="var" arg="dir" op="equ" val="norm">
+        <dgm:alg type="snake">
+          <dgm:param type="grDir" val="tL"/>
+          <dgm:param type="flowDir" val="row"/>
+          <dgm:param type="contDir" val="revDir"/>
+          <dgm:param type="bkpt" val="endCnv"/>
+        </dgm:alg>
+      </dgm:if>
+      <dgm:else name="Name2">
+        <dgm:alg type="snake">
+          <dgm:param type="grDir" val="tR"/>
+          <dgm:param type="flowDir" val="row"/>
+          <dgm:param type="contDir" val="revDir"/>
+          <dgm:param type="bkpt" val="endCnv"/>
+        </dgm:alg>
+      </dgm:else>
+    </dgm:choose>
+    <dgm:shape xmlns:r="http://schemas.openxmlformats.org/officeDocument/2006/relationships" r:blip="">
+      <dgm:adjLst/>
+    </dgm:shape>
+    <dgm:presOf/>
+    <dgm:constrLst>
+      <dgm:constr type="w" for="ch" ptType="node" refType="w"/>
+      <dgm:constr type="w" for="ch" forName="sibTrans" refType="w" refFor="ch" refPtType="node" op="equ" fact="0.4"/>
+      <dgm:constr type="sp" refType="w" refFor="ch" refForName="sibTrans" op="equ"/>
+      <dgm:constr type="primFontSz" for="ch" ptType="node" op="equ" val="65"/>
+      <dgm:constr type="primFontSz" for="des" forName="connectorText" op="equ" val="55"/>
+      <dgm:constr type="primFontSz" for="des" forName="connectorText" refType="primFontSz" refFor="ch" refPtType="node" op="lte" fact="0.8"/>
+    </dgm:constrLst>
+    <dgm:ruleLst/>
+    <dgm:forEach name="nodesForEach" axis="ch" ptType="node">
+      <dgm:layoutNode name="node">
+        <dgm:varLst>
+          <dgm:bulletEnabled val="1"/>
+        </dgm:varLst>
+        <dgm:alg type="tx"/>
+        <dgm:shape xmlns:r="http://schemas.openxmlformats.org/officeDocument/2006/relationships" type="roundRect" r:blip="">
+          <dgm:adjLst>
+            <dgm:adj idx="1" val="0.1"/>
+          </dgm:adjLst>
+        </dgm:shape>
+        <dgm:presOf axis="desOrSelf" ptType="node"/>
+        <dgm:constrLst>
+          <dgm:constr type="h" refType="w" fact="0.6"/>
+          <dgm:constr type="tMarg" refType="primFontSz" fact="0.3"/>
+          <dgm:constr type="bMarg" refType="primFontSz" fact="0.3"/>
+          <dgm:constr type="lMarg" refType="primFontSz" fact="0.3"/>
+          <dgm:constr type="rMarg" refType="primFontSz" fact="0.3"/>
+        </dgm:constrLst>
+        <dgm:ruleLst>
+          <dgm:rule type="primFontSz" val="5" fact="NaN" max="NaN"/>
+        </dgm:ruleLst>
+      </dgm:layoutNode>
+      <dgm:forEach name="sibTransForEach" axis="followSib" ptType="sibTrans" cnt="1">
+        <dgm:layoutNode name="sibTrans">
+          <dgm:alg type="conn">
+            <dgm:param type="begPts" val="auto"/>
+            <dgm:param type="endPts" val="auto"/>
+          </dgm:alg>
+          <dgm:shape xmlns:r="http://schemas.openxmlformats.org/officeDocument/2006/relationships" type="conn" r:blip="">
+            <dgm:adjLst/>
+          </dgm:shape>
+          <dgm:presOf axis="self"/>
+          <dgm:constrLst>
+            <dgm:constr type="h" refType="w" fact="0.62"/>
+            <dgm:constr type="connDist"/>
+          </dgm:constrLst>
+          <dgm:ruleLst/>
+          <dgm:layoutNode name="connectorText">
+            <dgm:alg type="tx">
+              <dgm:param type="autoTxRot" val="upr"/>
+            </dgm:alg>
+            <dgm:shape xmlns:r="http://schemas.openxmlformats.org/officeDocument/2006/relationships" type="conn" r:blip="" hideGeom="1">
+              <dgm:adjLst/>
+            </dgm:shape>
+            <dgm:presOf axis="self"/>
+            <dgm:constrLst>
+              <dgm:constr type="lMarg"/>
+              <dgm:constr type="rMarg"/>
+              <dgm:constr type="tMarg"/>
+              <dgm:constr type="bMarg"/>
+            </dgm:constrLst>
+            <dgm:ruleLst>
+              <dgm:rule type="primFontSz" val="5" fact="NaN" max="NaN"/>
+            </dgm:ruleLst>
+          </dgm:layoutNode>
+        </dgm:layoutNode>
+      </dgm:forEach>
+    </dgm:forEach>
+  </dgm:layoutNode>
+</dgm:layoutDef>
+</file>
+
+<file path=ppt/diagrams/quickStyle1.xml><?xml version="1.0" encoding="utf-8"?>
+<dgm:styleDef xmlns:dgm="http://schemas.openxmlformats.org/drawingml/2006/diagram" xmlns:a="http://schemas.openxmlformats.org/drawingml/2006/main" uniqueId="urn:microsoft.com/office/officeart/2005/8/quickstyle/simple1">
+  <dgm:title val=""/>
+  <dgm:desc val=""/>
+  <dgm:catLst>
+    <dgm:cat type="simple" pri="10100"/>
+  </dgm:catLst>
+  <dgm:scene3d>
+    <a:camera prst="orthographicFront"/>
+    <a:lightRig rig="threePt" dir="t"/>
+  </dgm:scene3d>
+  <dgm:styleLbl name="node0">
+    <dgm:scene3d>
+      <a:camera prst="orthographicFront"/>
+      <a:lightRig rig="threePt" dir="t"/>
+    </dgm:scene3d>
+    <dgm:sp3d/>
+    <dgm:txPr/>
+    <dgm:style>
+      <a:lnRef idx="2">
+        <a:scrgbClr r="0" g="0" b="0"/>
+      </a:lnRef>
+      <a:fillRef idx="1">
+        <a:scrgbClr r="0" g="0" b="0"/>
+      </a:fillRef>
+      <a:effectRef idx="0">
+        <a:scrgbClr r="0" g="0" b="0"/>
+      </a:effectRef>
+      <a:fontRef idx="minor">
+        <a:schemeClr val="lt1"/>
+      </a:fontRef>
+    </dgm:style>
+  </dgm:styleLbl>
+  <dgm:styleLbl name="lnNode1">
+    <dgm:scene3d>
+      <a:camera prst="orthographicFront"/>
+      <a:lightRig rig="threePt" dir="t"/>
+    </dgm:scene3d>
+    <dgm:sp3d/>
+    <dgm:txPr/>
+    <dgm:style>
+      <a:lnRef idx="2">
+        <a:scrgbClr r="0" g="0" b="0"/>
+      </a:lnRef>
+      <a:fillRef idx="1">
+        <a:scrgbClr r="0" g="0" b="0"/>
+      </a:fillRef>
+      <a:effectRef idx="0">
+        <a:scrgbClr r="0" g="0" b="0"/>
+      </a:effectRef>
+      <a:fontRef idx="minor">
+        <a:schemeClr val="lt1"/>
+      </a:fontRef>
+    </dgm:style>
+  </dgm:styleLbl>
+  <dgm:styleLbl name="vennNode1">
+    <dgm:scene3d>
+      <a:camera prst="orthographicFront"/>
+      <a:lightRig rig="threePt" dir="t"/>
+    </dgm:scene3d>
+    <dgm:sp3d/>
+    <dgm:txPr/>
+    <dgm:style>
+      <a:lnRef idx="2">
+        <a:scrgbClr r="0" g="0" b="0"/>
+      </a:lnRef>
+      <a:fillRef idx="1">
+        <a:scrgbClr r="0" g="0" b="0"/>
+      </a:fillRef>
+      <a:effectRef idx="0">
+        <a:scrgbClr r="0" g="0" b="0"/>
+      </a:effectRef>
+      <a:fontRef idx="minor">
+        <a:schemeClr val="tx1"/>
+      </a:fontRef>
+    </dgm:style>
+  </dgm:styleLbl>
+  <dgm:styleLbl name="alignNode1">
+    <dgm:scene3d>
+      <a:camera prst="orthographicFront"/>
+      <a:lightRig rig="threePt" dir="t"/>
+    </dgm:scene3d>
+    <dgm:sp3d/>
+    <dgm:txPr/>
+    <dgm:style>
+      <a:lnRef idx="2">
+        <a:scrgbClr r="0" g="0" b="0"/>
+      </a:lnRef>
+      <a:fillRef idx="1">
+        <a:scrgbClr r="0" g="0" b="0"/>
+      </a:fillRef>
+      <a:effectRef idx="0">
+        <a:scrgbClr r="0" g="0" b="0"/>
+      </a:effectRef>
+      <a:fontRef idx="minor">
+        <a:schemeClr val="lt1"/>
+      </a:fontRef>
+    </dgm:style>
+  </dgm:styleLbl>
+  <dgm:styleLbl name="node1">
+    <dgm:scene3d>
+      <a:camera prst="orthographicFront"/>
+      <a:lightRig rig="threePt" dir="t"/>
+    </dgm:scene3d>
+    <dgm:sp3d/>
+    <dgm:txPr/>
+    <dgm:style>
+      <a:lnRef idx="2">
+        <a:scrgbClr r="0" g="0" b="0"/>
+      </a:lnRef>
+      <a:fillRef idx="1">
+        <a:scrgbClr r="0" g="0" b="0"/>
+      </a:fillRef>
+      <a:effectRef idx="0">
+        <a:scrgbClr r="0" g="0" b="0"/>
+      </a:effectRef>
+      <a:fontRef idx="minor">
+        <a:schemeClr val="lt1"/>
+      </a:fontRef>
+    </dgm:style>
+  </dgm:styleLbl>
+  <dgm:styleLbl name="node2">
+    <dgm:scene3d>
+      <a:camera prst="orthographicFront"/>
+      <a:lightRig rig="threePt" dir="t"/>
+    </dgm:scene3d>
+    <dgm:sp3d/>
+    <dgm:txPr/>
+    <dgm:style>
+      <a:lnRef idx="2">
+        <a:scrgbClr r="0" g="0" b="0"/>
+      </a:lnRef>
+      <a:fillRef idx="1">
+        <a:scrgbClr r="0" g="0" b="0"/>
+      </a:fillRef>
+      <a:effectRef idx="0">
+        <a:scrgbClr r="0" g="0" b="0"/>
+      </a:effectRef>
+      <a:fontRef idx="minor">
+        <a:schemeClr val="lt1"/>
+      </a:fontRef>
+    </dgm:style>
+  </dgm:styleLbl>
+  <dgm:styleLbl name="node3">
+    <dgm:scene3d>
+      <a:camera prst="orthographicFront"/>
+      <a:lightRig rig="threePt" dir="t"/>
+    </dgm:scene3d>
+    <dgm:sp3d/>
+    <dgm:txPr/>
+    <dgm:style>
+      <a:lnRef idx="2">
+        <a:scrgbClr r="0" g="0" b="0"/>
+      </a:lnRef>
+      <a:fillRef idx="1">
+        <a:scrgbClr r="0" g="0" b="0"/>
+      </a:fillRef>
+      <a:effectRef idx="0">
+        <a:scrgbClr r="0" g="0" b="0"/>
+      </a:effectRef>
+      <a:fontRef idx="minor">
+        <a:schemeClr val="lt1"/>
+      </a:fontRef>
+    </dgm:style>
+  </dgm:styleLbl>
+  <dgm:styleLbl name="node4">
+    <dgm:scene3d>
+      <a:camera prst="orthographicFront"/>
+      <a:lightRig rig="threePt" dir="t"/>
+    </dgm:scene3d>
+    <dgm:sp3d/>
+    <dgm:txPr/>
+    <dgm:style>
+      <a:lnRef idx="2">
+        <a:scrgbClr r="0" g="0" b="0"/>
+      </a:lnRef>
+      <a:fillRef idx="1">
+        <a:scrgbClr r="0" g="0" b="0"/>
+      </a:fillRef>
+      <a:effectRef idx="0">
+        <a:scrgbClr r="0" g="0" b="0"/>
+      </a:effectRef>
+      <a:fontRef idx="minor">
+        <a:schemeClr val="lt1"/>
+      </a:fontRef>
+    </dgm:style>
+  </dgm:styleLbl>
+  <dgm:styleLbl name="fgImgPlace1">
+    <dgm:scene3d>
+      <a:camera prst="orthographicFront"/>
+      <a:lightRig rig="threePt" dir="t"/>
+    </dgm:scene3d>
+    <dgm:sp3d/>
+    <dgm:txPr/>
+    <dgm:style>
+      <a:lnRef idx="2">
+        <a:scrgbClr r="0" g="0" b="0"/>
+      </a:lnRef>
+      <a:fillRef idx="1">
+        <a:scrgbClr r="0" g="0" b="0"/>
+      </a:fillRef>
+      <a:effectRef idx="0">
+        <a:scrgbClr r="0" g="0" b="0"/>
+      </a:effectRef>
+      <a:fontRef idx="minor"/>
+    </dgm:style>
+  </dgm:styleLbl>
+  <dgm:styleLbl name="alignImgPlace1">
+    <dgm:scene3d>
+      <a:camera prst="orthographicFront"/>
+      <a:lightRig rig="threePt" dir="t"/>
+    </dgm:scene3d>
+    <dgm:sp3d/>
+    <dgm:txPr/>
+    <dgm:style>
+      <a:lnRef idx="2">
+        <a:scrgbClr r="0" g="0" b="0"/>
+      </a:lnRef>
+      <a:fillRef idx="1">
+        <a:scrgbClr r="0" g="0" b="0"/>
+      </a:fillRef>
+      <a:effectRef idx="0">
+        <a:scrgbClr r="0" g="0" b="0"/>
+      </a:effectRef>
+      <a:fontRef idx="minor"/>
+    </dgm:style>
+  </dgm:styleLbl>
+  <dgm:styleLbl name="bgImgPlace1">
+    <dgm:scene3d>
+      <a:camera prst="orthographicFront"/>
+      <a:lightRig rig="threePt" dir="t"/>
+    </dgm:scene3d>
+    <dgm:sp3d/>
+    <dgm:txPr/>
+    <dgm:style>
+      <a:lnRef idx="2">
+        <a:scrgbClr r="0" g="0" b="0"/>
+      </a:lnRef>
+      <a:fillRef idx="1">
+        <a:scrgbClr r="0" g="0" b="0"/>
+      </a:fillRef>
+      <a:effectRef idx="0">
+        <a:scrgbClr r="0" g="0" b="0"/>
+      </a:effectRef>
+      <a:fontRef idx="minor"/>
+    </dgm:style>
+  </dgm:styleLbl>
+  <dgm:styleLbl name="sibTrans2D1">
+    <dgm:scene3d>
+      <a:camera prst="orthographicFront"/>
+      <a:lightRig rig="threePt" dir="t"/>
+    </dgm:scene3d>
+    <dgm:sp3d/>
+    <dgm:txPr/>
+    <dgm:style>
+      <a:lnRef idx="0">
+        <a:scrgbClr r="0" g="0" b="0"/>
+      </a:lnRef>
+      <a:fillRef idx="1">
+        <a:scrgbClr r="0" g="0" b="0"/>
+      </a:fillRef>
+      <a:effectRef idx="0">
+        <a:scrgbClr r="0" g="0" b="0"/>
+      </a:effectRef>
+      <a:fontRef idx="minor">
+        <a:schemeClr val="lt1"/>
+      </a:fontRef>
+    </dgm:style>
+  </dgm:styleLbl>
+  <dgm:styleLbl name="fgSibTrans2D1">
+    <dgm:scene3d>
+      <a:camera prst="orthographicFront"/>
+      <a:lightRig rig="threePt" dir="t"/>
+    </dgm:scene3d>
+    <dgm:sp3d/>
+    <dgm:txPr/>
+    <dgm:style>
+      <a:lnRef idx="0">
+        <a:scrgbClr r="0" g="0" b="0"/>
+      </a:lnRef>
+      <a:fillRef idx="1">
+        <a:scrgbClr r="0" g="0" b="0"/>
+      </a:fillRef>
+      <a:effectRef idx="0">
+        <a:scrgbClr r="0" g="0" b="0"/>
+      </a:effectRef>
+      <a:fontRef idx="minor">
+        <a:schemeClr val="lt1"/>
+      </a:fontRef>
+    </dgm:style>
+  </dgm:styleLbl>
+  <dgm:styleLbl name="bgSibTrans2D1">
+    <dgm:scene3d>
+      <a:camera prst="orthographicFront"/>
+      <a:lightRig rig="threePt" dir="t"/>
+    </dgm:scene3d>
+    <dgm:sp3d/>
+    <dgm:txPr/>
+    <dgm:style>
+      <a:lnRef idx="0">
+        <a:scrgbClr r="0" g="0" b="0"/>
+      </a:lnRef>
+      <a:fillRef idx="1">
+        <a:scrgbClr r="0" g="0" b="0"/>
+      </a:fillRef>
+      <a:effectRef idx="0">
+        <a:scrgbClr r="0" g="0" b="0"/>
+      </a:effectRef>
+      <a:fontRef idx="minor">
+        <a:schemeClr val="lt1"/>
+      </a:fontRef>
+    </dgm:style>
+  </dgm:styleLbl>
+  <dgm:styleLbl name="sibTrans1D1">
+    <dgm:scene3d>
+      <a:camera prst="orthographicFront"/>
+      <a:lightRig rig="threePt" dir="t"/>
+    </dgm:scene3d>
+    <dgm:sp3d/>
+    <dgm:txPr/>
+    <dgm:style>
+      <a:lnRef idx="1">
+        <a:scrgbClr r="0" g="0" b="0"/>
+      </a:lnRef>
+      <a:fillRef idx="0">
+        <a:scrgbClr r="0" g="0" b="0"/>
+      </a:fillRef>
+      <a:effectRef idx="0">
+        <a:scrgbClr r="0" g="0" b="0"/>
+      </a:effectRef>
+      <a:fontRef idx="minor"/>
+    </dgm:style>
+  </dgm:styleLbl>
+  <dgm:styleLbl name="callout">
+    <dgm:scene3d>
+      <a:camera prst="orthographicFront"/>
+      <a:lightRig rig="threePt" dir="t"/>
+    </dgm:scene3d>
+    <dgm:sp3d/>
+    <dgm:txPr/>
+    <dgm:style>
+      <a:lnRef idx="2">
+        <a:scrgbClr r="0" g="0" b="0"/>
+      </a:lnRef>
+      <a:fillRef idx="1">
+        <a:scrgbClr r="0" g="0" b="0"/>
+      </a:fillRef>
+      <a:effectRef idx="0">
+        <a:scrgbClr r="0" g="0" b="0"/>
+      </a:effectRef>
+      <a:fontRef idx="minor"/>
+    </dgm:style>
+  </dgm:styleLbl>
+  <dgm:styleLbl name="asst0">
+    <dgm:scene3d>
+      <a:camera prst="orthographicFront"/>
+      <a:lightRig rig="threePt" dir="t"/>
+    </dgm:scene3d>
+    <dgm:sp3d/>
+    <dgm:txPr/>
+    <dgm:style>
+      <a:lnRef idx="2">
+        <a:scrgbClr r="0" g="0" b="0"/>
+      </a:lnRef>
+      <a:fillRef idx="1">
+        <a:scrgbClr r="0" g="0" b="0"/>
+      </a:fillRef>
+      <a:effectRef idx="0">
+        <a:scrgbClr r="0" g="0" b="0"/>
+      </a:effectRef>
+      <a:fontRef idx="minor">
+        <a:schemeClr val="lt1"/>
+      </a:fontRef>
+    </dgm:style>
+  </dgm:styleLbl>
+  <dgm:styleLbl name="asst1">
+    <dgm:scene3d>
+      <a:camera prst="orthographicFront"/>
+      <a:lightRig rig="threePt" dir="t"/>
+    </dgm:scene3d>
+    <dgm:sp3d/>
+    <dgm:txPr/>
+    <dgm:style>
+      <a:lnRef idx="2">
+        <a:scrgbClr r="0" g="0" b="0"/>
+      </a:lnRef>
+      <a:fillRef idx="1">
+        <a:scrgbClr r="0" g="0" b="0"/>
+      </a:fillRef>
+      <a:effectRef idx="0">
+        <a:scrgbClr r="0" g="0" b="0"/>
+      </a:effectRef>
+      <a:fontRef idx="minor">
+        <a:schemeClr val="lt1"/>
+      </a:fontRef>
+    </dgm:style>
+  </dgm:styleLbl>
+  <dgm:styleLbl name="asst2">
+    <dgm:scene3d>
+      <a:camera prst="orthographicFront"/>
+      <a:lightRig rig="threePt" dir="t"/>
+    </dgm:scene3d>
+    <dgm:sp3d/>
+    <dgm:txPr/>
+    <dgm:style>
+      <a:lnRef idx="2">
+        <a:scrgbClr r="0" g="0" b="0"/>
+      </a:lnRef>
+      <a:fillRef idx="1">
+        <a:scrgbClr r="0" g="0" b="0"/>
+      </a:fillRef>
+      <a:effectRef idx="0">
+        <a:scrgbClr r="0" g="0" b="0"/>
+      </a:effectRef>
+      <a:fontRef idx="minor">
+        <a:schemeClr val="lt1"/>
+      </a:fontRef>
+    </dgm:style>
+  </dgm:styleLbl>
+  <dgm:styleLbl name="asst3">
+    <dgm:scene3d>
+      <a:camera prst="orthographicFront"/>
+      <a:lightRig rig="threePt" dir="t"/>
+    </dgm:scene3d>
+    <dgm:sp3d/>
+    <dgm:txPr/>
+    <dgm:style>
+      <a:lnRef idx="2">
+        <a:scrgbClr r="0" g="0" b="0"/>
+      </a:lnRef>
+      <a:fillRef idx="1">
+        <a:scrgbClr r="0" g="0" b="0"/>
+      </a:fillRef>
+      <a:effectRef idx="0">
+        <a:scrgbClr r="0" g="0" b="0"/>
+      </a:effectRef>
+      <a:fontRef idx="minor">
+        <a:schemeClr val="lt1"/>
+      </a:fontRef>
+    </dgm:style>
+  </dgm:styleLbl>
+  <dgm:styleLbl name="asst4">
+    <dgm:scene3d>
+      <a:camera prst="orthographicFront"/>
+      <a:lightRig rig="threePt" dir="t"/>
+    </dgm:scene3d>
+    <dgm:sp3d/>
+    <dgm:txPr/>
+    <dgm:style>
+      <a:lnRef idx="2">
+        <a:scrgbClr r="0" g="0" b="0"/>
+      </a:lnRef>
+      <a:fillRef idx="1">
+        <a:scrgbClr r="0" g="0" b="0"/>
+      </a:fillRef>
+      <a:effectRef idx="0">
+        <a:scrgbClr r="0" g="0" b="0"/>
+      </a:effectRef>
+      <a:fontRef idx="minor">
+        <a:schemeClr val="lt1"/>
+      </a:fontRef>
+    </dgm:style>
+  </dgm:styleLbl>
+  <dgm:styleLbl name="parChTrans2D1">
+    <dgm:scene3d>
+      <a:camera prst="orthographicFront"/>
+      <a:lightRig rig="threePt" dir="t"/>
+    </dgm:scene3d>
+    <dgm:sp3d/>
+    <dgm:txPr/>
+    <dgm:style>
+      <a:lnRef idx="2">
+        <a:scrgbClr r="0" g="0" b="0"/>
+      </a:lnRef>
+      <a:fillRef idx="1">
+        <a:scrgbClr r="0" g="0" b="0"/>
+      </a:fillRef>
+      <a:effectRef idx="0">
+        <a:scrgbClr r="0" g="0" b="0"/>
+      </a:effectRef>
+      <a:fontRef idx="minor">
+        <a:schemeClr val="lt1"/>
+      </a:fontRef>
+    </dgm:style>
+  </dgm:styleLbl>
+  <dgm:styleLbl name="parChTrans2D2">
+    <dgm:scene3d>
+      <a:camera prst="orthographicFront"/>
+      <a:lightRig rig="threePt" dir="t"/>
+    </dgm:scene3d>
+    <dgm:sp3d/>
+    <dgm:txPr/>
+    <dgm:style>
+      <a:lnRef idx="2">
+        <a:scrgbClr r="0" g="0" b="0"/>
+      </a:lnRef>
+      <a:fillRef idx="1">
+        <a:scrgbClr r="0" g="0" b="0"/>
+      </a:fillRef>
+      <a:effectRef idx="0">
+        <a:scrgbClr r="0" g="0" b="0"/>
+      </a:effectRef>
+      <a:fontRef idx="minor">
+        <a:schemeClr val="lt1"/>
+      </a:fontRef>
+    </dgm:style>
+  </dgm:styleLbl>
+  <dgm:styleLbl name="parChTrans2D3">
+    <dgm:scene3d>
+      <a:camera prst="orthographicFront"/>
+      <a:lightRig rig="threePt" dir="t"/>
+    </dgm:scene3d>
+    <dgm:sp3d/>
+    <dgm:txPr/>
+    <dgm:style>
+      <a:lnRef idx="2">
+        <a:scrgbClr r="0" g="0" b="0"/>
+      </a:lnRef>
+      <a:fillRef idx="1">
+        <a:scrgbClr r="0" g="0" b="0"/>
+      </a:fillRef>
+      <a:effectRef idx="0">
+        <a:scrgbClr r="0" g="0" b="0"/>
+      </a:effectRef>
+      <a:fontRef idx="minor">
+        <a:schemeClr val="lt1"/>
+      </a:fontRef>
+    </dgm:style>
+  </dgm:styleLbl>
+  <dgm:styleLbl name="parChTrans2D4">
+    <dgm:scene3d>
+      <a:camera prst="orthographicFront"/>
+      <a:lightRig rig="threePt" dir="t"/>
+    </dgm:scene3d>
+    <dgm:sp3d/>
+    <dgm:txPr/>
+    <dgm:style>
+      <a:lnRef idx="2">
+        <a:scrgbClr r="0" g="0" b="0"/>
+      </a:lnRef>
+      <a:fillRef idx="1">
+        <a:scrgbClr r="0" g="0" b="0"/>
+      </a:fillRef>
+      <a:effectRef idx="0">
+        <a:scrgbClr r="0" g="0" b="0"/>
+      </a:effectRef>
+      <a:fontRef idx="minor">
+        <a:schemeClr val="lt1"/>
+      </a:fontRef>
+    </dgm:style>
+  </dgm:styleLbl>
+  <dgm:styleLbl name="parChTrans1D1">
+    <dgm:scene3d>
+      <a:camera prst="orthographicFront"/>
+      <a:lightRig rig="threePt" dir="t"/>
+    </dgm:scene3d>
+    <dgm:sp3d/>
+    <dgm:txPr/>
+    <dgm:style>
+      <a:lnRef idx="2">
+        <a:scrgbClr r="0" g="0" b="0"/>
+      </a:lnRef>
+      <a:fillRef idx="0">
+        <a:scrgbClr r="0" g="0" b="0"/>
+      </a:fillRef>
+      <a:effectRef idx="0">
+        <a:scrgbClr r="0" g="0" b="0"/>
+      </a:effectRef>
+      <a:fontRef idx="minor"/>
+    </dgm:style>
+  </dgm:styleLbl>
+  <dgm:styleLbl name="parChTrans1D2">
+    <dgm:scene3d>
+      <a:camera prst="orthographicFront"/>
+      <a:lightRig rig="threePt" dir="t"/>
+    </dgm:scene3d>
+    <dgm:sp3d/>
+    <dgm:txPr/>
+    <dgm:style>
+      <a:lnRef idx="2">
+        <a:scrgbClr r="0" g="0" b="0"/>
+      </a:lnRef>
+      <a:fillRef idx="0">
+        <a:scrgbClr r="0" g="0" b="0"/>
+      </a:fillRef>
+      <a:effectRef idx="0">
+        <a:scrgbClr r="0" g="0" b="0"/>
+      </a:effectRef>
+      <a:fontRef idx="minor"/>
+    </dgm:style>
+  </dgm:styleLbl>
+  <dgm:styleLbl name="parChTrans1D3">
+    <dgm:scene3d>
+      <a:camera prst="orthographicFront"/>
+      <a:lightRig rig="threePt" dir="t"/>
+    </dgm:scene3d>
+    <dgm:sp3d/>
+    <dgm:txPr/>
+    <dgm:style>
+      <a:lnRef idx="2">
+        <a:scrgbClr r="0" g="0" b="0"/>
+      </a:lnRef>
+      <a:fillRef idx="0">
+        <a:scrgbClr r="0" g="0" b="0"/>
+      </a:fillRef>
+      <a:effectRef idx="0">
+        <a:scrgbClr r="0" g="0" b="0"/>
+      </a:effectRef>
+      <a:fontRef idx="minor"/>
+    </dgm:style>
+  </dgm:styleLbl>
+  <dgm:styleLbl name="parChTrans1D4">
+    <dgm:scene3d>
+      <a:camera prst="orthographicFront"/>
+      <a:lightRig rig="threePt" dir="t"/>
+    </dgm:scene3d>
+    <dgm:sp3d/>
+    <dgm:txPr/>
+    <dgm:style>
+      <a:lnRef idx="2">
+        <a:scrgbClr r="0" g="0" b="0"/>
+      </a:lnRef>
+      <a:fillRef idx="0">
+        <a:scrgbClr r="0" g="0" b="0"/>
+      </a:fillRef>
+      <a:effectRef idx="0">
+        <a:scrgbClr r="0" g="0" b="0"/>
+      </a:effectRef>
+      <a:fontRef idx="minor"/>
+    </dgm:style>
+  </dgm:styleLbl>
+  <dgm:styleLbl name="fgAcc1">
+    <dgm:scene3d>
+      <a:camera prst="orthographicFront"/>
+      <a:lightRig rig="threePt" dir="t"/>
+    </dgm:scene3d>
+    <dgm:sp3d/>
+    <dgm:txPr/>
+    <dgm:style>
+      <a:lnRef idx="2">
+        <a:scrgbClr r="0" g="0" b="0"/>
+      </a:lnRef>
+      <a:fillRef idx="1">
+        <a:scrgbClr r="0" g="0" b="0"/>
+      </a:fillRef>
+      <a:effectRef idx="0">
+        <a:scrgbClr r="0" g="0" b="0"/>
+      </a:effectRef>
+      <a:fontRef idx="minor"/>
+    </dgm:style>
+  </dgm:styleLbl>
+  <dgm:styleLbl name="conFgAcc1">
+    <dgm:scene3d>
+      <a:camera prst="orthographicFront"/>
+      <a:lightRig rig="threePt" dir="t"/>
+    </dgm:scene3d>
+    <dgm:sp3d/>
+    <dgm:txPr/>
+    <dgm:style>
+      <a:lnRef idx="2">
+        <a:scrgbClr r="0" g="0" b="0"/>
+      </a:lnRef>
+      <a:fillRef idx="1">
+        <a:scrgbClr r="0" g="0" b="0"/>
+      </a:fillRef>
+      <a:effectRef idx="0">
+        <a:scrgbClr r="0" g="0" b="0"/>
+      </a:effectRef>
+      <a:fontRef idx="minor"/>
+    </dgm:style>
+  </dgm:styleLbl>
+  <dgm:styleLbl name="alignAcc1">
+    <dgm:scene3d>
+      <a:camera prst="orthographicFront"/>
+      <a:lightRig rig="threePt" dir="t"/>
+    </dgm:scene3d>
+    <dgm:sp3d/>
+    <dgm:txPr/>
+    <dgm:style>
+      <a:lnRef idx="2">
+        <a:scrgbClr r="0" g="0" b="0"/>
+      </a:lnRef>
+      <a:fillRef idx="1">
+        <a:scrgbClr r="0" g="0" b="0"/>
+      </a:fillRef>
+      <a:effectRef idx="0">
+        <a:scrgbClr r="0" g="0" b="0"/>
+      </a:effectRef>
+      <a:fontRef idx="minor"/>
+    </dgm:style>
+  </dgm:styleLbl>
+  <dgm:styleLbl name="trAlignAcc1">
+    <dgm:scene3d>
+      <a:camera prst="orthographicFront"/>
+      <a:lightRig rig="threePt" dir="t"/>
+    </dgm:scene3d>
+    <dgm:sp3d/>
+    <dgm:txPr/>
+    <dgm:style>
+      <a:lnRef idx="1">
+        <a:scrgbClr r="0" g="0" b="0"/>
+      </a:lnRef>
+      <a:fillRef idx="1">
+        <a:scrgbClr r="0" g="0" b="0"/>
+      </a:fillRef>
+      <a:effectRef idx="0">
+        <a:scrgbClr r="0" g="0" b="0"/>
+      </a:effectRef>
+      <a:fontRef idx="minor"/>
+    </dgm:style>
+  </dgm:styleLbl>
+  <dgm:styleLbl name="bgAcc1">
+    <dgm:scene3d>
+      <a:camera prst="orthographicFront"/>
+      <a:lightRig rig="threePt" dir="t"/>
+    </dgm:scene3d>
+    <dgm:sp3d/>
+    <dgm:txPr/>
+    <dgm:style>
+      <a:lnRef idx="2">
+        <a:scrgbClr r="0" g="0" b="0"/>
+      </a:lnRef>
+      <a:fillRef idx="1">
+        <a:scrgbClr r="0" g="0" b="0"/>
+      </a:fillRef>
+      <a:effectRef idx="0">
+        <a:scrgbClr r="0" g="0" b="0"/>
+      </a:effectRef>
+      <a:fontRef idx="minor"/>
+    </dgm:style>
+  </dgm:styleLbl>
+  <dgm:styleLbl name="solidFgAcc1">
+    <dgm:scene3d>
+      <a:camera prst="orthographicFront"/>
+      <a:lightRig rig="threePt" dir="t"/>
+    </dgm:scene3d>
+    <dgm:sp3d/>
+    <dgm:txPr/>
+    <dgm:style>
+      <a:lnRef idx="2">
+        <a:scrgbClr r="0" g="0" b="0"/>
+      </a:lnRef>
+      <a:fillRef idx="1">
+        <a:scrgbClr r="0" g="0" b="0"/>
+      </a:fillRef>
+      <a:effectRef idx="0">
+        <a:scrgbClr r="0" g="0" b="0"/>
+      </a:effectRef>
+      <a:fontRef idx="minor"/>
+    </dgm:style>
+  </dgm:styleLbl>
+  <dgm:styleLbl name="solidAlignAcc1">
+    <dgm:scene3d>
+      <a:camera prst="orthographicFront"/>
+      <a:lightRig rig="threePt" dir="t"/>
+    </dgm:scene3d>
+    <dgm:sp3d/>
+    <dgm:txPr/>
+    <dgm:style>
+      <a:lnRef idx="2">
+        <a:scrgbClr r="0" g="0" b="0"/>
+      </a:lnRef>
+      <a:fillRef idx="1">
+        <a:scrgbClr r="0" g="0" b="0"/>
+      </a:fillRef>
+      <a:effectRef idx="0">
+        <a:scrgbClr r="0" g="0" b="0"/>
+      </a:effectRef>
+      <a:fontRef idx="minor"/>
+    </dgm:style>
+  </dgm:styleLbl>
+  <dgm:styleLbl name="solidBgAcc1">
+    <dgm:scene3d>
+      <a:camera prst="orthographicFront"/>
+      <a:lightRig rig="threePt" dir="t"/>
+    </dgm:scene3d>
+    <dgm:sp3d/>
+    <dgm:txPr/>
+    <dgm:style>
+      <a:lnRef idx="2">
+        <a:scrgbClr r="0" g="0" b="0"/>
+      </a:lnRef>
+      <a:fillRef idx="1">
+        <a:scrgbClr r="0" g="0" b="0"/>
+      </a:fillRef>
+      <a:effectRef idx="0">
+        <a:scrgbClr r="0" g="0" b="0"/>
+      </a:effectRef>
+      <a:fontRef idx="minor"/>
+    </dgm:style>
+  </dgm:styleLbl>
+  <dgm:styleLbl name="fgAccFollowNode1">
+    <dgm:scene3d>
+      <a:camera prst="orthographicFront"/>
+      <a:lightRig rig="threePt" dir="t"/>
+    </dgm:scene3d>
+    <dgm:sp3d/>
+    <dgm:txPr/>
+    <dgm:style>
+      <a:lnRef idx="2">
+        <a:scrgbClr r="0" g="0" b="0"/>
+      </a:lnRef>
+      <a:fillRef idx="1">
+        <a:scrgbClr r="0" g="0" b="0"/>
+      </a:fillRef>
+      <a:effectRef idx="0">
+        <a:scrgbClr r="0" g="0" b="0"/>
+      </a:effectRef>
+      <a:fontRef idx="minor"/>
+    </dgm:style>
+  </dgm:styleLbl>
+  <dgm:styleLbl name="alignAccFollowNode1">
+    <dgm:scene3d>
+      <a:camera prst="orthographicFront"/>
+      <a:lightRig rig="threePt" dir="t"/>
+    </dgm:scene3d>
+    <dgm:sp3d/>
+    <dgm:txPr/>
+    <dgm:style>
+      <a:lnRef idx="2">
+        <a:scrgbClr r="0" g="0" b="0"/>
+      </a:lnRef>
+      <a:fillRef idx="1">
+        <a:scrgbClr r="0" g="0" b="0"/>
+      </a:fillRef>
+      <a:effectRef idx="0">
+        <a:scrgbClr r="0" g="0" b="0"/>
+      </a:effectRef>
+      <a:fontRef idx="minor"/>
+    </dgm:style>
+  </dgm:styleLbl>
+  <dgm:styleLbl name="bgAccFollowNode1">
+    <dgm:scene3d>
+      <a:camera prst="orthographicFront"/>
+      <a:lightRig rig="threePt" dir="t"/>
+    </dgm:scene3d>
+    <dgm:sp3d/>
+    <dgm:txPr/>
+    <dgm:style>
+      <a:lnRef idx="2">
+        <a:scrgbClr r="0" g="0" b="0"/>
+      </a:lnRef>
+      <a:fillRef idx="1">
+        <a:scrgbClr r="0" g="0" b="0"/>
+      </a:fillRef>
+      <a:effectRef idx="0">
+        <a:scrgbClr r="0" g="0" b="0"/>
+      </a:effectRef>
+      <a:fontRef idx="minor"/>
+    </dgm:style>
+  </dgm:styleLbl>
+  <dgm:styleLbl name="fgAcc0">
+    <dgm:scene3d>
+      <a:camera prst="orthographicFront"/>
+      <a:lightRig rig="threePt" dir="t"/>
+    </dgm:scene3d>
+    <dgm:sp3d/>
+    <dgm:txPr/>
+    <dgm:style>
+      <a:lnRef idx="2">
+        <a:scrgbClr r="0" g="0" b="0"/>
+      </a:lnRef>
+      <a:fillRef idx="1">
+        <a:scrgbClr r="0" g="0" b="0"/>
+      </a:fillRef>
+      <a:effectRef idx="0">
+        <a:scrgbClr r="0" g="0" b="0"/>
+      </a:effectRef>
+      <a:fontRef idx="minor"/>
+    </dgm:style>
+  </dgm:styleLbl>
+  <dgm:styleLbl name="fgAcc2">
+    <dgm:scene3d>
+      <a:camera prst="orthographicFront"/>
+      <a:lightRig rig="threePt" dir="t"/>
+    </dgm:scene3d>
+    <dgm:sp3d/>
+    <dgm:txPr/>
+    <dgm:style>
+      <a:lnRef idx="2">
+        <a:scrgbClr r="0" g="0" b="0"/>
+      </a:lnRef>
+      <a:fillRef idx="1">
+        <a:scrgbClr r="0" g="0" b="0"/>
+      </a:fillRef>
+      <a:effectRef idx="0">
+        <a:scrgbClr r="0" g="0" b="0"/>
+      </a:effectRef>
+      <a:fontRef idx="minor"/>
+    </dgm:style>
+  </dgm:styleLbl>
+  <dgm:styleLbl name="fgAcc3">
+    <dgm:scene3d>
+      <a:camera prst="orthographicFront"/>
+      <a:lightRig rig="threePt" dir="t"/>
+    </dgm:scene3d>
+    <dgm:sp3d/>
+    <dgm:txPr/>
+    <dgm:style>
+      <a:lnRef idx="2">
+        <a:scrgbClr r="0" g="0" b="0"/>
+      </a:lnRef>
+      <a:fillRef idx="1">
+        <a:scrgbClr r="0" g="0" b="0"/>
+      </a:fillRef>
+      <a:effectRef idx="0">
+        <a:scrgbClr r="0" g="0" b="0"/>
+      </a:effectRef>
+      <a:fontRef idx="minor"/>
+    </dgm:style>
+  </dgm:styleLbl>
+  <dgm:styleLbl name="fgAcc4">
+    <dgm:scene3d>
+      <a:camera prst="orthographicFront"/>
+      <a:lightRig rig="threePt" dir="t"/>
+    </dgm:scene3d>
+    <dgm:sp3d/>
+    <dgm:txPr/>
+    <dgm:style>
+      <a:lnRef idx="2">
+        <a:scrgbClr r="0" g="0" b="0"/>
+      </a:lnRef>
+      <a:fillRef idx="1">
+        <a:scrgbClr r="0" g="0" b="0"/>
+      </a:fillRef>
+      <a:effectRef idx="0">
+        <a:scrgbClr r="0" g="0" b="0"/>
+      </a:effectRef>
+      <a:fontRef idx="minor"/>
+    </dgm:style>
+  </dgm:styleLbl>
+  <dgm:styleLbl name="bgShp">
+    <dgm:scene3d>
+      <a:camera prst="orthographicFront"/>
+      <a:lightRig rig="threePt" dir="t"/>
+    </dgm:scene3d>
+    <dgm:sp3d/>
+    <dgm:txPr/>
+    <dgm:style>
+      <a:lnRef idx="0">
+        <a:scrgbClr r="0" g="0" b="0"/>
+      </a:lnRef>
+      <a:fillRef idx="1">
+        <a:scrgbClr r="0" g="0" b="0"/>
+      </a:fillRef>
+      <a:effectRef idx="0">
+        <a:scrgbClr r="0" g="0" b="0"/>
+      </a:effectRef>
+      <a:fontRef idx="minor"/>
+    </dgm:style>
+  </dgm:styleLbl>
+  <dgm:styleLbl name="dkBgShp">
+    <dgm:scene3d>
+      <a:camera prst="orthographicFront"/>
+      <a:lightRig rig="threePt" dir="t"/>
+    </dgm:scene3d>
+    <dgm:sp3d/>
+    <dgm:txPr/>
+    <dgm:style>
+      <a:lnRef idx="0">
+        <a:scrgbClr r="0" g="0" b="0"/>
+      </a:lnRef>
+      <a:fillRef idx="1">
+        <a:scrgbClr r="0" g="0" b="0"/>
+      </a:fillRef>
+      <a:effectRef idx="0">
+        <a:scrgbClr r="0" g="0" b="0"/>
+      </a:effectRef>
+      <a:fontRef idx="minor"/>
+    </dgm:style>
+  </dgm:styleLbl>
+  <dgm:styleLbl name="trBgShp">
+    <dgm:scene3d>
+      <a:camera prst="orthographicFront"/>
+      <a:lightRig rig="threePt" dir="t"/>
+    </dgm:scene3d>
+    <dgm:sp3d/>
+    <dgm:txPr/>
+    <dgm:style>
+      <a:lnRef idx="0">
+        <a:scrgbClr r="0" g="0" b="0"/>
+      </a:lnRef>
+      <a:fillRef idx="1">
+        <a:scrgbClr r="0" g="0" b="0"/>
+      </a:fillRef>
+      <a:effectRef idx="0">
+        <a:scrgbClr r="0" g="0" b="0"/>
+      </a:effectRef>
+      <a:fontRef idx="minor"/>
+    </dgm:style>
+  </dgm:styleLbl>
+  <dgm:styleLbl name="fgShp">
+    <dgm:scene3d>
+      <a:camera prst="orthographicFront"/>
+      <a:lightRig rig="threePt" dir="t"/>
+    </dgm:scene3d>
+    <dgm:sp3d/>
+    <dgm:txPr/>
+    <dgm:style>
+      <a:lnRef idx="2">
+        <a:scrgbClr r="0" g="0" b="0"/>
+      </a:lnRef>
+      <a:fillRef idx="1">
+        <a:scrgbClr r="0" g="0" b="0"/>
+      </a:fillRef>
+      <a:effectRef idx="0">
+        <a:scrgbClr r="0" g="0" b="0"/>
+      </a:effectRef>
+      <a:fontRef idx="minor"/>
+    </dgm:style>
+  </dgm:styleLbl>
+  <dgm:styleLbl name="revTx">
+    <dgm:scene3d>
+      <a:camera prst="orthographicFront"/>
+      <a:lightRig rig="threePt" dir="t"/>
+    </dgm:scene3d>
+    <dgm:sp3d/>
+    <dgm:txPr/>
+    <dgm:style>
+      <a:lnRef idx="0">
+        <a:scrgbClr r="0" g="0" b="0"/>
+      </a:lnRef>
+      <a:fillRef idx="0">
+        <a:scrgbClr r="0" g="0" b="0"/>
+      </a:fillRef>
+      <a:effectRef idx="0">
+        <a:scrgbClr r="0" g="0" b="0"/>
+      </a:effectRef>
+      <a:fontRef idx="minor"/>
+    </dgm:style>
+  </dgm:styleLbl>
+</dgm:styleDef>
 </file>
 
 <file path=ppt/notesMasters/notesMaster1.xml><?xml version="1.0" encoding="utf-8"?>
@@ -1318,6 +4449,224 @@
     </a:lvl9pPr>
   </p:notesStyle>
 </p:notesMaster>
+</file>
+
+<file path=ppt/notesSlides/notesSlide1.xml><?xml version="1.0" encoding="utf-8"?>
+<p:notes xmlns:a="http://schemas.openxmlformats.org/drawingml/2006/main" xmlns:r="http://schemas.openxmlformats.org/officeDocument/2006/relationships" xmlns:p="http://schemas.openxmlformats.org/presentationml/2006/main">
+  <p:cSld>
+    <p:spTree>
+      <p:nvGrpSpPr>
+        <p:cNvPr id="1" name=""/>
+        <p:cNvGrpSpPr/>
+        <p:nvPr/>
+      </p:nvGrpSpPr>
+      <p:grpSpPr>
+        <a:xfrm>
+          <a:off x="0" y="0"/>
+          <a:ext cx="0" cy="0"/>
+          <a:chOff x="0" y="0"/>
+          <a:chExt cx="0" cy="0"/>
+        </a:xfrm>
+      </p:grpSpPr>
+      <p:sp>
+        <p:nvSpPr>
+          <p:cNvPr id="2" name="Slide Image Placeholder 1"/>
+          <p:cNvSpPr>
+            <a:spLocks noGrp="1" noRot="1" noChangeAspect="1"/>
+          </p:cNvSpPr>
+          <p:nvPr>
+            <p:ph type="sldImg"/>
+          </p:nvPr>
+        </p:nvSpPr>
+        <p:spPr/>
+      </p:sp>
+      <p:sp>
+        <p:nvSpPr>
+          <p:cNvPr id="3" name="Notes Placeholder 2"/>
+          <p:cNvSpPr>
+            <a:spLocks noGrp="1"/>
+          </p:cNvSpPr>
+          <p:nvPr>
+            <p:ph type="body" idx="1"/>
+          </p:nvPr>
+        </p:nvSpPr>
+        <p:spPr/>
+        <p:txBody>
+          <a:bodyPr/>
+          <a:lstStyle/>
+          <a:p>
+            <a:endParaRPr lang="en-US" dirty="0"/>
+          </a:p>
+        </p:txBody>
+      </p:sp>
+      <p:sp>
+        <p:nvSpPr>
+          <p:cNvPr id="4" name="Slide Number Placeholder 3"/>
+          <p:cNvSpPr>
+            <a:spLocks noGrp="1"/>
+          </p:cNvSpPr>
+          <p:nvPr>
+            <p:ph type="sldNum" idx="12"/>
+          </p:nvPr>
+        </p:nvSpPr>
+        <p:spPr/>
+        <p:txBody>
+          <a:bodyPr/>
+          <a:lstStyle/>
+          <a:p>
+            <a:pPr marL="0" marR="0" lvl="0" indent="0" algn="r" rtl="0">
+              <a:spcBef>
+                <a:spcPts val="0"/>
+              </a:spcBef>
+              <a:spcAft>
+                <a:spcPts val="0"/>
+              </a:spcAft>
+              <a:buNone/>
+            </a:pPr>
+            <a:fld id="{00000000-1234-1234-1234-123412341234}" type="slidenum">
+              <a:rPr lang="nl-NL" sz="1200" b="0" i="0" u="none" strike="noStrike" cap="none" smtClean="0">
+                <a:solidFill>
+                  <a:schemeClr val="dk1"/>
+                </a:solidFill>
+                <a:latin typeface="Calibri"/>
+                <a:ea typeface="Calibri"/>
+                <a:cs typeface="Calibri"/>
+                <a:sym typeface="Calibri"/>
+              </a:rPr>
+              <a:t>4</a:t>
+            </a:fld>
+            <a:endParaRPr lang="nl-NL" sz="1200" b="0" i="0" u="none" strike="noStrike" cap="none">
+              <a:solidFill>
+                <a:schemeClr val="dk1"/>
+              </a:solidFill>
+              <a:latin typeface="Calibri"/>
+              <a:ea typeface="Calibri"/>
+              <a:cs typeface="Calibri"/>
+              <a:sym typeface="Calibri"/>
+            </a:endParaRPr>
+          </a:p>
+        </p:txBody>
+      </p:sp>
+    </p:spTree>
+    <p:extLst>
+      <p:ext uri="{BB962C8B-B14F-4D97-AF65-F5344CB8AC3E}">
+        <p14:creationId xmlns:p14="http://schemas.microsoft.com/office/powerpoint/2010/main" val="120596454"/>
+      </p:ext>
+    </p:extLst>
+  </p:cSld>
+  <p:clrMapOvr>
+    <a:masterClrMapping/>
+  </p:clrMapOvr>
+</p:notes>
+</file>
+
+<file path=ppt/notesSlides/notesSlide2.xml><?xml version="1.0" encoding="utf-8"?>
+<p:notes xmlns:a="http://schemas.openxmlformats.org/drawingml/2006/main" xmlns:r="http://schemas.openxmlformats.org/officeDocument/2006/relationships" xmlns:p="http://schemas.openxmlformats.org/presentationml/2006/main">
+  <p:cSld>
+    <p:spTree>
+      <p:nvGrpSpPr>
+        <p:cNvPr id="1" name=""/>
+        <p:cNvGrpSpPr/>
+        <p:nvPr/>
+      </p:nvGrpSpPr>
+      <p:grpSpPr>
+        <a:xfrm>
+          <a:off x="0" y="0"/>
+          <a:ext cx="0" cy="0"/>
+          <a:chOff x="0" y="0"/>
+          <a:chExt cx="0" cy="0"/>
+        </a:xfrm>
+      </p:grpSpPr>
+      <p:sp>
+        <p:nvSpPr>
+          <p:cNvPr id="2" name="Slide Image Placeholder 1"/>
+          <p:cNvSpPr>
+            <a:spLocks noGrp="1" noRot="1" noChangeAspect="1"/>
+          </p:cNvSpPr>
+          <p:nvPr>
+            <p:ph type="sldImg"/>
+          </p:nvPr>
+        </p:nvSpPr>
+        <p:spPr/>
+      </p:sp>
+      <p:sp>
+        <p:nvSpPr>
+          <p:cNvPr id="3" name="Notes Placeholder 2"/>
+          <p:cNvSpPr>
+            <a:spLocks noGrp="1"/>
+          </p:cNvSpPr>
+          <p:nvPr>
+            <p:ph type="body" idx="1"/>
+          </p:nvPr>
+        </p:nvSpPr>
+        <p:spPr/>
+        <p:txBody>
+          <a:bodyPr/>
+          <a:lstStyle/>
+          <a:p>
+            <a:endParaRPr lang="en-US" dirty="0"/>
+          </a:p>
+        </p:txBody>
+      </p:sp>
+      <p:sp>
+        <p:nvSpPr>
+          <p:cNvPr id="4" name="Slide Number Placeholder 3"/>
+          <p:cNvSpPr>
+            <a:spLocks noGrp="1"/>
+          </p:cNvSpPr>
+          <p:nvPr>
+            <p:ph type="sldNum" idx="12"/>
+          </p:nvPr>
+        </p:nvSpPr>
+        <p:spPr/>
+        <p:txBody>
+          <a:bodyPr/>
+          <a:lstStyle/>
+          <a:p>
+            <a:pPr marL="0" marR="0" lvl="0" indent="0" algn="r" rtl="0">
+              <a:spcBef>
+                <a:spcPts val="0"/>
+              </a:spcBef>
+              <a:spcAft>
+                <a:spcPts val="0"/>
+              </a:spcAft>
+              <a:buNone/>
+            </a:pPr>
+            <a:fld id="{00000000-1234-1234-1234-123412341234}" type="slidenum">
+              <a:rPr lang="nl-NL" sz="1200" b="0" i="0" u="none" strike="noStrike" cap="none" smtClean="0">
+                <a:solidFill>
+                  <a:schemeClr val="dk1"/>
+                </a:solidFill>
+                <a:latin typeface="Calibri"/>
+                <a:ea typeface="Calibri"/>
+                <a:cs typeface="Calibri"/>
+                <a:sym typeface="Calibri"/>
+              </a:rPr>
+              <a:t>5</a:t>
+            </a:fld>
+            <a:endParaRPr lang="nl-NL" sz="1200" b="0" i="0" u="none" strike="noStrike" cap="none">
+              <a:solidFill>
+                <a:schemeClr val="dk1"/>
+              </a:solidFill>
+              <a:latin typeface="Calibri"/>
+              <a:ea typeface="Calibri"/>
+              <a:cs typeface="Calibri"/>
+              <a:sym typeface="Calibri"/>
+            </a:endParaRPr>
+          </a:p>
+        </p:txBody>
+      </p:sp>
+    </p:spTree>
+    <p:extLst>
+      <p:ext uri="{BB962C8B-B14F-4D97-AF65-F5344CB8AC3E}">
+        <p14:creationId xmlns:p14="http://schemas.microsoft.com/office/powerpoint/2010/main" val="3285124818"/>
+      </p:ext>
+    </p:extLst>
+  </p:cSld>
+  <p:clrMapOvr>
+    <a:masterClrMapping/>
+  </p:clrMapOvr>
+</p:notes>
 </file>
 
 <file path=ppt/slideLayouts/slideLayout1.xml><?xml version="1.0" encoding="utf-8"?>
@@ -30122,7 +33471,11 @@
           <a:bodyPr/>
           <a:lstStyle/>
           <a:p>
-            <a:endParaRPr lang="en-US"/>
+            <a:r>
+              <a:rPr lang="nb-NO" dirty="0" err="1"/>
+              <a:t>NoCoalMiners</a:t>
+            </a:r>
+            <a:endParaRPr lang="en-US" dirty="0"/>
           </a:p>
         </p:txBody>
       </p:sp>
@@ -30212,7 +33565,13 @@
           <a:p>
             <a:r>
               <a:rPr lang="en-US" dirty="0"/>
-              <a:t>2752381 records</a:t>
+              <a:t>5.7 GB</a:t>
+            </a:r>
+          </a:p>
+          <a:p>
+            <a:r>
+              <a:rPr lang="en-US" dirty="0"/>
+              <a:t>~2.7 million records</a:t>
             </a:r>
           </a:p>
           <a:p>
@@ -30274,6 +33633,613 @@
     <p:extLst>
       <p:ext uri="{BB962C8B-B14F-4D97-AF65-F5344CB8AC3E}">
         <p14:creationId xmlns:p14="http://schemas.microsoft.com/office/powerpoint/2010/main" val="2560190151"/>
+      </p:ext>
+    </p:extLst>
+  </p:cSld>
+  <p:clrMapOvr>
+    <a:masterClrMapping/>
+  </p:clrMapOvr>
+</p:sld>
+</file>
+
+<file path=ppt/slides/slide3.xml><?xml version="1.0" encoding="utf-8"?>
+<p:sld xmlns:a="http://schemas.openxmlformats.org/drawingml/2006/main" xmlns:r="http://schemas.openxmlformats.org/officeDocument/2006/relationships" xmlns:p="http://schemas.openxmlformats.org/presentationml/2006/main">
+  <p:cSld>
+    <p:spTree>
+      <p:nvGrpSpPr>
+        <p:cNvPr id="1" name=""/>
+        <p:cNvGrpSpPr/>
+        <p:nvPr/>
+      </p:nvGrpSpPr>
+      <p:grpSpPr>
+        <a:xfrm>
+          <a:off x="0" y="0"/>
+          <a:ext cx="0" cy="0"/>
+          <a:chOff x="0" y="0"/>
+          <a:chExt cx="0" cy="0"/>
+        </a:xfrm>
+      </p:grpSpPr>
+      <p:sp>
+        <p:nvSpPr>
+          <p:cNvPr id="2" name="Title 1">
+            <a:extLst>
+              <a:ext uri="{FF2B5EF4-FFF2-40B4-BE49-F238E27FC236}">
+                <a16:creationId xmlns:a16="http://schemas.microsoft.com/office/drawing/2014/main" id="{C3FD5EA1-F283-D65B-8AF2-0B007E8779CD}"/>
+              </a:ext>
+            </a:extLst>
+          </p:cNvPr>
+          <p:cNvSpPr>
+            <a:spLocks noGrp="1"/>
+          </p:cNvSpPr>
+          <p:nvPr>
+            <p:ph type="title"/>
+          </p:nvPr>
+        </p:nvSpPr>
+        <p:spPr/>
+        <p:txBody>
+          <a:bodyPr/>
+          <a:lstStyle/>
+          <a:p>
+            <a:r>
+              <a:rPr lang="nb-NO" dirty="0"/>
+              <a:t>EDA</a:t>
+            </a:r>
+            <a:endParaRPr lang="en-US" dirty="0"/>
+          </a:p>
+        </p:txBody>
+      </p:sp>
+      <p:pic>
+        <p:nvPicPr>
+          <p:cNvPr id="6" name="Content Placeholder 5">
+            <a:extLst>
+              <a:ext uri="{FF2B5EF4-FFF2-40B4-BE49-F238E27FC236}">
+                <a16:creationId xmlns:a16="http://schemas.microsoft.com/office/drawing/2014/main" id="{F738BB52-440B-45F5-258D-B058D928448F}"/>
+              </a:ext>
+            </a:extLst>
+          </p:cNvPr>
+          <p:cNvPicPr>
+            <a:picLocks noGrp="1" noChangeAspect="1"/>
+          </p:cNvPicPr>
+          <p:nvPr>
+            <p:ph sz="half" idx="1"/>
+          </p:nvPr>
+        </p:nvPicPr>
+        <p:blipFill>
+          <a:blip r:embed="rId2"/>
+          <a:stretch>
+            <a:fillRect/>
+          </a:stretch>
+        </p:blipFill>
+        <p:spPr>
+          <a:xfrm>
+            <a:off x="695325" y="1850382"/>
+            <a:ext cx="5400675" cy="4236736"/>
+          </a:xfrm>
+        </p:spPr>
+      </p:pic>
+      <p:sp>
+        <p:nvSpPr>
+          <p:cNvPr id="4" name="Content Placeholder 3">
+            <a:extLst>
+              <a:ext uri="{FF2B5EF4-FFF2-40B4-BE49-F238E27FC236}">
+                <a16:creationId xmlns:a16="http://schemas.microsoft.com/office/drawing/2014/main" id="{DA5AB8F8-03C8-38E1-EB31-D8D7F5936C52}"/>
+              </a:ext>
+            </a:extLst>
+          </p:cNvPr>
+          <p:cNvSpPr>
+            <a:spLocks noGrp="1"/>
+          </p:cNvSpPr>
+          <p:nvPr>
+            <p:ph sz="half" idx="2"/>
+          </p:nvPr>
+        </p:nvSpPr>
+        <p:spPr/>
+        <p:txBody>
+          <a:bodyPr/>
+          <a:lstStyle/>
+          <a:p>
+            <a:endParaRPr lang="en-US" dirty="0"/>
+          </a:p>
+        </p:txBody>
+      </p:sp>
+    </p:spTree>
+    <p:extLst>
+      <p:ext uri="{BB962C8B-B14F-4D97-AF65-F5344CB8AC3E}">
+        <p14:creationId xmlns:p14="http://schemas.microsoft.com/office/powerpoint/2010/main" val="220783207"/>
+      </p:ext>
+    </p:extLst>
+  </p:cSld>
+  <p:clrMapOvr>
+    <a:masterClrMapping/>
+  </p:clrMapOvr>
+</p:sld>
+</file>
+
+<file path=ppt/slides/slide4.xml><?xml version="1.0" encoding="utf-8"?>
+<p:sld xmlns:a="http://schemas.openxmlformats.org/drawingml/2006/main" xmlns:r="http://schemas.openxmlformats.org/officeDocument/2006/relationships" xmlns:p="http://schemas.openxmlformats.org/presentationml/2006/main">
+  <p:cSld>
+    <p:spTree>
+      <p:nvGrpSpPr>
+        <p:cNvPr id="1" name=""/>
+        <p:cNvGrpSpPr/>
+        <p:nvPr/>
+      </p:nvGrpSpPr>
+      <p:grpSpPr>
+        <a:xfrm>
+          <a:off x="0" y="0"/>
+          <a:ext cx="0" cy="0"/>
+          <a:chOff x="0" y="0"/>
+          <a:chExt cx="0" cy="0"/>
+        </a:xfrm>
+      </p:grpSpPr>
+      <p:sp>
+        <p:nvSpPr>
+          <p:cNvPr id="5" name="Title 4">
+            <a:extLst>
+              <a:ext uri="{FF2B5EF4-FFF2-40B4-BE49-F238E27FC236}">
+                <a16:creationId xmlns:a16="http://schemas.microsoft.com/office/drawing/2014/main" id="{12FC7359-C0EB-175C-11AF-5927E0CF489D}"/>
+              </a:ext>
+            </a:extLst>
+          </p:cNvPr>
+          <p:cNvSpPr>
+            <a:spLocks noGrp="1"/>
+          </p:cNvSpPr>
+          <p:nvPr>
+            <p:ph type="title"/>
+          </p:nvPr>
+        </p:nvSpPr>
+        <p:spPr/>
+        <p:txBody>
+          <a:bodyPr/>
+          <a:lstStyle/>
+          <a:p>
+            <a:r>
+              <a:rPr lang="nb-NO" dirty="0"/>
+              <a:t>Plan</a:t>
+            </a:r>
+            <a:endParaRPr lang="en-US" dirty="0"/>
+          </a:p>
+        </p:txBody>
+      </p:sp>
+      <p:graphicFrame>
+        <p:nvGraphicFramePr>
+          <p:cNvPr id="7" name="Content Placeholder 6">
+            <a:extLst>
+              <a:ext uri="{FF2B5EF4-FFF2-40B4-BE49-F238E27FC236}">
+                <a16:creationId xmlns:a16="http://schemas.microsoft.com/office/drawing/2014/main" id="{BA697832-5E03-2F0D-209B-6A7A3E9B2394}"/>
+              </a:ext>
+            </a:extLst>
+          </p:cNvPr>
+          <p:cNvGraphicFramePr>
+            <a:graphicFrameLocks noGrp="1"/>
+          </p:cNvGraphicFramePr>
+          <p:nvPr>
+            <p:ph idx="1"/>
+            <p:extLst>
+              <p:ext uri="{D42A27DB-BD31-4B8C-83A1-F6EECF244321}">
+                <p14:modId xmlns:p14="http://schemas.microsoft.com/office/powerpoint/2010/main" val="3897732004"/>
+              </p:ext>
+            </p:extLst>
+          </p:nvPr>
+        </p:nvGraphicFramePr>
+        <p:xfrm>
+          <a:off x="698500" y="1800225"/>
+          <a:ext cx="10788650" cy="4356100"/>
+        </p:xfrm>
+        <a:graphic>
+          <a:graphicData uri="http://schemas.openxmlformats.org/drawingml/2006/diagram">
+            <dgm:relIds xmlns:dgm="http://schemas.openxmlformats.org/drawingml/2006/diagram" xmlns:r="http://schemas.openxmlformats.org/officeDocument/2006/relationships" r:dm="rId3" r:lo="rId4" r:qs="rId5" r:cs="rId6"/>
+          </a:graphicData>
+        </a:graphic>
+      </p:graphicFrame>
+    </p:spTree>
+    <p:extLst>
+      <p:ext uri="{BB962C8B-B14F-4D97-AF65-F5344CB8AC3E}">
+        <p14:creationId xmlns:p14="http://schemas.microsoft.com/office/powerpoint/2010/main" val="3941749438"/>
+      </p:ext>
+    </p:extLst>
+  </p:cSld>
+  <p:clrMapOvr>
+    <a:masterClrMapping/>
+  </p:clrMapOvr>
+</p:sld>
+</file>
+
+<file path=ppt/slides/slide5.xml><?xml version="1.0" encoding="utf-8"?>
+<p:sld xmlns:a="http://schemas.openxmlformats.org/drawingml/2006/main" xmlns:r="http://schemas.openxmlformats.org/officeDocument/2006/relationships" xmlns:p="http://schemas.openxmlformats.org/presentationml/2006/main">
+  <p:cSld>
+    <p:spTree>
+      <p:nvGrpSpPr>
+        <p:cNvPr id="1" name=""/>
+        <p:cNvGrpSpPr/>
+        <p:nvPr/>
+      </p:nvGrpSpPr>
+      <p:grpSpPr>
+        <a:xfrm>
+          <a:off x="0" y="0"/>
+          <a:ext cx="0" cy="0"/>
+          <a:chOff x="0" y="0"/>
+          <a:chExt cx="0" cy="0"/>
+        </a:xfrm>
+      </p:grpSpPr>
+      <p:sp>
+        <p:nvSpPr>
+          <p:cNvPr id="5" name="Title 4">
+            <a:extLst>
+              <a:ext uri="{FF2B5EF4-FFF2-40B4-BE49-F238E27FC236}">
+                <a16:creationId xmlns:a16="http://schemas.microsoft.com/office/drawing/2014/main" id="{5C9F67B9-3D87-35B7-3AE6-8E1980251073}"/>
+              </a:ext>
+            </a:extLst>
+          </p:cNvPr>
+          <p:cNvSpPr>
+            <a:spLocks noGrp="1"/>
+          </p:cNvSpPr>
+          <p:nvPr>
+            <p:ph type="title"/>
+          </p:nvPr>
+        </p:nvSpPr>
+        <p:spPr/>
+        <p:txBody>
+          <a:bodyPr/>
+          <a:lstStyle/>
+          <a:p>
+            <a:r>
+              <a:rPr lang="nb-NO" dirty="0"/>
+              <a:t>How </a:t>
+            </a:r>
+            <a:r>
+              <a:rPr lang="nb-NO" dirty="0" err="1"/>
+              <a:t>this</a:t>
+            </a:r>
+            <a:r>
+              <a:rPr lang="nb-NO" dirty="0"/>
+              <a:t> is relevant for </a:t>
+            </a:r>
+            <a:r>
+              <a:rPr lang="nb-NO" dirty="0" err="1"/>
+              <a:t>our</a:t>
+            </a:r>
+            <a:r>
+              <a:rPr lang="nb-NO" dirty="0"/>
+              <a:t> Net Zero goals</a:t>
+            </a:r>
+            <a:endParaRPr lang="en-US" dirty="0"/>
+          </a:p>
+        </p:txBody>
+      </p:sp>
+      <p:graphicFrame>
+        <p:nvGraphicFramePr>
+          <p:cNvPr id="7" name="Content Placeholder 6">
+            <a:extLst>
+              <a:ext uri="{FF2B5EF4-FFF2-40B4-BE49-F238E27FC236}">
+                <a16:creationId xmlns:a16="http://schemas.microsoft.com/office/drawing/2014/main" id="{DB2E2238-7654-CA36-1321-7412678C1493}"/>
+              </a:ext>
+            </a:extLst>
+          </p:cNvPr>
+          <p:cNvGraphicFramePr>
+            <a:graphicFrameLocks noGrp="1"/>
+          </p:cNvGraphicFramePr>
+          <p:nvPr>
+            <p:ph idx="1"/>
+            <p:extLst>
+              <p:ext uri="{D42A27DB-BD31-4B8C-83A1-F6EECF244321}">
+                <p14:modId xmlns:p14="http://schemas.microsoft.com/office/powerpoint/2010/main" val="3546227095"/>
+              </p:ext>
+            </p:extLst>
+          </p:nvPr>
+        </p:nvGraphicFramePr>
+        <p:xfrm>
+          <a:off x="698500" y="1800225"/>
+          <a:ext cx="10788650" cy="3657600"/>
+        </p:xfrm>
+        <a:graphic>
+          <a:graphicData uri="http://schemas.openxmlformats.org/drawingml/2006/table">
+            <a:tbl>
+              <a:tblPr bandRow="1">
+                <a:tableStyleId>{5C22544A-7EE6-4342-B048-85BDC9FD1C3A}</a:tableStyleId>
+              </a:tblPr>
+              <a:tblGrid>
+                <a:gridCol w="5394325">
+                  <a:extLst>
+                    <a:ext uri="{9D8B030D-6E8A-4147-A177-3AD203B41FA5}">
+                      <a16:colId xmlns:a16="http://schemas.microsoft.com/office/drawing/2014/main" val="2358508804"/>
+                    </a:ext>
+                  </a:extLst>
+                </a:gridCol>
+                <a:gridCol w="5394325">
+                  <a:extLst>
+                    <a:ext uri="{9D8B030D-6E8A-4147-A177-3AD203B41FA5}">
+                      <a16:colId xmlns:a16="http://schemas.microsoft.com/office/drawing/2014/main" val="3982361422"/>
+                    </a:ext>
+                  </a:extLst>
+                </a:gridCol>
+              </a:tblGrid>
+              <a:tr h="370840">
+                <a:tc>
+                  <a:txBody>
+                    <a:bodyPr/>
+                    <a:lstStyle/>
+                    <a:p>
+                      <a:r>
+                        <a:rPr lang="en-US" dirty="0"/>
+                        <a:t>Information Extraction</a:t>
+                      </a:r>
+                    </a:p>
+                  </a:txBody>
+                  <a:tcPr/>
+                </a:tc>
+                <a:tc>
+                  <a:txBody>
+                    <a:bodyPr/>
+                    <a:lstStyle/>
+                    <a:p>
+                      <a:r>
+                        <a:rPr lang="en-US" dirty="0"/>
+                        <a:t>Extract subsurface relevant features from wellbore records and associated documents.</a:t>
+                      </a:r>
+                    </a:p>
+                  </a:txBody>
+                  <a:tcPr/>
+                </a:tc>
+                <a:extLst>
+                  <a:ext uri="{0D108BD9-81ED-4DB2-BD59-A6C34878D82A}">
+                    <a16:rowId xmlns:a16="http://schemas.microsoft.com/office/drawing/2014/main" val="3378437473"/>
+                  </a:ext>
+                </a:extLst>
+              </a:tr>
+              <a:tr h="370840">
+                <a:tc>
+                  <a:txBody>
+                    <a:bodyPr/>
+                    <a:lstStyle/>
+                    <a:p>
+                      <a:r>
+                        <a:rPr lang="en-US" dirty="0"/>
+                        <a:t>Document Summarization</a:t>
+                      </a:r>
+                    </a:p>
+                  </a:txBody>
+                  <a:tcPr/>
+                </a:tc>
+                <a:tc>
+                  <a:txBody>
+                    <a:bodyPr/>
+                    <a:lstStyle/>
+                    <a:p>
+                      <a:r>
+                        <a:rPr lang="en-US" dirty="0"/>
+                        <a:t>Condense extensive reports into insights for rapid analysis.</a:t>
+                      </a:r>
+                    </a:p>
+                  </a:txBody>
+                  <a:tcPr/>
+                </a:tc>
+                <a:extLst>
+                  <a:ext uri="{0D108BD9-81ED-4DB2-BD59-A6C34878D82A}">
+                    <a16:rowId xmlns:a16="http://schemas.microsoft.com/office/drawing/2014/main" val="2438675349"/>
+                  </a:ext>
+                </a:extLst>
+              </a:tr>
+              <a:tr h="370840">
+                <a:tc>
+                  <a:txBody>
+                    <a:bodyPr/>
+                    <a:lstStyle/>
+                    <a:p>
+                      <a:r>
+                        <a:rPr lang="en-US" dirty="0"/>
+                        <a:t>Data Integration</a:t>
+                      </a:r>
+                    </a:p>
+                  </a:txBody>
+                  <a:tcPr/>
+                </a:tc>
+                <a:tc>
+                  <a:txBody>
+                    <a:bodyPr/>
+                    <a:lstStyle/>
+                    <a:p>
+                      <a:r>
+                        <a:rPr lang="en-US" dirty="0"/>
+                        <a:t>Combine disparate data types (e.g., textual, tabular, spatial) to update comprehensive subsurface models.</a:t>
+                      </a:r>
+                    </a:p>
+                  </a:txBody>
+                  <a:tcPr/>
+                </a:tc>
+                <a:extLst>
+                  <a:ext uri="{0D108BD9-81ED-4DB2-BD59-A6C34878D82A}">
+                    <a16:rowId xmlns:a16="http://schemas.microsoft.com/office/drawing/2014/main" val="3993556839"/>
+                  </a:ext>
+                </a:extLst>
+              </a:tr>
+              <a:tr h="370840">
+                <a:tc>
+                  <a:txBody>
+                    <a:bodyPr/>
+                    <a:lstStyle/>
+                    <a:p>
+                      <a:r>
+                        <a:rPr lang="en-US" dirty="0"/>
+                        <a:t>Case Example: Legacy Well Integrity for CCS</a:t>
+                      </a:r>
+                    </a:p>
+                  </a:txBody>
+                  <a:tcPr/>
+                </a:tc>
+                <a:tc>
+                  <a:txBody>
+                    <a:bodyPr/>
+                    <a:lstStyle/>
+                    <a:p>
+                      <a:r>
+                        <a:rPr lang="nb-NO" dirty="0" err="1"/>
+                        <a:t>Retrieve</a:t>
+                      </a:r>
+                      <a:r>
+                        <a:rPr lang="nb-NO" dirty="0"/>
+                        <a:t> info </a:t>
+                      </a:r>
+                      <a:r>
+                        <a:rPr lang="nb-NO" dirty="0" err="1"/>
+                        <a:t>about</a:t>
+                      </a:r>
+                      <a:r>
+                        <a:rPr lang="nb-NO" dirty="0"/>
+                        <a:t> </a:t>
+                      </a:r>
+                      <a:r>
+                        <a:rPr lang="nb-NO" dirty="0" err="1"/>
+                        <a:t>the</a:t>
+                      </a:r>
+                      <a:r>
+                        <a:rPr lang="nb-NO" dirty="0"/>
+                        <a:t> </a:t>
+                      </a:r>
+                      <a:r>
+                        <a:rPr lang="nb-NO" dirty="0" err="1"/>
+                        <a:t>construction</a:t>
+                      </a:r>
+                      <a:r>
+                        <a:rPr lang="nb-NO" dirty="0"/>
+                        <a:t> </a:t>
+                      </a:r>
+                      <a:r>
+                        <a:rPr lang="nb-NO" dirty="0" err="1"/>
+                        <a:t>of</a:t>
+                      </a:r>
+                      <a:r>
+                        <a:rPr lang="nb-NO" dirty="0"/>
+                        <a:t> </a:t>
+                      </a:r>
+                      <a:r>
+                        <a:rPr lang="nb-NO" dirty="0" err="1"/>
+                        <a:t>the</a:t>
+                      </a:r>
+                      <a:r>
+                        <a:rPr lang="nb-NO" dirty="0"/>
+                        <a:t> </a:t>
+                      </a:r>
+                      <a:r>
+                        <a:rPr lang="nb-NO" dirty="0" err="1"/>
+                        <a:t>wellbore</a:t>
+                      </a:r>
+                      <a:r>
+                        <a:rPr lang="nb-NO" dirty="0"/>
+                        <a:t>, </a:t>
+                      </a:r>
+                      <a:r>
+                        <a:rPr lang="nb-NO" dirty="0" err="1"/>
+                        <a:t>details</a:t>
+                      </a:r>
+                      <a:r>
+                        <a:rPr lang="nb-NO" dirty="0"/>
+                        <a:t> </a:t>
+                      </a:r>
+                      <a:r>
+                        <a:rPr lang="nb-NO" dirty="0" err="1"/>
+                        <a:t>about</a:t>
+                      </a:r>
+                      <a:r>
+                        <a:rPr lang="nb-NO" dirty="0"/>
+                        <a:t> P&amp;A.</a:t>
+                      </a:r>
+                    </a:p>
+                    <a:p>
+                      <a:endParaRPr lang="nb-NO" dirty="0"/>
+                    </a:p>
+                    <a:p>
+                      <a:r>
+                        <a:rPr lang="nb-NO" dirty="0"/>
+                        <a:t>This </a:t>
+                      </a:r>
+                      <a:r>
+                        <a:rPr lang="nb-NO" dirty="0" err="1"/>
+                        <a:t>could</a:t>
+                      </a:r>
+                      <a:r>
+                        <a:rPr lang="nb-NO" dirty="0"/>
+                        <a:t> </a:t>
+                      </a:r>
+                      <a:r>
+                        <a:rPr lang="nb-NO" dirty="0" err="1"/>
+                        <a:t>feed</a:t>
+                      </a:r>
+                      <a:r>
+                        <a:rPr lang="nb-NO" dirty="0"/>
+                        <a:t> </a:t>
+                      </a:r>
+                      <a:r>
+                        <a:rPr lang="nb-NO" dirty="0" err="1"/>
+                        <a:t>increase</a:t>
+                      </a:r>
+                      <a:r>
+                        <a:rPr lang="nb-NO" dirty="0"/>
+                        <a:t> </a:t>
+                      </a:r>
+                      <a:r>
+                        <a:rPr lang="nb-NO" dirty="0" err="1"/>
+                        <a:t>the</a:t>
+                      </a:r>
+                      <a:r>
+                        <a:rPr lang="nb-NO" dirty="0"/>
+                        <a:t> </a:t>
+                      </a:r>
+                      <a:r>
+                        <a:rPr lang="nb-NO" dirty="0" err="1"/>
+                        <a:t>efficiency</a:t>
+                      </a:r>
+                      <a:r>
+                        <a:rPr lang="nb-NO" dirty="0"/>
+                        <a:t> in </a:t>
+                      </a:r>
+                      <a:r>
+                        <a:rPr lang="nb-NO" dirty="0" err="1"/>
+                        <a:t>assessing</a:t>
+                      </a:r>
+                      <a:r>
+                        <a:rPr lang="nb-NO" dirty="0"/>
+                        <a:t> </a:t>
+                      </a:r>
+                      <a:r>
+                        <a:rPr lang="nb-NO" dirty="0" err="1"/>
+                        <a:t>the</a:t>
+                      </a:r>
+                      <a:r>
+                        <a:rPr lang="nb-NO" dirty="0"/>
+                        <a:t> risk </a:t>
+                      </a:r>
+                      <a:r>
+                        <a:rPr lang="nb-NO" dirty="0" err="1"/>
+                        <a:t>of</a:t>
+                      </a:r>
+                      <a:r>
+                        <a:rPr lang="nb-NO" dirty="0"/>
+                        <a:t> </a:t>
+                      </a:r>
+                      <a:r>
+                        <a:rPr lang="nb-NO" dirty="0" err="1"/>
+                        <a:t>leakage</a:t>
+                      </a:r>
+                      <a:endParaRPr lang="en-US" dirty="0"/>
+                    </a:p>
+                  </a:txBody>
+                  <a:tcPr/>
+                </a:tc>
+                <a:extLst>
+                  <a:ext uri="{0D108BD9-81ED-4DB2-BD59-A6C34878D82A}">
+                    <a16:rowId xmlns:a16="http://schemas.microsoft.com/office/drawing/2014/main" val="1059113109"/>
+                  </a:ext>
+                </a:extLst>
+              </a:tr>
+            </a:tbl>
+          </a:graphicData>
+        </a:graphic>
+      </p:graphicFrame>
+    </p:spTree>
+    <p:extLst>
+      <p:ext uri="{BB962C8B-B14F-4D97-AF65-F5344CB8AC3E}">
+        <p14:creationId xmlns:p14="http://schemas.microsoft.com/office/powerpoint/2010/main" val="234728090"/>
       </p:ext>
     </p:extLst>
   </p:cSld>
@@ -30967,15 +34933,110 @@
 </file>
 
 <file path=customXml/item1.xml><?xml version="1.0" encoding="utf-8"?>
-<?mso-contentType ?>
-<FormTemplates xmlns="http://schemas.microsoft.com/sharepoint/v3/contenttype/forms">
-  <Display>DocumentLibraryForm</Display>
-  <Edit>DocumentLibraryForm</Edit>
-  <New>DocumentLibraryForm</New>
-</FormTemplates>
+<p:properties xmlns:p="http://schemas.microsoft.com/office/2006/metadata/properties" xmlns:xsi="http://www.w3.org/2001/XMLSchema-instance" xmlns:pc="http://schemas.microsoft.com/office/infopath/2007/PartnerControls">
+  <documentManagement>
+    <b519d5ff8fc64ffea9cb9a4c0b377271 xmlns="a656ad94-3715-4ea0-be80-cf24fdf77b36">
+      <Terms xmlns="http://schemas.microsoft.com/office/infopath/2007/PartnerControls">
+        <TermInfo xmlns="http://schemas.microsoft.com/office/infopath/2007/PartnerControls">
+          <TermName xmlns="http://schemas.microsoft.com/office/infopath/2007/PartnerControls">Internal</TermName>
+          <TermId xmlns="http://schemas.microsoft.com/office/infopath/2007/PartnerControls">3361fef0-33ac-457d-8a1d-df19735ffcb1</TermId>
+        </TermInfo>
+      </Terms>
+    </b519d5ff8fc64ffea9cb9a4c0b377271>
+    <c71f94430ee24530b6af52dc58e8598c xmlns="a656ad94-3715-4ea0-be80-cf24fdf77b36">
+      <Terms xmlns="http://schemas.microsoft.com/office/infopath/2007/PartnerControls">
+        <TermInfo xmlns="http://schemas.microsoft.com/office/infopath/2007/PartnerControls">
+          <TermName xmlns="http://schemas.microsoft.com/office/infopath/2007/PartnerControls">Non record</TermName>
+          <TermId xmlns="http://schemas.microsoft.com/office/infopath/2007/PartnerControls">90cacf05-b8a6-4550-939b-1ce95d12ffe4</TermId>
+        </TermInfo>
+      </Terms>
+    </c71f94430ee24530b6af52dc58e8598c>
+    <hfb23c77fa4f4618a5f446ac03ac12ab xmlns="a656ad94-3715-4ea0-be80-cf24fdf77b36">
+      <Terms xmlns="http://schemas.microsoft.com/office/infopath/2007/PartnerControls">
+        <TermInfo xmlns="http://schemas.microsoft.com/office/infopath/2007/PartnerControls">
+          <TermName xmlns="http://schemas.microsoft.com/office/infopath/2007/PartnerControls">Technology development and implementation (TDI)</TermName>
+          <TermId xmlns="http://schemas.microsoft.com/office/infopath/2007/PartnerControls">01afcb3b-5eca-414e-9ead-1d3cb7205fcb</TermId>
+        </TermInfo>
+      </Terms>
+    </hfb23c77fa4f4618a5f446ac03ac12ab>
+    <gd56e2644879487f8da67586944cf0f5 xmlns="a656ad94-3715-4ea0-be80-cf24fdf77b36">
+      <Terms xmlns="http://schemas.microsoft.com/office/infopath/2007/PartnerControls">
+        <TermInfo xmlns="http://schemas.microsoft.com/office/infopath/2007/PartnerControls">
+          <TermName xmlns="http://schemas.microsoft.com/office/infopath/2007/PartnerControls">Draft</TermName>
+          <TermId xmlns="http://schemas.microsoft.com/office/infopath/2007/PartnerControls">af4d3abd-d88d-48b7-8fea-db9baac9496f</TermId>
+        </TermInfo>
+      </Terms>
+    </gd56e2644879487f8da67586944cf0f5>
+    <g971e9ce8060489b80a056801d36d93d xmlns="a656ad94-3715-4ea0-be80-cf24fdf77b36">
+      <Terms xmlns="http://schemas.microsoft.com/office/infopath/2007/PartnerControls">
+        <TermInfo xmlns="http://schemas.microsoft.com/office/infopath/2007/PartnerControls">
+          <TermName xmlns="http://schemas.microsoft.com/office/infopath/2007/PartnerControls">Not Applicable</TermName>
+          <TermId xmlns="http://schemas.microsoft.com/office/infopath/2007/PartnerControls">b6a69bb1-4da6-4b3a-bc7f-2752c0395156</TermId>
+        </TermInfo>
+      </Terms>
+    </g971e9ce8060489b80a056801d36d93d>
+    <j463fd55c1e24278acd7d668b68aa43a xmlns="a656ad94-3715-4ea0-be80-cf24fdf77b36">
+      <Terms xmlns="http://schemas.microsoft.com/office/infopath/2007/PartnerControls">
+        <TermInfo xmlns="http://schemas.microsoft.com/office/infopath/2007/PartnerControls">
+          <TermName xmlns="http://schemas.microsoft.com/office/infopath/2007/PartnerControls">TDI RLC CCS SOLUTIONS (TDI RLC CCSS)</TermName>
+          <TermId xmlns="http://schemas.microsoft.com/office/infopath/2007/PartnerControls">a8fd5728-3f03-486e-974e-ef2ed61f11c5</TermId>
+        </TermInfo>
+      </Terms>
+    </j463fd55c1e24278acd7d668b68aa43a>
+    <TaxCatchAll xmlns="a656ad94-3715-4ea0-be80-cf24fdf77b36">
+      <Value>15</Value>
+      <Value>14</Value>
+      <Value>13</Value>
+      <Value>11</Value>
+      <Value>9</Value>
+      <Value>8</Value>
+      <Value>41</Value>
+      <Value>6</Value>
+      <Value>54</Value>
+      <Value>7</Value>
+    </TaxCatchAll>
+    <m9e92212f5fa42fa9b52bc2f3224e0af xmlns="a656ad94-3715-4ea0-be80-cf24fdf77b36">
+      <Terms xmlns="http://schemas.microsoft.com/office/infopath/2007/PartnerControls">
+        <TermInfo xmlns="http://schemas.microsoft.com/office/infopath/2007/PartnerControls">
+          <TermName xmlns="http://schemas.microsoft.com/office/infopath/2007/PartnerControls">Equinor ASA</TermName>
+          <TermId xmlns="http://schemas.microsoft.com/office/infopath/2007/PartnerControls">98c35a5d-62b8-4578-be3d-53b9f4deec1f</TermId>
+        </TermInfo>
+      </Terms>
+    </m9e92212f5fa42fa9b52bc2f3224e0af>
+    <d632f762b19c46329b06e4a329cb5038 xmlns="a656ad94-3715-4ea0-be80-cf24fdf77b36">
+      <Terms xmlns="http://schemas.microsoft.com/office/infopath/2007/PartnerControls">
+        <TermInfo xmlns="http://schemas.microsoft.com/office/infopath/2007/PartnerControls">
+          <TermName xmlns="http://schemas.microsoft.com/office/infopath/2007/PartnerControls">TECHNOLOGY DIGITAL ＆ INNOVATION (TDI)</TermName>
+          <TermId xmlns="http://schemas.microsoft.com/office/infopath/2007/PartnerControls">90177810-19d5-40f0-8fda-8eb6a1357ee0</TermId>
+        </TermInfo>
+      </Terms>
+    </d632f762b19c46329b06e4a329cb5038>
+    <mbf6ec96a4d94feeaf76fee4d5d0c80e xmlns="a656ad94-3715-4ea0-be80-cf24fdf77b36">
+      <Terms xmlns="http://schemas.microsoft.com/office/infopath/2007/PartnerControls">
+        <TermInfo xmlns="http://schemas.microsoft.com/office/infopath/2007/PartnerControls">
+          <TermName xmlns="http://schemas.microsoft.com/office/infopath/2007/PartnerControls">Global</TermName>
+          <TermId xmlns="http://schemas.microsoft.com/office/infopath/2007/PartnerControls">c55188b0-9e1b-4cc5-8ff0-8cb874983813</TermId>
+        </TermInfo>
+      </Terms>
+    </mbf6ec96a4d94feeaf76fee4d5d0c80e>
+    <o6fe11a35735487dac377a215490fa4b xmlns="a656ad94-3715-4ea0-be80-cf24fdf77b36">
+      <Terms xmlns="http://schemas.microsoft.com/office/infopath/2007/PartnerControls">
+        <TermInfo xmlns="http://schemas.microsoft.com/office/infopath/2007/PartnerControls">
+          <TermName xmlns="http://schemas.microsoft.com/office/infopath/2007/PartnerControls">Office 365</TermName>
+          <TermId xmlns="http://schemas.microsoft.com/office/infopath/2007/PartnerControls">23cc2eaf-b88f-49bf-9aee-2309aadb8846</TermId>
+        </TermInfo>
+      </Terms>
+    </o6fe11a35735487dac377a215490fa4b>
+  </documentManagement>
+</p:properties>
 </file>
 
 <file path=customXml/item2.xml><?xml version="1.0" encoding="utf-8"?>
+<?mso-contentType ?>
+<SharedContentType xmlns="Microsoft.SharePoint.Taxonomy.ContentTypeSync" SourceId="02f74cf1-ae9f-400d-bc52-3bcd3a9e177f" ContentTypeId="0x0101" PreviousValue="false" LastSyncTimeStamp="2017-04-04T06:38:12.213Z"/>
+</file>
+
+<file path=customXml/item3.xml><?xml version="1.0" encoding="utf-8"?>
 <ct:contentTypeSchema xmlns:ct="http://schemas.microsoft.com/office/2006/metadata/contentType" xmlns:ma="http://schemas.microsoft.com/office/2006/metadata/properties/metaAttributes" ct:_="" ma:_="" ma:contentTypeName="Equinor Document" ma:contentTypeID="0x01010021A623C39873404E8BA89587BD4428B40100AEF93F650C6951448CF521C67F4B0CC3" ma:contentTypeVersion="3" ma:contentTypeDescription="Create a new document." ma:contentTypeScope="" ma:versionID="bbad98c9ee31a395afc6987666185298">
   <xsd:schema xmlns:xsd="http://www.w3.org/2001/XMLSchema" xmlns:xs="http://www.w3.org/2001/XMLSchema" xmlns:p="http://schemas.microsoft.com/office/2006/metadata/properties" xmlns:ns2="a656ad94-3715-4ea0-be80-cf24fdf77b36" xmlns:ns3="ccd26e1a-6845-4a0f-ace8-4bb8f2ffe80e" targetNamespace="http://schemas.microsoft.com/office/2006/metadata/properties" ma:root="true" ma:fieldsID="ce58365d249d088e2ab6c18c0c912871" ns2:_="" ns3:_="">
     <xsd:import namespace="a656ad94-3715-4ea0-be80-cf24fdf77b36"/>
@@ -31216,119 +35277,41 @@
 </ct:contentTypeSchema>
 </file>
 
-<file path=customXml/item3.xml><?xml version="1.0" encoding="utf-8"?>
+<file path=customXml/item4.xml><?xml version="1.0" encoding="utf-8"?>
 <?mso-contentType ?>
-<SharedContentType xmlns="Microsoft.SharePoint.Taxonomy.ContentTypeSync" SourceId="02f74cf1-ae9f-400d-bc52-3bcd3a9e177f" ContentTypeId="0x0101" PreviousValue="false" LastSyncTimeStamp="2017-04-04T06:38:12.213Z"/>
-</file>
-
-<file path=customXml/item4.xml><?xml version="1.0" encoding="utf-8"?>
-<p:properties xmlns:p="http://schemas.microsoft.com/office/2006/metadata/properties" xmlns:xsi="http://www.w3.org/2001/XMLSchema-instance" xmlns:pc="http://schemas.microsoft.com/office/infopath/2007/PartnerControls">
-  <documentManagement>
-    <b519d5ff8fc64ffea9cb9a4c0b377271 xmlns="a656ad94-3715-4ea0-be80-cf24fdf77b36">
-      <Terms xmlns="http://schemas.microsoft.com/office/infopath/2007/PartnerControls">
-        <TermInfo xmlns="http://schemas.microsoft.com/office/infopath/2007/PartnerControls">
-          <TermName xmlns="http://schemas.microsoft.com/office/infopath/2007/PartnerControls">Internal</TermName>
-          <TermId xmlns="http://schemas.microsoft.com/office/infopath/2007/PartnerControls">3361fef0-33ac-457d-8a1d-df19735ffcb1</TermId>
-        </TermInfo>
-      </Terms>
-    </b519d5ff8fc64ffea9cb9a4c0b377271>
-    <c71f94430ee24530b6af52dc58e8598c xmlns="a656ad94-3715-4ea0-be80-cf24fdf77b36">
-      <Terms xmlns="http://schemas.microsoft.com/office/infopath/2007/PartnerControls">
-        <TermInfo xmlns="http://schemas.microsoft.com/office/infopath/2007/PartnerControls">
-          <TermName xmlns="http://schemas.microsoft.com/office/infopath/2007/PartnerControls">Non record</TermName>
-          <TermId xmlns="http://schemas.microsoft.com/office/infopath/2007/PartnerControls">90cacf05-b8a6-4550-939b-1ce95d12ffe4</TermId>
-        </TermInfo>
-      </Terms>
-    </c71f94430ee24530b6af52dc58e8598c>
-    <hfb23c77fa4f4618a5f446ac03ac12ab xmlns="a656ad94-3715-4ea0-be80-cf24fdf77b36">
-      <Terms xmlns="http://schemas.microsoft.com/office/infopath/2007/PartnerControls">
-        <TermInfo xmlns="http://schemas.microsoft.com/office/infopath/2007/PartnerControls">
-          <TermName xmlns="http://schemas.microsoft.com/office/infopath/2007/PartnerControls">Technology development and implementation (TDI)</TermName>
-          <TermId xmlns="http://schemas.microsoft.com/office/infopath/2007/PartnerControls">01afcb3b-5eca-414e-9ead-1d3cb7205fcb</TermId>
-        </TermInfo>
-      </Terms>
-    </hfb23c77fa4f4618a5f446ac03ac12ab>
-    <gd56e2644879487f8da67586944cf0f5 xmlns="a656ad94-3715-4ea0-be80-cf24fdf77b36">
-      <Terms xmlns="http://schemas.microsoft.com/office/infopath/2007/PartnerControls">
-        <TermInfo xmlns="http://schemas.microsoft.com/office/infopath/2007/PartnerControls">
-          <TermName xmlns="http://schemas.microsoft.com/office/infopath/2007/PartnerControls">Draft</TermName>
-          <TermId xmlns="http://schemas.microsoft.com/office/infopath/2007/PartnerControls">af4d3abd-d88d-48b7-8fea-db9baac9496f</TermId>
-        </TermInfo>
-      </Terms>
-    </gd56e2644879487f8da67586944cf0f5>
-    <g971e9ce8060489b80a056801d36d93d xmlns="a656ad94-3715-4ea0-be80-cf24fdf77b36">
-      <Terms xmlns="http://schemas.microsoft.com/office/infopath/2007/PartnerControls">
-        <TermInfo xmlns="http://schemas.microsoft.com/office/infopath/2007/PartnerControls">
-          <TermName xmlns="http://schemas.microsoft.com/office/infopath/2007/PartnerControls">Not Applicable</TermName>
-          <TermId xmlns="http://schemas.microsoft.com/office/infopath/2007/PartnerControls">b6a69bb1-4da6-4b3a-bc7f-2752c0395156</TermId>
-        </TermInfo>
-      </Terms>
-    </g971e9ce8060489b80a056801d36d93d>
-    <j463fd55c1e24278acd7d668b68aa43a xmlns="a656ad94-3715-4ea0-be80-cf24fdf77b36">
-      <Terms xmlns="http://schemas.microsoft.com/office/infopath/2007/PartnerControls">
-        <TermInfo xmlns="http://schemas.microsoft.com/office/infopath/2007/PartnerControls">
-          <TermName xmlns="http://schemas.microsoft.com/office/infopath/2007/PartnerControls">TDI RLC CCS SOLUTIONS (TDI RLC CCSS)</TermName>
-          <TermId xmlns="http://schemas.microsoft.com/office/infopath/2007/PartnerControls">a8fd5728-3f03-486e-974e-ef2ed61f11c5</TermId>
-        </TermInfo>
-      </Terms>
-    </j463fd55c1e24278acd7d668b68aa43a>
-    <TaxCatchAll xmlns="a656ad94-3715-4ea0-be80-cf24fdf77b36">
-      <Value>15</Value>
-      <Value>14</Value>
-      <Value>13</Value>
-      <Value>11</Value>
-      <Value>9</Value>
-      <Value>8</Value>
-      <Value>41</Value>
-      <Value>6</Value>
-      <Value>54</Value>
-      <Value>7</Value>
-    </TaxCatchAll>
-    <m9e92212f5fa42fa9b52bc2f3224e0af xmlns="a656ad94-3715-4ea0-be80-cf24fdf77b36">
-      <Terms xmlns="http://schemas.microsoft.com/office/infopath/2007/PartnerControls">
-        <TermInfo xmlns="http://schemas.microsoft.com/office/infopath/2007/PartnerControls">
-          <TermName xmlns="http://schemas.microsoft.com/office/infopath/2007/PartnerControls">Equinor ASA</TermName>
-          <TermId xmlns="http://schemas.microsoft.com/office/infopath/2007/PartnerControls">98c35a5d-62b8-4578-be3d-53b9f4deec1f</TermId>
-        </TermInfo>
-      </Terms>
-    </m9e92212f5fa42fa9b52bc2f3224e0af>
-    <d632f762b19c46329b06e4a329cb5038 xmlns="a656ad94-3715-4ea0-be80-cf24fdf77b36">
-      <Terms xmlns="http://schemas.microsoft.com/office/infopath/2007/PartnerControls">
-        <TermInfo xmlns="http://schemas.microsoft.com/office/infopath/2007/PartnerControls">
-          <TermName xmlns="http://schemas.microsoft.com/office/infopath/2007/PartnerControls">TECHNOLOGY DIGITAL ＆ INNOVATION (TDI)</TermName>
-          <TermId xmlns="http://schemas.microsoft.com/office/infopath/2007/PartnerControls">90177810-19d5-40f0-8fda-8eb6a1357ee0</TermId>
-        </TermInfo>
-      </Terms>
-    </d632f762b19c46329b06e4a329cb5038>
-    <mbf6ec96a4d94feeaf76fee4d5d0c80e xmlns="a656ad94-3715-4ea0-be80-cf24fdf77b36">
-      <Terms xmlns="http://schemas.microsoft.com/office/infopath/2007/PartnerControls">
-        <TermInfo xmlns="http://schemas.microsoft.com/office/infopath/2007/PartnerControls">
-          <TermName xmlns="http://schemas.microsoft.com/office/infopath/2007/PartnerControls">Global</TermName>
-          <TermId xmlns="http://schemas.microsoft.com/office/infopath/2007/PartnerControls">c55188b0-9e1b-4cc5-8ff0-8cb874983813</TermId>
-        </TermInfo>
-      </Terms>
-    </mbf6ec96a4d94feeaf76fee4d5d0c80e>
-    <o6fe11a35735487dac377a215490fa4b xmlns="a656ad94-3715-4ea0-be80-cf24fdf77b36">
-      <Terms xmlns="http://schemas.microsoft.com/office/infopath/2007/PartnerControls">
-        <TermInfo xmlns="http://schemas.microsoft.com/office/infopath/2007/PartnerControls">
-          <TermName xmlns="http://schemas.microsoft.com/office/infopath/2007/PartnerControls">Office 365</TermName>
-          <TermId xmlns="http://schemas.microsoft.com/office/infopath/2007/PartnerControls">23cc2eaf-b88f-49bf-9aee-2309aadb8846</TermId>
-        </TermInfo>
-      </Terms>
-    </o6fe11a35735487dac377a215490fa4b>
-  </documentManagement>
-</p:properties>
+<FormTemplates xmlns="http://schemas.microsoft.com/sharepoint/v3/contenttype/forms">
+  <Display>DocumentLibraryForm</Display>
+  <Edit>DocumentLibraryForm</Edit>
+  <New>DocumentLibraryForm</New>
+</FormTemplates>
 </file>
 
 <file path=customXml/itemProps1.xml><?xml version="1.0" encoding="utf-8"?>
-<ds:datastoreItem xmlns:ds="http://schemas.openxmlformats.org/officeDocument/2006/customXml" ds:itemID="{1CA759BA-60DD-4235-BDB1-B2C8185628E5}">
+<ds:datastoreItem xmlns:ds="http://schemas.openxmlformats.org/officeDocument/2006/customXml" ds:itemID="{3A06BC25-6971-4927-B290-6A453B190920}">
   <ds:schemaRefs>
-    <ds:schemaRef ds:uri="http://schemas.microsoft.com/sharepoint/v3/contenttype/forms"/>
+    <ds:schemaRef ds:uri="a656ad94-3715-4ea0-be80-cf24fdf77b36"/>
+    <ds:schemaRef ds:uri="ccd26e1a-6845-4a0f-ace8-4bb8f2ffe80e"/>
+    <ds:schemaRef ds:uri="http://purl.org/dc/dcmitype/"/>
+    <ds:schemaRef ds:uri="http://purl.org/dc/elements/1.1/"/>
+    <ds:schemaRef ds:uri="http://purl.org/dc/terms/"/>
+    <ds:schemaRef ds:uri="http://schemas.microsoft.com/office/2006/documentManagement/types"/>
+    <ds:schemaRef ds:uri="http://schemas.microsoft.com/office/2006/metadata/properties"/>
+    <ds:schemaRef ds:uri="http://schemas.microsoft.com/office/infopath/2007/PartnerControls"/>
+    <ds:schemaRef ds:uri="http://schemas.openxmlformats.org/package/2006/metadata/core-properties"/>
+    <ds:schemaRef ds:uri="http://www.w3.org/XML/1998/namespace"/>
   </ds:schemaRefs>
 </ds:datastoreItem>
 </file>
 
 <file path=customXml/itemProps2.xml><?xml version="1.0" encoding="utf-8"?>
+<ds:datastoreItem xmlns:ds="http://schemas.openxmlformats.org/officeDocument/2006/customXml" ds:itemID="{564C2E64-C33F-4F1F-A3BC-4AF20845B69E}">
+  <ds:schemaRefs>
+    <ds:schemaRef ds:uri="Microsoft.SharePoint.Taxonomy.ContentTypeSync"/>
+  </ds:schemaRefs>
+</ds:datastoreItem>
+</file>
+
+<file path=customXml/itemProps3.xml><?xml version="1.0" encoding="utf-8"?>
 <ds:datastoreItem xmlns:ds="http://schemas.openxmlformats.org/officeDocument/2006/customXml" ds:itemID="{11EFDA35-DF5D-45D0-8C5E-DF4A79807BDC}">
   <ds:schemaRefs>
     <ds:schemaRef ds:uri="a656ad94-3715-4ea0-be80-cf24fdf77b36"/>
@@ -31347,27 +35330,10 @@
 </ds:datastoreItem>
 </file>
 
-<file path=customXml/itemProps3.xml><?xml version="1.0" encoding="utf-8"?>
-<ds:datastoreItem xmlns:ds="http://schemas.openxmlformats.org/officeDocument/2006/customXml" ds:itemID="{564C2E64-C33F-4F1F-A3BC-4AF20845B69E}">
+<file path=customXml/itemProps4.xml><?xml version="1.0" encoding="utf-8"?>
+<ds:datastoreItem xmlns:ds="http://schemas.openxmlformats.org/officeDocument/2006/customXml" ds:itemID="{1CA759BA-60DD-4235-BDB1-B2C8185628E5}">
   <ds:schemaRefs>
-    <ds:schemaRef ds:uri="Microsoft.SharePoint.Taxonomy.ContentTypeSync"/>
-  </ds:schemaRefs>
-</ds:datastoreItem>
-</file>
-
-<file path=customXml/itemProps4.xml><?xml version="1.0" encoding="utf-8"?>
-<ds:datastoreItem xmlns:ds="http://schemas.openxmlformats.org/officeDocument/2006/customXml" ds:itemID="{3A06BC25-6971-4927-B290-6A453B190920}">
-  <ds:schemaRefs>
-    <ds:schemaRef ds:uri="a656ad94-3715-4ea0-be80-cf24fdf77b36"/>
-    <ds:schemaRef ds:uri="ccd26e1a-6845-4a0f-ace8-4bb8f2ffe80e"/>
-    <ds:schemaRef ds:uri="http://purl.org/dc/dcmitype/"/>
-    <ds:schemaRef ds:uri="http://purl.org/dc/elements/1.1/"/>
-    <ds:schemaRef ds:uri="http://purl.org/dc/terms/"/>
-    <ds:schemaRef ds:uri="http://schemas.microsoft.com/office/2006/documentManagement/types"/>
-    <ds:schemaRef ds:uri="http://schemas.microsoft.com/office/2006/metadata/properties"/>
-    <ds:schemaRef ds:uri="http://schemas.microsoft.com/office/infopath/2007/PartnerControls"/>
-    <ds:schemaRef ds:uri="http://schemas.openxmlformats.org/package/2006/metadata/core-properties"/>
-    <ds:schemaRef ds:uri="http://www.w3.org/XML/1998/namespace"/>
+    <ds:schemaRef ds:uri="http://schemas.microsoft.com/sharepoint/v3/contenttype/forms"/>
   </ds:schemaRefs>
 </ds:datastoreItem>
 </file>

--- a/EAGE24_Hackaton_NoCoalMiners.pptx
+++ b/EAGE24_Hackaton_NoCoalMiners.pptx
@@ -6,14 +6,19 @@
     <p:sldMasterId id="2147483684" r:id="rId6"/>
   </p:sldMasterIdLst>
   <p:notesMasterIdLst>
-    <p:notesMasterId r:id="rId12"/>
+    <p:notesMasterId r:id="rId17"/>
   </p:notesMasterIdLst>
   <p:sldIdLst>
     <p:sldId id="256" r:id="rId7"/>
     <p:sldId id="257" r:id="rId8"/>
-    <p:sldId id="260" r:id="rId9"/>
-    <p:sldId id="258" r:id="rId10"/>
-    <p:sldId id="262" r:id="rId11"/>
+    <p:sldId id="262" r:id="rId9"/>
+    <p:sldId id="260" r:id="rId10"/>
+    <p:sldId id="258" r:id="rId11"/>
+    <p:sldId id="263" r:id="rId12"/>
+    <p:sldId id="268" r:id="rId13"/>
+    <p:sldId id="267" r:id="rId14"/>
+    <p:sldId id="266" r:id="rId15"/>
+    <p:sldId id="269" r:id="rId16"/>
   </p:sldIdLst>
   <p:sldSz cx="12192000" cy="6858000"/>
   <p:notesSz cx="6858000" cy="9144000"/>
@@ -900,7 +905,7 @@
         <a:p>
           <a:r>
             <a:rPr lang="nb-NO" dirty="0"/>
-            <a:t>EDA / Pandas </a:t>
+            <a:t>Preliminary data </a:t>
           </a:r>
           <a:r>
             <a:rPr lang="nb-NO" dirty="0" err="1"/>
@@ -932,104 +937,27 @@
         </a:p>
       </dgm:t>
     </dgm:pt>
-    <dgm:pt modelId="{C79C6B75-E75E-49F4-8FA7-55803740EFF1}">
+    <dgm:pt modelId="{E79C06A0-8DFB-4500-BD0A-F2093FBFBA31}">
       <dgm:prSet phldrT="[Text]"/>
-      <dgm:spPr/>
+      <dgm:spPr>
+        <a:solidFill>
+          <a:schemeClr val="accent6"/>
+        </a:solidFill>
+      </dgm:spPr>
       <dgm:t>
         <a:bodyPr/>
         <a:lstStyle/>
         <a:p>
+          <a:pPr algn="ctr"/>
           <a:r>
-            <a:rPr lang="nb-NO" dirty="0" err="1"/>
-            <a:t>Process</a:t>
-          </a:r>
-          <a:r>
-            <a:rPr lang="nb-NO" dirty="0"/>
-            <a:t> data</a:t>
-          </a:r>
-          <a:endParaRPr lang="en-US" dirty="0"/>
-        </a:p>
-      </dgm:t>
-    </dgm:pt>
-    <dgm:pt modelId="{3E3D7C1B-4CB4-4125-94ED-616EE20C3893}" type="parTrans" cxnId="{ACA06BBC-0D97-4B50-B855-D92BBEC5AD32}">
-      <dgm:prSet/>
-      <dgm:spPr/>
-      <dgm:t>
-        <a:bodyPr/>
-        <a:lstStyle/>
-        <a:p>
-          <a:endParaRPr lang="en-US"/>
-        </a:p>
-      </dgm:t>
-    </dgm:pt>
-    <dgm:pt modelId="{5A45A331-A0BA-4CD9-AA54-A0A91F875688}" type="sibTrans" cxnId="{ACA06BBC-0D97-4B50-B855-D92BBEC5AD32}">
-      <dgm:prSet/>
-      <dgm:spPr/>
-      <dgm:t>
-        <a:bodyPr/>
-        <a:lstStyle/>
-        <a:p>
-          <a:endParaRPr lang="en-US"/>
-        </a:p>
-      </dgm:t>
-    </dgm:pt>
-    <dgm:pt modelId="{CFF3DF00-AE12-43BE-9CC2-59CA080CD64C}">
-      <dgm:prSet phldrT="[Text]"/>
-      <dgm:spPr/>
-      <dgm:t>
-        <a:bodyPr/>
-        <a:lstStyle/>
-        <a:p>
-          <a:r>
-            <a:rPr lang="nb-NO" dirty="0" err="1"/>
-            <a:t>Export</a:t>
-          </a:r>
-          <a:r>
-            <a:rPr lang="nb-NO" dirty="0"/>
-            <a:t> JSONL files</a:t>
-          </a:r>
-          <a:endParaRPr lang="en-US" dirty="0"/>
-        </a:p>
-      </dgm:t>
-    </dgm:pt>
-    <dgm:pt modelId="{BE108021-45D7-49E4-8B67-D3EE5644CD47}" type="parTrans" cxnId="{CD57964D-5052-4146-B527-8A13CD62F2E1}">
-      <dgm:prSet/>
-      <dgm:spPr/>
-      <dgm:t>
-        <a:bodyPr/>
-        <a:lstStyle/>
-        <a:p>
-          <a:endParaRPr lang="en-US"/>
-        </a:p>
-      </dgm:t>
-    </dgm:pt>
-    <dgm:pt modelId="{7BA4BD2B-91C4-4678-81C7-D55B5B325433}" type="sibTrans" cxnId="{CD57964D-5052-4146-B527-8A13CD62F2E1}">
-      <dgm:prSet/>
-      <dgm:spPr/>
-      <dgm:t>
-        <a:bodyPr/>
-        <a:lstStyle/>
-        <a:p>
-          <a:endParaRPr lang="en-US"/>
-        </a:p>
-      </dgm:t>
-    </dgm:pt>
-    <dgm:pt modelId="{E79C06A0-8DFB-4500-BD0A-F2093FBFBA31}">
-      <dgm:prSet phldrT="[Text]"/>
-      <dgm:spPr/>
-      <dgm:t>
-        <a:bodyPr/>
-        <a:lstStyle/>
-        <a:p>
-          <a:r>
-            <a:rPr lang="nb-NO" dirty="0"/>
+            <a:rPr lang="nb-NO" b="1" dirty="0"/>
             <a:t>Nemo </a:t>
           </a:r>
           <a:r>
-            <a:rPr lang="nb-NO" dirty="0" err="1"/>
+            <a:rPr lang="nb-NO" b="1" dirty="0" err="1"/>
             <a:t>Curator</a:t>
           </a:r>
-          <a:endParaRPr lang="en-US" dirty="0"/>
+          <a:endParaRPr lang="en-US" b="1" dirty="0"/>
         </a:p>
       </dgm:t>
     </dgm:pt>
@@ -1057,16 +985,25 @@
     </dgm:pt>
     <dgm:pt modelId="{D7111048-4D0E-4B26-9F6D-ECAB225E8BB5}">
       <dgm:prSet phldrT="[Text]"/>
-      <dgm:spPr/>
+      <dgm:spPr>
+        <a:solidFill>
+          <a:schemeClr val="accent6"/>
+        </a:solidFill>
+      </dgm:spPr>
       <dgm:t>
         <a:bodyPr/>
         <a:lstStyle/>
         <a:p>
+          <a:pPr algn="ctr"/>
           <a:r>
-            <a:rPr lang="nb-NO" dirty="0" err="1"/>
+            <a:rPr lang="nb-NO" b="1" dirty="0"/>
+            <a:t>Data </a:t>
+          </a:r>
+          <a:r>
+            <a:rPr lang="nb-NO" b="1" dirty="0" err="1"/>
             <a:t>Cleanup</a:t>
           </a:r>
-          <a:endParaRPr lang="en-US" dirty="0"/>
+          <a:endParaRPr lang="en-US" b="1" dirty="0"/>
         </a:p>
       </dgm:t>
     </dgm:pt>
@@ -1149,8 +1086,20 @@
         <a:lstStyle/>
         <a:p>
           <a:r>
+            <a:rPr lang="nb-NO" dirty="0" err="1"/>
+            <a:t>Interact</a:t>
+          </a:r>
+          <a:r>
             <a:rPr lang="nb-NO" dirty="0"/>
-            <a:t>Questions</a:t>
+            <a:t> </a:t>
+          </a:r>
+          <a:r>
+            <a:rPr lang="nb-NO" dirty="0" err="1"/>
+            <a:t>with</a:t>
+          </a:r>
+          <a:r>
+            <a:rPr lang="nb-NO" dirty="0"/>
+            <a:t> LLM</a:t>
           </a:r>
           <a:endParaRPr lang="en-US" dirty="0"/>
         </a:p>
@@ -1188,7 +1137,7 @@
       <dgm:spPr/>
     </dgm:pt>
     <dgm:pt modelId="{E1161712-53F1-4C72-844A-A0830668252A}" type="pres">
-      <dgm:prSet presAssocID="{62ED2FD8-1CB2-4546-8EC8-18C0F01ADA03}" presName="node" presStyleLbl="node1" presStyleIdx="0" presStyleCnt="5">
+      <dgm:prSet presAssocID="{62ED2FD8-1CB2-4546-8EC8-18C0F01ADA03}" presName="node" presStyleLbl="node1" presStyleIdx="0" presStyleCnt="4" custLinFactY="46536" custLinFactNeighborX="-8566" custLinFactNeighborY="100000">
         <dgm:presLayoutVars>
           <dgm:bulletEnabled val="1"/>
         </dgm:presLayoutVars>
@@ -1196,31 +1145,15 @@
       <dgm:spPr/>
     </dgm:pt>
     <dgm:pt modelId="{DD8371A2-6559-43D9-98A4-6C0C66EA8802}" type="pres">
-      <dgm:prSet presAssocID="{0C118D9E-1D19-4F6F-9A50-5016220754D8}" presName="sibTrans" presStyleLbl="sibTrans2D1" presStyleIdx="0" presStyleCnt="4"/>
+      <dgm:prSet presAssocID="{0C118D9E-1D19-4F6F-9A50-5016220754D8}" presName="sibTrans" presStyleLbl="sibTrans2D1" presStyleIdx="0" presStyleCnt="3"/>
       <dgm:spPr/>
     </dgm:pt>
     <dgm:pt modelId="{DC741948-71B5-410E-95BC-8EDB77B57E95}" type="pres">
-      <dgm:prSet presAssocID="{0C118D9E-1D19-4F6F-9A50-5016220754D8}" presName="connectorText" presStyleLbl="sibTrans2D1" presStyleIdx="0" presStyleCnt="4"/>
-      <dgm:spPr/>
-    </dgm:pt>
-    <dgm:pt modelId="{FFBD8F08-1CF5-4793-B0A8-BF5919BDE75F}" type="pres">
-      <dgm:prSet presAssocID="{CFF3DF00-AE12-43BE-9CC2-59CA080CD64C}" presName="node" presStyleLbl="node1" presStyleIdx="1" presStyleCnt="5">
-        <dgm:presLayoutVars>
-          <dgm:bulletEnabled val="1"/>
-        </dgm:presLayoutVars>
-      </dgm:prSet>
-      <dgm:spPr/>
-    </dgm:pt>
-    <dgm:pt modelId="{4F2A80C1-26DF-4540-9089-C912895BE4FC}" type="pres">
-      <dgm:prSet presAssocID="{7BA4BD2B-91C4-4678-81C7-D55B5B325433}" presName="sibTrans" presStyleLbl="sibTrans2D1" presStyleIdx="1" presStyleCnt="4"/>
-      <dgm:spPr/>
-    </dgm:pt>
-    <dgm:pt modelId="{3DE5CCE5-207A-4E23-B242-C3755C773353}" type="pres">
-      <dgm:prSet presAssocID="{7BA4BD2B-91C4-4678-81C7-D55B5B325433}" presName="connectorText" presStyleLbl="sibTrans2D1" presStyleIdx="1" presStyleCnt="4"/>
+      <dgm:prSet presAssocID="{0C118D9E-1D19-4F6F-9A50-5016220754D8}" presName="connectorText" presStyleLbl="sibTrans2D1" presStyleIdx="0" presStyleCnt="3"/>
       <dgm:spPr/>
     </dgm:pt>
     <dgm:pt modelId="{A51F8701-99F0-4DDC-9AB7-F00E586D7B8C}" type="pres">
-      <dgm:prSet presAssocID="{E79C06A0-8DFB-4500-BD0A-F2093FBFBA31}" presName="node" presStyleLbl="node1" presStyleIdx="2" presStyleCnt="5">
+      <dgm:prSet presAssocID="{E79C06A0-8DFB-4500-BD0A-F2093FBFBA31}" presName="node" presStyleLbl="node1" presStyleIdx="1" presStyleCnt="4" custLinFactNeighborX="-17202" custLinFactNeighborY="929">
         <dgm:presLayoutVars>
           <dgm:bulletEnabled val="1"/>
         </dgm:presLayoutVars>
@@ -1228,15 +1161,15 @@
       <dgm:spPr/>
     </dgm:pt>
     <dgm:pt modelId="{9DE1445F-8F4A-4A2D-BAA6-9B836A9FE0DA}" type="pres">
-      <dgm:prSet presAssocID="{E0B08F4D-4A22-4345-A613-FB893A8EA649}" presName="sibTrans" presStyleLbl="sibTrans2D1" presStyleIdx="2" presStyleCnt="4"/>
+      <dgm:prSet presAssocID="{E0B08F4D-4A22-4345-A613-FB893A8EA649}" presName="sibTrans" presStyleLbl="sibTrans2D1" presStyleIdx="1" presStyleCnt="3"/>
       <dgm:spPr/>
     </dgm:pt>
     <dgm:pt modelId="{3B4CFE44-8BFF-4CF5-A234-C5EDEEBDC597}" type="pres">
-      <dgm:prSet presAssocID="{E0B08F4D-4A22-4345-A613-FB893A8EA649}" presName="connectorText" presStyleLbl="sibTrans2D1" presStyleIdx="2" presStyleCnt="4"/>
+      <dgm:prSet presAssocID="{E0B08F4D-4A22-4345-A613-FB893A8EA649}" presName="connectorText" presStyleLbl="sibTrans2D1" presStyleIdx="1" presStyleCnt="3"/>
       <dgm:spPr/>
     </dgm:pt>
     <dgm:pt modelId="{DCCC8C2A-FF68-4838-8E94-C80249378D30}" type="pres">
-      <dgm:prSet presAssocID="{15B7273B-983E-4224-ACAD-BDD31925CC1F}" presName="node" presStyleLbl="node1" presStyleIdx="3" presStyleCnt="5">
+      <dgm:prSet presAssocID="{15B7273B-983E-4224-ACAD-BDD31925CC1F}" presName="node" presStyleLbl="node1" presStyleIdx="2" presStyleCnt="4" custLinFactY="47810" custLinFactNeighborX="-3440" custLinFactNeighborY="100000">
         <dgm:presLayoutVars>
           <dgm:bulletEnabled val="1"/>
         </dgm:presLayoutVars>
@@ -1244,15 +1177,15 @@
       <dgm:spPr/>
     </dgm:pt>
     <dgm:pt modelId="{CF77D077-E988-4752-8E12-268E2432F269}" type="pres">
-      <dgm:prSet presAssocID="{0BEB9295-A002-4717-ACAE-1E77E11047D8}" presName="sibTrans" presStyleLbl="sibTrans2D1" presStyleIdx="3" presStyleCnt="4"/>
+      <dgm:prSet presAssocID="{0BEB9295-A002-4717-ACAE-1E77E11047D8}" presName="sibTrans" presStyleLbl="sibTrans2D1" presStyleIdx="2" presStyleCnt="3"/>
       <dgm:spPr/>
     </dgm:pt>
     <dgm:pt modelId="{E0F5188C-3B3A-4179-8ED1-D5C1DF81DD1F}" type="pres">
-      <dgm:prSet presAssocID="{0BEB9295-A002-4717-ACAE-1E77E11047D8}" presName="connectorText" presStyleLbl="sibTrans2D1" presStyleIdx="3" presStyleCnt="4"/>
+      <dgm:prSet presAssocID="{0BEB9295-A002-4717-ACAE-1E77E11047D8}" presName="connectorText" presStyleLbl="sibTrans2D1" presStyleIdx="2" presStyleCnt="3"/>
       <dgm:spPr/>
     </dgm:pt>
     <dgm:pt modelId="{B1B2B6AB-0E1B-4F92-9301-CF898F82F3A2}" type="pres">
-      <dgm:prSet presAssocID="{C2517187-A412-493B-9B10-AB5BD906D428}" presName="node" presStyleLbl="node1" presStyleIdx="4" presStyleCnt="5">
+      <dgm:prSet presAssocID="{C2517187-A412-493B-9B10-AB5BD906D428}" presName="node" presStyleLbl="node1" presStyleIdx="3" presStyleCnt="4" custLinFactY="-58596" custLinFactNeighborX="1147" custLinFactNeighborY="-100000">
         <dgm:presLayoutVars>
           <dgm:bulletEnabled val="1"/>
         </dgm:presLayoutVars>
@@ -1265,38 +1198,29 @@
     <dgm:cxn modelId="{159C3027-FA68-4C26-AFCB-B0D7536BA5C1}" type="presOf" srcId="{E0B08F4D-4A22-4345-A613-FB893A8EA649}" destId="{3B4CFE44-8BFF-4CF5-A234-C5EDEEBDC597}" srcOrd="1" destOrd="0" presId="urn:microsoft.com/office/officeart/2005/8/layout/process5"/>
     <dgm:cxn modelId="{3A15CC30-58DF-444F-BA8E-445FFB665DFF}" type="presOf" srcId="{0C118D9E-1D19-4F6F-9A50-5016220754D8}" destId="{DD8371A2-6559-43D9-98A4-6C0C66EA8802}" srcOrd="0" destOrd="0" presId="urn:microsoft.com/office/officeart/2005/8/layout/process5"/>
     <dgm:cxn modelId="{59521336-C8BC-40C0-B4CE-0C5EDC72B54B}" type="presOf" srcId="{0BEB9295-A002-4717-ACAE-1E77E11047D8}" destId="{E0F5188C-3B3A-4179-8ED1-D5C1DF81DD1F}" srcOrd="1" destOrd="0" presId="urn:microsoft.com/office/officeart/2005/8/layout/process5"/>
-    <dgm:cxn modelId="{8F17CF3D-CF35-4ACD-9CF1-67EDC3D4FF80}" srcId="{03EADB82-619F-4CBD-8C0C-FD4A07FC44FF}" destId="{E79C06A0-8DFB-4500-BD0A-F2093FBFBA31}" srcOrd="2" destOrd="0" parTransId="{B958C0A2-E848-4BEC-8D52-377518D098B7}" sibTransId="{E0B08F4D-4A22-4345-A613-FB893A8EA649}"/>
+    <dgm:cxn modelId="{8F17CF3D-CF35-4ACD-9CF1-67EDC3D4FF80}" srcId="{03EADB82-619F-4CBD-8C0C-FD4A07FC44FF}" destId="{E79C06A0-8DFB-4500-BD0A-F2093FBFBA31}" srcOrd="1" destOrd="0" parTransId="{B958C0A2-E848-4BEC-8D52-377518D098B7}" sibTransId="{E0B08F4D-4A22-4345-A613-FB893A8EA649}"/>
     <dgm:cxn modelId="{2ACC323E-0403-4463-9BA9-E7DFA84F8663}" type="presOf" srcId="{15B7273B-983E-4224-ACAD-BDD31925CC1F}" destId="{DCCC8C2A-FF68-4838-8E94-C80249378D30}" srcOrd="0" destOrd="0" presId="urn:microsoft.com/office/officeart/2005/8/layout/process5"/>
-    <dgm:cxn modelId="{CAF62D40-31C8-44EF-AA87-66998767E157}" type="presOf" srcId="{CFF3DF00-AE12-43BE-9CC2-59CA080CD64C}" destId="{FFBD8F08-1CF5-4793-B0A8-BF5919BDE75F}" srcOrd="0" destOrd="0" presId="urn:microsoft.com/office/officeart/2005/8/layout/process5"/>
     <dgm:cxn modelId="{7851D25B-9D66-4B64-8884-3DB143495DAF}" type="presOf" srcId="{03EADB82-619F-4CBD-8C0C-FD4A07FC44FF}" destId="{D00FBC7A-C010-4FE8-8388-1DB64855D9FF}" srcOrd="0" destOrd="0" presId="urn:microsoft.com/office/officeart/2005/8/layout/process5"/>
-    <dgm:cxn modelId="{CD57964D-5052-4146-B527-8A13CD62F2E1}" srcId="{03EADB82-619F-4CBD-8C0C-FD4A07FC44FF}" destId="{CFF3DF00-AE12-43BE-9CC2-59CA080CD64C}" srcOrd="1" destOrd="0" parTransId="{BE108021-45D7-49E4-8B67-D3EE5644CD47}" sibTransId="{7BA4BD2B-91C4-4678-81C7-D55B5B325433}"/>
     <dgm:cxn modelId="{63FC3552-2B6D-46FC-862D-CDD4F921E726}" srcId="{03EADB82-619F-4CBD-8C0C-FD4A07FC44FF}" destId="{62ED2FD8-1CB2-4546-8EC8-18C0F01ADA03}" srcOrd="0" destOrd="0" parTransId="{4E72218F-4F53-43BC-A3DA-59EDBEB99E1F}" sibTransId="{0C118D9E-1D19-4F6F-9A50-5016220754D8}"/>
-    <dgm:cxn modelId="{8635FD72-42EE-4C53-9E38-71CAACAB325E}" type="presOf" srcId="{7BA4BD2B-91C4-4678-81C7-D55B5B325433}" destId="{3DE5CCE5-207A-4E23-B242-C3755C773353}" srcOrd="1" destOrd="0" presId="urn:microsoft.com/office/officeart/2005/8/layout/process5"/>
     <dgm:cxn modelId="{FFB5CF5A-FF6B-40DE-B87B-D316ADFB2928}" type="presOf" srcId="{C2517187-A412-493B-9B10-AB5BD906D428}" destId="{B1B2B6AB-0E1B-4F92-9301-CF898F82F3A2}" srcOrd="0" destOrd="0" presId="urn:microsoft.com/office/officeart/2005/8/layout/process5"/>
     <dgm:cxn modelId="{41BF5E86-CA9E-4A47-80D3-3B2272FFD9AE}" type="presOf" srcId="{E79C06A0-8DFB-4500-BD0A-F2093FBFBA31}" destId="{A51F8701-99F0-4DDC-9AB7-F00E586D7B8C}" srcOrd="0" destOrd="0" presId="urn:microsoft.com/office/officeart/2005/8/layout/process5"/>
     <dgm:cxn modelId="{4F21D99C-1931-4ED9-A5A9-CF28C80DCB9F}" type="presOf" srcId="{0C118D9E-1D19-4F6F-9A50-5016220754D8}" destId="{DC741948-71B5-410E-95BC-8EDB77B57E95}" srcOrd="1" destOrd="0" presId="urn:microsoft.com/office/officeart/2005/8/layout/process5"/>
-    <dgm:cxn modelId="{0AFDBCB4-5EB1-45E6-9B48-7FB33D13A765}" srcId="{03EADB82-619F-4CBD-8C0C-FD4A07FC44FF}" destId="{C2517187-A412-493B-9B10-AB5BD906D428}" srcOrd="4" destOrd="0" parTransId="{9EE91C27-1F7E-4F02-B1E8-DE7A481872E2}" sibTransId="{724482E5-AF10-4892-AD46-39B5226B2093}"/>
-    <dgm:cxn modelId="{ACA06BBC-0D97-4B50-B855-D92BBEC5AD32}" srcId="{62ED2FD8-1CB2-4546-8EC8-18C0F01ADA03}" destId="{C79C6B75-E75E-49F4-8FA7-55803740EFF1}" srcOrd="0" destOrd="0" parTransId="{3E3D7C1B-4CB4-4125-94ED-616EE20C3893}" sibTransId="{5A45A331-A0BA-4CD9-AA54-A0A91F875688}"/>
+    <dgm:cxn modelId="{0AFDBCB4-5EB1-45E6-9B48-7FB33D13A765}" srcId="{03EADB82-619F-4CBD-8C0C-FD4A07FC44FF}" destId="{C2517187-A412-493B-9B10-AB5BD906D428}" srcOrd="3" destOrd="0" parTransId="{9EE91C27-1F7E-4F02-B1E8-DE7A481872E2}" sibTransId="{724482E5-AF10-4892-AD46-39B5226B2093}"/>
     <dgm:cxn modelId="{381876C6-E127-40AD-A19F-0155B46C4256}" type="presOf" srcId="{0BEB9295-A002-4717-ACAE-1E77E11047D8}" destId="{CF77D077-E988-4752-8E12-268E2432F269}" srcOrd="0" destOrd="0" presId="urn:microsoft.com/office/officeart/2005/8/layout/process5"/>
     <dgm:cxn modelId="{FF5F73D2-0623-4B33-9683-8ABE786BE962}" type="presOf" srcId="{D7111048-4D0E-4B26-9F6D-ECAB225E8BB5}" destId="{A51F8701-99F0-4DDC-9AB7-F00E586D7B8C}" srcOrd="0" destOrd="1" presId="urn:microsoft.com/office/officeart/2005/8/layout/process5"/>
     <dgm:cxn modelId="{567E11D9-1DB9-4DD2-BE14-BCDC13EFAB9D}" type="presOf" srcId="{E0B08F4D-4A22-4345-A613-FB893A8EA649}" destId="{9DE1445F-8F4A-4A2D-BAA6-9B836A9FE0DA}" srcOrd="0" destOrd="0" presId="urn:microsoft.com/office/officeart/2005/8/layout/process5"/>
-    <dgm:cxn modelId="{6075E4E0-EFCF-4A6B-B102-0185567AF1A2}" type="presOf" srcId="{C79C6B75-E75E-49F4-8FA7-55803740EFF1}" destId="{E1161712-53F1-4C72-844A-A0830668252A}" srcOrd="0" destOrd="1" presId="urn:microsoft.com/office/officeart/2005/8/layout/process5"/>
-    <dgm:cxn modelId="{5C09CBE7-8937-4BBB-B4F2-36ADED22E8D9}" srcId="{03EADB82-619F-4CBD-8C0C-FD4A07FC44FF}" destId="{15B7273B-983E-4224-ACAD-BDD31925CC1F}" srcOrd="3" destOrd="0" parTransId="{354A2570-8E6B-4F6A-B5B3-36E8002CCF70}" sibTransId="{0BEB9295-A002-4717-ACAE-1E77E11047D8}"/>
+    <dgm:cxn modelId="{5C09CBE7-8937-4BBB-B4F2-36ADED22E8D9}" srcId="{03EADB82-619F-4CBD-8C0C-FD4A07FC44FF}" destId="{15B7273B-983E-4224-ACAD-BDD31925CC1F}" srcOrd="2" destOrd="0" parTransId="{354A2570-8E6B-4F6A-B5B3-36E8002CCF70}" sibTransId="{0BEB9295-A002-4717-ACAE-1E77E11047D8}"/>
     <dgm:cxn modelId="{730C17F2-CEDD-4B10-A914-876D5B99D12D}" type="presOf" srcId="{62ED2FD8-1CB2-4546-8EC8-18C0F01ADA03}" destId="{E1161712-53F1-4C72-844A-A0830668252A}" srcOrd="0" destOrd="0" presId="urn:microsoft.com/office/officeart/2005/8/layout/process5"/>
-    <dgm:cxn modelId="{CE52FAF5-664E-4A6E-AD65-471F16720FBE}" type="presOf" srcId="{7BA4BD2B-91C4-4678-81C7-D55B5B325433}" destId="{4F2A80C1-26DF-4540-9089-C912895BE4FC}" srcOrd="0" destOrd="0" presId="urn:microsoft.com/office/officeart/2005/8/layout/process5"/>
     <dgm:cxn modelId="{DFDF33CE-F906-4AE8-B60A-CA7CAD0925B9}" type="presParOf" srcId="{D00FBC7A-C010-4FE8-8388-1DB64855D9FF}" destId="{E1161712-53F1-4C72-844A-A0830668252A}" srcOrd="0" destOrd="0" presId="urn:microsoft.com/office/officeart/2005/8/layout/process5"/>
     <dgm:cxn modelId="{36B8E19A-D73B-452A-A225-C146937DFF3F}" type="presParOf" srcId="{D00FBC7A-C010-4FE8-8388-1DB64855D9FF}" destId="{DD8371A2-6559-43D9-98A4-6C0C66EA8802}" srcOrd="1" destOrd="0" presId="urn:microsoft.com/office/officeart/2005/8/layout/process5"/>
     <dgm:cxn modelId="{9AF7851B-3EC2-4F98-B76B-8DF6BAE09F62}" type="presParOf" srcId="{DD8371A2-6559-43D9-98A4-6C0C66EA8802}" destId="{DC741948-71B5-410E-95BC-8EDB77B57E95}" srcOrd="0" destOrd="0" presId="urn:microsoft.com/office/officeart/2005/8/layout/process5"/>
-    <dgm:cxn modelId="{19F602B3-E93A-408C-8030-EE3080C13395}" type="presParOf" srcId="{D00FBC7A-C010-4FE8-8388-1DB64855D9FF}" destId="{FFBD8F08-1CF5-4793-B0A8-BF5919BDE75F}" srcOrd="2" destOrd="0" presId="urn:microsoft.com/office/officeart/2005/8/layout/process5"/>
-    <dgm:cxn modelId="{E148BDA4-110F-47E3-8D16-1AFE84E7E2CA}" type="presParOf" srcId="{D00FBC7A-C010-4FE8-8388-1DB64855D9FF}" destId="{4F2A80C1-26DF-4540-9089-C912895BE4FC}" srcOrd="3" destOrd="0" presId="urn:microsoft.com/office/officeart/2005/8/layout/process5"/>
-    <dgm:cxn modelId="{842ABB6A-8509-4F41-8289-A725257EA02D}" type="presParOf" srcId="{4F2A80C1-26DF-4540-9089-C912895BE4FC}" destId="{3DE5CCE5-207A-4E23-B242-C3755C773353}" srcOrd="0" destOrd="0" presId="urn:microsoft.com/office/officeart/2005/8/layout/process5"/>
-    <dgm:cxn modelId="{415B469E-2610-473B-8A5A-0E2FD514DA74}" type="presParOf" srcId="{D00FBC7A-C010-4FE8-8388-1DB64855D9FF}" destId="{A51F8701-99F0-4DDC-9AB7-F00E586D7B8C}" srcOrd="4" destOrd="0" presId="urn:microsoft.com/office/officeart/2005/8/layout/process5"/>
-    <dgm:cxn modelId="{4D1AFD41-4FF7-4345-A319-3323F98EFADB}" type="presParOf" srcId="{D00FBC7A-C010-4FE8-8388-1DB64855D9FF}" destId="{9DE1445F-8F4A-4A2D-BAA6-9B836A9FE0DA}" srcOrd="5" destOrd="0" presId="urn:microsoft.com/office/officeart/2005/8/layout/process5"/>
+    <dgm:cxn modelId="{415B469E-2610-473B-8A5A-0E2FD514DA74}" type="presParOf" srcId="{D00FBC7A-C010-4FE8-8388-1DB64855D9FF}" destId="{A51F8701-99F0-4DDC-9AB7-F00E586D7B8C}" srcOrd="2" destOrd="0" presId="urn:microsoft.com/office/officeart/2005/8/layout/process5"/>
+    <dgm:cxn modelId="{4D1AFD41-4FF7-4345-A319-3323F98EFADB}" type="presParOf" srcId="{D00FBC7A-C010-4FE8-8388-1DB64855D9FF}" destId="{9DE1445F-8F4A-4A2D-BAA6-9B836A9FE0DA}" srcOrd="3" destOrd="0" presId="urn:microsoft.com/office/officeart/2005/8/layout/process5"/>
     <dgm:cxn modelId="{303F03E7-7E3D-45DD-BE15-91ABBB853F6F}" type="presParOf" srcId="{9DE1445F-8F4A-4A2D-BAA6-9B836A9FE0DA}" destId="{3B4CFE44-8BFF-4CF5-A234-C5EDEEBDC597}" srcOrd="0" destOrd="0" presId="urn:microsoft.com/office/officeart/2005/8/layout/process5"/>
-    <dgm:cxn modelId="{9A5206E9-FDE5-43E8-BB7B-C52C8AE25146}" type="presParOf" srcId="{D00FBC7A-C010-4FE8-8388-1DB64855D9FF}" destId="{DCCC8C2A-FF68-4838-8E94-C80249378D30}" srcOrd="6" destOrd="0" presId="urn:microsoft.com/office/officeart/2005/8/layout/process5"/>
-    <dgm:cxn modelId="{E3C72252-5B11-4E86-9EE4-DAB874360A14}" type="presParOf" srcId="{D00FBC7A-C010-4FE8-8388-1DB64855D9FF}" destId="{CF77D077-E988-4752-8E12-268E2432F269}" srcOrd="7" destOrd="0" presId="urn:microsoft.com/office/officeart/2005/8/layout/process5"/>
+    <dgm:cxn modelId="{9A5206E9-FDE5-43E8-BB7B-C52C8AE25146}" type="presParOf" srcId="{D00FBC7A-C010-4FE8-8388-1DB64855D9FF}" destId="{DCCC8C2A-FF68-4838-8E94-C80249378D30}" srcOrd="4" destOrd="0" presId="urn:microsoft.com/office/officeart/2005/8/layout/process5"/>
+    <dgm:cxn modelId="{E3C72252-5B11-4E86-9EE4-DAB874360A14}" type="presParOf" srcId="{D00FBC7A-C010-4FE8-8388-1DB64855D9FF}" destId="{CF77D077-E988-4752-8E12-268E2432F269}" srcOrd="5" destOrd="0" presId="urn:microsoft.com/office/officeart/2005/8/layout/process5"/>
     <dgm:cxn modelId="{003AD20B-6166-40D3-B87F-86D55EE81BC6}" type="presParOf" srcId="{CF77D077-E988-4752-8E12-268E2432F269}" destId="{E0F5188C-3B3A-4179-8ED1-D5C1DF81DD1F}" srcOrd="0" destOrd="0" presId="urn:microsoft.com/office/officeart/2005/8/layout/process5"/>
-    <dgm:cxn modelId="{DA350465-DF6A-44F1-84DF-CCDEE5E7A975}" type="presParOf" srcId="{D00FBC7A-C010-4FE8-8388-1DB64855D9FF}" destId="{B1B2B6AB-0E1B-4F92-9301-CF898F82F3A2}" srcOrd="8" destOrd="0" presId="urn:microsoft.com/office/officeart/2005/8/layout/process5"/>
+    <dgm:cxn modelId="{DA350465-DF6A-44F1-84DF-CCDEE5E7A975}" type="presParOf" srcId="{D00FBC7A-C010-4FE8-8388-1DB64855D9FF}" destId="{B1B2B6AB-0E1B-4F92-9301-CF898F82F3A2}" srcOrd="6" destOrd="0" presId="urn:microsoft.com/office/officeart/2005/8/layout/process5"/>
   </dgm:cxnLst>
   <dgm:bg/>
   <dgm:whole/>
@@ -1323,185 +1247,7 @@
       </dsp:nvSpPr>
       <dsp:spPr>
         <a:xfrm>
-          <a:off x="229680" y="3462"/>
-          <a:ext cx="2718234" cy="1630940"/>
-        </a:xfrm>
-        <a:prstGeom prst="roundRect">
-          <a:avLst>
-            <a:gd name="adj" fmla="val 10000"/>
-          </a:avLst>
-        </a:prstGeom>
-        <a:solidFill>
-          <a:schemeClr val="accent1">
-            <a:hueOff val="0"/>
-            <a:satOff val="0"/>
-            <a:lumOff val="0"/>
-            <a:alphaOff val="0"/>
-          </a:schemeClr>
-        </a:solidFill>
-        <a:ln w="12700" cap="flat" cmpd="sng" algn="ctr">
-          <a:solidFill>
-            <a:schemeClr val="lt1">
-              <a:hueOff val="0"/>
-              <a:satOff val="0"/>
-              <a:lumOff val="0"/>
-              <a:alphaOff val="0"/>
-            </a:schemeClr>
-          </a:solidFill>
-          <a:prstDash val="solid"/>
-          <a:miter lim="800000"/>
-        </a:ln>
-        <a:effectLst/>
-      </dsp:spPr>
-      <dsp:style>
-        <a:lnRef idx="2">
-          <a:scrgbClr r="0" g="0" b="0"/>
-        </a:lnRef>
-        <a:fillRef idx="1">
-          <a:scrgbClr r="0" g="0" b="0"/>
-        </a:fillRef>
-        <a:effectRef idx="0">
-          <a:scrgbClr r="0" g="0" b="0"/>
-        </a:effectRef>
-        <a:fontRef idx="minor">
-          <a:schemeClr val="lt1"/>
-        </a:fontRef>
-      </dsp:style>
-      <dsp:txBody>
-        <a:bodyPr spcFirstLastPara="0" vert="horz" wrap="square" lIns="114300" tIns="114300" rIns="114300" bIns="114300" numCol="1" spcCol="1270" anchor="t" anchorCtr="0">
-          <a:noAutofit/>
-        </a:bodyPr>
-        <a:lstStyle/>
-        <a:p>
-          <a:pPr marL="0" lvl="0" indent="0" algn="l" defTabSz="1333500">
-            <a:lnSpc>
-              <a:spcPct val="90000"/>
-            </a:lnSpc>
-            <a:spcBef>
-              <a:spcPct val="0"/>
-            </a:spcBef>
-            <a:spcAft>
-              <a:spcPct val="35000"/>
-            </a:spcAft>
-            <a:buNone/>
-          </a:pPr>
-          <a:r>
-            <a:rPr lang="nb-NO" sz="3000" kern="1200" dirty="0"/>
-            <a:t>EDA / Pandas </a:t>
-          </a:r>
-          <a:r>
-            <a:rPr lang="nb-NO" sz="3000" kern="1200" dirty="0" err="1"/>
-            <a:t>processing</a:t>
-          </a:r>
-          <a:endParaRPr lang="en-US" sz="3000" kern="1200" dirty="0"/>
-        </a:p>
-        <a:p>
-          <a:pPr marL="228600" lvl="1" indent="-228600" algn="l" defTabSz="1022350">
-            <a:lnSpc>
-              <a:spcPct val="90000"/>
-            </a:lnSpc>
-            <a:spcBef>
-              <a:spcPct val="0"/>
-            </a:spcBef>
-            <a:spcAft>
-              <a:spcPct val="15000"/>
-            </a:spcAft>
-            <a:buChar char="•"/>
-          </a:pPr>
-          <a:r>
-            <a:rPr lang="nb-NO" sz="2300" kern="1200" dirty="0" err="1"/>
-            <a:t>Process</a:t>
-          </a:r>
-          <a:r>
-            <a:rPr lang="nb-NO" sz="2300" kern="1200" dirty="0"/>
-            <a:t> data</a:t>
-          </a:r>
-          <a:endParaRPr lang="en-US" sz="2300" kern="1200" dirty="0"/>
-        </a:p>
-      </dsp:txBody>
-      <dsp:txXfrm>
-        <a:off x="277449" y="51231"/>
-        <a:ext cx="2622696" cy="1535402"/>
-      </dsp:txXfrm>
-    </dsp:sp>
-    <dsp:sp modelId="{DD8371A2-6559-43D9-98A4-6C0C66EA8802}">
-      <dsp:nvSpPr>
-        <dsp:cNvPr id="0" name=""/>
-        <dsp:cNvSpPr/>
-      </dsp:nvSpPr>
-      <dsp:spPr>
-        <a:xfrm>
-          <a:off x="3187118" y="481871"/>
-          <a:ext cx="576265" cy="674122"/>
-        </a:xfrm>
-        <a:prstGeom prst="rightArrow">
-          <a:avLst>
-            <a:gd name="adj1" fmla="val 60000"/>
-            <a:gd name="adj2" fmla="val 50000"/>
-          </a:avLst>
-        </a:prstGeom>
-        <a:solidFill>
-          <a:schemeClr val="accent1">
-            <a:tint val="60000"/>
-            <a:hueOff val="0"/>
-            <a:satOff val="0"/>
-            <a:lumOff val="0"/>
-            <a:alphaOff val="0"/>
-          </a:schemeClr>
-        </a:solidFill>
-        <a:ln>
-          <a:noFill/>
-        </a:ln>
-        <a:effectLst/>
-      </dsp:spPr>
-      <dsp:style>
-        <a:lnRef idx="0">
-          <a:scrgbClr r="0" g="0" b="0"/>
-        </a:lnRef>
-        <a:fillRef idx="1">
-          <a:scrgbClr r="0" g="0" b="0"/>
-        </a:fillRef>
-        <a:effectRef idx="0">
-          <a:scrgbClr r="0" g="0" b="0"/>
-        </a:effectRef>
-        <a:fontRef idx="minor">
-          <a:schemeClr val="lt1"/>
-        </a:fontRef>
-      </dsp:style>
-      <dsp:txBody>
-        <a:bodyPr spcFirstLastPara="0" vert="horz" wrap="square" lIns="0" tIns="0" rIns="0" bIns="0" numCol="1" spcCol="1270" anchor="ctr" anchorCtr="0">
-          <a:noAutofit/>
-        </a:bodyPr>
-        <a:lstStyle/>
-        <a:p>
-          <a:pPr marL="0" lvl="0" indent="0" algn="ctr" defTabSz="1066800">
-            <a:lnSpc>
-              <a:spcPct val="90000"/>
-            </a:lnSpc>
-            <a:spcBef>
-              <a:spcPct val="0"/>
-            </a:spcBef>
-            <a:spcAft>
-              <a:spcPct val="35000"/>
-            </a:spcAft>
-            <a:buNone/>
-          </a:pPr>
-          <a:endParaRPr lang="en-US" sz="2400" kern="1200"/>
-        </a:p>
-      </dsp:txBody>
-      <dsp:txXfrm>
-        <a:off x="3187118" y="616695"/>
-        <a:ext cx="403386" cy="404474"/>
-      </dsp:txXfrm>
-    </dsp:sp>
-    <dsp:sp modelId="{FFBD8F08-1CF5-4793-B0A8-BF5919BDE75F}">
-      <dsp:nvSpPr>
-        <dsp:cNvPr id="0" name=""/>
-        <dsp:cNvSpPr/>
-      </dsp:nvSpPr>
-      <dsp:spPr>
-        <a:xfrm>
-          <a:off x="4035207" y="3462"/>
+          <a:off x="0" y="2393377"/>
           <a:ext cx="2718234" cy="1630940"/>
         </a:xfrm>
         <a:prstGeom prst="roundRect">
@@ -1564,30 +1310,30 @@
             <a:buNone/>
           </a:pPr>
           <a:r>
-            <a:rPr lang="nb-NO" sz="3000" kern="1200" dirty="0" err="1"/>
-            <a:t>Export</a:t>
+            <a:rPr lang="nb-NO" sz="3000" kern="1200" dirty="0"/>
+            <a:t>Preliminary data </a:t>
           </a:r>
           <a:r>
-            <a:rPr lang="nb-NO" sz="3000" kern="1200" dirty="0"/>
-            <a:t> JSONL files</a:t>
+            <a:rPr lang="nb-NO" sz="3000" kern="1200" dirty="0" err="1"/>
+            <a:t>processing</a:t>
           </a:r>
           <a:endParaRPr lang="en-US" sz="3000" kern="1200" dirty="0"/>
         </a:p>
       </dsp:txBody>
       <dsp:txXfrm>
-        <a:off x="4082976" y="51231"/>
+        <a:off x="47769" y="2441146"/>
         <a:ext cx="2622696" cy="1535402"/>
       </dsp:txXfrm>
     </dsp:sp>
-    <dsp:sp modelId="{4F2A80C1-26DF-4540-9089-C912895BE4FC}">
+    <dsp:sp modelId="{DD8371A2-6559-43D9-98A4-6C0C66EA8802}">
       <dsp:nvSpPr>
         <dsp:cNvPr id="0" name=""/>
         <dsp:cNvSpPr/>
       </dsp:nvSpPr>
       <dsp:spPr>
-        <a:xfrm>
-          <a:off x="6992646" y="481871"/>
-          <a:ext cx="576265" cy="674122"/>
+        <a:xfrm rot="19581031">
+          <a:off x="2770435" y="1695562"/>
+          <a:ext cx="711457" cy="674122"/>
         </a:xfrm>
         <a:prstGeom prst="rightArrow">
           <a:avLst>
@@ -1645,8 +1391,8 @@
         </a:p>
       </dsp:txBody>
       <dsp:txXfrm>
-        <a:off x="6992646" y="616695"/>
-        <a:ext cx="403386" cy="404474"/>
+        <a:off x="2787378" y="1886417"/>
+        <a:ext cx="509220" cy="404474"/>
       </dsp:txXfrm>
     </dsp:sp>
     <dsp:sp modelId="{A51F8701-99F0-4DDC-9AB7-F00E586D7B8C}">
@@ -1656,7 +1402,7 @@
       </dsp:nvSpPr>
       <dsp:spPr>
         <a:xfrm>
-          <a:off x="7840735" y="3462"/>
+          <a:off x="3567617" y="18614"/>
           <a:ext cx="2718234" cy="1630940"/>
         </a:xfrm>
         <a:prstGeom prst="roundRect">
@@ -1665,12 +1411,7 @@
           </a:avLst>
         </a:prstGeom>
         <a:solidFill>
-          <a:schemeClr val="accent1">
-            <a:hueOff val="0"/>
-            <a:satOff val="0"/>
-            <a:lumOff val="0"/>
-            <a:alphaOff val="0"/>
-          </a:schemeClr>
+          <a:schemeClr val="accent6"/>
         </a:solidFill>
         <a:ln w="12700" cap="flat" cmpd="sng" algn="ctr">
           <a:solidFill>
@@ -1706,7 +1447,7 @@
         </a:bodyPr>
         <a:lstStyle/>
         <a:p>
-          <a:pPr marL="0" lvl="0" indent="0" algn="l" defTabSz="1333500">
+          <a:pPr marL="0" lvl="0" indent="0" algn="ctr" defTabSz="1333500">
             <a:lnSpc>
               <a:spcPct val="90000"/>
             </a:lnSpc>
@@ -1719,17 +1460,17 @@
             <a:buNone/>
           </a:pPr>
           <a:r>
-            <a:rPr lang="nb-NO" sz="3000" kern="1200" dirty="0"/>
+            <a:rPr lang="nb-NO" sz="3000" b="1" kern="1200" dirty="0"/>
             <a:t>Nemo </a:t>
           </a:r>
           <a:r>
-            <a:rPr lang="nb-NO" sz="3000" kern="1200" dirty="0" err="1"/>
+            <a:rPr lang="nb-NO" sz="3000" b="1" kern="1200" dirty="0" err="1"/>
             <a:t>Curator</a:t>
           </a:r>
-          <a:endParaRPr lang="en-US" sz="3000" kern="1200" dirty="0"/>
+          <a:endParaRPr lang="en-US" sz="3000" b="1" kern="1200" dirty="0"/>
         </a:p>
         <a:p>
-          <a:pPr marL="228600" lvl="1" indent="-228600" algn="l" defTabSz="1022350">
+          <a:pPr marL="228600" lvl="1" indent="-228600" algn="ctr" defTabSz="1022350">
             <a:lnSpc>
               <a:spcPct val="90000"/>
             </a:lnSpc>
@@ -1742,14 +1483,18 @@
             <a:buChar char="•"/>
           </a:pPr>
           <a:r>
-            <a:rPr lang="nb-NO" sz="2300" kern="1200" dirty="0" err="1"/>
+            <a:rPr lang="nb-NO" sz="2300" b="1" kern="1200" dirty="0"/>
+            <a:t>Data </a:t>
+          </a:r>
+          <a:r>
+            <a:rPr lang="nb-NO" sz="2300" b="1" kern="1200" dirty="0" err="1"/>
             <a:t>Cleanup</a:t>
           </a:r>
-          <a:endParaRPr lang="en-US" sz="2300" kern="1200" dirty="0"/>
+          <a:endParaRPr lang="en-US" sz="2300" b="1" kern="1200" dirty="0"/>
         </a:p>
       </dsp:txBody>
       <dsp:txXfrm>
-        <a:off x="7888504" y="51231"/>
+        <a:off x="3615386" y="66383"/>
         <a:ext cx="2622696" cy="1535402"/>
       </dsp:txXfrm>
     </dsp:sp>
@@ -1759,9 +1504,9 @@
         <dsp:cNvSpPr/>
       </dsp:nvSpPr>
       <dsp:spPr>
-        <a:xfrm rot="5400000">
-          <a:off x="8911719" y="1824679"/>
-          <a:ext cx="576265" cy="674122"/>
+        <a:xfrm rot="1789149">
+          <a:off x="6548255" y="1682230"/>
+          <a:ext cx="892727" cy="674122"/>
         </a:xfrm>
         <a:prstGeom prst="rightArrow">
           <a:avLst>
@@ -1818,9 +1563,9 @@
           <a:endParaRPr lang="en-US" sz="2400" kern="1200"/>
         </a:p>
       </dsp:txBody>
-      <dsp:txXfrm rot="-5400000">
-        <a:off x="8997615" y="1873608"/>
-        <a:ext cx="404474" cy="403386"/>
+      <dsp:txXfrm>
+        <a:off x="6561643" y="1766771"/>
+        <a:ext cx="690490" cy="404474"/>
       </dsp:txXfrm>
     </dsp:sp>
     <dsp:sp modelId="{DCCC8C2A-FF68-4838-8E94-C80249378D30}">
@@ -1830,7 +1575,7 @@
       </dsp:nvSpPr>
       <dsp:spPr>
         <a:xfrm>
-          <a:off x="7840735" y="2721696"/>
+          <a:off x="7747228" y="2414155"/>
           <a:ext cx="2718234" cy="1630940"/>
         </a:xfrm>
         <a:prstGeom prst="roundRect">
@@ -1897,7 +1642,7 @@
         </a:p>
       </dsp:txBody>
       <dsp:txXfrm>
-        <a:off x="7888504" y="2769465"/>
+        <a:off x="7794997" y="2461924"/>
         <a:ext cx="2622696" cy="1535402"/>
       </dsp:txXfrm>
     </dsp:sp>
@@ -1907,9 +1652,9 @@
         <dsp:cNvSpPr/>
       </dsp:nvSpPr>
       <dsp:spPr>
-        <a:xfrm rot="10800000">
-          <a:off x="7025265" y="3200106"/>
-          <a:ext cx="576265" cy="674122"/>
+        <a:xfrm rot="16387888">
+          <a:off x="8996146" y="1762754"/>
+          <a:ext cx="344019" cy="674122"/>
         </a:xfrm>
         <a:prstGeom prst="rightArrow">
           <a:avLst>
@@ -1951,7 +1696,7 @@
         </a:bodyPr>
         <a:lstStyle/>
         <a:p>
-          <a:pPr marL="0" lvl="0" indent="0" algn="ctr" defTabSz="1066800">
+          <a:pPr marL="0" lvl="0" indent="0" algn="ctr" defTabSz="755650">
             <a:lnSpc>
               <a:spcPct val="90000"/>
             </a:lnSpc>
@@ -1963,12 +1708,12 @@
             </a:spcAft>
             <a:buNone/>
           </a:pPr>
-          <a:endParaRPr lang="en-US" sz="2400" kern="1200"/>
+          <a:endParaRPr lang="en-US" sz="1700" kern="1200"/>
         </a:p>
       </dsp:txBody>
-      <dsp:txXfrm rot="10800000">
-        <a:off x="7198144" y="3334930"/>
-        <a:ext cx="403386" cy="404474"/>
+      <dsp:txXfrm rot="5400000">
+        <a:off x="8963100" y="2030934"/>
+        <a:ext cx="404474" cy="240813"/>
       </dsp:txXfrm>
     </dsp:sp>
     <dsp:sp modelId="{B1B2B6AB-0E1B-4F92-9301-CF898F82F3A2}">
@@ -1978,7 +1723,7 @@
       </dsp:nvSpPr>
       <dsp:spPr>
         <a:xfrm>
-          <a:off x="4035207" y="2721696"/>
+          <a:off x="7871913" y="135090"/>
           <a:ext cx="2718234" cy="1630940"/>
         </a:xfrm>
         <a:prstGeom prst="roundRect">
@@ -2038,14 +1783,26 @@
             <a:buNone/>
           </a:pPr>
           <a:r>
+            <a:rPr lang="nb-NO" sz="3000" kern="1200" dirty="0" err="1"/>
+            <a:t>Interact</a:t>
+          </a:r>
+          <a:r>
             <a:rPr lang="nb-NO" sz="3000" kern="1200" dirty="0"/>
-            <a:t>Questions</a:t>
+            <a:t> </a:t>
+          </a:r>
+          <a:r>
+            <a:rPr lang="nb-NO" sz="3000" kern="1200" dirty="0" err="1"/>
+            <a:t>with</a:t>
+          </a:r>
+          <a:r>
+            <a:rPr lang="nb-NO" sz="3000" kern="1200" dirty="0"/>
+            <a:t> LLM</a:t>
           </a:r>
           <a:endParaRPr lang="en-US" sz="3000" kern="1200" dirty="0"/>
         </a:p>
       </dsp:txBody>
       <dsp:txXfrm>
-        <a:off x="4082976" y="2769465"/>
+        <a:off x="7919682" y="182859"/>
         <a:ext cx="2622696" cy="1535402"/>
       </dsp:txXfrm>
     </dsp:sp>
@@ -4533,7 +4290,7 @@
                 <a:cs typeface="Calibri"/>
                 <a:sym typeface="Calibri"/>
               </a:rPr>
-              <a:t>4</a:t>
+              <a:t>3</a:t>
             </a:fld>
             <a:endParaRPr lang="nl-NL" sz="1200" b="0" i="0" u="none" strike="noStrike" cap="none">
               <a:solidFill>
@@ -4550,7 +4307,7 @@
     </p:spTree>
     <p:extLst>
       <p:ext uri="{BB962C8B-B14F-4D97-AF65-F5344CB8AC3E}">
-        <p14:creationId xmlns:p14="http://schemas.microsoft.com/office/powerpoint/2010/main" val="120596454"/>
+        <p14:creationId xmlns:p14="http://schemas.microsoft.com/office/powerpoint/2010/main" val="3285124818"/>
       </p:ext>
     </p:extLst>
   </p:cSld>
@@ -4659,7 +4416,225 @@
     </p:spTree>
     <p:extLst>
       <p:ext uri="{BB962C8B-B14F-4D97-AF65-F5344CB8AC3E}">
-        <p14:creationId xmlns:p14="http://schemas.microsoft.com/office/powerpoint/2010/main" val="3285124818"/>
+        <p14:creationId xmlns:p14="http://schemas.microsoft.com/office/powerpoint/2010/main" val="120596454"/>
+      </p:ext>
+    </p:extLst>
+  </p:cSld>
+  <p:clrMapOvr>
+    <a:masterClrMapping/>
+  </p:clrMapOvr>
+</p:notes>
+</file>
+
+<file path=ppt/notesSlides/notesSlide3.xml><?xml version="1.0" encoding="utf-8"?>
+<p:notes xmlns:a="http://schemas.openxmlformats.org/drawingml/2006/main" xmlns:r="http://schemas.openxmlformats.org/officeDocument/2006/relationships" xmlns:p="http://schemas.openxmlformats.org/presentationml/2006/main">
+  <p:cSld>
+    <p:spTree>
+      <p:nvGrpSpPr>
+        <p:cNvPr id="1" name=""/>
+        <p:cNvGrpSpPr/>
+        <p:nvPr/>
+      </p:nvGrpSpPr>
+      <p:grpSpPr>
+        <a:xfrm>
+          <a:off x="0" y="0"/>
+          <a:ext cx="0" cy="0"/>
+          <a:chOff x="0" y="0"/>
+          <a:chExt cx="0" cy="0"/>
+        </a:xfrm>
+      </p:grpSpPr>
+      <p:sp>
+        <p:nvSpPr>
+          <p:cNvPr id="2" name="Slide Image Placeholder 1"/>
+          <p:cNvSpPr>
+            <a:spLocks noGrp="1" noRot="1" noChangeAspect="1"/>
+          </p:cNvSpPr>
+          <p:nvPr>
+            <p:ph type="sldImg"/>
+          </p:nvPr>
+        </p:nvSpPr>
+        <p:spPr/>
+      </p:sp>
+      <p:sp>
+        <p:nvSpPr>
+          <p:cNvPr id="3" name="Notes Placeholder 2"/>
+          <p:cNvSpPr>
+            <a:spLocks noGrp="1"/>
+          </p:cNvSpPr>
+          <p:nvPr>
+            <p:ph type="body" idx="1"/>
+          </p:nvPr>
+        </p:nvSpPr>
+        <p:spPr/>
+        <p:txBody>
+          <a:bodyPr/>
+          <a:lstStyle/>
+          <a:p>
+            <a:endParaRPr lang="en-US" dirty="0"/>
+          </a:p>
+        </p:txBody>
+      </p:sp>
+      <p:sp>
+        <p:nvSpPr>
+          <p:cNvPr id="4" name="Slide Number Placeholder 3"/>
+          <p:cNvSpPr>
+            <a:spLocks noGrp="1"/>
+          </p:cNvSpPr>
+          <p:nvPr>
+            <p:ph type="sldNum" idx="12"/>
+          </p:nvPr>
+        </p:nvSpPr>
+        <p:spPr/>
+        <p:txBody>
+          <a:bodyPr/>
+          <a:lstStyle/>
+          <a:p>
+            <a:pPr marL="0" marR="0" lvl="0" indent="0" algn="r" rtl="0">
+              <a:spcBef>
+                <a:spcPts val="0"/>
+              </a:spcBef>
+              <a:spcAft>
+                <a:spcPts val="0"/>
+              </a:spcAft>
+              <a:buNone/>
+            </a:pPr>
+            <a:fld id="{00000000-1234-1234-1234-123412341234}" type="slidenum">
+              <a:rPr lang="nl-NL" sz="1200" b="0" i="0" u="none" strike="noStrike" cap="none" smtClean="0">
+                <a:solidFill>
+                  <a:schemeClr val="dk1"/>
+                </a:solidFill>
+                <a:latin typeface="Calibri"/>
+                <a:ea typeface="Calibri"/>
+                <a:cs typeface="Calibri"/>
+                <a:sym typeface="Calibri"/>
+              </a:rPr>
+              <a:t>7</a:t>
+            </a:fld>
+            <a:endParaRPr lang="nl-NL" sz="1200" b="0" i="0" u="none" strike="noStrike" cap="none">
+              <a:solidFill>
+                <a:schemeClr val="dk1"/>
+              </a:solidFill>
+              <a:latin typeface="Calibri"/>
+              <a:ea typeface="Calibri"/>
+              <a:cs typeface="Calibri"/>
+              <a:sym typeface="Calibri"/>
+            </a:endParaRPr>
+          </a:p>
+        </p:txBody>
+      </p:sp>
+    </p:spTree>
+    <p:extLst>
+      <p:ext uri="{BB962C8B-B14F-4D97-AF65-F5344CB8AC3E}">
+        <p14:creationId xmlns:p14="http://schemas.microsoft.com/office/powerpoint/2010/main" val="427656420"/>
+      </p:ext>
+    </p:extLst>
+  </p:cSld>
+  <p:clrMapOvr>
+    <a:masterClrMapping/>
+  </p:clrMapOvr>
+</p:notes>
+</file>
+
+<file path=ppt/notesSlides/notesSlide4.xml><?xml version="1.0" encoding="utf-8"?>
+<p:notes xmlns:a="http://schemas.openxmlformats.org/drawingml/2006/main" xmlns:r="http://schemas.openxmlformats.org/officeDocument/2006/relationships" xmlns:p="http://schemas.openxmlformats.org/presentationml/2006/main">
+  <p:cSld>
+    <p:spTree>
+      <p:nvGrpSpPr>
+        <p:cNvPr id="1" name=""/>
+        <p:cNvGrpSpPr/>
+        <p:nvPr/>
+      </p:nvGrpSpPr>
+      <p:grpSpPr>
+        <a:xfrm>
+          <a:off x="0" y="0"/>
+          <a:ext cx="0" cy="0"/>
+          <a:chOff x="0" y="0"/>
+          <a:chExt cx="0" cy="0"/>
+        </a:xfrm>
+      </p:grpSpPr>
+      <p:sp>
+        <p:nvSpPr>
+          <p:cNvPr id="2" name="Slide Image Placeholder 1"/>
+          <p:cNvSpPr>
+            <a:spLocks noGrp="1" noRot="1" noChangeAspect="1"/>
+          </p:cNvSpPr>
+          <p:nvPr>
+            <p:ph type="sldImg"/>
+          </p:nvPr>
+        </p:nvSpPr>
+        <p:spPr/>
+      </p:sp>
+      <p:sp>
+        <p:nvSpPr>
+          <p:cNvPr id="3" name="Notes Placeholder 2"/>
+          <p:cNvSpPr>
+            <a:spLocks noGrp="1"/>
+          </p:cNvSpPr>
+          <p:nvPr>
+            <p:ph type="body" idx="1"/>
+          </p:nvPr>
+        </p:nvSpPr>
+        <p:spPr/>
+        <p:txBody>
+          <a:bodyPr/>
+          <a:lstStyle/>
+          <a:p>
+            <a:endParaRPr lang="en-US" dirty="0"/>
+          </a:p>
+        </p:txBody>
+      </p:sp>
+      <p:sp>
+        <p:nvSpPr>
+          <p:cNvPr id="4" name="Slide Number Placeholder 3"/>
+          <p:cNvSpPr>
+            <a:spLocks noGrp="1"/>
+          </p:cNvSpPr>
+          <p:nvPr>
+            <p:ph type="sldNum" idx="12"/>
+          </p:nvPr>
+        </p:nvSpPr>
+        <p:spPr/>
+        <p:txBody>
+          <a:bodyPr/>
+          <a:lstStyle/>
+          <a:p>
+            <a:pPr marL="0" marR="0" lvl="0" indent="0" algn="r" rtl="0">
+              <a:spcBef>
+                <a:spcPts val="0"/>
+              </a:spcBef>
+              <a:spcAft>
+                <a:spcPts val="0"/>
+              </a:spcAft>
+              <a:buNone/>
+            </a:pPr>
+            <a:fld id="{00000000-1234-1234-1234-123412341234}" type="slidenum">
+              <a:rPr lang="nl-NL" sz="1200" b="0" i="0" u="none" strike="noStrike" cap="none" smtClean="0">
+                <a:solidFill>
+                  <a:schemeClr val="dk1"/>
+                </a:solidFill>
+                <a:latin typeface="Calibri"/>
+                <a:ea typeface="Calibri"/>
+                <a:cs typeface="Calibri"/>
+                <a:sym typeface="Calibri"/>
+              </a:rPr>
+              <a:t>8</a:t>
+            </a:fld>
+            <a:endParaRPr lang="nl-NL" sz="1200" b="0" i="0" u="none" strike="noStrike" cap="none">
+              <a:solidFill>
+                <a:schemeClr val="dk1"/>
+              </a:solidFill>
+              <a:latin typeface="Calibri"/>
+              <a:ea typeface="Calibri"/>
+              <a:cs typeface="Calibri"/>
+              <a:sym typeface="Calibri"/>
+            </a:endParaRPr>
+          </a:p>
+        </p:txBody>
+      </p:sp>
+    </p:spTree>
+    <p:extLst>
+      <p:ext uri="{BB962C8B-B14F-4D97-AF65-F5344CB8AC3E}">
+        <p14:creationId xmlns:p14="http://schemas.microsoft.com/office/powerpoint/2010/main" val="1488825946"/>
       </p:ext>
     </p:extLst>
   </p:cSld>
@@ -33492,6 +33467,506 @@
 </p:sld>
 </file>
 
+<file path=ppt/slides/slide10.xml><?xml version="1.0" encoding="utf-8"?>
+<p:sld xmlns:a="http://schemas.openxmlformats.org/drawingml/2006/main" xmlns:r="http://schemas.openxmlformats.org/officeDocument/2006/relationships" xmlns:p="http://schemas.openxmlformats.org/presentationml/2006/main">
+  <p:cSld>
+    <p:spTree>
+      <p:nvGrpSpPr>
+        <p:cNvPr id="1" name=""/>
+        <p:cNvGrpSpPr/>
+        <p:nvPr/>
+      </p:nvGrpSpPr>
+      <p:grpSpPr>
+        <a:xfrm>
+          <a:off x="0" y="0"/>
+          <a:ext cx="0" cy="0"/>
+          <a:chOff x="0" y="0"/>
+          <a:chExt cx="0" cy="0"/>
+        </a:xfrm>
+      </p:grpSpPr>
+      <p:sp>
+        <p:nvSpPr>
+          <p:cNvPr id="5" name="Text Placeholder 4">
+            <a:extLst>
+              <a:ext uri="{FF2B5EF4-FFF2-40B4-BE49-F238E27FC236}">
+                <a16:creationId xmlns:a16="http://schemas.microsoft.com/office/drawing/2014/main" id="{507804B9-C74D-53E7-1579-9CFDF06FEF6C}"/>
+              </a:ext>
+            </a:extLst>
+          </p:cNvPr>
+          <p:cNvSpPr>
+            <a:spLocks noGrp="1"/>
+          </p:cNvSpPr>
+          <p:nvPr>
+            <p:ph type="body" sz="quarter" idx="14"/>
+          </p:nvPr>
+        </p:nvSpPr>
+        <p:spPr/>
+        <p:txBody>
+          <a:bodyPr/>
+          <a:lstStyle/>
+          <a:p>
+            <a:endParaRPr lang="en-US"/>
+          </a:p>
+        </p:txBody>
+      </p:sp>
+      <p:sp>
+        <p:nvSpPr>
+          <p:cNvPr id="2" name="Title 1">
+            <a:extLst>
+              <a:ext uri="{FF2B5EF4-FFF2-40B4-BE49-F238E27FC236}">
+                <a16:creationId xmlns:a16="http://schemas.microsoft.com/office/drawing/2014/main" id="{82EB5B1E-D827-2847-34CE-F57E2E678DE0}"/>
+              </a:ext>
+            </a:extLst>
+          </p:cNvPr>
+          <p:cNvSpPr>
+            <a:spLocks noGrp="1"/>
+          </p:cNvSpPr>
+          <p:nvPr>
+            <p:ph type="title"/>
+          </p:nvPr>
+        </p:nvSpPr>
+        <p:spPr/>
+        <p:txBody>
+          <a:bodyPr/>
+          <a:lstStyle/>
+          <a:p>
+            <a:r>
+              <a:rPr lang="es-CO" dirty="0"/>
+              <a:t>Way forward</a:t>
+            </a:r>
+            <a:endParaRPr lang="en-US" dirty="0"/>
+          </a:p>
+        </p:txBody>
+      </p:sp>
+      <p:sp>
+        <p:nvSpPr>
+          <p:cNvPr id="6" name="Content Placeholder 5">
+            <a:extLst>
+              <a:ext uri="{FF2B5EF4-FFF2-40B4-BE49-F238E27FC236}">
+                <a16:creationId xmlns:a16="http://schemas.microsoft.com/office/drawing/2014/main" id="{989C45C3-FB73-4A82-2527-74B30614CD1B}"/>
+              </a:ext>
+            </a:extLst>
+          </p:cNvPr>
+          <p:cNvSpPr>
+            <a:spLocks noGrp="1"/>
+          </p:cNvSpPr>
+          <p:nvPr>
+            <p:ph sz="quarter" idx="15"/>
+          </p:nvPr>
+        </p:nvSpPr>
+        <p:spPr/>
+        <p:txBody>
+          <a:bodyPr/>
+          <a:lstStyle/>
+          <a:p>
+            <a:r>
+              <a:rPr lang="es-CO" sz="1800" dirty="0"/>
+              <a:t>Train LLM and compare </a:t>
+            </a:r>
+            <a:r>
+              <a:rPr lang="es-CO" sz="1800" dirty="0" err="1"/>
+              <a:t>the</a:t>
+            </a:r>
+            <a:r>
+              <a:rPr lang="es-CO" sz="1800" dirty="0"/>
+              <a:t> </a:t>
+            </a:r>
+            <a:r>
+              <a:rPr lang="es-CO" sz="1800" dirty="0" err="1"/>
+              <a:t>accuracy</a:t>
+            </a:r>
+            <a:r>
+              <a:rPr lang="es-CO" sz="1800" dirty="0"/>
+              <a:t> </a:t>
+            </a:r>
+            <a:r>
+              <a:rPr lang="es-CO" sz="1800" dirty="0" err="1"/>
+              <a:t>of</a:t>
+            </a:r>
+            <a:r>
+              <a:rPr lang="es-CO" sz="1800" dirty="0"/>
+              <a:t> </a:t>
+            </a:r>
+            <a:r>
+              <a:rPr lang="es-CO" sz="1800" dirty="0" err="1"/>
+              <a:t>the</a:t>
+            </a:r>
+            <a:r>
+              <a:rPr lang="es-CO" sz="1800" dirty="0"/>
+              <a:t> LLM </a:t>
+            </a:r>
+            <a:r>
+              <a:rPr lang="es-CO" sz="1800" dirty="0" err="1"/>
+              <a:t>with</a:t>
+            </a:r>
+            <a:r>
+              <a:rPr lang="es-CO" sz="1800" dirty="0"/>
+              <a:t> </a:t>
+            </a:r>
+            <a:r>
+              <a:rPr lang="es-CO" sz="1800" dirty="0" err="1"/>
+              <a:t>different</a:t>
+            </a:r>
+            <a:r>
+              <a:rPr lang="es-CO" sz="1800" dirty="0"/>
+              <a:t> </a:t>
+            </a:r>
+            <a:r>
+              <a:rPr lang="es-CO" sz="1800" dirty="0" err="1"/>
+              <a:t>number</a:t>
+            </a:r>
+            <a:r>
+              <a:rPr lang="es-CO" sz="1800" dirty="0"/>
+              <a:t> </a:t>
+            </a:r>
+            <a:r>
+              <a:rPr lang="es-CO" sz="1800" dirty="0" err="1"/>
+              <a:t>of</a:t>
+            </a:r>
+            <a:r>
+              <a:rPr lang="es-CO" sz="1800" dirty="0"/>
+              <a:t> tokens.</a:t>
+            </a:r>
+          </a:p>
+          <a:p>
+            <a:pPr lvl="1"/>
+            <a:r>
+              <a:rPr lang="es-CO" sz="1800" dirty="0" err="1"/>
+              <a:t>Challenge</a:t>
+            </a:r>
+            <a:r>
+              <a:rPr lang="es-CO" sz="1800" dirty="0"/>
+              <a:t> </a:t>
+            </a:r>
+            <a:r>
+              <a:rPr lang="es-CO" sz="1800" dirty="0" err="1"/>
+              <a:t>is</a:t>
+            </a:r>
+            <a:r>
+              <a:rPr lang="es-CO" sz="1800" dirty="0"/>
+              <a:t> to </a:t>
+            </a:r>
+            <a:r>
+              <a:rPr lang="es-CO" sz="1800" dirty="0" err="1"/>
+              <a:t>find</a:t>
+            </a:r>
+            <a:r>
+              <a:rPr lang="es-CO" sz="1800" dirty="0"/>
+              <a:t> a </a:t>
+            </a:r>
+            <a:r>
+              <a:rPr lang="es-CO" sz="1800" dirty="0" err="1"/>
+              <a:t>benchmark</a:t>
+            </a:r>
+            <a:r>
+              <a:rPr lang="es-CO" sz="1800" dirty="0"/>
+              <a:t> </a:t>
+            </a:r>
+            <a:r>
+              <a:rPr lang="es-CO" sz="1800" dirty="0" err="1"/>
+              <a:t>for</a:t>
+            </a:r>
+            <a:r>
+              <a:rPr lang="es-CO" sz="1800" dirty="0"/>
+              <a:t> </a:t>
+            </a:r>
+            <a:r>
+              <a:rPr lang="es-CO" sz="1800" dirty="0" err="1"/>
+              <a:t>the</a:t>
+            </a:r>
+            <a:r>
+              <a:rPr lang="es-CO" sz="1800" dirty="0"/>
+              <a:t> LLM (time-</a:t>
+            </a:r>
+            <a:r>
+              <a:rPr lang="es-CO" sz="1800" dirty="0" err="1"/>
+              <a:t>consuimg</a:t>
+            </a:r>
+            <a:r>
+              <a:rPr lang="es-CO" sz="1800" dirty="0"/>
+              <a:t>, </a:t>
+            </a:r>
+            <a:r>
+              <a:rPr lang="es-CO" sz="1800" dirty="0" err="1"/>
+              <a:t>bias</a:t>
+            </a:r>
+            <a:r>
+              <a:rPr lang="es-CO" sz="1800" dirty="0"/>
+              <a:t>-prone)</a:t>
+            </a:r>
+          </a:p>
+          <a:p>
+            <a:endParaRPr lang="es-CO" sz="1800" dirty="0"/>
+          </a:p>
+          <a:p>
+            <a:endParaRPr lang="es-CO" sz="1800" dirty="0"/>
+          </a:p>
+          <a:p>
+            <a:endParaRPr lang="es-CO" sz="1800" dirty="0"/>
+          </a:p>
+          <a:p>
+            <a:r>
+              <a:rPr lang="es-CO" sz="1800" dirty="0" err="1"/>
+              <a:t>Chunk</a:t>
+            </a:r>
+            <a:r>
+              <a:rPr lang="es-CO" sz="1800" dirty="0"/>
+              <a:t> </a:t>
+            </a:r>
+            <a:r>
+              <a:rPr lang="es-CO" sz="1800" dirty="0" err="1"/>
+              <a:t>size</a:t>
+            </a:r>
+            <a:r>
+              <a:rPr lang="es-CO" sz="1800" dirty="0"/>
+              <a:t> </a:t>
+            </a:r>
+            <a:r>
+              <a:rPr lang="es-CO" sz="1800" dirty="0" err="1"/>
+              <a:t>optimization</a:t>
+            </a:r>
+            <a:r>
+              <a:rPr lang="es-CO" sz="1800" dirty="0"/>
+              <a:t>.</a:t>
+            </a:r>
+          </a:p>
+          <a:p>
+            <a:pPr lvl="1"/>
+            <a:r>
+              <a:rPr lang="es-CO" sz="1800" dirty="0" err="1"/>
+              <a:t>Impact</a:t>
+            </a:r>
+            <a:r>
+              <a:rPr lang="es-CO" sz="1800" dirty="0"/>
+              <a:t> </a:t>
+            </a:r>
+            <a:r>
+              <a:rPr lang="es-CO" sz="1800" dirty="0" err="1"/>
+              <a:t>of</a:t>
+            </a:r>
+            <a:r>
+              <a:rPr lang="es-CO" sz="1800" dirty="0"/>
+              <a:t> </a:t>
+            </a:r>
+            <a:r>
+              <a:rPr lang="es-CO" sz="1800" dirty="0" err="1"/>
+              <a:t>the</a:t>
+            </a:r>
+            <a:r>
+              <a:rPr lang="es-CO" sz="1800" dirty="0"/>
+              <a:t> </a:t>
+            </a:r>
+            <a:r>
+              <a:rPr lang="es-CO" sz="1800" dirty="0" err="1"/>
+              <a:t>computational</a:t>
+            </a:r>
+            <a:r>
+              <a:rPr lang="es-CO" sz="1800" dirty="0"/>
+              <a:t> time </a:t>
+            </a:r>
+            <a:r>
+              <a:rPr lang="es-CO" sz="1800" dirty="0" err="1"/>
+              <a:t>but</a:t>
+            </a:r>
+            <a:r>
+              <a:rPr lang="es-CO" sz="1800" dirty="0"/>
+              <a:t> </a:t>
+            </a:r>
+            <a:r>
+              <a:rPr lang="es-CO" sz="1800" dirty="0" err="1"/>
+              <a:t>also</a:t>
+            </a:r>
+            <a:r>
+              <a:rPr lang="es-CO" sz="1800" dirty="0"/>
+              <a:t> </a:t>
+            </a:r>
+            <a:r>
+              <a:rPr lang="es-CO" sz="1800" dirty="0" err="1"/>
+              <a:t>on</a:t>
+            </a:r>
+            <a:r>
+              <a:rPr lang="es-CO" sz="1800" dirty="0"/>
+              <a:t> LLM </a:t>
+            </a:r>
+            <a:r>
+              <a:rPr lang="es-CO" sz="1800" dirty="0" err="1"/>
+              <a:t>accuracy</a:t>
+            </a:r>
+            <a:endParaRPr lang="es-CO" sz="1800" dirty="0"/>
+          </a:p>
+          <a:p>
+            <a:pPr lvl="1"/>
+            <a:endParaRPr lang="es-CO" sz="1800" dirty="0"/>
+          </a:p>
+          <a:p>
+            <a:pPr lvl="1"/>
+            <a:endParaRPr lang="es-CO" sz="1800" dirty="0"/>
+          </a:p>
+          <a:p>
+            <a:r>
+              <a:rPr lang="es-CO" sz="1800" dirty="0" err="1"/>
+              <a:t>Very</a:t>
+            </a:r>
+            <a:r>
+              <a:rPr lang="es-CO" sz="1800" dirty="0"/>
+              <a:t> </a:t>
+            </a:r>
+            <a:r>
+              <a:rPr lang="es-CO" sz="1800" dirty="0" err="1"/>
+              <a:t>promising</a:t>
+            </a:r>
+            <a:r>
+              <a:rPr lang="es-CO" sz="1800" dirty="0"/>
+              <a:t> :</a:t>
+            </a:r>
+          </a:p>
+          <a:p>
+            <a:pPr lvl="1"/>
+            <a:r>
+              <a:rPr lang="es-CO" sz="1800" dirty="0"/>
+              <a:t>20% token </a:t>
+            </a:r>
+            <a:r>
+              <a:rPr lang="es-CO" sz="1800" dirty="0" err="1"/>
+              <a:t>reduction</a:t>
+            </a:r>
+            <a:r>
+              <a:rPr lang="es-CO" sz="1800" dirty="0"/>
+              <a:t> </a:t>
+            </a:r>
+            <a:r>
+              <a:rPr lang="es-CO" sz="1800" dirty="0" err="1"/>
+              <a:t>for</a:t>
+            </a:r>
+            <a:r>
+              <a:rPr lang="es-CO" sz="1800" dirty="0"/>
+              <a:t> </a:t>
+            </a:r>
+            <a:r>
+              <a:rPr lang="es-CO" sz="1800" dirty="0" err="1"/>
+              <a:t>only</a:t>
+            </a:r>
+            <a:r>
+              <a:rPr lang="es-CO" sz="1800" dirty="0"/>
+              <a:t> 2% </a:t>
+            </a:r>
+            <a:r>
+              <a:rPr lang="es-CO" sz="1800" dirty="0" err="1"/>
+              <a:t>of</a:t>
+            </a:r>
+            <a:r>
+              <a:rPr lang="es-CO" sz="1800" dirty="0"/>
+              <a:t> files </a:t>
+            </a:r>
+            <a:r>
+              <a:rPr lang="es-CO" sz="1800" dirty="0" err="1"/>
+              <a:t>reduction</a:t>
+            </a:r>
+            <a:endParaRPr lang="es-CO" sz="1800" dirty="0"/>
+          </a:p>
+          <a:p>
+            <a:pPr lvl="1"/>
+            <a:r>
+              <a:rPr lang="es-CO" sz="1800" dirty="0" err="1"/>
+              <a:t>We</a:t>
+            </a:r>
+            <a:r>
+              <a:rPr lang="es-CO" sz="1800" dirty="0"/>
+              <a:t> </a:t>
+            </a:r>
+            <a:r>
+              <a:rPr lang="es-CO" sz="1800" dirty="0" err="1"/>
+              <a:t>remove</a:t>
+            </a:r>
+            <a:r>
+              <a:rPr lang="es-CO" sz="1800" dirty="0"/>
+              <a:t> </a:t>
+            </a:r>
+            <a:r>
+              <a:rPr lang="es-CO" sz="1800" dirty="0" err="1"/>
+              <a:t>specific</a:t>
+            </a:r>
+            <a:r>
+              <a:rPr lang="es-CO" sz="1800" dirty="0"/>
+              <a:t> </a:t>
+            </a:r>
+            <a:r>
+              <a:rPr lang="es-CO" sz="1800" dirty="0" err="1"/>
+              <a:t>words</a:t>
+            </a:r>
+            <a:r>
+              <a:rPr lang="es-CO" sz="1800" dirty="0"/>
+              <a:t> in </a:t>
+            </a:r>
+            <a:r>
+              <a:rPr lang="es-CO" sz="1800" dirty="0" err="1"/>
+              <a:t>document</a:t>
+            </a:r>
+            <a:r>
+              <a:rPr lang="es-CO" sz="1800" dirty="0"/>
+              <a:t> -&gt; </a:t>
+            </a:r>
+            <a:r>
+              <a:rPr lang="es-CO" sz="1800" dirty="0" err="1"/>
+              <a:t>Few</a:t>
+            </a:r>
+            <a:r>
+              <a:rPr lang="es-CO" sz="1800" dirty="0"/>
+              <a:t> data </a:t>
+            </a:r>
+            <a:r>
+              <a:rPr lang="es-CO" sz="1800" dirty="0" err="1"/>
+              <a:t>loss</a:t>
+            </a:r>
+            <a:r>
+              <a:rPr lang="es-CO" sz="1800" dirty="0"/>
+              <a:t> </a:t>
+            </a:r>
+            <a:r>
+              <a:rPr lang="es-CO" sz="1800" dirty="0" err="1"/>
+              <a:t>for</a:t>
+            </a:r>
+            <a:r>
+              <a:rPr lang="es-CO" sz="1800" dirty="0"/>
+              <a:t> </a:t>
+            </a:r>
+            <a:r>
+              <a:rPr lang="es-CO" sz="1800" dirty="0" err="1"/>
+              <a:t>high</a:t>
+            </a:r>
+            <a:r>
+              <a:rPr lang="es-CO" sz="1800" dirty="0"/>
+              <a:t> </a:t>
+            </a:r>
+            <a:r>
+              <a:rPr lang="es-CO" sz="1800" dirty="0" err="1"/>
+              <a:t>computational</a:t>
+            </a:r>
+            <a:r>
+              <a:rPr lang="es-CO" sz="1800" dirty="0"/>
+              <a:t> </a:t>
+            </a:r>
+            <a:r>
+              <a:rPr lang="es-CO" sz="1800" dirty="0" err="1"/>
+              <a:t>save</a:t>
+            </a:r>
+            <a:endParaRPr lang="es-CO" sz="1800" dirty="0"/>
+          </a:p>
+        </p:txBody>
+      </p:sp>
+    </p:spTree>
+    <p:extLst>
+      <p:ext uri="{BB962C8B-B14F-4D97-AF65-F5344CB8AC3E}">
+        <p14:creationId xmlns:p14="http://schemas.microsoft.com/office/powerpoint/2010/main" val="2086566455"/>
+      </p:ext>
+    </p:extLst>
+  </p:cSld>
+  <p:clrMapOvr>
+    <a:masterClrMapping/>
+  </p:clrMapOvr>
+</p:sld>
+</file>
+
 <file path=ppt/slides/slide2.xml><?xml version="1.0" encoding="utf-8"?>
 <p:sld xmlns:a="http://schemas.openxmlformats.org/drawingml/2006/main" xmlns:r="http://schemas.openxmlformats.org/officeDocument/2006/relationships" xmlns:p="http://schemas.openxmlformats.org/presentationml/2006/main">
   <p:cSld>
@@ -33562,6 +34037,39 @@
         <p:txBody>
           <a:bodyPr/>
           <a:lstStyle/>
+          <a:p>
+            <a:pPr marL="0" indent="0">
+              <a:buNone/>
+            </a:pPr>
+            <a:r>
+              <a:rPr lang="en-US" b="1" dirty="0"/>
+              <a:t>Objective:</a:t>
+            </a:r>
+          </a:p>
+          <a:p>
+            <a:r>
+              <a:rPr lang="en-US" dirty="0"/>
+              <a:t>To analyze a big dataset containing text extracted from PDF well reports from the Norwegian Offshore directorate.</a:t>
+            </a:r>
+          </a:p>
+          <a:p>
+            <a:r>
+              <a:rPr lang="en-US" dirty="0"/>
+              <a:t>To explore the use of LLM in processing and extracting data from these files</a:t>
+            </a:r>
+          </a:p>
+          <a:p>
+            <a:endParaRPr lang="en-US" dirty="0"/>
+          </a:p>
+          <a:p>
+            <a:pPr marL="0" indent="0">
+              <a:buNone/>
+            </a:pPr>
+            <a:r>
+              <a:rPr lang="en-US" b="1" dirty="0"/>
+              <a:t>Dataset</a:t>
+            </a:r>
+          </a:p>
           <a:p>
             <a:r>
               <a:rPr lang="en-US" dirty="0"/>
@@ -33661,209 +34169,6 @@
       </p:grpSpPr>
       <p:sp>
         <p:nvSpPr>
-          <p:cNvPr id="2" name="Title 1">
-            <a:extLst>
-              <a:ext uri="{FF2B5EF4-FFF2-40B4-BE49-F238E27FC236}">
-                <a16:creationId xmlns:a16="http://schemas.microsoft.com/office/drawing/2014/main" id="{C3FD5EA1-F283-D65B-8AF2-0B007E8779CD}"/>
-              </a:ext>
-            </a:extLst>
-          </p:cNvPr>
-          <p:cNvSpPr>
-            <a:spLocks noGrp="1"/>
-          </p:cNvSpPr>
-          <p:nvPr>
-            <p:ph type="title"/>
-          </p:nvPr>
-        </p:nvSpPr>
-        <p:spPr/>
-        <p:txBody>
-          <a:bodyPr/>
-          <a:lstStyle/>
-          <a:p>
-            <a:r>
-              <a:rPr lang="nb-NO" dirty="0"/>
-              <a:t>EDA</a:t>
-            </a:r>
-            <a:endParaRPr lang="en-US" dirty="0"/>
-          </a:p>
-        </p:txBody>
-      </p:sp>
-      <p:pic>
-        <p:nvPicPr>
-          <p:cNvPr id="6" name="Content Placeholder 5">
-            <a:extLst>
-              <a:ext uri="{FF2B5EF4-FFF2-40B4-BE49-F238E27FC236}">
-                <a16:creationId xmlns:a16="http://schemas.microsoft.com/office/drawing/2014/main" id="{F738BB52-440B-45F5-258D-B058D928448F}"/>
-              </a:ext>
-            </a:extLst>
-          </p:cNvPr>
-          <p:cNvPicPr>
-            <a:picLocks noGrp="1" noChangeAspect="1"/>
-          </p:cNvPicPr>
-          <p:nvPr>
-            <p:ph sz="half" idx="1"/>
-          </p:nvPr>
-        </p:nvPicPr>
-        <p:blipFill>
-          <a:blip r:embed="rId2"/>
-          <a:stretch>
-            <a:fillRect/>
-          </a:stretch>
-        </p:blipFill>
-        <p:spPr>
-          <a:xfrm>
-            <a:off x="695325" y="1850382"/>
-            <a:ext cx="5400675" cy="4236736"/>
-          </a:xfrm>
-        </p:spPr>
-      </p:pic>
-      <p:sp>
-        <p:nvSpPr>
-          <p:cNvPr id="4" name="Content Placeholder 3">
-            <a:extLst>
-              <a:ext uri="{FF2B5EF4-FFF2-40B4-BE49-F238E27FC236}">
-                <a16:creationId xmlns:a16="http://schemas.microsoft.com/office/drawing/2014/main" id="{DA5AB8F8-03C8-38E1-EB31-D8D7F5936C52}"/>
-              </a:ext>
-            </a:extLst>
-          </p:cNvPr>
-          <p:cNvSpPr>
-            <a:spLocks noGrp="1"/>
-          </p:cNvSpPr>
-          <p:nvPr>
-            <p:ph sz="half" idx="2"/>
-          </p:nvPr>
-        </p:nvSpPr>
-        <p:spPr/>
-        <p:txBody>
-          <a:bodyPr/>
-          <a:lstStyle/>
-          <a:p>
-            <a:endParaRPr lang="en-US" dirty="0"/>
-          </a:p>
-        </p:txBody>
-      </p:sp>
-    </p:spTree>
-    <p:extLst>
-      <p:ext uri="{BB962C8B-B14F-4D97-AF65-F5344CB8AC3E}">
-        <p14:creationId xmlns:p14="http://schemas.microsoft.com/office/powerpoint/2010/main" val="220783207"/>
-      </p:ext>
-    </p:extLst>
-  </p:cSld>
-  <p:clrMapOvr>
-    <a:masterClrMapping/>
-  </p:clrMapOvr>
-</p:sld>
-</file>
-
-<file path=ppt/slides/slide4.xml><?xml version="1.0" encoding="utf-8"?>
-<p:sld xmlns:a="http://schemas.openxmlformats.org/drawingml/2006/main" xmlns:r="http://schemas.openxmlformats.org/officeDocument/2006/relationships" xmlns:p="http://schemas.openxmlformats.org/presentationml/2006/main">
-  <p:cSld>
-    <p:spTree>
-      <p:nvGrpSpPr>
-        <p:cNvPr id="1" name=""/>
-        <p:cNvGrpSpPr/>
-        <p:nvPr/>
-      </p:nvGrpSpPr>
-      <p:grpSpPr>
-        <a:xfrm>
-          <a:off x="0" y="0"/>
-          <a:ext cx="0" cy="0"/>
-          <a:chOff x="0" y="0"/>
-          <a:chExt cx="0" cy="0"/>
-        </a:xfrm>
-      </p:grpSpPr>
-      <p:sp>
-        <p:nvSpPr>
-          <p:cNvPr id="5" name="Title 4">
-            <a:extLst>
-              <a:ext uri="{FF2B5EF4-FFF2-40B4-BE49-F238E27FC236}">
-                <a16:creationId xmlns:a16="http://schemas.microsoft.com/office/drawing/2014/main" id="{12FC7359-C0EB-175C-11AF-5927E0CF489D}"/>
-              </a:ext>
-            </a:extLst>
-          </p:cNvPr>
-          <p:cNvSpPr>
-            <a:spLocks noGrp="1"/>
-          </p:cNvSpPr>
-          <p:nvPr>
-            <p:ph type="title"/>
-          </p:nvPr>
-        </p:nvSpPr>
-        <p:spPr/>
-        <p:txBody>
-          <a:bodyPr/>
-          <a:lstStyle/>
-          <a:p>
-            <a:r>
-              <a:rPr lang="nb-NO" dirty="0"/>
-              <a:t>Plan</a:t>
-            </a:r>
-            <a:endParaRPr lang="en-US" dirty="0"/>
-          </a:p>
-        </p:txBody>
-      </p:sp>
-      <p:graphicFrame>
-        <p:nvGraphicFramePr>
-          <p:cNvPr id="7" name="Content Placeholder 6">
-            <a:extLst>
-              <a:ext uri="{FF2B5EF4-FFF2-40B4-BE49-F238E27FC236}">
-                <a16:creationId xmlns:a16="http://schemas.microsoft.com/office/drawing/2014/main" id="{BA697832-5E03-2F0D-209B-6A7A3E9B2394}"/>
-              </a:ext>
-            </a:extLst>
-          </p:cNvPr>
-          <p:cNvGraphicFramePr>
-            <a:graphicFrameLocks noGrp="1"/>
-          </p:cNvGraphicFramePr>
-          <p:nvPr>
-            <p:ph idx="1"/>
-            <p:extLst>
-              <p:ext uri="{D42A27DB-BD31-4B8C-83A1-F6EECF244321}">
-                <p14:modId xmlns:p14="http://schemas.microsoft.com/office/powerpoint/2010/main" val="3897732004"/>
-              </p:ext>
-            </p:extLst>
-          </p:nvPr>
-        </p:nvGraphicFramePr>
-        <p:xfrm>
-          <a:off x="698500" y="1800225"/>
-          <a:ext cx="10788650" cy="4356100"/>
-        </p:xfrm>
-        <a:graphic>
-          <a:graphicData uri="http://schemas.openxmlformats.org/drawingml/2006/diagram">
-            <dgm:relIds xmlns:dgm="http://schemas.openxmlformats.org/drawingml/2006/diagram" xmlns:r="http://schemas.openxmlformats.org/officeDocument/2006/relationships" r:dm="rId3" r:lo="rId4" r:qs="rId5" r:cs="rId6"/>
-          </a:graphicData>
-        </a:graphic>
-      </p:graphicFrame>
-    </p:spTree>
-    <p:extLst>
-      <p:ext uri="{BB962C8B-B14F-4D97-AF65-F5344CB8AC3E}">
-        <p14:creationId xmlns:p14="http://schemas.microsoft.com/office/powerpoint/2010/main" val="3941749438"/>
-      </p:ext>
-    </p:extLst>
-  </p:cSld>
-  <p:clrMapOvr>
-    <a:masterClrMapping/>
-  </p:clrMapOvr>
-</p:sld>
-</file>
-
-<file path=ppt/slides/slide5.xml><?xml version="1.0" encoding="utf-8"?>
-<p:sld xmlns:a="http://schemas.openxmlformats.org/drawingml/2006/main" xmlns:r="http://schemas.openxmlformats.org/officeDocument/2006/relationships" xmlns:p="http://schemas.openxmlformats.org/presentationml/2006/main">
-  <p:cSld>
-    <p:spTree>
-      <p:nvGrpSpPr>
-        <p:cNvPr id="1" name=""/>
-        <p:cNvGrpSpPr/>
-        <p:nvPr/>
-      </p:nvGrpSpPr>
-      <p:grpSpPr>
-        <a:xfrm>
-          <a:off x="0" y="0"/>
-          <a:ext cx="0" cy="0"/>
-          <a:chOff x="0" y="0"/>
-          <a:chExt cx="0" cy="0"/>
-        </a:xfrm>
-      </p:grpSpPr>
-      <p:sp>
-        <p:nvSpPr>
           <p:cNvPr id="5" name="Title 4">
             <a:extLst>
               <a:ext uri="{FF2B5EF4-FFF2-40B4-BE49-F238E27FC236}">
@@ -33923,30 +34228,30 @@
             <p:ph idx="1"/>
             <p:extLst>
               <p:ext uri="{D42A27DB-BD31-4B8C-83A1-F6EECF244321}">
-                <p14:modId xmlns:p14="http://schemas.microsoft.com/office/powerpoint/2010/main" val="3546227095"/>
+                <p14:modId xmlns:p14="http://schemas.microsoft.com/office/powerpoint/2010/main" val="952069977"/>
               </p:ext>
             </p:extLst>
           </p:nvPr>
         </p:nvGraphicFramePr>
         <p:xfrm>
-          <a:off x="698500" y="1800225"/>
-          <a:ext cx="10788650" cy="3657600"/>
+          <a:off x="708025" y="2762751"/>
+          <a:ext cx="10788650" cy="3108960"/>
         </p:xfrm>
         <a:graphic>
           <a:graphicData uri="http://schemas.openxmlformats.org/drawingml/2006/table">
             <a:tbl>
-              <a:tblPr bandRow="1">
+              <a:tblPr firstCol="1" bandRow="1">
                 <a:tableStyleId>{5C22544A-7EE6-4342-B048-85BDC9FD1C3A}</a:tableStyleId>
               </a:tblPr>
               <a:tblGrid>
-                <a:gridCol w="5394325">
+                <a:gridCol w="3917043">
                   <a:extLst>
                     <a:ext uri="{9D8B030D-6E8A-4147-A177-3AD203B41FA5}">
                       <a16:colId xmlns:a16="http://schemas.microsoft.com/office/drawing/2014/main" val="2358508804"/>
                     </a:ext>
                   </a:extLst>
                 </a:gridCol>
-                <a:gridCol w="5394325">
+                <a:gridCol w="6871607">
                   <a:extLst>
                     <a:ext uri="{9D8B030D-6E8A-4147-A177-3AD203B41FA5}">
                       <a16:colId xmlns:a16="http://schemas.microsoft.com/office/drawing/2014/main" val="3982361422"/>
@@ -33954,7 +34259,7 @@
                   </a:extLst>
                 </a:gridCol>
               </a:tblGrid>
-              <a:tr h="370840">
+              <a:tr h="596579">
                 <a:tc>
                   <a:txBody>
                     <a:bodyPr/>
@@ -33987,7 +34292,7 @@
                   </a:ext>
                 </a:extLst>
               </a:tr>
-              <a:tr h="370840">
+              <a:tr h="345637">
                 <a:tc>
                   <a:txBody>
                     <a:bodyPr/>
@@ -34020,7 +34325,7 @@
                   </a:ext>
                 </a:extLst>
               </a:tr>
-              <a:tr h="370840">
+              <a:tr h="596579">
                 <a:tc>
                   <a:txBody>
                     <a:bodyPr/>
@@ -34041,8 +34346,13 @@
                     <a:p>
                       <a:r>
                         <a:rPr lang="en-US" dirty="0"/>
-                        <a:t>Combine disparate data types (e.g., textual, tabular, spatial) to update comprehensive subsurface models.</a:t>
+                        <a:t>Combine disparate data types (e.g., textual, tabular, spatial) to update/complement subsurface </a:t>
                       </a:r>
+                      <a:r>
+                        <a:rPr lang="en-US" dirty="0" err="1"/>
+                        <a:t>DBs.</a:t>
+                      </a:r>
+                      <a:endParaRPr lang="en-US" dirty="0"/>
                     </a:p>
                   </a:txBody>
                   <a:tcPr/>
@@ -34053,7 +34363,7 @@
                   </a:ext>
                 </a:extLst>
               </a:tr>
-              <a:tr h="370840">
+              <a:tr h="1363609">
                 <a:tc>
                   <a:txBody>
                     <a:bodyPr/>
@@ -34236,10 +34546,2134 @@
           </a:graphicData>
         </a:graphic>
       </p:graphicFrame>
+      <p:sp>
+        <p:nvSpPr>
+          <p:cNvPr id="8" name="TextBox 7">
+            <a:extLst>
+              <a:ext uri="{FF2B5EF4-FFF2-40B4-BE49-F238E27FC236}">
+                <a16:creationId xmlns:a16="http://schemas.microsoft.com/office/drawing/2014/main" id="{0BDE3134-414A-7E61-D202-96FF4038275F}"/>
+              </a:ext>
+            </a:extLst>
+          </p:cNvPr>
+          <p:cNvSpPr txBox="1"/>
+          <p:nvPr/>
+        </p:nvSpPr>
+        <p:spPr>
+          <a:xfrm>
+            <a:off x="708025" y="1708333"/>
+            <a:ext cx="10959646" cy="830997"/>
+          </a:xfrm>
+          <a:prstGeom prst="rect">
+            <a:avLst/>
+          </a:prstGeom>
+          <a:noFill/>
+        </p:spPr>
+        <p:txBody>
+          <a:bodyPr wrap="square" rtlCol="0">
+            <a:spAutoFit/>
+          </a:bodyPr>
+          <a:lstStyle/>
+          <a:p>
+            <a:pPr algn="ctr"/>
+            <a:r>
+              <a:rPr lang="nb-NO" sz="2400" b="1" dirty="0"/>
+              <a:t>The </a:t>
+            </a:r>
+            <a:r>
+              <a:rPr lang="nb-NO" sz="2400" b="1" dirty="0" err="1"/>
+              <a:t>reduction</a:t>
+            </a:r>
+            <a:r>
+              <a:rPr lang="nb-NO" sz="2400" b="1" dirty="0"/>
+              <a:t> </a:t>
+            </a:r>
+            <a:r>
+              <a:rPr lang="nb-NO" sz="2400" b="1" dirty="0" err="1"/>
+              <a:t>of</a:t>
+            </a:r>
+            <a:r>
+              <a:rPr lang="nb-NO" sz="2400" b="1" dirty="0"/>
+              <a:t> tokens (</a:t>
+            </a:r>
+            <a:r>
+              <a:rPr lang="es-CO" sz="2400" b="1" dirty="0"/>
+              <a:t>“</a:t>
+            </a:r>
+            <a:r>
+              <a:rPr lang="es-CO" sz="2400" b="1" dirty="0" err="1"/>
+              <a:t>units</a:t>
+            </a:r>
+            <a:r>
+              <a:rPr lang="es-CO" sz="2400" b="1" dirty="0"/>
+              <a:t> </a:t>
+            </a:r>
+            <a:r>
+              <a:rPr lang="es-CO" sz="2400" b="1" dirty="0" err="1"/>
+              <a:t>of</a:t>
+            </a:r>
+            <a:r>
+              <a:rPr lang="es-CO" sz="2400" b="1" dirty="0"/>
+              <a:t> </a:t>
+            </a:r>
+            <a:r>
+              <a:rPr lang="es-CO" sz="2400" b="1" dirty="0" err="1"/>
+              <a:t>information</a:t>
+            </a:r>
+            <a:r>
+              <a:rPr lang="es-CO" sz="2400" b="1" dirty="0"/>
+              <a:t>”</a:t>
+            </a:r>
+            <a:r>
+              <a:rPr lang="nb-NO" sz="2400" b="1" dirty="0"/>
+              <a:t>) </a:t>
+            </a:r>
+            <a:r>
+              <a:rPr lang="nb-NO" sz="2400" b="1" dirty="0" err="1"/>
+              <a:t>results</a:t>
+            </a:r>
+            <a:r>
+              <a:rPr lang="nb-NO" sz="2400" b="1" dirty="0"/>
+              <a:t> in:</a:t>
+            </a:r>
+          </a:p>
+          <a:p>
+            <a:pPr algn="ctr"/>
+            <a:r>
+              <a:rPr lang="nb-NO" sz="2400" b="1" dirty="0"/>
+              <a:t>less </a:t>
+            </a:r>
+            <a:r>
+              <a:rPr lang="nb-NO" sz="2400" b="1" dirty="0" err="1"/>
+              <a:t>computations</a:t>
+            </a:r>
+            <a:r>
+              <a:rPr lang="nb-NO" sz="2400" b="1" dirty="0"/>
+              <a:t> -&gt; less </a:t>
+            </a:r>
+            <a:r>
+              <a:rPr lang="nb-NO" sz="2400" b="1" dirty="0" err="1"/>
+              <a:t>emissions</a:t>
+            </a:r>
+            <a:r>
+              <a:rPr lang="nb-NO" sz="2400" b="1" dirty="0"/>
+              <a:t>  </a:t>
+            </a:r>
+            <a:endParaRPr lang="en-US" sz="2400" b="1" dirty="0"/>
+          </a:p>
+        </p:txBody>
+      </p:sp>
     </p:spTree>
     <p:extLst>
       <p:ext uri="{BB962C8B-B14F-4D97-AF65-F5344CB8AC3E}">
         <p14:creationId xmlns:p14="http://schemas.microsoft.com/office/powerpoint/2010/main" val="234728090"/>
+      </p:ext>
+    </p:extLst>
+  </p:cSld>
+  <p:clrMapOvr>
+    <a:masterClrMapping/>
+  </p:clrMapOvr>
+</p:sld>
+</file>
+
+<file path=ppt/slides/slide4.xml><?xml version="1.0" encoding="utf-8"?>
+<p:sld xmlns:a="http://schemas.openxmlformats.org/drawingml/2006/main" xmlns:r="http://schemas.openxmlformats.org/officeDocument/2006/relationships" xmlns:p="http://schemas.openxmlformats.org/presentationml/2006/main">
+  <p:cSld>
+    <p:spTree>
+      <p:nvGrpSpPr>
+        <p:cNvPr id="1" name=""/>
+        <p:cNvGrpSpPr/>
+        <p:nvPr/>
+      </p:nvGrpSpPr>
+      <p:grpSpPr>
+        <a:xfrm>
+          <a:off x="0" y="0"/>
+          <a:ext cx="0" cy="0"/>
+          <a:chOff x="0" y="0"/>
+          <a:chExt cx="0" cy="0"/>
+        </a:xfrm>
+      </p:grpSpPr>
+      <p:sp>
+        <p:nvSpPr>
+          <p:cNvPr id="2" name="Title 1">
+            <a:extLst>
+              <a:ext uri="{FF2B5EF4-FFF2-40B4-BE49-F238E27FC236}">
+                <a16:creationId xmlns:a16="http://schemas.microsoft.com/office/drawing/2014/main" id="{C3FD5EA1-F283-D65B-8AF2-0B007E8779CD}"/>
+              </a:ext>
+            </a:extLst>
+          </p:cNvPr>
+          <p:cNvSpPr>
+            <a:spLocks noGrp="1"/>
+          </p:cNvSpPr>
+          <p:nvPr>
+            <p:ph type="title"/>
+          </p:nvPr>
+        </p:nvSpPr>
+        <p:spPr/>
+        <p:txBody>
+          <a:bodyPr/>
+          <a:lstStyle/>
+          <a:p>
+            <a:r>
+              <a:rPr lang="nb-NO" dirty="0"/>
+              <a:t>Preliminary data </a:t>
+            </a:r>
+            <a:r>
+              <a:rPr lang="nb-NO" dirty="0" err="1"/>
+              <a:t>exploration</a:t>
+            </a:r>
+            <a:endParaRPr lang="en-US" dirty="0"/>
+          </a:p>
+        </p:txBody>
+      </p:sp>
+      <p:pic>
+        <p:nvPicPr>
+          <p:cNvPr id="6" name="Content Placeholder 5">
+            <a:extLst>
+              <a:ext uri="{FF2B5EF4-FFF2-40B4-BE49-F238E27FC236}">
+                <a16:creationId xmlns:a16="http://schemas.microsoft.com/office/drawing/2014/main" id="{F738BB52-440B-45F5-258D-B058D928448F}"/>
+              </a:ext>
+            </a:extLst>
+          </p:cNvPr>
+          <p:cNvPicPr>
+            <a:picLocks noGrp="1" noChangeAspect="1"/>
+          </p:cNvPicPr>
+          <p:nvPr>
+            <p:ph sz="half" idx="1"/>
+          </p:nvPr>
+        </p:nvPicPr>
+        <p:blipFill>
+          <a:blip r:embed="rId2"/>
+          <a:stretch>
+            <a:fillRect/>
+          </a:stretch>
+        </p:blipFill>
+        <p:spPr>
+          <a:xfrm>
+            <a:off x="695325" y="1850382"/>
+            <a:ext cx="5400675" cy="4236736"/>
+          </a:xfrm>
+        </p:spPr>
+      </p:pic>
+      <p:sp>
+        <p:nvSpPr>
+          <p:cNvPr id="4" name="Content Placeholder 3">
+            <a:extLst>
+              <a:ext uri="{FF2B5EF4-FFF2-40B4-BE49-F238E27FC236}">
+                <a16:creationId xmlns:a16="http://schemas.microsoft.com/office/drawing/2014/main" id="{DA5AB8F8-03C8-38E1-EB31-D8D7F5936C52}"/>
+              </a:ext>
+            </a:extLst>
+          </p:cNvPr>
+          <p:cNvSpPr>
+            <a:spLocks noGrp="1"/>
+          </p:cNvSpPr>
+          <p:nvPr>
+            <p:ph sz="half" idx="2"/>
+          </p:nvPr>
+        </p:nvSpPr>
+        <p:spPr/>
+        <p:txBody>
+          <a:bodyPr/>
+          <a:lstStyle/>
+          <a:p>
+            <a:pPr marL="0" indent="0">
+              <a:buNone/>
+            </a:pPr>
+            <a:r>
+              <a:rPr lang="nb-NO" dirty="0" err="1"/>
+              <a:t>Wide</a:t>
+            </a:r>
+            <a:r>
+              <a:rPr lang="nb-NO" dirty="0"/>
+              <a:t> range </a:t>
+            </a:r>
+            <a:r>
+              <a:rPr lang="nb-NO" dirty="0" err="1"/>
+              <a:t>of</a:t>
+            </a:r>
+            <a:r>
+              <a:rPr lang="nb-NO" dirty="0"/>
+              <a:t> file types:</a:t>
+            </a:r>
+          </a:p>
+          <a:p>
+            <a:r>
+              <a:rPr lang="nb-NO" dirty="0"/>
+              <a:t>Small </a:t>
+            </a:r>
+            <a:r>
+              <a:rPr lang="nb-NO" dirty="0" err="1"/>
+              <a:t>documents</a:t>
+            </a:r>
+            <a:r>
+              <a:rPr lang="nb-NO" dirty="0"/>
+              <a:t> (0-10 </a:t>
+            </a:r>
+            <a:r>
+              <a:rPr lang="nb-NO" dirty="0" err="1"/>
+              <a:t>pages</a:t>
+            </a:r>
+            <a:r>
+              <a:rPr lang="nb-NO" dirty="0"/>
+              <a:t>)</a:t>
+            </a:r>
+          </a:p>
+          <a:p>
+            <a:r>
+              <a:rPr lang="nb-NO" dirty="0"/>
+              <a:t>Full reports (&gt; 100 </a:t>
+            </a:r>
+            <a:r>
+              <a:rPr lang="nb-NO" dirty="0" err="1"/>
+              <a:t>pages</a:t>
+            </a:r>
+            <a:r>
+              <a:rPr lang="nb-NO" dirty="0"/>
+              <a:t>)</a:t>
+            </a:r>
+          </a:p>
+          <a:p>
+            <a:pPr marL="0" indent="0">
+              <a:buNone/>
+            </a:pPr>
+            <a:endParaRPr lang="nb-NO" dirty="0"/>
+          </a:p>
+          <a:p>
+            <a:pPr marL="0" indent="0">
+              <a:buNone/>
+            </a:pPr>
+            <a:r>
+              <a:rPr lang="nb-NO" dirty="0"/>
+              <a:t>Diverse </a:t>
+            </a:r>
+            <a:r>
+              <a:rPr lang="nb-NO" dirty="0" err="1"/>
+              <a:t>content</a:t>
+            </a:r>
+            <a:r>
+              <a:rPr lang="nb-NO" dirty="0"/>
+              <a:t> types:</a:t>
+            </a:r>
+          </a:p>
+          <a:p>
+            <a:r>
+              <a:rPr lang="nb-NO" dirty="0" err="1"/>
+              <a:t>Text</a:t>
+            </a:r>
+            <a:r>
+              <a:rPr lang="nb-NO" dirty="0"/>
+              <a:t> reports</a:t>
+            </a:r>
+          </a:p>
+          <a:p>
+            <a:r>
+              <a:rPr lang="nb-NO" dirty="0"/>
+              <a:t>Data </a:t>
+            </a:r>
+            <a:r>
+              <a:rPr lang="nb-NO" dirty="0" err="1"/>
+              <a:t>tables</a:t>
+            </a:r>
+            <a:endParaRPr lang="nb-NO" dirty="0"/>
+          </a:p>
+          <a:p>
+            <a:r>
+              <a:rPr lang="nb-NO" dirty="0"/>
+              <a:t>Charts/</a:t>
+            </a:r>
+            <a:r>
+              <a:rPr lang="nb-NO" dirty="0" err="1"/>
+              <a:t>infographics</a:t>
+            </a:r>
+            <a:endParaRPr lang="nb-NO" dirty="0"/>
+          </a:p>
+        </p:txBody>
+      </p:sp>
+      <p:grpSp>
+        <p:nvGrpSpPr>
+          <p:cNvPr id="7" name="Group 6">
+            <a:extLst>
+              <a:ext uri="{FF2B5EF4-FFF2-40B4-BE49-F238E27FC236}">
+                <a16:creationId xmlns:a16="http://schemas.microsoft.com/office/drawing/2014/main" id="{537A5AA8-FC0E-DE43-5B70-19803ADBB9C9}"/>
+              </a:ext>
+            </a:extLst>
+          </p:cNvPr>
+          <p:cNvGrpSpPr/>
+          <p:nvPr/>
+        </p:nvGrpSpPr>
+        <p:grpSpPr>
+          <a:xfrm>
+            <a:off x="6276880" y="4499810"/>
+            <a:ext cx="1964982" cy="1886650"/>
+            <a:chOff x="868338" y="1814737"/>
+            <a:chExt cx="4570392" cy="4583139"/>
+          </a:xfrm>
+        </p:grpSpPr>
+        <p:pic>
+          <p:nvPicPr>
+            <p:cNvPr id="8" name="Picture 7">
+              <a:extLst>
+                <a:ext uri="{FF2B5EF4-FFF2-40B4-BE49-F238E27FC236}">
+                  <a16:creationId xmlns:a16="http://schemas.microsoft.com/office/drawing/2014/main" id="{4CBD6010-0F44-BA45-060E-6264CB5CFEE8}"/>
+                </a:ext>
+              </a:extLst>
+            </p:cNvPr>
+            <p:cNvPicPr>
+              <a:picLocks noChangeAspect="1"/>
+            </p:cNvPicPr>
+            <p:nvPr/>
+          </p:nvPicPr>
+          <p:blipFill rotWithShape="1">
+            <a:blip r:embed="rId3">
+              <a:extLst>
+                <a:ext uri="{BEBA8EAE-BF5A-486C-A8C5-ECC9F3942E4B}">
+                  <a14:imgProps xmlns:a14="http://schemas.microsoft.com/office/drawing/2010/main">
+                    <a14:imgLayer r:embed="rId4">
+                      <a14:imgEffect>
+                        <a14:artisticBlur radius="3"/>
+                      </a14:imgEffect>
+                    </a14:imgLayer>
+                  </a14:imgProps>
+                </a:ext>
+              </a:extLst>
+            </a:blip>
+            <a:srcRect t="11102" r="6227"/>
+            <a:stretch/>
+          </p:blipFill>
+          <p:spPr>
+            <a:xfrm rot="21016303">
+              <a:off x="868338" y="1912267"/>
+              <a:ext cx="2045649" cy="2696197"/>
+            </a:xfrm>
+            <a:prstGeom prst="rect">
+              <a:avLst/>
+            </a:prstGeom>
+            <a:ln w="19050">
+              <a:solidFill>
+                <a:schemeClr val="tx1"/>
+              </a:solidFill>
+            </a:ln>
+          </p:spPr>
+        </p:pic>
+        <p:pic>
+          <p:nvPicPr>
+            <p:cNvPr id="9" name="Picture 8">
+              <a:extLst>
+                <a:ext uri="{FF2B5EF4-FFF2-40B4-BE49-F238E27FC236}">
+                  <a16:creationId xmlns:a16="http://schemas.microsoft.com/office/drawing/2014/main" id="{0D6746E4-9DDB-2FBD-BA80-6FE7E12E7A80}"/>
+                </a:ext>
+              </a:extLst>
+            </p:cNvPr>
+            <p:cNvPicPr>
+              <a:picLocks noChangeAspect="1"/>
+            </p:cNvPicPr>
+            <p:nvPr/>
+          </p:nvPicPr>
+          <p:blipFill rotWithShape="1">
+            <a:blip r:embed="rId5">
+              <a:extLst>
+                <a:ext uri="{BEBA8EAE-BF5A-486C-A8C5-ECC9F3942E4B}">
+                  <a14:imgProps xmlns:a14="http://schemas.microsoft.com/office/drawing/2010/main">
+                    <a14:imgLayer r:embed="rId6">
+                      <a14:imgEffect>
+                        <a14:artisticBlur radius="3"/>
+                      </a14:imgEffect>
+                    </a14:imgLayer>
+                  </a14:imgProps>
+                </a:ext>
+              </a:extLst>
+            </a:blip>
+            <a:srcRect b="21856"/>
+            <a:stretch/>
+          </p:blipFill>
+          <p:spPr>
+            <a:xfrm rot="21103106">
+              <a:off x="2773241" y="1814737"/>
+              <a:ext cx="2665489" cy="2898601"/>
+            </a:xfrm>
+            <a:prstGeom prst="rect">
+              <a:avLst/>
+            </a:prstGeom>
+            <a:ln w="19050">
+              <a:solidFill>
+                <a:schemeClr val="tx1"/>
+              </a:solidFill>
+            </a:ln>
+          </p:spPr>
+        </p:pic>
+        <p:pic>
+          <p:nvPicPr>
+            <p:cNvPr id="10" name="Picture 9">
+              <a:extLst>
+                <a:ext uri="{FF2B5EF4-FFF2-40B4-BE49-F238E27FC236}">
+                  <a16:creationId xmlns:a16="http://schemas.microsoft.com/office/drawing/2014/main" id="{D2B4A5CF-494B-F9FD-93AF-6B95DFCB5511}"/>
+                </a:ext>
+              </a:extLst>
+            </p:cNvPr>
+            <p:cNvPicPr>
+              <a:picLocks noChangeAspect="1"/>
+            </p:cNvPicPr>
+            <p:nvPr/>
+          </p:nvPicPr>
+          <p:blipFill>
+            <a:blip r:embed="rId7">
+              <a:extLst>
+                <a:ext uri="{BEBA8EAE-BF5A-486C-A8C5-ECC9F3942E4B}">
+                  <a14:imgProps xmlns:a14="http://schemas.microsoft.com/office/drawing/2010/main">
+                    <a14:imgLayer r:embed="rId8">
+                      <a14:imgEffect>
+                        <a14:artisticBlur radius="3"/>
+                      </a14:imgEffect>
+                    </a14:imgLayer>
+                  </a14:imgProps>
+                </a:ext>
+              </a:extLst>
+            </a:blip>
+            <a:stretch>
+              <a:fillRect/>
+            </a:stretch>
+          </p:blipFill>
+          <p:spPr>
+            <a:xfrm rot="642016">
+              <a:off x="3139186" y="3340519"/>
+              <a:ext cx="2111201" cy="2898601"/>
+            </a:xfrm>
+            <a:prstGeom prst="rect">
+              <a:avLst/>
+            </a:prstGeom>
+            <a:ln w="19050">
+              <a:solidFill>
+                <a:schemeClr val="tx1"/>
+              </a:solidFill>
+            </a:ln>
+          </p:spPr>
+        </p:pic>
+        <p:pic>
+          <p:nvPicPr>
+            <p:cNvPr id="11" name="Picture 10">
+              <a:extLst>
+                <a:ext uri="{FF2B5EF4-FFF2-40B4-BE49-F238E27FC236}">
+                  <a16:creationId xmlns:a16="http://schemas.microsoft.com/office/drawing/2014/main" id="{B0E6AF54-ECB4-1357-EA0E-75E458319465}"/>
+                </a:ext>
+              </a:extLst>
+            </p:cNvPr>
+            <p:cNvPicPr>
+              <a:picLocks noChangeAspect="1"/>
+            </p:cNvPicPr>
+            <p:nvPr/>
+          </p:nvPicPr>
+          <p:blipFill rotWithShape="1">
+            <a:blip r:embed="rId9">
+              <a:extLst>
+                <a:ext uri="{BEBA8EAE-BF5A-486C-A8C5-ECC9F3942E4B}">
+                  <a14:imgProps xmlns:a14="http://schemas.microsoft.com/office/drawing/2010/main">
+                    <a14:imgLayer r:embed="rId10">
+                      <a14:imgEffect>
+                        <a14:artisticBlur radius="4"/>
+                      </a14:imgEffect>
+                    </a14:imgLayer>
+                  </a14:imgProps>
+                </a:ext>
+              </a:extLst>
+            </a:blip>
+            <a:srcRect t="9575" r="27927"/>
+            <a:stretch/>
+          </p:blipFill>
+          <p:spPr>
+            <a:xfrm rot="21303582">
+              <a:off x="1292621" y="3947069"/>
+              <a:ext cx="1732143" cy="2450807"/>
+            </a:xfrm>
+            <a:prstGeom prst="rect">
+              <a:avLst/>
+            </a:prstGeom>
+            <a:ln w="19050">
+              <a:solidFill>
+                <a:schemeClr val="tx1"/>
+              </a:solidFill>
+            </a:ln>
+          </p:spPr>
+        </p:pic>
+      </p:grpSp>
+      <p:pic>
+        <p:nvPicPr>
+          <p:cNvPr id="13" name="Picture 12">
+            <a:extLst>
+              <a:ext uri="{FF2B5EF4-FFF2-40B4-BE49-F238E27FC236}">
+                <a16:creationId xmlns:a16="http://schemas.microsoft.com/office/drawing/2014/main" id="{E20FF39A-E304-6540-FF60-1CD61A999F44}"/>
+              </a:ext>
+            </a:extLst>
+          </p:cNvPr>
+          <p:cNvPicPr>
+            <a:picLocks noChangeAspect="1"/>
+          </p:cNvPicPr>
+          <p:nvPr/>
+        </p:nvPicPr>
+        <p:blipFill>
+          <a:blip r:embed="rId11"/>
+          <a:stretch>
+            <a:fillRect/>
+          </a:stretch>
+        </p:blipFill>
+        <p:spPr>
+          <a:xfrm>
+            <a:off x="8996851" y="4423498"/>
+            <a:ext cx="3000000" cy="1666667"/>
+          </a:xfrm>
+          <a:prstGeom prst="rect">
+            <a:avLst/>
+          </a:prstGeom>
+        </p:spPr>
+      </p:pic>
+      <p:sp>
+        <p:nvSpPr>
+          <p:cNvPr id="14" name="Arrow: Right 13">
+            <a:extLst>
+              <a:ext uri="{FF2B5EF4-FFF2-40B4-BE49-F238E27FC236}">
+                <a16:creationId xmlns:a16="http://schemas.microsoft.com/office/drawing/2014/main" id="{45BD5B95-2A33-C9DB-61AE-26C1345FD11E}"/>
+              </a:ext>
+            </a:extLst>
+          </p:cNvPr>
+          <p:cNvSpPr/>
+          <p:nvPr/>
+        </p:nvSpPr>
+        <p:spPr>
+          <a:xfrm>
+            <a:off x="8456232" y="5233737"/>
+            <a:ext cx="464262" cy="312821"/>
+          </a:xfrm>
+          <a:prstGeom prst="rightArrow">
+            <a:avLst/>
+          </a:prstGeom>
+        </p:spPr>
+        <p:style>
+          <a:lnRef idx="2">
+            <a:schemeClr val="accent1">
+              <a:shade val="15000"/>
+            </a:schemeClr>
+          </a:lnRef>
+          <a:fillRef idx="1">
+            <a:schemeClr val="accent1"/>
+          </a:fillRef>
+          <a:effectRef idx="0">
+            <a:schemeClr val="accent1"/>
+          </a:effectRef>
+          <a:fontRef idx="minor">
+            <a:schemeClr val="lt1"/>
+          </a:fontRef>
+        </p:style>
+        <p:txBody>
+          <a:bodyPr rtlCol="0" anchor="ctr"/>
+          <a:lstStyle/>
+          <a:p>
+            <a:pPr algn="ctr"/>
+            <a:endParaRPr lang="en-US"/>
+          </a:p>
+        </p:txBody>
+      </p:sp>
+    </p:spTree>
+    <p:extLst>
+      <p:ext uri="{BB962C8B-B14F-4D97-AF65-F5344CB8AC3E}">
+        <p14:creationId xmlns:p14="http://schemas.microsoft.com/office/powerpoint/2010/main" val="220783207"/>
+      </p:ext>
+    </p:extLst>
+  </p:cSld>
+  <p:clrMapOvr>
+    <a:masterClrMapping/>
+  </p:clrMapOvr>
+</p:sld>
+</file>
+
+<file path=ppt/slides/slide5.xml><?xml version="1.0" encoding="utf-8"?>
+<p:sld xmlns:a="http://schemas.openxmlformats.org/drawingml/2006/main" xmlns:r="http://schemas.openxmlformats.org/officeDocument/2006/relationships" xmlns:p="http://schemas.openxmlformats.org/presentationml/2006/main">
+  <p:cSld>
+    <p:spTree>
+      <p:nvGrpSpPr>
+        <p:cNvPr id="1" name=""/>
+        <p:cNvGrpSpPr/>
+        <p:nvPr/>
+      </p:nvGrpSpPr>
+      <p:grpSpPr>
+        <a:xfrm>
+          <a:off x="0" y="0"/>
+          <a:ext cx="0" cy="0"/>
+          <a:chOff x="0" y="0"/>
+          <a:chExt cx="0" cy="0"/>
+        </a:xfrm>
+      </p:grpSpPr>
+      <p:sp>
+        <p:nvSpPr>
+          <p:cNvPr id="5" name="Title 4">
+            <a:extLst>
+              <a:ext uri="{FF2B5EF4-FFF2-40B4-BE49-F238E27FC236}">
+                <a16:creationId xmlns:a16="http://schemas.microsoft.com/office/drawing/2014/main" id="{12FC7359-C0EB-175C-11AF-5927E0CF489D}"/>
+              </a:ext>
+            </a:extLst>
+          </p:cNvPr>
+          <p:cNvSpPr>
+            <a:spLocks noGrp="1"/>
+          </p:cNvSpPr>
+          <p:nvPr>
+            <p:ph type="title"/>
+          </p:nvPr>
+        </p:nvSpPr>
+        <p:spPr/>
+        <p:txBody>
+          <a:bodyPr/>
+          <a:lstStyle/>
+          <a:p>
+            <a:r>
+              <a:rPr lang="nb-NO" dirty="0"/>
+              <a:t>Plan</a:t>
+            </a:r>
+            <a:endParaRPr lang="en-US" dirty="0"/>
+          </a:p>
+        </p:txBody>
+      </p:sp>
+      <p:graphicFrame>
+        <p:nvGraphicFramePr>
+          <p:cNvPr id="7" name="Content Placeholder 6">
+            <a:extLst>
+              <a:ext uri="{FF2B5EF4-FFF2-40B4-BE49-F238E27FC236}">
+                <a16:creationId xmlns:a16="http://schemas.microsoft.com/office/drawing/2014/main" id="{BA697832-5E03-2F0D-209B-6A7A3E9B2394}"/>
+              </a:ext>
+            </a:extLst>
+          </p:cNvPr>
+          <p:cNvGraphicFramePr>
+            <a:graphicFrameLocks noGrp="1"/>
+          </p:cNvGraphicFramePr>
+          <p:nvPr>
+            <p:ph idx="1"/>
+            <p:extLst>
+              <p:ext uri="{D42A27DB-BD31-4B8C-83A1-F6EECF244321}">
+                <p14:modId xmlns:p14="http://schemas.microsoft.com/office/powerpoint/2010/main" val="3802627542"/>
+              </p:ext>
+            </p:extLst>
+          </p:nvPr>
+        </p:nvGraphicFramePr>
+        <p:xfrm>
+          <a:off x="698500" y="1800225"/>
+          <a:ext cx="10788650" cy="4356100"/>
+        </p:xfrm>
+        <a:graphic>
+          <a:graphicData uri="http://schemas.openxmlformats.org/drawingml/2006/diagram">
+            <dgm:relIds xmlns:dgm="http://schemas.openxmlformats.org/drawingml/2006/diagram" xmlns:r="http://schemas.openxmlformats.org/officeDocument/2006/relationships" r:dm="rId3" r:lo="rId4" r:qs="rId5" r:cs="rId6"/>
+          </a:graphicData>
+        </a:graphic>
+      </p:graphicFrame>
+      <p:sp>
+        <p:nvSpPr>
+          <p:cNvPr id="8" name="Arrow: Right 7">
+            <a:extLst>
+              <a:ext uri="{FF2B5EF4-FFF2-40B4-BE49-F238E27FC236}">
+                <a16:creationId xmlns:a16="http://schemas.microsoft.com/office/drawing/2014/main" id="{985668F0-7657-24C0-9E8A-19F006E2D37D}"/>
+              </a:ext>
+            </a:extLst>
+          </p:cNvPr>
+          <p:cNvSpPr/>
+          <p:nvPr/>
+        </p:nvSpPr>
+        <p:spPr>
+          <a:xfrm>
+            <a:off x="3979718" y="4623955"/>
+            <a:ext cx="3813464" cy="748145"/>
+          </a:xfrm>
+          <a:prstGeom prst="rightArrow">
+            <a:avLst/>
+          </a:prstGeom>
+          <a:solidFill>
+            <a:srgbClr val="243746">
+              <a:tint val="60000"/>
+              <a:hueOff val="0"/>
+              <a:satOff val="0"/>
+              <a:lumOff val="0"/>
+              <a:alphaOff val="0"/>
+            </a:srgbClr>
+          </a:solidFill>
+          <a:ln>
+            <a:noFill/>
+          </a:ln>
+          <a:effectLst/>
+        </p:spPr>
+        <p:txBody>
+          <a:bodyPr spcFirstLastPara="0" vert="horz" wrap="square" lIns="0" tIns="0" rIns="0" bIns="0" numCol="1" spcCol="1270" anchor="ctr" anchorCtr="0">
+            <a:noAutofit/>
+          </a:bodyPr>
+          <a:lstStyle/>
+          <a:p>
+            <a:endParaRPr lang="en-US"/>
+          </a:p>
+        </p:txBody>
+      </p:sp>
+    </p:spTree>
+    <p:extLst>
+      <p:ext uri="{BB962C8B-B14F-4D97-AF65-F5344CB8AC3E}">
+        <p14:creationId xmlns:p14="http://schemas.microsoft.com/office/powerpoint/2010/main" val="3941749438"/>
+      </p:ext>
+    </p:extLst>
+  </p:cSld>
+  <p:clrMapOvr>
+    <a:masterClrMapping/>
+  </p:clrMapOvr>
+</p:sld>
+</file>
+
+<file path=ppt/slides/slide6.xml><?xml version="1.0" encoding="utf-8"?>
+<p:sld xmlns:a="http://schemas.openxmlformats.org/drawingml/2006/main" xmlns:r="http://schemas.openxmlformats.org/officeDocument/2006/relationships" xmlns:p="http://schemas.openxmlformats.org/presentationml/2006/main">
+  <p:cSld>
+    <p:spTree>
+      <p:nvGrpSpPr>
+        <p:cNvPr id="1" name=""/>
+        <p:cNvGrpSpPr/>
+        <p:nvPr/>
+      </p:nvGrpSpPr>
+      <p:grpSpPr>
+        <a:xfrm>
+          <a:off x="0" y="0"/>
+          <a:ext cx="0" cy="0"/>
+          <a:chOff x="0" y="0"/>
+          <a:chExt cx="0" cy="0"/>
+        </a:xfrm>
+      </p:grpSpPr>
+      <p:sp>
+        <p:nvSpPr>
+          <p:cNvPr id="2" name="Title 1">
+            <a:extLst>
+              <a:ext uri="{FF2B5EF4-FFF2-40B4-BE49-F238E27FC236}">
+                <a16:creationId xmlns:a16="http://schemas.microsoft.com/office/drawing/2014/main" id="{8A64B088-7A83-44AB-5295-ACD67D529273}"/>
+              </a:ext>
+            </a:extLst>
+          </p:cNvPr>
+          <p:cNvSpPr>
+            <a:spLocks noGrp="1"/>
+          </p:cNvSpPr>
+          <p:nvPr>
+            <p:ph type="title"/>
+          </p:nvPr>
+        </p:nvSpPr>
+        <p:spPr/>
+        <p:txBody>
+          <a:bodyPr/>
+          <a:lstStyle/>
+          <a:p>
+            <a:r>
+              <a:rPr lang="nb-NO" dirty="0"/>
+              <a:t>LLM Data </a:t>
+            </a:r>
+            <a:r>
+              <a:rPr lang="nb-NO" dirty="0" err="1"/>
+              <a:t>Cleanup</a:t>
+            </a:r>
+            <a:endParaRPr lang="en-US" dirty="0"/>
+          </a:p>
+        </p:txBody>
+      </p:sp>
+      <p:sp>
+        <p:nvSpPr>
+          <p:cNvPr id="3" name="Content Placeholder 2">
+            <a:extLst>
+              <a:ext uri="{FF2B5EF4-FFF2-40B4-BE49-F238E27FC236}">
+                <a16:creationId xmlns:a16="http://schemas.microsoft.com/office/drawing/2014/main" id="{CEE240EB-A04F-A5DA-38BB-118D9639632F}"/>
+              </a:ext>
+            </a:extLst>
+          </p:cNvPr>
+          <p:cNvSpPr>
+            <a:spLocks noGrp="1"/>
+          </p:cNvSpPr>
+          <p:nvPr>
+            <p:ph sz="half" idx="1"/>
+          </p:nvPr>
+        </p:nvSpPr>
+        <p:spPr/>
+        <p:txBody>
+          <a:bodyPr/>
+          <a:lstStyle/>
+          <a:p>
+            <a:pPr marL="0" indent="0">
+              <a:buNone/>
+            </a:pPr>
+            <a:r>
+              <a:rPr lang="nb-NO" dirty="0"/>
+              <a:t>Relative </a:t>
+            </a:r>
+            <a:r>
+              <a:rPr lang="nb-NO" dirty="0" err="1"/>
+              <a:t>reduction</a:t>
+            </a:r>
+            <a:r>
+              <a:rPr lang="nb-NO" dirty="0"/>
+              <a:t> </a:t>
+            </a:r>
+            <a:r>
+              <a:rPr lang="nb-NO" dirty="0" err="1"/>
+              <a:t>of</a:t>
+            </a:r>
+            <a:r>
+              <a:rPr lang="nb-NO" dirty="0"/>
+              <a:t> tokens </a:t>
+            </a:r>
+            <a:r>
+              <a:rPr lang="nb-NO" dirty="0" err="1"/>
+              <a:t>after</a:t>
+            </a:r>
+            <a:r>
+              <a:rPr lang="nb-NO" dirty="0"/>
+              <a:t> </a:t>
+            </a:r>
+            <a:r>
+              <a:rPr lang="nb-NO" dirty="0" err="1"/>
+              <a:t>cleanup</a:t>
+            </a:r>
+            <a:endParaRPr lang="nb-NO" dirty="0"/>
+          </a:p>
+          <a:p>
+            <a:endParaRPr lang="nb-NO" dirty="0"/>
+          </a:p>
+          <a:p>
+            <a:r>
+              <a:rPr lang="nb-NO" dirty="0"/>
+              <a:t>11% in </a:t>
+            </a:r>
+            <a:r>
+              <a:rPr lang="nb-NO" dirty="0" err="1"/>
+              <a:t>subsample</a:t>
+            </a:r>
+            <a:r>
+              <a:rPr lang="nb-NO" dirty="0"/>
+              <a:t> </a:t>
+            </a:r>
+            <a:r>
+              <a:rPr lang="nb-NO" dirty="0" err="1"/>
+              <a:t>of</a:t>
+            </a:r>
+            <a:r>
+              <a:rPr lang="nb-NO" dirty="0"/>
+              <a:t> 10 files</a:t>
+            </a:r>
+          </a:p>
+          <a:p>
+            <a:endParaRPr lang="nb-NO" dirty="0"/>
+          </a:p>
+          <a:p>
+            <a:r>
+              <a:rPr lang="nb-NO" dirty="0"/>
+              <a:t>18% in </a:t>
+            </a:r>
+            <a:r>
+              <a:rPr lang="nb-NO" dirty="0" err="1"/>
+              <a:t>subsample</a:t>
+            </a:r>
+            <a:r>
+              <a:rPr lang="nb-NO" dirty="0"/>
+              <a:t> </a:t>
+            </a:r>
+            <a:r>
+              <a:rPr lang="nb-NO" dirty="0" err="1"/>
+              <a:t>of</a:t>
+            </a:r>
+            <a:r>
+              <a:rPr lang="nb-NO" dirty="0"/>
+              <a:t> 1000 files</a:t>
+            </a:r>
+          </a:p>
+          <a:p>
+            <a:endParaRPr lang="nb-NO" dirty="0"/>
+          </a:p>
+          <a:p>
+            <a:r>
+              <a:rPr lang="nb-NO" dirty="0"/>
+              <a:t>20.41% in </a:t>
+            </a:r>
+            <a:r>
+              <a:rPr lang="nb-NO" dirty="0" err="1"/>
+              <a:t>whole</a:t>
+            </a:r>
+            <a:r>
+              <a:rPr lang="nb-NO" dirty="0"/>
+              <a:t> </a:t>
+            </a:r>
+            <a:r>
+              <a:rPr lang="nb-NO" dirty="0" err="1"/>
+              <a:t>dataset</a:t>
+            </a:r>
+            <a:endParaRPr lang="nb-NO" dirty="0"/>
+          </a:p>
+          <a:p>
+            <a:pPr lvl="1"/>
+            <a:r>
+              <a:rPr lang="en-US" dirty="0"/>
+              <a:t># tokens: 682254403 to 566607633</a:t>
+            </a:r>
+          </a:p>
+          <a:p>
+            <a:pPr lvl="1"/>
+            <a:endParaRPr lang="en-US" dirty="0"/>
+          </a:p>
+          <a:p>
+            <a:r>
+              <a:rPr lang="en-US" dirty="0"/>
+              <a:t>Estimated time to train LLM</a:t>
+            </a:r>
+          </a:p>
+          <a:p>
+            <a:pPr lvl="1"/>
+            <a:r>
+              <a:rPr lang="en-US" dirty="0"/>
+              <a:t>194 hours to 160 hours (34 hours difference on the same hardware)</a:t>
+            </a:r>
+          </a:p>
+          <a:p>
+            <a:pPr lvl="1"/>
+            <a:r>
+              <a:rPr lang="en-US" dirty="0"/>
+              <a:t>209 kg CO2 equivalent for fossil fueled based electricity.</a:t>
+            </a:r>
+          </a:p>
+          <a:p>
+            <a:pPr lvl="1"/>
+            <a:r>
+              <a:rPr lang="en-US" dirty="0"/>
+              <a:t>3.4 kg CO2 equivalent for Norway-based energy mix</a:t>
+            </a:r>
+          </a:p>
+          <a:p>
+            <a:pPr marL="432000" lvl="1" indent="0">
+              <a:buNone/>
+            </a:pPr>
+            <a:endParaRPr lang="en-US" dirty="0"/>
+          </a:p>
+        </p:txBody>
+      </p:sp>
+      <p:pic>
+        <p:nvPicPr>
+          <p:cNvPr id="7" name="Content Placeholder 6" descr="A graph of a graph of a graph of a graph of a graph of a graph of a graph of a graph of a graph of a graph of a graph of a graph of a graph of&#10;&#10;Description automatically generated">
+            <a:extLst>
+              <a:ext uri="{FF2B5EF4-FFF2-40B4-BE49-F238E27FC236}">
+                <a16:creationId xmlns:a16="http://schemas.microsoft.com/office/drawing/2014/main" id="{9E5D3A7A-F8D4-6230-8648-7D99C5255CF6}"/>
+              </a:ext>
+            </a:extLst>
+          </p:cNvPr>
+          <p:cNvPicPr>
+            <a:picLocks noGrp="1" noChangeAspect="1"/>
+          </p:cNvPicPr>
+          <p:nvPr>
+            <p:ph sz="half" idx="2"/>
+          </p:nvPr>
+        </p:nvPicPr>
+        <p:blipFill rotWithShape="1">
+          <a:blip r:embed="rId2"/>
+          <a:srcRect b="54841"/>
+          <a:stretch/>
+        </p:blipFill>
+        <p:spPr bwMode="auto">
+          <a:xfrm>
+            <a:off x="6103938" y="1954213"/>
+            <a:ext cx="5400675" cy="1819502"/>
+          </a:xfrm>
+          <a:prstGeom prst="rect">
+            <a:avLst/>
+          </a:prstGeom>
+          <a:noFill/>
+          <a:extLst>
+            <a:ext uri="{909E8E84-426E-40DD-AFC4-6F175D3DCCD1}">
+              <a14:hiddenFill xmlns:a14="http://schemas.microsoft.com/office/drawing/2010/main">
+                <a:solidFill>
+                  <a:srgbClr val="FFFFFF"/>
+                </a:solidFill>
+              </a14:hiddenFill>
+            </a:ext>
+          </a:extLst>
+        </p:spPr>
+      </p:pic>
+      <p:pic>
+        <p:nvPicPr>
+          <p:cNvPr id="8" name="Content Placeholder 6" descr="A graph of a graph of a graph of a graph of a graph of a graph of a graph of a graph of a graph of a graph of a graph of a graph of a graph of&#10;&#10;Description automatically generated">
+            <a:extLst>
+              <a:ext uri="{FF2B5EF4-FFF2-40B4-BE49-F238E27FC236}">
+                <a16:creationId xmlns:a16="http://schemas.microsoft.com/office/drawing/2014/main" id="{6C205E38-B250-1A11-D3EF-80F05BE72D4F}"/>
+              </a:ext>
+            </a:extLst>
+          </p:cNvPr>
+          <p:cNvPicPr>
+            <a:picLocks noChangeAspect="1"/>
+          </p:cNvPicPr>
+          <p:nvPr/>
+        </p:nvPicPr>
+        <p:blipFill rotWithShape="1">
+          <a:blip r:embed="rId2"/>
+          <a:srcRect t="88928"/>
+          <a:stretch/>
+        </p:blipFill>
+        <p:spPr bwMode="auto">
+          <a:xfrm>
+            <a:off x="6103938" y="3773715"/>
+            <a:ext cx="5400675" cy="446087"/>
+          </a:xfrm>
+          <a:prstGeom prst="rect">
+            <a:avLst/>
+          </a:prstGeom>
+          <a:noFill/>
+          <a:extLst>
+            <a:ext uri="{909E8E84-426E-40DD-AFC4-6F175D3DCCD1}">
+              <a14:hiddenFill xmlns:a14="http://schemas.microsoft.com/office/drawing/2010/main">
+                <a:solidFill>
+                  <a:srgbClr val="FFFFFF"/>
+                </a:solidFill>
+              </a14:hiddenFill>
+            </a:ext>
+          </a:extLst>
+        </p:spPr>
+      </p:pic>
+      <p:sp>
+        <p:nvSpPr>
+          <p:cNvPr id="10" name="Content Placeholder 2">
+            <a:extLst>
+              <a:ext uri="{FF2B5EF4-FFF2-40B4-BE49-F238E27FC236}">
+                <a16:creationId xmlns:a16="http://schemas.microsoft.com/office/drawing/2014/main" id="{B4E3D352-EA4B-FC9C-6B03-9EBB10E283A0}"/>
+              </a:ext>
+            </a:extLst>
+          </p:cNvPr>
+          <p:cNvSpPr txBox="1">
+            <a:spLocks/>
+          </p:cNvSpPr>
+          <p:nvPr/>
+        </p:nvSpPr>
+        <p:spPr>
+          <a:xfrm>
+            <a:off x="6695073" y="4312909"/>
+            <a:ext cx="5256213" cy="1729475"/>
+          </a:xfrm>
+          <a:prstGeom prst="rect">
+            <a:avLst/>
+          </a:prstGeom>
+        </p:spPr>
+        <p:txBody>
+          <a:bodyPr vert="horz" lIns="0" tIns="0" rIns="288000" bIns="0" rtlCol="0">
+            <a:noAutofit/>
+          </a:bodyPr>
+          <a:lstStyle>
+            <a:lvl1pPr marL="180000" indent="-180000" algn="l" defTabSz="914400" rtl="0" eaLnBrk="1" latinLnBrk="0" hangingPunct="1">
+              <a:lnSpc>
+                <a:spcPct val="100000"/>
+              </a:lnSpc>
+              <a:spcBef>
+                <a:spcPts val="0"/>
+              </a:spcBef>
+              <a:spcAft>
+                <a:spcPts val="600"/>
+              </a:spcAft>
+              <a:buSzPct val="80000"/>
+              <a:buFont typeface="Arial" panose="020B0604020202020204" pitchFamily="34" charset="0"/>
+              <a:buChar char="•"/>
+              <a:defRPr sz="1600" kern="1200" spc="0" baseline="0">
+                <a:solidFill>
+                  <a:srgbClr val="243746"/>
+                </a:solidFill>
+                <a:latin typeface="+mn-lt"/>
+                <a:ea typeface="Verdana" panose="020B0604030504040204" pitchFamily="34" charset="0"/>
+                <a:cs typeface="Verdana" panose="020B0604030504040204" pitchFamily="34" charset="0"/>
+              </a:defRPr>
+            </a:lvl1pPr>
+            <a:lvl2pPr marL="612000" indent="-180000" algn="l" defTabSz="914400" rtl="0" eaLnBrk="1" latinLnBrk="0" hangingPunct="1">
+              <a:lnSpc>
+                <a:spcPct val="100000"/>
+              </a:lnSpc>
+              <a:spcBef>
+                <a:spcPts val="0"/>
+              </a:spcBef>
+              <a:spcAft>
+                <a:spcPts val="600"/>
+              </a:spcAft>
+              <a:buSzPct val="80000"/>
+              <a:buFont typeface="Arial" panose="020B0604020202020204" pitchFamily="34" charset="0"/>
+              <a:buChar char="•"/>
+              <a:defRPr sz="1600" kern="1200" spc="0" baseline="0">
+                <a:solidFill>
+                  <a:srgbClr val="243746"/>
+                </a:solidFill>
+                <a:latin typeface="+mn-lt"/>
+                <a:ea typeface="Verdana" panose="020B0604030504040204" pitchFamily="34" charset="0"/>
+                <a:cs typeface="Verdana" panose="020B0604030504040204" pitchFamily="34" charset="0"/>
+              </a:defRPr>
+            </a:lvl2pPr>
+            <a:lvl3pPr marL="1044000" indent="-180000" algn="l" defTabSz="914400" rtl="0" eaLnBrk="1" latinLnBrk="0" hangingPunct="1">
+              <a:lnSpc>
+                <a:spcPct val="100000"/>
+              </a:lnSpc>
+              <a:spcBef>
+                <a:spcPts val="0"/>
+              </a:spcBef>
+              <a:spcAft>
+                <a:spcPts val="600"/>
+              </a:spcAft>
+              <a:buSzPct val="80000"/>
+              <a:buFont typeface="Arial" panose="020B0604020202020204" pitchFamily="34" charset="0"/>
+              <a:buChar char="•"/>
+              <a:defRPr sz="1600" kern="1200" spc="0" baseline="0">
+                <a:solidFill>
+                  <a:srgbClr val="243746"/>
+                </a:solidFill>
+                <a:latin typeface="+mn-lt"/>
+                <a:ea typeface="Verdana" panose="020B0604030504040204" pitchFamily="34" charset="0"/>
+                <a:cs typeface="Verdana" panose="020B0604030504040204" pitchFamily="34" charset="0"/>
+              </a:defRPr>
+            </a:lvl3pPr>
+            <a:lvl4pPr marL="1476000" indent="-180000" algn="l" defTabSz="914400" rtl="0" eaLnBrk="1" latinLnBrk="0" hangingPunct="1">
+              <a:lnSpc>
+                <a:spcPct val="100000"/>
+              </a:lnSpc>
+              <a:spcBef>
+                <a:spcPts val="0"/>
+              </a:spcBef>
+              <a:spcAft>
+                <a:spcPts val="600"/>
+              </a:spcAft>
+              <a:buSzPct val="80000"/>
+              <a:buFont typeface="Arial" panose="020B0604020202020204" pitchFamily="34" charset="0"/>
+              <a:buChar char="•"/>
+              <a:defRPr sz="1600" kern="1200" spc="0" baseline="0">
+                <a:solidFill>
+                  <a:srgbClr val="243746"/>
+                </a:solidFill>
+                <a:latin typeface="+mn-lt"/>
+                <a:ea typeface="Verdana" panose="020B0604030504040204" pitchFamily="34" charset="0"/>
+                <a:cs typeface="Verdana" panose="020B0604030504040204" pitchFamily="34" charset="0"/>
+              </a:defRPr>
+            </a:lvl4pPr>
+            <a:lvl5pPr marL="1908000" indent="-180000" algn="l" defTabSz="914400" rtl="0" eaLnBrk="1" latinLnBrk="0" hangingPunct="1">
+              <a:lnSpc>
+                <a:spcPct val="100000"/>
+              </a:lnSpc>
+              <a:spcBef>
+                <a:spcPts val="0"/>
+              </a:spcBef>
+              <a:spcAft>
+                <a:spcPts val="600"/>
+              </a:spcAft>
+              <a:buSzPct val="80000"/>
+              <a:buFont typeface="Arial" panose="020B0604020202020204" pitchFamily="34" charset="0"/>
+              <a:buChar char="•"/>
+              <a:defRPr sz="1600" kern="1200" spc="0" baseline="0">
+                <a:solidFill>
+                  <a:srgbClr val="243746"/>
+                </a:solidFill>
+                <a:latin typeface="+mn-lt"/>
+                <a:ea typeface="Verdana" panose="020B0604030504040204" pitchFamily="34" charset="0"/>
+                <a:cs typeface="Verdana" panose="020B0604030504040204" pitchFamily="34" charset="0"/>
+              </a:defRPr>
+            </a:lvl5pPr>
+            <a:lvl6pPr marL="2514600" indent="-228600" algn="l" defTabSz="914400" rtl="0" eaLnBrk="1" latinLnBrk="0" hangingPunct="1">
+              <a:lnSpc>
+                <a:spcPct val="90000"/>
+              </a:lnSpc>
+              <a:spcBef>
+                <a:spcPts val="500"/>
+              </a:spcBef>
+              <a:buFont typeface="Arial" panose="020B0604020202020204" pitchFamily="34" charset="0"/>
+              <a:buChar char="•"/>
+              <a:defRPr sz="1800" kern="1200">
+                <a:solidFill>
+                  <a:schemeClr val="tx1"/>
+                </a:solidFill>
+                <a:latin typeface="+mn-lt"/>
+                <a:ea typeface="+mn-ea"/>
+                <a:cs typeface="+mn-cs"/>
+              </a:defRPr>
+            </a:lvl6pPr>
+            <a:lvl7pPr marL="2971800" indent="-228600" algn="l" defTabSz="914400" rtl="0" eaLnBrk="1" latinLnBrk="0" hangingPunct="1">
+              <a:lnSpc>
+                <a:spcPct val="90000"/>
+              </a:lnSpc>
+              <a:spcBef>
+                <a:spcPts val="500"/>
+              </a:spcBef>
+              <a:buFont typeface="Arial" panose="020B0604020202020204" pitchFamily="34" charset="0"/>
+              <a:buChar char="•"/>
+              <a:defRPr sz="1800" kern="1200">
+                <a:solidFill>
+                  <a:schemeClr val="tx1"/>
+                </a:solidFill>
+                <a:latin typeface="+mn-lt"/>
+                <a:ea typeface="+mn-ea"/>
+                <a:cs typeface="+mn-cs"/>
+              </a:defRPr>
+            </a:lvl7pPr>
+            <a:lvl8pPr marL="3429000" indent="-228600" algn="l" defTabSz="914400" rtl="0" eaLnBrk="1" latinLnBrk="0" hangingPunct="1">
+              <a:lnSpc>
+                <a:spcPct val="90000"/>
+              </a:lnSpc>
+              <a:spcBef>
+                <a:spcPts val="500"/>
+              </a:spcBef>
+              <a:buFont typeface="Arial" panose="020B0604020202020204" pitchFamily="34" charset="0"/>
+              <a:buChar char="•"/>
+              <a:defRPr sz="1800" kern="1200">
+                <a:solidFill>
+                  <a:schemeClr val="tx1"/>
+                </a:solidFill>
+                <a:latin typeface="+mn-lt"/>
+                <a:ea typeface="+mn-ea"/>
+                <a:cs typeface="+mn-cs"/>
+              </a:defRPr>
+            </a:lvl8pPr>
+            <a:lvl9pPr marL="3886200" indent="-228600" algn="l" defTabSz="914400" rtl="0" eaLnBrk="1" latinLnBrk="0" hangingPunct="1">
+              <a:lnSpc>
+                <a:spcPct val="90000"/>
+              </a:lnSpc>
+              <a:spcBef>
+                <a:spcPts val="500"/>
+              </a:spcBef>
+              <a:buFont typeface="Arial" panose="020B0604020202020204" pitchFamily="34" charset="0"/>
+              <a:buChar char="•"/>
+              <a:defRPr sz="1800" kern="1200">
+                <a:solidFill>
+                  <a:schemeClr val="tx1"/>
+                </a:solidFill>
+                <a:latin typeface="+mn-lt"/>
+                <a:ea typeface="+mn-ea"/>
+                <a:cs typeface="+mn-cs"/>
+              </a:defRPr>
+            </a:lvl9pPr>
+          </a:lstStyle>
+          <a:p>
+            <a:r>
+              <a:rPr lang="en-US" dirty="0">
+                <a:solidFill>
+                  <a:schemeClr val="accent2"/>
+                </a:solidFill>
+              </a:rPr>
+              <a:t>1.99% files removed</a:t>
+            </a:r>
+          </a:p>
+          <a:p>
+            <a:pPr lvl="1"/>
+            <a:r>
+              <a:rPr lang="en-US" dirty="0">
+                <a:solidFill>
+                  <a:schemeClr val="accent2"/>
+                </a:solidFill>
+              </a:rPr>
+              <a:t>Around only 10% of the token reduction is due to the file filtering.</a:t>
+            </a:r>
+          </a:p>
+          <a:p>
+            <a:endParaRPr lang="en-US" dirty="0">
+              <a:solidFill>
+                <a:schemeClr val="accent2"/>
+              </a:solidFill>
+            </a:endParaRPr>
+          </a:p>
+          <a:p>
+            <a:r>
+              <a:rPr lang="en-US" dirty="0">
+                <a:solidFill>
+                  <a:schemeClr val="accent2"/>
+                </a:solidFill>
+              </a:rPr>
+              <a:t>Remaining token reduction is due to word removal</a:t>
+            </a:r>
+          </a:p>
+          <a:p>
+            <a:pPr lvl="1"/>
+            <a:endParaRPr lang="en-US" dirty="0">
+              <a:solidFill>
+                <a:schemeClr val="accent2"/>
+              </a:solidFill>
+            </a:endParaRPr>
+          </a:p>
+          <a:p>
+            <a:pPr lvl="1"/>
+            <a:endParaRPr lang="en-US" dirty="0">
+              <a:solidFill>
+                <a:schemeClr val="accent2"/>
+              </a:solidFill>
+            </a:endParaRPr>
+          </a:p>
+          <a:p>
+            <a:endParaRPr lang="en-US" dirty="0">
+              <a:solidFill>
+                <a:schemeClr val="accent2"/>
+              </a:solidFill>
+            </a:endParaRPr>
+          </a:p>
+        </p:txBody>
+      </p:sp>
+    </p:spTree>
+    <p:extLst>
+      <p:ext uri="{BB962C8B-B14F-4D97-AF65-F5344CB8AC3E}">
+        <p14:creationId xmlns:p14="http://schemas.microsoft.com/office/powerpoint/2010/main" val="4181121578"/>
+      </p:ext>
+    </p:extLst>
+  </p:cSld>
+  <p:clrMapOvr>
+    <a:masterClrMapping/>
+  </p:clrMapOvr>
+</p:sld>
+</file>
+
+<file path=ppt/slides/slide7.xml><?xml version="1.0" encoding="utf-8"?>
+<p:sld xmlns:a="http://schemas.openxmlformats.org/drawingml/2006/main" xmlns:r="http://schemas.openxmlformats.org/officeDocument/2006/relationships" xmlns:p="http://schemas.openxmlformats.org/presentationml/2006/main">
+  <p:cSld>
+    <p:spTree>
+      <p:nvGrpSpPr>
+        <p:cNvPr id="1" name=""/>
+        <p:cNvGrpSpPr/>
+        <p:nvPr/>
+      </p:nvGrpSpPr>
+      <p:grpSpPr>
+        <a:xfrm>
+          <a:off x="0" y="0"/>
+          <a:ext cx="0" cy="0"/>
+          <a:chOff x="0" y="0"/>
+          <a:chExt cx="0" cy="0"/>
+        </a:xfrm>
+      </p:grpSpPr>
+      <p:sp>
+        <p:nvSpPr>
+          <p:cNvPr id="5" name="Title 4">
+            <a:extLst>
+              <a:ext uri="{FF2B5EF4-FFF2-40B4-BE49-F238E27FC236}">
+                <a16:creationId xmlns:a16="http://schemas.microsoft.com/office/drawing/2014/main" id="{CFA796FB-03EA-FBEF-6D2E-015E7C6E0E03}"/>
+              </a:ext>
+            </a:extLst>
+          </p:cNvPr>
+          <p:cNvSpPr>
+            <a:spLocks noGrp="1"/>
+          </p:cNvSpPr>
+          <p:nvPr>
+            <p:ph type="title"/>
+          </p:nvPr>
+        </p:nvSpPr>
+        <p:spPr/>
+        <p:txBody>
+          <a:bodyPr/>
+          <a:lstStyle/>
+          <a:p>
+            <a:r>
+              <a:rPr lang="nb-NO" dirty="0"/>
+              <a:t>LLM Data </a:t>
+            </a:r>
+            <a:r>
+              <a:rPr lang="nb-NO" dirty="0" err="1"/>
+              <a:t>Cleanup</a:t>
+            </a:r>
+            <a:r>
+              <a:rPr lang="nb-NO" dirty="0"/>
+              <a:t> – Word </a:t>
+            </a:r>
+            <a:r>
+              <a:rPr lang="nb-NO" dirty="0" err="1"/>
+              <a:t>reduction</a:t>
+            </a:r>
+            <a:r>
+              <a:rPr lang="nb-NO" dirty="0"/>
+              <a:t> (</a:t>
+            </a:r>
+            <a:r>
+              <a:rPr lang="nb-NO" dirty="0" err="1"/>
+              <a:t>whole</a:t>
+            </a:r>
+            <a:r>
+              <a:rPr lang="nb-NO" dirty="0"/>
+              <a:t> </a:t>
+            </a:r>
+            <a:r>
+              <a:rPr lang="nb-NO" dirty="0" err="1"/>
+              <a:t>dataset</a:t>
+            </a:r>
+            <a:r>
+              <a:rPr lang="nb-NO" dirty="0"/>
+              <a:t>)</a:t>
+            </a:r>
+            <a:endParaRPr lang="en-US" dirty="0"/>
+          </a:p>
+        </p:txBody>
+      </p:sp>
+      <p:pic>
+        <p:nvPicPr>
+          <p:cNvPr id="9" name="Content Placeholder 8">
+            <a:extLst>
+              <a:ext uri="{FF2B5EF4-FFF2-40B4-BE49-F238E27FC236}">
+                <a16:creationId xmlns:a16="http://schemas.microsoft.com/office/drawing/2014/main" id="{E6073FF0-D338-68F6-6066-FFED089C69C7}"/>
+              </a:ext>
+            </a:extLst>
+          </p:cNvPr>
+          <p:cNvPicPr>
+            <a:picLocks noGrp="1" noChangeAspect="1"/>
+          </p:cNvPicPr>
+          <p:nvPr>
+            <p:ph sz="half" idx="1"/>
+          </p:nvPr>
+        </p:nvPicPr>
+        <p:blipFill>
+          <a:blip r:embed="rId3"/>
+          <a:srcRect/>
+          <a:stretch/>
+        </p:blipFill>
+        <p:spPr>
+          <a:xfrm>
+            <a:off x="695325" y="1957464"/>
+            <a:ext cx="5400675" cy="4022571"/>
+          </a:xfrm>
+        </p:spPr>
+      </p:pic>
+      <p:sp>
+        <p:nvSpPr>
+          <p:cNvPr id="4" name="Content Placeholder 3">
+            <a:extLst>
+              <a:ext uri="{FF2B5EF4-FFF2-40B4-BE49-F238E27FC236}">
+                <a16:creationId xmlns:a16="http://schemas.microsoft.com/office/drawing/2014/main" id="{94235ADB-3BDC-30E4-F6E7-90D3C56A384F}"/>
+              </a:ext>
+            </a:extLst>
+          </p:cNvPr>
+          <p:cNvSpPr>
+            <a:spLocks noGrp="1"/>
+          </p:cNvSpPr>
+          <p:nvPr>
+            <p:ph sz="half" idx="2"/>
+          </p:nvPr>
+        </p:nvSpPr>
+        <p:spPr/>
+        <p:txBody>
+          <a:bodyPr/>
+          <a:lstStyle/>
+          <a:p>
+            <a:r>
+              <a:rPr lang="es-CO" dirty="0"/>
+              <a:t>Word </a:t>
+            </a:r>
+            <a:r>
+              <a:rPr lang="es-CO" dirty="0" err="1"/>
+              <a:t>reduction</a:t>
+            </a:r>
+            <a:r>
+              <a:rPr lang="es-CO" dirty="0"/>
+              <a:t> </a:t>
+            </a:r>
+            <a:r>
+              <a:rPr lang="es-CO" dirty="0" err="1"/>
+              <a:t>is</a:t>
+            </a:r>
+            <a:r>
+              <a:rPr lang="es-CO" dirty="0"/>
+              <a:t> </a:t>
+            </a:r>
+            <a:r>
+              <a:rPr lang="es-CO" dirty="0" err="1"/>
+              <a:t>not</a:t>
+            </a:r>
+            <a:r>
+              <a:rPr lang="es-CO" dirty="0"/>
+              <a:t> </a:t>
+            </a:r>
+            <a:r>
+              <a:rPr lang="es-CO" dirty="0" err="1"/>
+              <a:t>constant</a:t>
+            </a:r>
+            <a:r>
+              <a:rPr lang="es-CO" dirty="0"/>
+              <a:t>:</a:t>
+            </a:r>
+          </a:p>
+          <a:p>
+            <a:endParaRPr lang="es-CO" dirty="0"/>
+          </a:p>
+          <a:p>
+            <a:pPr lvl="1"/>
+            <a:r>
+              <a:rPr lang="es-CO" dirty="0" err="1"/>
+              <a:t>Average</a:t>
+            </a:r>
+            <a:r>
+              <a:rPr lang="es-CO" dirty="0"/>
+              <a:t> 382 </a:t>
+            </a:r>
+            <a:r>
+              <a:rPr lang="es-CO" dirty="0" err="1"/>
+              <a:t>words</a:t>
+            </a:r>
+            <a:r>
+              <a:rPr lang="es-CO" dirty="0"/>
+              <a:t> per </a:t>
+            </a:r>
+            <a:r>
+              <a:rPr lang="es-CO" dirty="0" err="1"/>
+              <a:t>document</a:t>
+            </a:r>
+            <a:r>
+              <a:rPr lang="es-CO" dirty="0"/>
+              <a:t>.</a:t>
+            </a:r>
+          </a:p>
+          <a:p>
+            <a:pPr lvl="1"/>
+            <a:endParaRPr lang="es-CO" dirty="0"/>
+          </a:p>
+          <a:p>
+            <a:pPr lvl="1"/>
+            <a:r>
+              <a:rPr lang="es-CO" dirty="0" err="1"/>
+              <a:t>Few</a:t>
+            </a:r>
+            <a:r>
+              <a:rPr lang="es-CO" dirty="0"/>
+              <a:t> </a:t>
+            </a:r>
+            <a:r>
+              <a:rPr lang="es-CO" dirty="0" err="1"/>
+              <a:t>paper</a:t>
+            </a:r>
+            <a:r>
+              <a:rPr lang="es-CO" dirty="0"/>
+              <a:t> </a:t>
+            </a:r>
+            <a:r>
+              <a:rPr lang="es-CO" dirty="0" err="1"/>
+              <a:t>with</a:t>
+            </a:r>
+            <a:r>
+              <a:rPr lang="es-CO" dirty="0"/>
+              <a:t> a </a:t>
+            </a:r>
+            <a:r>
+              <a:rPr lang="es-CO" dirty="0" err="1"/>
+              <a:t>high</a:t>
+            </a:r>
+            <a:r>
+              <a:rPr lang="es-CO" dirty="0"/>
+              <a:t> Word </a:t>
+            </a:r>
+            <a:r>
+              <a:rPr lang="es-CO" dirty="0" err="1"/>
+              <a:t>loss</a:t>
+            </a:r>
+            <a:r>
+              <a:rPr lang="es-CO" dirty="0"/>
+              <a:t>.</a:t>
+            </a:r>
+          </a:p>
+        </p:txBody>
+      </p:sp>
+    </p:spTree>
+    <p:extLst>
+      <p:ext uri="{BB962C8B-B14F-4D97-AF65-F5344CB8AC3E}">
+        <p14:creationId xmlns:p14="http://schemas.microsoft.com/office/powerpoint/2010/main" val="482054848"/>
+      </p:ext>
+    </p:extLst>
+  </p:cSld>
+  <p:clrMapOvr>
+    <a:masterClrMapping/>
+  </p:clrMapOvr>
+</p:sld>
+</file>
+
+<file path=ppt/slides/slide8.xml><?xml version="1.0" encoding="utf-8"?>
+<p:sld xmlns:a="http://schemas.openxmlformats.org/drawingml/2006/main" xmlns:r="http://schemas.openxmlformats.org/officeDocument/2006/relationships" xmlns:p="http://schemas.openxmlformats.org/presentationml/2006/main">
+  <p:cSld>
+    <p:spTree>
+      <p:nvGrpSpPr>
+        <p:cNvPr id="1" name=""/>
+        <p:cNvGrpSpPr/>
+        <p:nvPr/>
+      </p:nvGrpSpPr>
+      <p:grpSpPr>
+        <a:xfrm>
+          <a:off x="0" y="0"/>
+          <a:ext cx="0" cy="0"/>
+          <a:chOff x="0" y="0"/>
+          <a:chExt cx="0" cy="0"/>
+        </a:xfrm>
+      </p:grpSpPr>
+      <p:sp>
+        <p:nvSpPr>
+          <p:cNvPr id="5" name="Title 4">
+            <a:extLst>
+              <a:ext uri="{FF2B5EF4-FFF2-40B4-BE49-F238E27FC236}">
+                <a16:creationId xmlns:a16="http://schemas.microsoft.com/office/drawing/2014/main" id="{CFA796FB-03EA-FBEF-6D2E-015E7C6E0E03}"/>
+              </a:ext>
+            </a:extLst>
+          </p:cNvPr>
+          <p:cNvSpPr>
+            <a:spLocks noGrp="1"/>
+          </p:cNvSpPr>
+          <p:nvPr>
+            <p:ph type="title"/>
+          </p:nvPr>
+        </p:nvSpPr>
+        <p:spPr/>
+        <p:txBody>
+          <a:bodyPr/>
+          <a:lstStyle/>
+          <a:p>
+            <a:r>
+              <a:rPr lang="nb-NO" dirty="0"/>
+              <a:t>LLM Data </a:t>
+            </a:r>
+            <a:r>
+              <a:rPr lang="nb-NO" dirty="0" err="1"/>
+              <a:t>Cleanup</a:t>
+            </a:r>
+            <a:r>
+              <a:rPr lang="nb-NO" dirty="0"/>
+              <a:t> – Word </a:t>
+            </a:r>
+            <a:r>
+              <a:rPr lang="nb-NO" dirty="0" err="1"/>
+              <a:t>reduction</a:t>
+            </a:r>
+            <a:endParaRPr lang="en-US" dirty="0"/>
+          </a:p>
+        </p:txBody>
+      </p:sp>
+      <p:pic>
+        <p:nvPicPr>
+          <p:cNvPr id="9" name="Content Placeholder 8" descr="A graph with blue lines&#10;&#10;Description automatically generated">
+            <a:extLst>
+              <a:ext uri="{FF2B5EF4-FFF2-40B4-BE49-F238E27FC236}">
+                <a16:creationId xmlns:a16="http://schemas.microsoft.com/office/drawing/2014/main" id="{E6073FF0-D338-68F6-6066-FFED089C69C7}"/>
+              </a:ext>
+            </a:extLst>
+          </p:cNvPr>
+          <p:cNvPicPr>
+            <a:picLocks noGrp="1" noChangeAspect="1"/>
+          </p:cNvPicPr>
+          <p:nvPr>
+            <p:ph sz="half" idx="1"/>
+          </p:nvPr>
+        </p:nvPicPr>
+        <p:blipFill>
+          <a:blip r:embed="rId3"/>
+          <a:stretch>
+            <a:fillRect/>
+          </a:stretch>
+        </p:blipFill>
+        <p:spPr>
+          <a:xfrm>
+            <a:off x="695325" y="1957464"/>
+            <a:ext cx="5400675" cy="4022571"/>
+          </a:xfrm>
+        </p:spPr>
+      </p:pic>
+      <p:pic>
+        <p:nvPicPr>
+          <p:cNvPr id="12" name="Content Placeholder 11">
+            <a:extLst>
+              <a:ext uri="{FF2B5EF4-FFF2-40B4-BE49-F238E27FC236}">
+                <a16:creationId xmlns:a16="http://schemas.microsoft.com/office/drawing/2014/main" id="{E12BBEF6-9588-C5DD-752D-A75BB7EF93DB}"/>
+              </a:ext>
+            </a:extLst>
+          </p:cNvPr>
+          <p:cNvPicPr>
+            <a:picLocks noGrp="1" noChangeAspect="1"/>
+          </p:cNvPicPr>
+          <p:nvPr>
+            <p:ph sz="half" idx="2"/>
+          </p:nvPr>
+        </p:nvPicPr>
+        <p:blipFill>
+          <a:blip r:embed="rId4"/>
+          <a:stretch>
+            <a:fillRect/>
+          </a:stretch>
+        </p:blipFill>
+        <p:spPr>
+          <a:xfrm>
+            <a:off x="6103938" y="2098767"/>
+            <a:ext cx="5400675" cy="3739965"/>
+          </a:xfrm>
+        </p:spPr>
+      </p:pic>
+      <p:sp>
+        <p:nvSpPr>
+          <p:cNvPr id="13" name="Arrow: Down 12">
+            <a:extLst>
+              <a:ext uri="{FF2B5EF4-FFF2-40B4-BE49-F238E27FC236}">
+                <a16:creationId xmlns:a16="http://schemas.microsoft.com/office/drawing/2014/main" id="{D7CF6975-0BC8-8718-4BF9-8AA65D929ED8}"/>
+              </a:ext>
+            </a:extLst>
+          </p:cNvPr>
+          <p:cNvSpPr/>
+          <p:nvPr/>
+        </p:nvSpPr>
+        <p:spPr>
+          <a:xfrm rot="5400000">
+            <a:off x="4506691" y="809567"/>
+            <a:ext cx="267144" cy="3795489"/>
+          </a:xfrm>
+          <a:prstGeom prst="downArrow">
+            <a:avLst/>
+          </a:prstGeom>
+        </p:spPr>
+        <p:style>
+          <a:lnRef idx="2">
+            <a:schemeClr val="accent1">
+              <a:shade val="15000"/>
+            </a:schemeClr>
+          </a:lnRef>
+          <a:fillRef idx="1">
+            <a:schemeClr val="accent1"/>
+          </a:fillRef>
+          <a:effectRef idx="0">
+            <a:schemeClr val="accent1"/>
+          </a:effectRef>
+          <a:fontRef idx="minor">
+            <a:schemeClr val="lt1"/>
+          </a:fontRef>
+        </p:style>
+        <p:txBody>
+          <a:bodyPr rtlCol="0" anchor="ctr"/>
+          <a:lstStyle/>
+          <a:p>
+            <a:pPr algn="ctr"/>
+            <a:endParaRPr lang="en-US"/>
+          </a:p>
+        </p:txBody>
+      </p:sp>
+      <p:sp>
+        <p:nvSpPr>
+          <p:cNvPr id="2" name="Rectangle 1">
+            <a:extLst>
+              <a:ext uri="{FF2B5EF4-FFF2-40B4-BE49-F238E27FC236}">
+                <a16:creationId xmlns:a16="http://schemas.microsoft.com/office/drawing/2014/main" id="{56A9FEE6-DC45-5F10-E504-4FFDE8B34CF9}"/>
+              </a:ext>
+            </a:extLst>
+          </p:cNvPr>
+          <p:cNvSpPr/>
+          <p:nvPr/>
+        </p:nvSpPr>
+        <p:spPr>
+          <a:xfrm>
+            <a:off x="6545946" y="2627086"/>
+            <a:ext cx="957940" cy="3342195"/>
+          </a:xfrm>
+          <a:prstGeom prst="rect">
+            <a:avLst/>
+          </a:prstGeom>
+          <a:noFill/>
+          <a:ln/>
+        </p:spPr>
+        <p:style>
+          <a:lnRef idx="2">
+            <a:schemeClr val="accent6"/>
+          </a:lnRef>
+          <a:fillRef idx="1">
+            <a:schemeClr val="lt1"/>
+          </a:fillRef>
+          <a:effectRef idx="0">
+            <a:schemeClr val="accent6"/>
+          </a:effectRef>
+          <a:fontRef idx="minor">
+            <a:schemeClr val="dk1"/>
+          </a:fontRef>
+        </p:style>
+        <p:txBody>
+          <a:bodyPr rtlCol="0" anchor="ctr"/>
+          <a:lstStyle/>
+          <a:p>
+            <a:pPr algn="ctr"/>
+            <a:endParaRPr lang="en-US"/>
+          </a:p>
+        </p:txBody>
+      </p:sp>
+      <p:pic>
+        <p:nvPicPr>
+          <p:cNvPr id="7" name="Picture 6">
+            <a:extLst>
+              <a:ext uri="{FF2B5EF4-FFF2-40B4-BE49-F238E27FC236}">
+                <a16:creationId xmlns:a16="http://schemas.microsoft.com/office/drawing/2014/main" id="{D3547EB0-7FF0-9560-4E2D-F228EBC86317}"/>
+              </a:ext>
+            </a:extLst>
+          </p:cNvPr>
+          <p:cNvPicPr>
+            <a:picLocks noChangeAspect="1"/>
+          </p:cNvPicPr>
+          <p:nvPr/>
+        </p:nvPicPr>
+        <p:blipFill>
+          <a:blip r:embed="rId5"/>
+          <a:stretch>
+            <a:fillRect/>
+          </a:stretch>
+        </p:blipFill>
+        <p:spPr>
+          <a:xfrm>
+            <a:off x="7024916" y="568043"/>
+            <a:ext cx="4067175" cy="1400175"/>
+          </a:xfrm>
+          <a:prstGeom prst="rect">
+            <a:avLst/>
+          </a:prstGeom>
+        </p:spPr>
+      </p:pic>
+      <p:sp>
+        <p:nvSpPr>
+          <p:cNvPr id="8" name="TextBox 7">
+            <a:extLst>
+              <a:ext uri="{FF2B5EF4-FFF2-40B4-BE49-F238E27FC236}">
+                <a16:creationId xmlns:a16="http://schemas.microsoft.com/office/drawing/2014/main" id="{A3521BE1-D127-40A4-9C51-0159A4978EBE}"/>
+              </a:ext>
+            </a:extLst>
+          </p:cNvPr>
+          <p:cNvSpPr txBox="1"/>
+          <p:nvPr/>
+        </p:nvSpPr>
+        <p:spPr>
+          <a:xfrm>
+            <a:off x="7817685" y="198711"/>
+            <a:ext cx="3010736" cy="369332"/>
+          </a:xfrm>
+          <a:prstGeom prst="rect">
+            <a:avLst/>
+          </a:prstGeom>
+          <a:noFill/>
+        </p:spPr>
+        <p:txBody>
+          <a:bodyPr wrap="square" rtlCol="0">
+            <a:spAutoFit/>
+          </a:bodyPr>
+          <a:lstStyle/>
+          <a:p>
+            <a:r>
+              <a:rPr lang="es-CO" dirty="0"/>
+              <a:t>Removed </a:t>
+            </a:r>
+            <a:r>
+              <a:rPr lang="es-CO" dirty="0" err="1"/>
+              <a:t>words</a:t>
+            </a:r>
+            <a:r>
+              <a:rPr lang="es-CO" dirty="0"/>
+              <a:t> </a:t>
+            </a:r>
+            <a:r>
+              <a:rPr lang="es-CO" dirty="0" err="1"/>
+              <a:t>sample</a:t>
+            </a:r>
+            <a:endParaRPr lang="en-US" dirty="0"/>
+          </a:p>
+        </p:txBody>
+      </p:sp>
+    </p:spTree>
+    <p:extLst>
+      <p:ext uri="{BB962C8B-B14F-4D97-AF65-F5344CB8AC3E}">
+        <p14:creationId xmlns:p14="http://schemas.microsoft.com/office/powerpoint/2010/main" val="1553285679"/>
+      </p:ext>
+    </p:extLst>
+  </p:cSld>
+  <p:clrMapOvr>
+    <a:masterClrMapping/>
+  </p:clrMapOvr>
+</p:sld>
+</file>
+
+<file path=ppt/slides/slide9.xml><?xml version="1.0" encoding="utf-8"?>
+<p:sld xmlns:a="http://schemas.openxmlformats.org/drawingml/2006/main" xmlns:r="http://schemas.openxmlformats.org/officeDocument/2006/relationships" xmlns:p="http://schemas.openxmlformats.org/presentationml/2006/main">
+  <p:cSld>
+    <p:spTree>
+      <p:nvGrpSpPr>
+        <p:cNvPr id="1" name=""/>
+        <p:cNvGrpSpPr/>
+        <p:nvPr/>
+      </p:nvGrpSpPr>
+      <p:grpSpPr>
+        <a:xfrm>
+          <a:off x="0" y="0"/>
+          <a:ext cx="0" cy="0"/>
+          <a:chOff x="0" y="0"/>
+          <a:chExt cx="0" cy="0"/>
+        </a:xfrm>
+      </p:grpSpPr>
+      <p:sp>
+        <p:nvSpPr>
+          <p:cNvPr id="2" name="Text Placeholder 1">
+            <a:extLst>
+              <a:ext uri="{FF2B5EF4-FFF2-40B4-BE49-F238E27FC236}">
+                <a16:creationId xmlns:a16="http://schemas.microsoft.com/office/drawing/2014/main" id="{C50CDE90-1D3A-1BDD-CDD8-A77816E7F899}"/>
+              </a:ext>
+            </a:extLst>
+          </p:cNvPr>
+          <p:cNvSpPr>
+            <a:spLocks noGrp="1"/>
+          </p:cNvSpPr>
+          <p:nvPr>
+            <p:ph type="body" sz="quarter" idx="14"/>
+          </p:nvPr>
+        </p:nvSpPr>
+        <p:spPr/>
+        <p:txBody>
+          <a:bodyPr/>
+          <a:lstStyle/>
+          <a:p>
+            <a:endParaRPr lang="en-US"/>
+          </a:p>
+        </p:txBody>
+      </p:sp>
+      <p:sp>
+        <p:nvSpPr>
+          <p:cNvPr id="3" name="Title 2">
+            <a:extLst>
+              <a:ext uri="{FF2B5EF4-FFF2-40B4-BE49-F238E27FC236}">
+                <a16:creationId xmlns:a16="http://schemas.microsoft.com/office/drawing/2014/main" id="{09108922-2071-FCD8-F653-CC1054EA3C45}"/>
+              </a:ext>
+            </a:extLst>
+          </p:cNvPr>
+          <p:cNvSpPr>
+            <a:spLocks noGrp="1"/>
+          </p:cNvSpPr>
+          <p:nvPr>
+            <p:ph type="title"/>
+          </p:nvPr>
+        </p:nvSpPr>
+        <p:spPr/>
+        <p:txBody>
+          <a:bodyPr/>
+          <a:lstStyle/>
+          <a:p>
+            <a:r>
+              <a:rPr lang="nb-NO" dirty="0"/>
+              <a:t>Challenges</a:t>
+            </a:r>
+            <a:endParaRPr lang="en-US" dirty="0"/>
+          </a:p>
+        </p:txBody>
+      </p:sp>
+      <p:sp>
+        <p:nvSpPr>
+          <p:cNvPr id="4" name="Content Placeholder 3">
+            <a:extLst>
+              <a:ext uri="{FF2B5EF4-FFF2-40B4-BE49-F238E27FC236}">
+                <a16:creationId xmlns:a16="http://schemas.microsoft.com/office/drawing/2014/main" id="{6056E40A-DD08-19CA-2B96-1378FD57DC58}"/>
+              </a:ext>
+            </a:extLst>
+          </p:cNvPr>
+          <p:cNvSpPr>
+            <a:spLocks noGrp="1"/>
+          </p:cNvSpPr>
+          <p:nvPr>
+            <p:ph sz="quarter" idx="15"/>
+          </p:nvPr>
+        </p:nvSpPr>
+        <p:spPr/>
+        <p:txBody>
+          <a:bodyPr/>
+          <a:lstStyle/>
+          <a:p>
+            <a:pPr marL="0" indent="0">
+              <a:buNone/>
+            </a:pPr>
+            <a:endParaRPr lang="en-US" dirty="0"/>
+          </a:p>
+          <a:p>
+            <a:r>
+              <a:rPr lang="en-US" dirty="0"/>
+              <a:t>Complexity:</a:t>
+            </a:r>
+          </a:p>
+          <a:p>
+            <a:pPr lvl="1"/>
+            <a:r>
+              <a:rPr lang="en-US" dirty="0"/>
+              <a:t>High computational and time-consuming for processing </a:t>
+            </a:r>
+            <a:r>
+              <a:rPr lang="en-US" b="1" dirty="0"/>
+              <a:t>large text-based</a:t>
+            </a:r>
+            <a:r>
+              <a:rPr lang="en-US" dirty="0"/>
+              <a:t> </a:t>
+            </a:r>
+            <a:r>
+              <a:rPr lang="en-US" b="1" dirty="0"/>
+              <a:t>datasets</a:t>
+            </a:r>
+            <a:r>
+              <a:rPr lang="en-US" dirty="0"/>
+              <a:t>.</a:t>
+            </a:r>
+          </a:p>
+          <a:p>
+            <a:pPr lvl="1"/>
+            <a:r>
+              <a:rPr lang="en-US" b="1" dirty="0"/>
+              <a:t>Data Quality Issues</a:t>
+            </a:r>
+            <a:r>
+              <a:rPr lang="en-US" dirty="0"/>
+              <a:t>: inconsistent and incomplete data due to PDF processing.</a:t>
+            </a:r>
+          </a:p>
+          <a:p>
+            <a:pPr lvl="1"/>
+            <a:r>
+              <a:rPr lang="en-US" dirty="0"/>
+              <a:t>Irrecoverable Data: Acceptance that certain data may be permanently lost or unusable, despite advanced algorithms.</a:t>
+            </a:r>
+          </a:p>
+          <a:p>
+            <a:pPr lvl="1"/>
+            <a:r>
+              <a:rPr lang="en-US" dirty="0"/>
+              <a:t>Analysis Complexity: Non-trivial extraction and interpretation challenges due to data diversity and volume.</a:t>
+            </a:r>
+          </a:p>
+          <a:p>
+            <a:pPr marL="0" indent="0">
+              <a:buNone/>
+            </a:pPr>
+            <a:endParaRPr lang="en-US" dirty="0"/>
+          </a:p>
+          <a:p>
+            <a:endParaRPr lang="en-US" dirty="0"/>
+          </a:p>
+          <a:p>
+            <a:r>
+              <a:rPr lang="en-US" dirty="0"/>
+              <a:t>Objective Specificity: What do we want to get out of this dataset?</a:t>
+            </a:r>
+          </a:p>
+          <a:p>
+            <a:pPr lvl="1"/>
+            <a:r>
+              <a:rPr lang="en-US" b="1" dirty="0"/>
+              <a:t>Try to reduce the number of tokens without compromising the quality of data to save computational time.</a:t>
+            </a:r>
+          </a:p>
+          <a:p>
+            <a:endParaRPr lang="en-US" dirty="0"/>
+          </a:p>
+          <a:p>
+            <a:endParaRPr lang="en-US" dirty="0"/>
+          </a:p>
+          <a:p>
+            <a:r>
+              <a:rPr lang="en-US" dirty="0"/>
+              <a:t>NLP Trade-offs: </a:t>
+            </a:r>
+          </a:p>
+          <a:p>
+            <a:pPr lvl="1"/>
+            <a:r>
+              <a:rPr lang="en-US" b="1" dirty="0"/>
+              <a:t>Reduction of data &gt; Computational time</a:t>
+            </a:r>
+            <a:r>
+              <a:rPr lang="en-US" dirty="0"/>
+              <a:t> vs </a:t>
+            </a:r>
+            <a:r>
+              <a:rPr lang="en-US" b="1" dirty="0"/>
+              <a:t>Preservation of data &gt; LLM accuracy</a:t>
+            </a:r>
+          </a:p>
+          <a:p>
+            <a:endParaRPr lang="en-US" dirty="0"/>
+          </a:p>
+        </p:txBody>
+      </p:sp>
+    </p:spTree>
+    <p:extLst>
+      <p:ext uri="{BB962C8B-B14F-4D97-AF65-F5344CB8AC3E}">
+        <p14:creationId xmlns:p14="http://schemas.microsoft.com/office/powerpoint/2010/main" val="3942193220"/>
       </p:ext>
     </p:extLst>
   </p:cSld>

--- a/EAGE24_Hackaton_NoCoalMiners.pptx
+++ b/EAGE24_Hackaton_NoCoalMiners.pptx
@@ -13,11 +13,11 @@
     <p:sldId id="257" r:id="rId8"/>
     <p:sldId id="262" r:id="rId9"/>
     <p:sldId id="260" r:id="rId10"/>
-    <p:sldId id="258" r:id="rId11"/>
-    <p:sldId id="263" r:id="rId12"/>
-    <p:sldId id="268" r:id="rId13"/>
-    <p:sldId id="267" r:id="rId14"/>
-    <p:sldId id="266" r:id="rId15"/>
+    <p:sldId id="266" r:id="rId11"/>
+    <p:sldId id="258" r:id="rId12"/>
+    <p:sldId id="263" r:id="rId13"/>
+    <p:sldId id="268" r:id="rId14"/>
+    <p:sldId id="267" r:id="rId15"/>
     <p:sldId id="269" r:id="rId16"/>
   </p:sldIdLst>
   <p:sldSz cx="12192000" cy="6858000"/>
@@ -4399,7 +4399,7 @@
                 <a:cs typeface="Calibri"/>
                 <a:sym typeface="Calibri"/>
               </a:rPr>
-              <a:t>5</a:t>
+              <a:t>6</a:t>
             </a:fld>
             <a:endParaRPr lang="nl-NL" sz="1200" b="0" i="0" u="none" strike="noStrike" cap="none">
               <a:solidFill>
@@ -4508,7 +4508,7 @@
                 <a:cs typeface="Calibri"/>
                 <a:sym typeface="Calibri"/>
               </a:rPr>
-              <a:t>7</a:t>
+              <a:t>8</a:t>
             </a:fld>
             <a:endParaRPr lang="nl-NL" sz="1200" b="0" i="0" u="none" strike="noStrike" cap="none">
               <a:solidFill>
@@ -4617,7 +4617,7 @@
                 <a:cs typeface="Calibri"/>
                 <a:sym typeface="Calibri"/>
               </a:rPr>
-              <a:t>8</a:t>
+              <a:t>9</a:t>
             </a:fld>
             <a:endParaRPr lang="nl-NL" sz="1200" b="0" i="0" u="none" strike="noStrike" cap="none">
               <a:solidFill>
@@ -33450,7 +33450,22 @@
               <a:rPr lang="nb-NO" dirty="0" err="1"/>
               <a:t>NoCoalMiners</a:t>
             </a:r>
-            <a:endParaRPr lang="en-US" dirty="0"/>
+            <a:br>
+              <a:rPr lang="nb-NO" dirty="0"/>
+            </a:br>
+            <a:r>
+              <a:rPr lang="nb-NO" sz="4000" dirty="0"/>
+              <a:t>Data </a:t>
+            </a:r>
+            <a:r>
+              <a:rPr lang="nb-NO" sz="4000" dirty="0" err="1"/>
+              <a:t>optimisation</a:t>
+            </a:r>
+            <a:r>
+              <a:rPr lang="nb-NO" sz="4000" dirty="0"/>
+              <a:t> for LLM</a:t>
+            </a:r>
+            <a:endParaRPr lang="en-US" sz="4000" dirty="0"/>
           </a:p>
         </p:txBody>
       </p:sp>
@@ -35202,6 +35217,224 @@
       </p:grpSpPr>
       <p:sp>
         <p:nvSpPr>
+          <p:cNvPr id="2" name="Text Placeholder 1">
+            <a:extLst>
+              <a:ext uri="{FF2B5EF4-FFF2-40B4-BE49-F238E27FC236}">
+                <a16:creationId xmlns:a16="http://schemas.microsoft.com/office/drawing/2014/main" id="{C50CDE90-1D3A-1BDD-CDD8-A77816E7F899}"/>
+              </a:ext>
+            </a:extLst>
+          </p:cNvPr>
+          <p:cNvSpPr>
+            <a:spLocks noGrp="1"/>
+          </p:cNvSpPr>
+          <p:nvPr>
+            <p:ph type="body" sz="quarter" idx="14"/>
+          </p:nvPr>
+        </p:nvSpPr>
+        <p:spPr/>
+        <p:txBody>
+          <a:bodyPr/>
+          <a:lstStyle/>
+          <a:p>
+            <a:endParaRPr lang="en-US"/>
+          </a:p>
+        </p:txBody>
+      </p:sp>
+      <p:sp>
+        <p:nvSpPr>
+          <p:cNvPr id="3" name="Title 2">
+            <a:extLst>
+              <a:ext uri="{FF2B5EF4-FFF2-40B4-BE49-F238E27FC236}">
+                <a16:creationId xmlns:a16="http://schemas.microsoft.com/office/drawing/2014/main" id="{09108922-2071-FCD8-F653-CC1054EA3C45}"/>
+              </a:ext>
+            </a:extLst>
+          </p:cNvPr>
+          <p:cNvSpPr>
+            <a:spLocks noGrp="1"/>
+          </p:cNvSpPr>
+          <p:nvPr>
+            <p:ph type="title"/>
+          </p:nvPr>
+        </p:nvSpPr>
+        <p:spPr/>
+        <p:txBody>
+          <a:bodyPr/>
+          <a:lstStyle/>
+          <a:p>
+            <a:r>
+              <a:rPr lang="nb-NO" dirty="0"/>
+              <a:t>Challenges</a:t>
+            </a:r>
+            <a:endParaRPr lang="en-US" dirty="0"/>
+          </a:p>
+        </p:txBody>
+      </p:sp>
+      <p:sp>
+        <p:nvSpPr>
+          <p:cNvPr id="4" name="Content Placeholder 3">
+            <a:extLst>
+              <a:ext uri="{FF2B5EF4-FFF2-40B4-BE49-F238E27FC236}">
+                <a16:creationId xmlns:a16="http://schemas.microsoft.com/office/drawing/2014/main" id="{6056E40A-DD08-19CA-2B96-1378FD57DC58}"/>
+              </a:ext>
+            </a:extLst>
+          </p:cNvPr>
+          <p:cNvSpPr>
+            <a:spLocks noGrp="1"/>
+          </p:cNvSpPr>
+          <p:nvPr>
+            <p:ph sz="quarter" idx="15"/>
+          </p:nvPr>
+        </p:nvSpPr>
+        <p:spPr/>
+        <p:txBody>
+          <a:bodyPr/>
+          <a:lstStyle/>
+          <a:p>
+            <a:pPr marL="0" indent="0">
+              <a:buNone/>
+            </a:pPr>
+            <a:endParaRPr lang="en-US" dirty="0"/>
+          </a:p>
+          <a:p>
+            <a:r>
+              <a:rPr lang="en-US" dirty="0"/>
+              <a:t>Complexity:</a:t>
+            </a:r>
+          </a:p>
+          <a:p>
+            <a:pPr lvl="1"/>
+            <a:r>
+              <a:rPr lang="en-US" dirty="0"/>
+              <a:t>High computational and time-consuming for processing </a:t>
+            </a:r>
+            <a:r>
+              <a:rPr lang="en-US" b="1" dirty="0"/>
+              <a:t>large text-based</a:t>
+            </a:r>
+            <a:r>
+              <a:rPr lang="en-US" dirty="0"/>
+              <a:t> </a:t>
+            </a:r>
+            <a:r>
+              <a:rPr lang="en-US" b="1" dirty="0"/>
+              <a:t>datasets</a:t>
+            </a:r>
+            <a:r>
+              <a:rPr lang="en-US" dirty="0"/>
+              <a:t>.</a:t>
+            </a:r>
+          </a:p>
+          <a:p>
+            <a:pPr lvl="1"/>
+            <a:r>
+              <a:rPr lang="en-US" b="1" dirty="0"/>
+              <a:t>Data Quality Issues</a:t>
+            </a:r>
+            <a:r>
+              <a:rPr lang="en-US" dirty="0"/>
+              <a:t>: inconsistent and incomplete data due to PDF processing.</a:t>
+            </a:r>
+          </a:p>
+          <a:p>
+            <a:pPr lvl="1"/>
+            <a:r>
+              <a:rPr lang="en-US" dirty="0"/>
+              <a:t>Irrecoverable Data: Acceptance that certain data may be permanently lost or unusable, despite advanced algorithms.</a:t>
+            </a:r>
+          </a:p>
+          <a:p>
+            <a:pPr lvl="1"/>
+            <a:r>
+              <a:rPr lang="en-US" dirty="0"/>
+              <a:t>Analysis Complexity: Non-trivial extraction and interpretation challenges due to data diversity and volume.</a:t>
+            </a:r>
+          </a:p>
+          <a:p>
+            <a:pPr marL="0" indent="0">
+              <a:buNone/>
+            </a:pPr>
+            <a:endParaRPr lang="en-US" dirty="0"/>
+          </a:p>
+          <a:p>
+            <a:endParaRPr lang="en-US" dirty="0"/>
+          </a:p>
+          <a:p>
+            <a:r>
+              <a:rPr lang="en-US" dirty="0"/>
+              <a:t>Objective Specificity: What do we want to get out of this dataset?</a:t>
+            </a:r>
+          </a:p>
+          <a:p>
+            <a:pPr lvl="1"/>
+            <a:r>
+              <a:rPr lang="en-US" b="1" dirty="0"/>
+              <a:t>Try to reduce the number of tokens without compromising the quality of data to save computational time.</a:t>
+            </a:r>
+          </a:p>
+          <a:p>
+            <a:endParaRPr lang="en-US" dirty="0"/>
+          </a:p>
+          <a:p>
+            <a:endParaRPr lang="en-US" dirty="0"/>
+          </a:p>
+          <a:p>
+            <a:r>
+              <a:rPr lang="en-US" dirty="0"/>
+              <a:t>NLP Trade-offs: </a:t>
+            </a:r>
+          </a:p>
+          <a:p>
+            <a:pPr lvl="1"/>
+            <a:r>
+              <a:rPr lang="en-US" b="1" dirty="0"/>
+              <a:t>Reduction of data &gt; Computational time</a:t>
+            </a:r>
+            <a:r>
+              <a:rPr lang="en-US" dirty="0"/>
+              <a:t> vs </a:t>
+            </a:r>
+            <a:r>
+              <a:rPr lang="en-US" b="1" dirty="0"/>
+              <a:t>Preservation of data &gt; LLM accuracy</a:t>
+            </a:r>
+          </a:p>
+          <a:p>
+            <a:endParaRPr lang="en-US" dirty="0"/>
+          </a:p>
+        </p:txBody>
+      </p:sp>
+    </p:spTree>
+    <p:extLst>
+      <p:ext uri="{BB962C8B-B14F-4D97-AF65-F5344CB8AC3E}">
+        <p14:creationId xmlns:p14="http://schemas.microsoft.com/office/powerpoint/2010/main" val="3942193220"/>
+      </p:ext>
+    </p:extLst>
+  </p:cSld>
+  <p:clrMapOvr>
+    <a:masterClrMapping/>
+  </p:clrMapOvr>
+</p:sld>
+</file>
+
+<file path=ppt/slides/slide6.xml><?xml version="1.0" encoding="utf-8"?>
+<p:sld xmlns:a="http://schemas.openxmlformats.org/drawingml/2006/main" xmlns:r="http://schemas.openxmlformats.org/officeDocument/2006/relationships" xmlns:p="http://schemas.openxmlformats.org/presentationml/2006/main">
+  <p:cSld>
+    <p:spTree>
+      <p:nvGrpSpPr>
+        <p:cNvPr id="1" name=""/>
+        <p:cNvGrpSpPr/>
+        <p:nvPr/>
+      </p:nvGrpSpPr>
+      <p:grpSpPr>
+        <a:xfrm>
+          <a:off x="0" y="0"/>
+          <a:ext cx="0" cy="0"/>
+          <a:chOff x="0" y="0"/>
+          <a:chExt cx="0" cy="0"/>
+        </a:xfrm>
+      </p:grpSpPr>
+      <p:sp>
+        <p:nvSpPr>
           <p:cNvPr id="5" name="Title 4">
             <a:extLst>
               <a:ext uri="{FF2B5EF4-FFF2-40B4-BE49-F238E27FC236}">
@@ -35317,7 +35550,7 @@
 </p:sld>
 </file>
 
-<file path=ppt/slides/slide6.xml><?xml version="1.0" encoding="utf-8"?>
+<file path=ppt/slides/slide7.xml><?xml version="1.0" encoding="utf-8"?>
 <p:sld xmlns:a="http://schemas.openxmlformats.org/drawingml/2006/main" xmlns:r="http://schemas.openxmlformats.org/officeDocument/2006/relationships" xmlns:p="http://schemas.openxmlformats.org/presentationml/2006/main">
   <p:cSld>
     <p:spTree>
@@ -35910,7 +36143,7 @@
 </p:sld>
 </file>
 
-<file path=ppt/slides/slide7.xml><?xml version="1.0" encoding="utf-8"?>
+<file path=ppt/slides/slide8.xml><?xml version="1.0" encoding="utf-8"?>
 <p:sld xmlns:a="http://schemas.openxmlformats.org/drawingml/2006/main" xmlns:r="http://schemas.openxmlformats.org/officeDocument/2006/relationships" xmlns:p="http://schemas.openxmlformats.org/presentationml/2006/main">
   <p:cSld>
     <p:spTree>
@@ -36166,7 +36399,7 @@
 </p:sld>
 </file>
 
-<file path=ppt/slides/slide8.xml><?xml version="1.0" encoding="utf-8"?>
+<file path=ppt/slides/slide9.xml><?xml version="1.0" encoding="utf-8"?>
 <p:sld xmlns:a="http://schemas.openxmlformats.org/drawingml/2006/main" xmlns:r="http://schemas.openxmlformats.org/officeDocument/2006/relationships" xmlns:p="http://schemas.openxmlformats.org/presentationml/2006/main">
   <p:cSld>
     <p:spTree>
@@ -36456,224 +36689,6 @@
     <p:extLst>
       <p:ext uri="{BB962C8B-B14F-4D97-AF65-F5344CB8AC3E}">
         <p14:creationId xmlns:p14="http://schemas.microsoft.com/office/powerpoint/2010/main" val="1553285679"/>
-      </p:ext>
-    </p:extLst>
-  </p:cSld>
-  <p:clrMapOvr>
-    <a:masterClrMapping/>
-  </p:clrMapOvr>
-</p:sld>
-</file>
-
-<file path=ppt/slides/slide9.xml><?xml version="1.0" encoding="utf-8"?>
-<p:sld xmlns:a="http://schemas.openxmlformats.org/drawingml/2006/main" xmlns:r="http://schemas.openxmlformats.org/officeDocument/2006/relationships" xmlns:p="http://schemas.openxmlformats.org/presentationml/2006/main">
-  <p:cSld>
-    <p:spTree>
-      <p:nvGrpSpPr>
-        <p:cNvPr id="1" name=""/>
-        <p:cNvGrpSpPr/>
-        <p:nvPr/>
-      </p:nvGrpSpPr>
-      <p:grpSpPr>
-        <a:xfrm>
-          <a:off x="0" y="0"/>
-          <a:ext cx="0" cy="0"/>
-          <a:chOff x="0" y="0"/>
-          <a:chExt cx="0" cy="0"/>
-        </a:xfrm>
-      </p:grpSpPr>
-      <p:sp>
-        <p:nvSpPr>
-          <p:cNvPr id="2" name="Text Placeholder 1">
-            <a:extLst>
-              <a:ext uri="{FF2B5EF4-FFF2-40B4-BE49-F238E27FC236}">
-                <a16:creationId xmlns:a16="http://schemas.microsoft.com/office/drawing/2014/main" id="{C50CDE90-1D3A-1BDD-CDD8-A77816E7F899}"/>
-              </a:ext>
-            </a:extLst>
-          </p:cNvPr>
-          <p:cNvSpPr>
-            <a:spLocks noGrp="1"/>
-          </p:cNvSpPr>
-          <p:nvPr>
-            <p:ph type="body" sz="quarter" idx="14"/>
-          </p:nvPr>
-        </p:nvSpPr>
-        <p:spPr/>
-        <p:txBody>
-          <a:bodyPr/>
-          <a:lstStyle/>
-          <a:p>
-            <a:endParaRPr lang="en-US"/>
-          </a:p>
-        </p:txBody>
-      </p:sp>
-      <p:sp>
-        <p:nvSpPr>
-          <p:cNvPr id="3" name="Title 2">
-            <a:extLst>
-              <a:ext uri="{FF2B5EF4-FFF2-40B4-BE49-F238E27FC236}">
-                <a16:creationId xmlns:a16="http://schemas.microsoft.com/office/drawing/2014/main" id="{09108922-2071-FCD8-F653-CC1054EA3C45}"/>
-              </a:ext>
-            </a:extLst>
-          </p:cNvPr>
-          <p:cNvSpPr>
-            <a:spLocks noGrp="1"/>
-          </p:cNvSpPr>
-          <p:nvPr>
-            <p:ph type="title"/>
-          </p:nvPr>
-        </p:nvSpPr>
-        <p:spPr/>
-        <p:txBody>
-          <a:bodyPr/>
-          <a:lstStyle/>
-          <a:p>
-            <a:r>
-              <a:rPr lang="nb-NO" dirty="0"/>
-              <a:t>Challenges</a:t>
-            </a:r>
-            <a:endParaRPr lang="en-US" dirty="0"/>
-          </a:p>
-        </p:txBody>
-      </p:sp>
-      <p:sp>
-        <p:nvSpPr>
-          <p:cNvPr id="4" name="Content Placeholder 3">
-            <a:extLst>
-              <a:ext uri="{FF2B5EF4-FFF2-40B4-BE49-F238E27FC236}">
-                <a16:creationId xmlns:a16="http://schemas.microsoft.com/office/drawing/2014/main" id="{6056E40A-DD08-19CA-2B96-1378FD57DC58}"/>
-              </a:ext>
-            </a:extLst>
-          </p:cNvPr>
-          <p:cNvSpPr>
-            <a:spLocks noGrp="1"/>
-          </p:cNvSpPr>
-          <p:nvPr>
-            <p:ph sz="quarter" idx="15"/>
-          </p:nvPr>
-        </p:nvSpPr>
-        <p:spPr/>
-        <p:txBody>
-          <a:bodyPr/>
-          <a:lstStyle/>
-          <a:p>
-            <a:pPr marL="0" indent="0">
-              <a:buNone/>
-            </a:pPr>
-            <a:endParaRPr lang="en-US" dirty="0"/>
-          </a:p>
-          <a:p>
-            <a:r>
-              <a:rPr lang="en-US" dirty="0"/>
-              <a:t>Complexity:</a:t>
-            </a:r>
-          </a:p>
-          <a:p>
-            <a:pPr lvl="1"/>
-            <a:r>
-              <a:rPr lang="en-US" dirty="0"/>
-              <a:t>High computational and time-consuming for processing </a:t>
-            </a:r>
-            <a:r>
-              <a:rPr lang="en-US" b="1" dirty="0"/>
-              <a:t>large text-based</a:t>
-            </a:r>
-            <a:r>
-              <a:rPr lang="en-US" dirty="0"/>
-              <a:t> </a:t>
-            </a:r>
-            <a:r>
-              <a:rPr lang="en-US" b="1" dirty="0"/>
-              <a:t>datasets</a:t>
-            </a:r>
-            <a:r>
-              <a:rPr lang="en-US" dirty="0"/>
-              <a:t>.</a:t>
-            </a:r>
-          </a:p>
-          <a:p>
-            <a:pPr lvl="1"/>
-            <a:r>
-              <a:rPr lang="en-US" b="1" dirty="0"/>
-              <a:t>Data Quality Issues</a:t>
-            </a:r>
-            <a:r>
-              <a:rPr lang="en-US" dirty="0"/>
-              <a:t>: inconsistent and incomplete data due to PDF processing.</a:t>
-            </a:r>
-          </a:p>
-          <a:p>
-            <a:pPr lvl="1"/>
-            <a:r>
-              <a:rPr lang="en-US" dirty="0"/>
-              <a:t>Irrecoverable Data: Acceptance that certain data may be permanently lost or unusable, despite advanced algorithms.</a:t>
-            </a:r>
-          </a:p>
-          <a:p>
-            <a:pPr lvl="1"/>
-            <a:r>
-              <a:rPr lang="en-US" dirty="0"/>
-              <a:t>Analysis Complexity: Non-trivial extraction and interpretation challenges due to data diversity and volume.</a:t>
-            </a:r>
-          </a:p>
-          <a:p>
-            <a:pPr marL="0" indent="0">
-              <a:buNone/>
-            </a:pPr>
-            <a:endParaRPr lang="en-US" dirty="0"/>
-          </a:p>
-          <a:p>
-            <a:endParaRPr lang="en-US" dirty="0"/>
-          </a:p>
-          <a:p>
-            <a:r>
-              <a:rPr lang="en-US" dirty="0"/>
-              <a:t>Objective Specificity: What do we want to get out of this dataset?</a:t>
-            </a:r>
-          </a:p>
-          <a:p>
-            <a:pPr lvl="1"/>
-            <a:r>
-              <a:rPr lang="en-US" b="1" dirty="0"/>
-              <a:t>Try to reduce the number of tokens without compromising the quality of data to save computational time.</a:t>
-            </a:r>
-          </a:p>
-          <a:p>
-            <a:endParaRPr lang="en-US" dirty="0"/>
-          </a:p>
-          <a:p>
-            <a:endParaRPr lang="en-US" dirty="0"/>
-          </a:p>
-          <a:p>
-            <a:r>
-              <a:rPr lang="en-US" dirty="0"/>
-              <a:t>NLP Trade-offs: </a:t>
-            </a:r>
-          </a:p>
-          <a:p>
-            <a:pPr lvl="1"/>
-            <a:r>
-              <a:rPr lang="en-US" b="1" dirty="0"/>
-              <a:t>Reduction of data &gt; Computational time</a:t>
-            </a:r>
-            <a:r>
-              <a:rPr lang="en-US" dirty="0"/>
-              <a:t> vs </a:t>
-            </a:r>
-            <a:r>
-              <a:rPr lang="en-US" b="1" dirty="0"/>
-              <a:t>Preservation of data &gt; LLM accuracy</a:t>
-            </a:r>
-          </a:p>
-          <a:p>
-            <a:endParaRPr lang="en-US" dirty="0"/>
-          </a:p>
-        </p:txBody>
-      </p:sp>
-    </p:spTree>
-    <p:extLst>
-      <p:ext uri="{BB962C8B-B14F-4D97-AF65-F5344CB8AC3E}">
-        <p14:creationId xmlns:p14="http://schemas.microsoft.com/office/powerpoint/2010/main" val="3942193220"/>
       </p:ext>
     </p:extLst>
   </p:cSld>
